--- a/Dokumentation/Poster/bachelorthesis_rschmid_poster.pptx
+++ b/Dokumentation/Poster/bachelorthesis_rschmid_poster.pptx
@@ -289,7 +289,7 @@
             <a:fld id="{C62D31E2-9E86-40CB-A2F4-FCB2575419C8}" type="datetimeFigureOut">
               <a:rPr lang="en-US" smtClean="0"/>
               <a:pPr/>
-              <a:t>11/29/2011</a:t>
+              <a:t>11/30/2011</a:t>
             </a:fld>
             <a:endParaRPr lang="en-US"/>
           </a:p>
@@ -456,7 +456,7 @@
             <a:fld id="{C62D31E2-9E86-40CB-A2F4-FCB2575419C8}" type="datetimeFigureOut">
               <a:rPr lang="en-US" smtClean="0"/>
               <a:pPr/>
-              <a:t>11/29/2011</a:t>
+              <a:t>11/30/2011</a:t>
             </a:fld>
             <a:endParaRPr lang="en-US"/>
           </a:p>
@@ -633,7 +633,7 @@
             <a:fld id="{C62D31E2-9E86-40CB-A2F4-FCB2575419C8}" type="datetimeFigureOut">
               <a:rPr lang="en-US" smtClean="0"/>
               <a:pPr/>
-              <a:t>11/29/2011</a:t>
+              <a:t>11/30/2011</a:t>
             </a:fld>
             <a:endParaRPr lang="en-US"/>
           </a:p>
@@ -800,7 +800,7 @@
             <a:fld id="{C62D31E2-9E86-40CB-A2F4-FCB2575419C8}" type="datetimeFigureOut">
               <a:rPr lang="en-US" smtClean="0"/>
               <a:pPr/>
-              <a:t>11/29/2011</a:t>
+              <a:t>11/30/2011</a:t>
             </a:fld>
             <a:endParaRPr lang="en-US"/>
           </a:p>
@@ -1043,7 +1043,7 @@
             <a:fld id="{C62D31E2-9E86-40CB-A2F4-FCB2575419C8}" type="datetimeFigureOut">
               <a:rPr lang="en-US" smtClean="0"/>
               <a:pPr/>
-              <a:t>11/29/2011</a:t>
+              <a:t>11/30/2011</a:t>
             </a:fld>
             <a:endParaRPr lang="en-US"/>
           </a:p>
@@ -1328,7 +1328,7 @@
             <a:fld id="{C62D31E2-9E86-40CB-A2F4-FCB2575419C8}" type="datetimeFigureOut">
               <a:rPr lang="en-US" smtClean="0"/>
               <a:pPr/>
-              <a:t>11/29/2011</a:t>
+              <a:t>11/30/2011</a:t>
             </a:fld>
             <a:endParaRPr lang="en-US"/>
           </a:p>
@@ -1747,7 +1747,7 @@
             <a:fld id="{C62D31E2-9E86-40CB-A2F4-FCB2575419C8}" type="datetimeFigureOut">
               <a:rPr lang="en-US" smtClean="0"/>
               <a:pPr/>
-              <a:t>11/29/2011</a:t>
+              <a:t>11/30/2011</a:t>
             </a:fld>
             <a:endParaRPr lang="en-US"/>
           </a:p>
@@ -1862,7 +1862,7 @@
             <a:fld id="{C62D31E2-9E86-40CB-A2F4-FCB2575419C8}" type="datetimeFigureOut">
               <a:rPr lang="en-US" smtClean="0"/>
               <a:pPr/>
-              <a:t>11/29/2011</a:t>
+              <a:t>11/30/2011</a:t>
             </a:fld>
             <a:endParaRPr lang="en-US"/>
           </a:p>
@@ -1954,7 +1954,7 @@
             <a:fld id="{C62D31E2-9E86-40CB-A2F4-FCB2575419C8}" type="datetimeFigureOut">
               <a:rPr lang="en-US" smtClean="0"/>
               <a:pPr/>
-              <a:t>11/29/2011</a:t>
+              <a:t>11/30/2011</a:t>
             </a:fld>
             <a:endParaRPr lang="en-US"/>
           </a:p>
@@ -2228,7 +2228,7 @@
             <a:fld id="{C62D31E2-9E86-40CB-A2F4-FCB2575419C8}" type="datetimeFigureOut">
               <a:rPr lang="en-US" smtClean="0"/>
               <a:pPr/>
-              <a:t>11/29/2011</a:t>
+              <a:t>11/30/2011</a:t>
             </a:fld>
             <a:endParaRPr lang="en-US"/>
           </a:p>
@@ -2478,7 +2478,7 @@
             <a:fld id="{C62D31E2-9E86-40CB-A2F4-FCB2575419C8}" type="datetimeFigureOut">
               <a:rPr lang="en-US" smtClean="0"/>
               <a:pPr/>
-              <a:t>11/29/2011</a:t>
+              <a:t>11/30/2011</a:t>
             </a:fld>
             <a:endParaRPr lang="en-US"/>
           </a:p>
@@ -2688,7 +2688,7 @@
             <a:fld id="{C62D31E2-9E86-40CB-A2F4-FCB2575419C8}" type="datetimeFigureOut">
               <a:rPr lang="en-US" smtClean="0"/>
               <a:pPr/>
-              <a:t>11/29/2011</a:t>
+              <a:t>11/30/2011</a:t>
             </a:fld>
             <a:endParaRPr lang="en-US"/>
           </a:p>
@@ -3104,14 +3104,112 @@
       </p:sp>
       <p:sp>
         <p:nvSpPr>
+          <p:cNvPr id="131" name="Rectangle 130"/>
+          <p:cNvSpPr/>
+          <p:nvPr/>
+        </p:nvSpPr>
+        <p:spPr>
+          <a:xfrm>
+            <a:off x="10043319" y="2179637"/>
+            <a:ext cx="12420600" cy="27584400"/>
+          </a:xfrm>
+          <a:prstGeom prst="rect">
+            <a:avLst/>
+          </a:prstGeom>
+          <a:solidFill>
+            <a:schemeClr val="bg1">
+              <a:lumMod val="95000"/>
+            </a:schemeClr>
+          </a:solidFill>
+          <a:ln>
+            <a:noFill/>
+          </a:ln>
+        </p:spPr>
+        <p:style>
+          <a:lnRef idx="2">
+            <a:schemeClr val="accent1">
+              <a:shade val="50000"/>
+            </a:schemeClr>
+          </a:lnRef>
+          <a:fillRef idx="1">
+            <a:schemeClr val="accent1"/>
+          </a:fillRef>
+          <a:effectRef idx="0">
+            <a:schemeClr val="accent1"/>
+          </a:effectRef>
+          <a:fontRef idx="minor">
+            <a:schemeClr val="lt1"/>
+          </a:fontRef>
+        </p:style>
+        <p:txBody>
+          <a:bodyPr rtlCol="0" anchor="ctr"/>
+          <a:lstStyle/>
+          <a:p>
+            <a:pPr algn="ctr"/>
+            <a:endParaRPr lang="en-US"/>
+          </a:p>
+        </p:txBody>
+      </p:sp>
+      <p:sp>
+        <p:nvSpPr>
+          <p:cNvPr id="159" name="Rounded Rectangle 158"/>
+          <p:cNvSpPr/>
+          <p:nvPr/>
+        </p:nvSpPr>
+        <p:spPr>
+          <a:xfrm>
+            <a:off x="10271919" y="3036887"/>
+            <a:ext cx="11963400" cy="2895600"/>
+          </a:xfrm>
+          <a:prstGeom prst="roundRect">
+            <a:avLst>
+              <a:gd name="adj" fmla="val 8515"/>
+            </a:avLst>
+          </a:prstGeom>
+          <a:noFill/>
+          <a:ln>
+            <a:noFill/>
+          </a:ln>
+        </p:spPr>
+        <p:style>
+          <a:lnRef idx="2">
+            <a:schemeClr val="accent1">
+              <a:shade val="50000"/>
+            </a:schemeClr>
+          </a:lnRef>
+          <a:fillRef idx="1">
+            <a:schemeClr val="accent1"/>
+          </a:fillRef>
+          <a:effectRef idx="0">
+            <a:schemeClr val="accent1"/>
+          </a:effectRef>
+          <a:fontRef idx="minor">
+            <a:schemeClr val="lt1"/>
+          </a:fontRef>
+        </p:style>
+        <p:txBody>
+          <a:bodyPr rtlCol="0" anchor="t" anchorCtr="0"/>
+          <a:lstStyle/>
+          <a:p>
+            <a:pPr algn="just"/>
+            <a:endParaRPr lang="en-US" sz="1800" dirty="0" smtClean="0">
+              <a:solidFill>
+                <a:schemeClr val="tx1"/>
+              </a:solidFill>
+            </a:endParaRPr>
+          </a:p>
+        </p:txBody>
+      </p:sp>
+      <p:sp>
+        <p:nvSpPr>
           <p:cNvPr id="174" name="Rectangle 173"/>
           <p:cNvSpPr/>
           <p:nvPr/>
         </p:nvSpPr>
         <p:spPr>
           <a:xfrm>
-            <a:off x="10036691" y="17648237"/>
-            <a:ext cx="12427228" cy="12115800"/>
+            <a:off x="10043319" y="19324637"/>
+            <a:ext cx="12420600" cy="10439400"/>
           </a:xfrm>
           <a:prstGeom prst="rect">
             <a:avLst/>
@@ -3120,6 +3218,7 @@
             <a:schemeClr val="accent1">
               <a:lumMod val="20000"/>
               <a:lumOff val="80000"/>
+              <a:alpha val="50000"/>
             </a:schemeClr>
           </a:solidFill>
           <a:ln>
@@ -24864,7 +24963,6 @@
               <a:rPr lang="de-DE" sz="2000" b="1" i="1" dirty="0" smtClean="0"/>
               <a:t>Zeitraum:           Juli 2011 bis Dezember 2011</a:t>
             </a:r>
-            <a:endParaRPr lang="de-DE" sz="2000" b="1" i="1" dirty="0" smtClean="0"/>
           </a:p>
           <a:p>
             <a:endParaRPr lang="en-US" sz="4000" b="1" dirty="0" smtClean="0"/>
@@ -24919,7 +25017,7 @@
           <a:lstStyle/>
           <a:p>
             <a:pPr algn="ctr"/>
-            <a:endParaRPr lang="en-US"/>
+            <a:endParaRPr lang="en-US" dirty="0"/>
           </a:p>
         </p:txBody>
       </p:sp>
@@ -24931,8 +25029,8 @@
         </p:nvSpPr>
         <p:spPr>
           <a:xfrm>
-            <a:off x="594519" y="2560637"/>
-            <a:ext cx="8839200" cy="4343400"/>
+            <a:off x="442119" y="3017837"/>
+            <a:ext cx="9067800" cy="4343400"/>
           </a:xfrm>
           <a:prstGeom prst="roundRect">
             <a:avLst>
@@ -24963,6 +25061,7 @@
           <a:bodyPr rtlCol="0" anchor="t" anchorCtr="0"/>
           <a:lstStyle/>
           <a:p>
+            <a:pPr algn="just"/>
             <a:r>
               <a:rPr lang="de-DE" sz="3200" b="1" dirty="0" smtClean="0">
                 <a:solidFill>
@@ -25188,8 +25287,8 @@
         </p:nvSpPr>
         <p:spPr>
           <a:xfrm>
-            <a:off x="594519" y="7132637"/>
-            <a:ext cx="8839200" cy="2362200"/>
+            <a:off x="442119" y="7589837"/>
+            <a:ext cx="9067800" cy="2362200"/>
           </a:xfrm>
           <a:prstGeom prst="roundRect">
             <a:avLst>
@@ -25220,6 +25319,7 @@
           <a:bodyPr rtlCol="0" anchor="t" anchorCtr="0"/>
           <a:lstStyle/>
           <a:p>
+            <a:pPr algn="just"/>
             <a:r>
               <a:rPr lang="de-DE" sz="3200" b="1" dirty="0" smtClean="0">
                 <a:solidFill>
@@ -25369,6 +25469,7 @@
             </a:r>
           </a:p>
           <a:p>
+            <a:pPr algn="just"/>
             <a:endParaRPr lang="de-DE" sz="3200" b="1" dirty="0" smtClean="0">
               <a:solidFill>
                 <a:schemeClr val="tx1"/>
@@ -25385,8 +25486,8 @@
         </p:nvSpPr>
         <p:spPr>
           <a:xfrm>
-            <a:off x="594519" y="9650551"/>
-            <a:ext cx="8839200" cy="4035286"/>
+            <a:off x="442119" y="10107751"/>
+            <a:ext cx="9067800" cy="4035286"/>
           </a:xfrm>
           <a:prstGeom prst="roundRect">
             <a:avLst>
@@ -25417,6 +25518,7 @@
           <a:bodyPr rtlCol="0" anchor="t" anchorCtr="0"/>
           <a:lstStyle/>
           <a:p>
+            <a:pPr algn="just"/>
             <a:r>
               <a:rPr lang="de-DE" sz="3200" b="1" dirty="0" smtClean="0">
                 <a:solidFill>
@@ -25427,30 +25529,18 @@
             </a:r>
           </a:p>
           <a:p>
+            <a:pPr algn="just"/>
             <a:r>
               <a:rPr lang="de-DE" sz="1800" dirty="0" smtClean="0">
                 <a:solidFill>
                   <a:schemeClr val="tx1"/>
                 </a:solidFill>
               </a:rPr>
-              <a:t>Im Rahmen der Bachelorthesis </a:t>
-            </a:r>
-            <a:r>
-              <a:rPr lang="de-DE" sz="1800" dirty="0" smtClean="0">
-                <a:solidFill>
-                  <a:schemeClr val="tx1"/>
-                </a:solidFill>
-              </a:rPr>
-              <a:t>werden vom Studenten folgende Aufgaben durchgeführt:</a:t>
-            </a:r>
-            <a:endParaRPr lang="de-DE" sz="1800" dirty="0" smtClean="0">
-              <a:solidFill>
-                <a:schemeClr val="tx1"/>
-              </a:solidFill>
-            </a:endParaRPr>
+              <a:t>Im Rahmen der Bachelorthesis werden vom Studenten folgende Aufgaben durchgeführt:</a:t>
+            </a:r>
           </a:p>
           <a:p>
-            <a:pPr marL="342900" indent="-342900">
+            <a:pPr marL="342900" indent="-342900" algn="just">
               <a:buFont typeface="+mj-lt"/>
               <a:buAutoNum type="arabicPeriod"/>
             </a:pPr>
@@ -25528,7 +25618,7 @@
             </a:r>
           </a:p>
           <a:p>
-            <a:pPr marL="342900" indent="-342900">
+            <a:pPr marL="342900" indent="-342900" algn="just">
               <a:buFont typeface="+mj-lt"/>
               <a:buAutoNum type="arabicPeriod"/>
             </a:pPr>
@@ -25574,7 +25664,7 @@
             </a:r>
           </a:p>
           <a:p>
-            <a:pPr marL="342900" indent="-342900">
+            <a:pPr marL="342900" indent="-342900" algn="just">
               <a:buFont typeface="+mj-lt"/>
               <a:buAutoNum type="arabicPeriod"/>
             </a:pPr>
@@ -25588,7 +25678,7 @@
             </a:r>
           </a:p>
           <a:p>
-            <a:pPr marL="342900" indent="-342900">
+            <a:pPr marL="342900" indent="-342900" algn="just">
               <a:buFont typeface="+mj-lt"/>
               <a:buAutoNum type="arabicPeriod"/>
             </a:pPr>
@@ -25602,7 +25692,7 @@
             </a:r>
           </a:p>
           <a:p>
-            <a:pPr marL="342900" indent="-342900">
+            <a:pPr marL="342900" indent="-342900" algn="just">
               <a:buFont typeface="+mj-lt"/>
               <a:buAutoNum type="arabicPeriod"/>
             </a:pPr>
@@ -25616,7 +25706,7 @@
             </a:r>
           </a:p>
           <a:p>
-            <a:pPr marL="342900" indent="-342900">
+            <a:pPr marL="342900" indent="-342900" algn="just">
               <a:buFont typeface="+mj-lt"/>
               <a:buAutoNum type="arabicPeriod"/>
             </a:pPr>
@@ -25638,7 +25728,7 @@
             </a:r>
           </a:p>
           <a:p>
-            <a:pPr marL="342900" indent="-342900">
+            <a:pPr marL="342900" indent="-342900" algn="just">
               <a:buFont typeface="+mj-lt"/>
               <a:buAutoNum type="arabicPeriod"/>
             </a:pPr>
@@ -25661,8 +25751,8 @@
         </p:nvSpPr>
         <p:spPr>
           <a:xfrm>
-            <a:off x="518319" y="13914437"/>
-            <a:ext cx="8915400" cy="4035286"/>
+            <a:off x="442119" y="14371637"/>
+            <a:ext cx="9067800" cy="4035286"/>
           </a:xfrm>
           <a:prstGeom prst="roundRect">
             <a:avLst>
@@ -25693,6 +25783,7 @@
           <a:bodyPr rtlCol="0" anchor="t" anchorCtr="0"/>
           <a:lstStyle/>
           <a:p>
+            <a:pPr algn="just"/>
             <a:r>
               <a:rPr lang="en-US" sz="3200" b="1" dirty="0" err="1" smtClean="0">
                 <a:solidFill>
@@ -25719,6 +25810,7 @@
             </a:r>
           </a:p>
           <a:p>
+            <a:pPr algn="just"/>
             <a:r>
               <a:rPr lang="en-US" sz="1800" dirty="0" smtClean="0">
                 <a:solidFill>
@@ -25809,7 +25901,7 @@
             </a:r>
           </a:p>
           <a:p>
-            <a:pPr marL="342900" indent="-342900">
+            <a:pPr marL="342900" indent="-342900" algn="just">
               <a:buFont typeface="+mj-lt"/>
               <a:buAutoNum type="arabicPeriod"/>
             </a:pPr>
@@ -25891,7 +25983,15 @@
                   <a:schemeClr val="tx1"/>
                 </a:solidFill>
               </a:rPr>
-              <a:t> Java Virtual </a:t>
+              <a:t> Java Virtual  Machine </a:t>
+            </a:r>
+            <a:r>
+              <a:rPr lang="en-US" sz="1800" dirty="0" err="1" smtClean="0">
+                <a:solidFill>
+                  <a:schemeClr val="tx1"/>
+                </a:solidFill>
+              </a:rPr>
+              <a:t>im</a:t>
             </a:r>
             <a:r>
               <a:rPr lang="en-US" sz="1800" dirty="0" smtClean="0">
@@ -25899,7 +25999,7 @@
                   <a:schemeClr val="tx1"/>
                 </a:solidFill>
               </a:rPr>
-              <a:t> Machine </a:t>
+              <a:t> </a:t>
             </a:r>
             <a:r>
               <a:rPr lang="en-US" sz="1800" dirty="0" err="1" smtClean="0">
@@ -25907,7 +26007,7 @@
                   <a:schemeClr val="tx1"/>
                 </a:solidFill>
               </a:rPr>
-              <a:t>im</a:t>
+              <a:t>Generellen</a:t>
             </a:r>
             <a:r>
               <a:rPr lang="en-US" sz="1800" dirty="0" smtClean="0">
@@ -25915,6 +26015,22 @@
                   <a:schemeClr val="tx1"/>
                 </a:solidFill>
               </a:rPr>
+              <a:t> und </a:t>
+            </a:r>
+            <a:r>
+              <a:rPr lang="en-US" sz="1800" dirty="0" err="1" smtClean="0">
+                <a:solidFill>
+                  <a:schemeClr val="tx1"/>
+                </a:solidFill>
+              </a:rPr>
+              <a:t>spezifisch</a:t>
+            </a:r>
+            <a:r>
+              <a:rPr lang="en-US" sz="1800" dirty="0" smtClean="0">
+                <a:solidFill>
+                  <a:schemeClr val="tx1"/>
+                </a:solidFill>
+              </a:rPr>
               <a:t> </a:t>
             </a:r>
             <a:r>
@@ -25923,7 +26039,7 @@
                   <a:schemeClr val="tx1"/>
                 </a:solidFill>
               </a:rPr>
-              <a:t>Generellen</a:t>
+              <a:t>der</a:t>
             </a:r>
             <a:r>
               <a:rPr lang="en-US" sz="1800" dirty="0" smtClean="0">
@@ -25931,7 +26047,7 @@
                   <a:schemeClr val="tx1"/>
                 </a:solidFill>
               </a:rPr>
-              <a:t> und </a:t>
+              <a:t> </a:t>
             </a:r>
             <a:r>
               <a:rPr lang="en-US" sz="1800" dirty="0" err="1" smtClean="0">
@@ -25939,7 +26055,7 @@
                   <a:schemeClr val="tx1"/>
                 </a:solidFill>
               </a:rPr>
-              <a:t>spezifisch</a:t>
+              <a:t>JRockit</a:t>
             </a:r>
             <a:r>
               <a:rPr lang="en-US" sz="1800" dirty="0" smtClean="0">
@@ -25947,51 +26063,11 @@
                   <a:schemeClr val="tx1"/>
                 </a:solidFill>
               </a:rPr>
-              <a:t> </a:t>
-            </a:r>
-            <a:r>
-              <a:rPr lang="en-US" sz="1800" dirty="0" err="1" smtClean="0">
-                <a:solidFill>
-                  <a:schemeClr val="tx1"/>
-                </a:solidFill>
-              </a:rPr>
-              <a:t>der</a:t>
-            </a:r>
-            <a:r>
-              <a:rPr lang="en-US" sz="1800" dirty="0" smtClean="0">
-                <a:solidFill>
-                  <a:schemeClr val="tx1"/>
-                </a:solidFill>
-              </a:rPr>
-              <a:t> </a:t>
-            </a:r>
-            <a:r>
-              <a:rPr lang="en-US" sz="1800" dirty="0" err="1" smtClean="0">
-                <a:solidFill>
-                  <a:schemeClr val="tx1"/>
-                </a:solidFill>
-              </a:rPr>
-              <a:t>JRockit</a:t>
-            </a:r>
-            <a:r>
-              <a:rPr lang="en-US" sz="1800" dirty="0" smtClean="0">
-                <a:solidFill>
-                  <a:schemeClr val="tx1"/>
-                </a:solidFill>
-              </a:rPr>
-              <a:t> Virtual </a:t>
-            </a:r>
-            <a:r>
-              <a:rPr lang="en-US" sz="1800" dirty="0" smtClean="0">
-                <a:solidFill>
-                  <a:schemeClr val="tx1"/>
-                </a:solidFill>
-              </a:rPr>
-              <a:t>Machine.</a:t>
+              <a:t> Virtual Machine.</a:t>
             </a:r>
           </a:p>
           <a:p>
-            <a:pPr marL="342900" indent="-342900">
+            <a:pPr marL="342900" indent="-342900" algn="just">
               <a:buFont typeface="+mj-lt"/>
               <a:buAutoNum type="arabicPeriod"/>
             </a:pPr>
@@ -26089,23 +26165,7 @@
                   <a:schemeClr val="tx1"/>
                 </a:solidFill>
               </a:rPr>
-              <a:t> (state of the art) Java </a:t>
-            </a:r>
-            <a:r>
-              <a:rPr lang="en-US" sz="1800" dirty="0" smtClean="0">
-                <a:solidFill>
-                  <a:schemeClr val="tx1"/>
-                </a:solidFill>
-              </a:rPr>
-              <a:t> Rich </a:t>
-            </a:r>
-            <a:r>
-              <a:rPr lang="en-US" sz="1800" dirty="0" smtClean="0">
-                <a:solidFill>
-                  <a:schemeClr val="tx1"/>
-                </a:solidFill>
-              </a:rPr>
-              <a:t>Client </a:t>
+              <a:t> (state of the art) Java  Rich Client </a:t>
             </a:r>
             <a:r>
               <a:rPr lang="en-US" sz="1800" dirty="0" err="1" smtClean="0">
@@ -26122,7 +26182,7 @@
             </a:endParaRPr>
           </a:p>
           <a:p>
-            <a:pPr marL="342900" indent="-342900">
+            <a:pPr marL="342900" indent="-342900" algn="just">
               <a:buFont typeface="+mj-lt"/>
               <a:buAutoNum type="arabicPeriod"/>
             </a:pPr>
@@ -26140,15 +26200,7 @@
                   <a:schemeClr val="tx1"/>
                 </a:solidFill>
               </a:rPr>
-              <a:t> </a:t>
-            </a:r>
-            <a:r>
-              <a:rPr lang="en-US" sz="1800" dirty="0" smtClean="0">
-                <a:solidFill>
-                  <a:schemeClr val="tx1"/>
-                </a:solidFill>
-              </a:rPr>
-              <a:t>des Software </a:t>
+              <a:t> des Software </a:t>
             </a:r>
             <a:r>
               <a:rPr lang="en-US" sz="1800" dirty="0" err="1" smtClean="0">
@@ -26165,7 +26217,7 @@
             </a:endParaRPr>
           </a:p>
           <a:p>
-            <a:pPr marL="342900" indent="-342900">
+            <a:pPr marL="342900" indent="-342900" algn="just">
               <a:buFont typeface="+mj-lt"/>
               <a:buAutoNum type="arabicPeriod"/>
             </a:pPr>
@@ -26175,15 +26227,7 @@
                   <a:schemeClr val="tx1"/>
                 </a:solidFill>
               </a:rPr>
-              <a:t>D</a:t>
-            </a:r>
-            <a:r>
-              <a:rPr lang="en-US" sz="1800" dirty="0" err="1" smtClean="0">
-                <a:solidFill>
-                  <a:schemeClr val="tx1"/>
-                </a:solidFill>
-              </a:rPr>
-              <a:t>okumentierte</a:t>
+              <a:t>Dokumentierte</a:t>
             </a:r>
             <a:r>
               <a:rPr lang="en-US" sz="1800" dirty="0" smtClean="0">
@@ -26224,7 +26268,7 @@
             </a:endParaRPr>
           </a:p>
           <a:p>
-            <a:pPr marL="342900" indent="-342900">
+            <a:pPr marL="342900" indent="-342900" algn="just">
               <a:buFont typeface="+mj-lt"/>
               <a:buAutoNum type="arabicPeriod"/>
             </a:pPr>
@@ -26242,59 +26286,43 @@
                   <a:schemeClr val="tx1"/>
                 </a:solidFill>
               </a:rPr>
+              <a:t> und </a:t>
+            </a:r>
+            <a:r>
+              <a:rPr lang="en-US" sz="1800" dirty="0" err="1" smtClean="0">
+                <a:solidFill>
+                  <a:schemeClr val="tx1"/>
+                </a:solidFill>
+              </a:rPr>
+              <a:t>Spezifikation</a:t>
+            </a:r>
+            <a:r>
+              <a:rPr lang="en-US" sz="1800" dirty="0" smtClean="0">
+                <a:solidFill>
+                  <a:schemeClr val="tx1"/>
+                </a:solidFill>
+              </a:rPr>
               <a:t> </a:t>
             </a:r>
             <a:r>
+              <a:rPr lang="en-US" sz="1800" dirty="0" err="1" smtClean="0">
+                <a:solidFill>
+                  <a:schemeClr val="tx1"/>
+                </a:solidFill>
+              </a:rPr>
+              <a:t>der</a:t>
+            </a:r>
+            <a:r>
               <a:rPr lang="en-US" sz="1800" dirty="0" smtClean="0">
                 <a:solidFill>
                   <a:schemeClr val="tx1"/>
                 </a:solidFill>
               </a:rPr>
-              <a:t>und </a:t>
-            </a:r>
-            <a:r>
-              <a:rPr lang="en-US" sz="1800" dirty="0" err="1" smtClean="0">
-                <a:solidFill>
-                  <a:schemeClr val="tx1"/>
-                </a:solidFill>
-              </a:rPr>
-              <a:t>Spezifikation</a:t>
-            </a:r>
-            <a:r>
-              <a:rPr lang="en-US" sz="1800" dirty="0" smtClean="0">
-                <a:solidFill>
-                  <a:schemeClr val="tx1"/>
-                </a:solidFill>
-              </a:rPr>
-              <a:t> </a:t>
-            </a:r>
-            <a:r>
-              <a:rPr lang="en-US" sz="1800" dirty="0" err="1" smtClean="0">
-                <a:solidFill>
-                  <a:schemeClr val="tx1"/>
-                </a:solidFill>
-              </a:rPr>
-              <a:t>der</a:t>
-            </a:r>
-            <a:r>
-              <a:rPr lang="en-US" sz="1800" dirty="0" smtClean="0">
-                <a:solidFill>
-                  <a:schemeClr val="tx1"/>
-                </a:solidFill>
-              </a:rPr>
-              <a:t> </a:t>
-            </a:r>
-            <a:r>
-              <a:rPr lang="en-US" sz="1800" dirty="0" smtClean="0">
-                <a:solidFill>
-                  <a:schemeClr val="tx1"/>
-                </a:solidFill>
-              </a:rPr>
-              <a:t>Software</a:t>
+              <a:t> Software</a:t>
             </a:r>
           </a:p>
           <a:p>
-            <a:pPr marL="342900" indent="-342900">
+            <a:pPr marL="342900" indent="-342900" algn="just">
               <a:buFont typeface="+mj-lt"/>
               <a:buAutoNum type="arabicPeriod"/>
             </a:pPr>
@@ -26336,19 +26364,11 @@
                   <a:schemeClr val="tx1"/>
                 </a:solidFill>
               </a:rPr>
-              <a:t> Software und </a:t>
-            </a:r>
-            <a:r>
-              <a:rPr lang="en-US" sz="1800" dirty="0" smtClean="0">
-                <a:solidFill>
-                  <a:schemeClr val="tx1"/>
-                </a:solidFill>
-              </a:rPr>
-              <a:t>Source-Code</a:t>
+              <a:t> Software und Source-Code</a:t>
             </a:r>
           </a:p>
           <a:p>
-            <a:pPr marL="342900" indent="-342900">
+            <a:pPr marL="342900" indent="-342900" algn="just">
               <a:buFont typeface="+mj-lt"/>
               <a:buAutoNum type="arabicPeriod"/>
             </a:pPr>
@@ -26408,515 +26428,19 @@
           </a:p>
         </p:txBody>
       </p:sp>
-      <p:sp>
-        <p:nvSpPr>
-          <p:cNvPr id="131" name="Rectangle 130"/>
-          <p:cNvSpPr/>
-          <p:nvPr/>
-        </p:nvSpPr>
-        <p:spPr>
-          <a:xfrm>
-            <a:off x="10006875" y="2182951"/>
-            <a:ext cx="12457044" cy="15617686"/>
-          </a:xfrm>
-          <a:prstGeom prst="rect">
-            <a:avLst/>
-          </a:prstGeom>
-          <a:solidFill>
-            <a:schemeClr val="bg1">
-              <a:lumMod val="95000"/>
-            </a:schemeClr>
-          </a:solidFill>
-          <a:ln>
-            <a:noFill/>
-          </a:ln>
-        </p:spPr>
-        <p:style>
-          <a:lnRef idx="2">
-            <a:schemeClr val="accent1">
-              <a:shade val="50000"/>
-            </a:schemeClr>
-          </a:lnRef>
-          <a:fillRef idx="1">
-            <a:schemeClr val="accent1"/>
-          </a:fillRef>
-          <a:effectRef idx="0">
-            <a:schemeClr val="accent1"/>
-          </a:effectRef>
-          <a:fontRef idx="minor">
-            <a:schemeClr val="lt1"/>
-          </a:fontRef>
-        </p:style>
-        <p:txBody>
-          <a:bodyPr rtlCol="0" anchor="ctr"/>
-          <a:lstStyle/>
-          <a:p>
-            <a:pPr algn="ctr"/>
-            <a:endParaRPr lang="en-US"/>
-          </a:p>
-        </p:txBody>
-      </p:sp>
-      <p:sp>
-        <p:nvSpPr>
-          <p:cNvPr id="132" name="Oval 131"/>
-          <p:cNvSpPr/>
-          <p:nvPr/>
-        </p:nvSpPr>
-        <p:spPr>
-          <a:xfrm>
-            <a:off x="11454676" y="8885237"/>
-            <a:ext cx="533400" cy="533400"/>
-          </a:xfrm>
-          <a:prstGeom prst="ellipse">
-            <a:avLst/>
-          </a:prstGeom>
-          <a:solidFill>
-            <a:schemeClr val="tx1"/>
-          </a:solidFill>
-        </p:spPr>
-        <p:style>
-          <a:lnRef idx="2">
-            <a:schemeClr val="accent1">
-              <a:shade val="50000"/>
-            </a:schemeClr>
-          </a:lnRef>
-          <a:fillRef idx="1">
-            <a:schemeClr val="accent1"/>
-          </a:fillRef>
-          <a:effectRef idx="0">
-            <a:schemeClr val="accent1"/>
-          </a:effectRef>
-          <a:fontRef idx="minor">
-            <a:schemeClr val="lt1"/>
-          </a:fontRef>
-        </p:style>
-        <p:txBody>
-          <a:bodyPr rtlCol="0" anchor="ctr"/>
-          <a:lstStyle/>
-          <a:p>
-            <a:pPr algn="ctr"/>
-            <a:endParaRPr lang="en-US" dirty="0"/>
-          </a:p>
-        </p:txBody>
-      </p:sp>
-      <p:sp>
-        <p:nvSpPr>
-          <p:cNvPr id="133" name="Rounded Rectangle 132"/>
-          <p:cNvSpPr/>
-          <p:nvPr/>
-        </p:nvSpPr>
-        <p:spPr>
-          <a:xfrm>
-            <a:off x="18229848" y="13876337"/>
-            <a:ext cx="2895600" cy="1066800"/>
-          </a:xfrm>
-          <a:prstGeom prst="roundRect">
-            <a:avLst/>
-          </a:prstGeom>
-          <a:solidFill>
-            <a:schemeClr val="tx2"/>
-          </a:solidFill>
-        </p:spPr>
-        <p:style>
-          <a:lnRef idx="2">
-            <a:schemeClr val="accent1">
-              <a:shade val="50000"/>
-            </a:schemeClr>
-          </a:lnRef>
-          <a:fillRef idx="1">
-            <a:schemeClr val="accent1"/>
-          </a:fillRef>
-          <a:effectRef idx="0">
-            <a:schemeClr val="accent1"/>
-          </a:effectRef>
-          <a:fontRef idx="minor">
-            <a:schemeClr val="lt1"/>
-          </a:fontRef>
-        </p:style>
-        <p:txBody>
-          <a:bodyPr rtlCol="0" anchor="ctr"/>
-          <a:lstStyle/>
-          <a:p>
-            <a:pPr algn="ctr"/>
-            <a:r>
-              <a:rPr lang="de-CH" sz="1800" dirty="0" smtClean="0"/>
-              <a:t>Applikation</a:t>
-            </a:r>
-          </a:p>
-        </p:txBody>
-      </p:sp>
-      <p:sp>
-        <p:nvSpPr>
-          <p:cNvPr id="134" name="Rounded Rectangle 133"/>
-          <p:cNvSpPr/>
-          <p:nvPr/>
-        </p:nvSpPr>
-        <p:spPr>
-          <a:xfrm>
-            <a:off x="18196719" y="10714037"/>
-            <a:ext cx="2971800" cy="1066800"/>
-          </a:xfrm>
-          <a:prstGeom prst="roundRect">
-            <a:avLst/>
-          </a:prstGeom>
-          <a:solidFill>
-            <a:schemeClr val="tx2"/>
-          </a:solidFill>
-        </p:spPr>
-        <p:style>
-          <a:lnRef idx="2">
-            <a:schemeClr val="accent1">
-              <a:shade val="50000"/>
-            </a:schemeClr>
-          </a:lnRef>
-          <a:fillRef idx="1">
-            <a:schemeClr val="accent1"/>
-          </a:fillRef>
-          <a:effectRef idx="0">
-            <a:schemeClr val="accent1"/>
-          </a:effectRef>
-          <a:fontRef idx="minor">
-            <a:schemeClr val="lt1"/>
-          </a:fontRef>
-        </p:style>
-        <p:txBody>
-          <a:bodyPr rtlCol="0" anchor="ctr"/>
-          <a:lstStyle/>
-          <a:p>
-            <a:pPr algn="ctr"/>
-            <a:r>
-              <a:rPr lang="de-CH" sz="1800" dirty="0" err="1" smtClean="0"/>
-              <a:t>Operating</a:t>
-            </a:r>
-            <a:r>
-              <a:rPr lang="de-CH" sz="1800" dirty="0" smtClean="0"/>
-              <a:t> System, Hardware</a:t>
-            </a:r>
-          </a:p>
-        </p:txBody>
-      </p:sp>
-      <p:sp>
-        <p:nvSpPr>
-          <p:cNvPr id="135" name="Rounded Rectangle 134"/>
-          <p:cNvSpPr/>
-          <p:nvPr/>
-        </p:nvSpPr>
-        <p:spPr>
-          <a:xfrm>
-            <a:off x="14210298" y="16181387"/>
-            <a:ext cx="2895600" cy="1066800"/>
-          </a:xfrm>
-          <a:prstGeom prst="roundRect">
-            <a:avLst/>
-          </a:prstGeom>
-          <a:solidFill>
-            <a:schemeClr val="tx2"/>
-          </a:solidFill>
-        </p:spPr>
-        <p:style>
-          <a:lnRef idx="2">
-            <a:schemeClr val="accent1">
-              <a:shade val="50000"/>
-            </a:schemeClr>
-          </a:lnRef>
-          <a:fillRef idx="1">
-            <a:schemeClr val="accent1"/>
-          </a:fillRef>
-          <a:effectRef idx="0">
-            <a:schemeClr val="accent1"/>
-          </a:effectRef>
-          <a:fontRef idx="minor">
-            <a:schemeClr val="lt1"/>
-          </a:fontRef>
-        </p:style>
-        <p:txBody>
-          <a:bodyPr rtlCol="0" anchor="ctr"/>
-          <a:lstStyle/>
-          <a:p>
-            <a:pPr algn="ctr"/>
-            <a:r>
-              <a:rPr lang="de-CH" sz="1800" dirty="0" smtClean="0"/>
-              <a:t>Java </a:t>
-            </a:r>
-            <a:r>
-              <a:rPr lang="de-CH" sz="1800" dirty="0" err="1" smtClean="0"/>
-              <a:t>Virtual</a:t>
-            </a:r>
-            <a:r>
-              <a:rPr lang="de-CH" sz="1800" dirty="0" smtClean="0"/>
-              <a:t> </a:t>
-            </a:r>
-            <a:r>
-              <a:rPr lang="de-CH" sz="1800" dirty="0" err="1" smtClean="0"/>
-              <a:t>Machine</a:t>
-            </a:r>
-            <a:r>
-              <a:rPr lang="de-CH" sz="1800" dirty="0" smtClean="0"/>
-              <a:t> (</a:t>
-            </a:r>
-            <a:r>
-              <a:rPr lang="de-CH" sz="1800" dirty="0" err="1" smtClean="0"/>
-              <a:t>Garbage</a:t>
-            </a:r>
-            <a:r>
-              <a:rPr lang="de-CH" sz="1800" dirty="0" smtClean="0"/>
-              <a:t> </a:t>
-            </a:r>
-            <a:r>
-              <a:rPr lang="de-CH" sz="1800" dirty="0" err="1" smtClean="0"/>
-              <a:t>Collection</a:t>
-            </a:r>
-            <a:r>
-              <a:rPr lang="de-CH" sz="1800" dirty="0" smtClean="0"/>
-              <a:t>, </a:t>
-            </a:r>
-            <a:r>
-              <a:rPr lang="de-CH" sz="1800" dirty="0" err="1" smtClean="0"/>
-              <a:t>Just-in-Time</a:t>
-            </a:r>
-            <a:r>
-              <a:rPr lang="de-CH" sz="1800" dirty="0" smtClean="0"/>
-              <a:t> Compiler, etc.)</a:t>
-            </a:r>
-          </a:p>
-        </p:txBody>
-      </p:sp>
-      <p:sp>
-        <p:nvSpPr>
-          <p:cNvPr id="136" name="Rounded Rectangle 135"/>
-          <p:cNvSpPr/>
-          <p:nvPr/>
-        </p:nvSpPr>
-        <p:spPr>
-          <a:xfrm>
-            <a:off x="10228848" y="16200437"/>
-            <a:ext cx="2971800" cy="1066800"/>
-          </a:xfrm>
-          <a:prstGeom prst="roundRect">
-            <a:avLst/>
-          </a:prstGeom>
-          <a:solidFill>
-            <a:schemeClr val="tx2"/>
-          </a:solidFill>
-        </p:spPr>
-        <p:style>
-          <a:lnRef idx="2">
-            <a:schemeClr val="accent1">
-              <a:shade val="50000"/>
-            </a:schemeClr>
-          </a:lnRef>
-          <a:fillRef idx="1">
-            <a:schemeClr val="accent1"/>
-          </a:fillRef>
-          <a:effectRef idx="0">
-            <a:schemeClr val="accent1"/>
-          </a:effectRef>
-          <a:fontRef idx="minor">
-            <a:schemeClr val="lt1"/>
-          </a:fontRef>
-        </p:style>
-        <p:txBody>
-          <a:bodyPr rtlCol="0" anchor="ctr"/>
-          <a:lstStyle/>
-          <a:p>
-            <a:pPr algn="ctr"/>
-            <a:r>
-              <a:rPr lang="de-CH" sz="1800" dirty="0" smtClean="0"/>
-              <a:t>Kein </a:t>
-            </a:r>
-            <a:r>
-              <a:rPr lang="de-CH" sz="1800" dirty="0" err="1" smtClean="0"/>
-              <a:t>Dominating</a:t>
-            </a:r>
-            <a:r>
-              <a:rPr lang="de-CH" sz="1800" dirty="0" smtClean="0"/>
-              <a:t> </a:t>
-            </a:r>
-            <a:r>
-              <a:rPr lang="de-CH" sz="1800" dirty="0" err="1" smtClean="0"/>
-              <a:t>Consumer</a:t>
-            </a:r>
-            <a:endParaRPr lang="de-CH" sz="1800" dirty="0" smtClean="0"/>
-          </a:p>
-        </p:txBody>
-      </p:sp>
-      <p:sp>
-        <p:nvSpPr>
-          <p:cNvPr id="137" name="Diamond 136"/>
-          <p:cNvSpPr/>
-          <p:nvPr/>
-        </p:nvSpPr>
-        <p:spPr>
-          <a:xfrm>
-            <a:off x="10266948" y="9799637"/>
-            <a:ext cx="2895600" cy="2819400"/>
-          </a:xfrm>
-          <a:prstGeom prst="diamond">
-            <a:avLst/>
-          </a:prstGeom>
-          <a:solidFill>
-            <a:schemeClr val="tx1">
-              <a:lumMod val="65000"/>
-              <a:lumOff val="35000"/>
-            </a:schemeClr>
-          </a:solidFill>
-        </p:spPr>
-        <p:style>
-          <a:lnRef idx="2">
-            <a:schemeClr val="accent1">
-              <a:shade val="50000"/>
-            </a:schemeClr>
-          </a:lnRef>
-          <a:fillRef idx="1">
-            <a:schemeClr val="accent1"/>
-          </a:fillRef>
-          <a:effectRef idx="0">
-            <a:schemeClr val="accent1"/>
-          </a:effectRef>
-          <a:fontRef idx="minor">
-            <a:schemeClr val="lt1"/>
-          </a:fontRef>
-        </p:style>
-        <p:txBody>
-          <a:bodyPr rtlCol="0" anchor="ctr"/>
-          <a:lstStyle/>
-          <a:p>
-            <a:pPr algn="ctr"/>
-            <a:r>
-              <a:rPr lang="de-CH" sz="1800" dirty="0" smtClean="0"/>
-              <a:t>Hohe System-</a:t>
-            </a:r>
-          </a:p>
-          <a:p>
-            <a:pPr algn="ctr"/>
-            <a:r>
-              <a:rPr lang="de-CH" sz="1800" dirty="0" err="1" smtClean="0"/>
-              <a:t>auslastung</a:t>
-            </a:r>
-            <a:endParaRPr lang="en-US" sz="1800" dirty="0"/>
-          </a:p>
-        </p:txBody>
-      </p:sp>
-      <p:sp>
-        <p:nvSpPr>
-          <p:cNvPr id="138" name="Diamond 137"/>
-          <p:cNvSpPr/>
-          <p:nvPr/>
-        </p:nvSpPr>
-        <p:spPr>
-          <a:xfrm>
-            <a:off x="14210298" y="13004270"/>
-            <a:ext cx="2895600" cy="2815167"/>
-          </a:xfrm>
-          <a:prstGeom prst="diamond">
-            <a:avLst/>
-          </a:prstGeom>
-          <a:solidFill>
-            <a:schemeClr val="tx1">
-              <a:lumMod val="65000"/>
-              <a:lumOff val="35000"/>
-            </a:schemeClr>
-          </a:solidFill>
-        </p:spPr>
-        <p:style>
-          <a:lnRef idx="2">
-            <a:schemeClr val="accent1">
-              <a:shade val="50000"/>
-            </a:schemeClr>
-          </a:lnRef>
-          <a:fillRef idx="1">
-            <a:schemeClr val="accent1"/>
-          </a:fillRef>
-          <a:effectRef idx="0">
-            <a:schemeClr val="accent1"/>
-          </a:effectRef>
-          <a:fontRef idx="minor">
-            <a:schemeClr val="lt1"/>
-          </a:fontRef>
-        </p:style>
-        <p:txBody>
-          <a:bodyPr rtlCol="0" anchor="ctr"/>
-          <a:lstStyle/>
-          <a:p>
-            <a:pPr algn="ctr"/>
-            <a:r>
-              <a:rPr lang="de-CH" sz="1800" dirty="0" smtClean="0"/>
-              <a:t>Effizienter Objekt-Lebenszyklus</a:t>
-            </a:r>
-            <a:endParaRPr lang="en-US" sz="1800" dirty="0"/>
-          </a:p>
-        </p:txBody>
-      </p:sp>
-      <p:sp>
-        <p:nvSpPr>
-          <p:cNvPr id="139" name="Diamond 138"/>
-          <p:cNvSpPr/>
-          <p:nvPr/>
-        </p:nvSpPr>
-        <p:spPr>
-          <a:xfrm>
-            <a:off x="10266948" y="13000037"/>
-            <a:ext cx="2895600" cy="2815167"/>
-          </a:xfrm>
-          <a:prstGeom prst="diamond">
-            <a:avLst/>
-          </a:prstGeom>
-          <a:solidFill>
-            <a:schemeClr val="tx1">
-              <a:lumMod val="65000"/>
-              <a:lumOff val="35000"/>
-            </a:schemeClr>
-          </a:solidFill>
-        </p:spPr>
-        <p:style>
-          <a:lnRef idx="2">
-            <a:schemeClr val="accent1">
-              <a:shade val="50000"/>
-            </a:schemeClr>
-          </a:lnRef>
-          <a:fillRef idx="1">
-            <a:schemeClr val="accent1"/>
-          </a:fillRef>
-          <a:effectRef idx="0">
-            <a:schemeClr val="accent1"/>
-          </a:effectRef>
-          <a:fontRef idx="minor">
-            <a:schemeClr val="lt1"/>
-          </a:fontRef>
-        </p:style>
-        <p:txBody>
-          <a:bodyPr rtlCol="0" anchor="ctr"/>
-          <a:lstStyle/>
-          <a:p>
-            <a:pPr algn="ctr"/>
-            <a:r>
-              <a:rPr lang="de-CH" sz="1800" dirty="0" smtClean="0"/>
-              <a:t>CPU / Core</a:t>
-            </a:r>
-          </a:p>
-          <a:p>
-            <a:pPr algn="ctr"/>
-            <a:r>
-              <a:rPr lang="de-CH" sz="1800" dirty="0" smtClean="0"/>
-              <a:t>~100% Auslastung</a:t>
-            </a:r>
-            <a:endParaRPr lang="en-US" sz="1800" dirty="0"/>
-          </a:p>
-        </p:txBody>
-      </p:sp>
       <p:cxnSp>
         <p:nvCxnSpPr>
           <p:cNvPr id="141" name="Straight Arrow Connector 140"/>
           <p:cNvCxnSpPr>
-            <a:stCxn id="132" idx="4"/>
-            <a:endCxn id="137" idx="0"/>
+            <a:stCxn id="132" idx="6"/>
+            <a:endCxn id="137" idx="1"/>
           </p:cNvCxnSpPr>
           <p:nvPr/>
         </p:nvCxnSpPr>
         <p:spPr>
-          <a:xfrm flipH="1">
-            <a:off x="11714748" y="9418637"/>
-            <a:ext cx="6628" cy="381000"/>
+          <a:xfrm>
+            <a:off x="11433969" y="13438187"/>
+            <a:ext cx="666751" cy="0"/>
           </a:xfrm>
           <a:prstGeom prst="straightConnector1">
             <a:avLst/>
@@ -26951,8 +26475,8 @@
         </p:nvCxnSpPr>
         <p:spPr>
           <a:xfrm>
-            <a:off x="13162548" y="11209337"/>
-            <a:ext cx="5034171" cy="38100"/>
+            <a:off x="14507824" y="13438187"/>
+            <a:ext cx="4450895" cy="0"/>
           </a:xfrm>
           <a:prstGeom prst="straightConnector1">
             <a:avLst/>
@@ -26987,8 +26511,8 @@
         </p:nvCxnSpPr>
         <p:spPr>
           <a:xfrm>
-            <a:off x="11714748" y="12619037"/>
-            <a:ext cx="0" cy="381000"/>
+            <a:off x="13304272" y="14543087"/>
+            <a:ext cx="6122" cy="495300"/>
           </a:xfrm>
           <a:prstGeom prst="straightConnector1">
             <a:avLst/>
@@ -27023,8 +26547,8 @@
         </p:nvCxnSpPr>
         <p:spPr>
           <a:xfrm>
-            <a:off x="13162548" y="14407621"/>
-            <a:ext cx="1047750" cy="4233"/>
+            <a:off x="14539119" y="16141171"/>
+            <a:ext cx="954157" cy="2116"/>
           </a:xfrm>
           <a:prstGeom prst="straightConnector1">
             <a:avLst/>
@@ -27059,8 +26583,8 @@
         </p:nvCxnSpPr>
         <p:spPr>
           <a:xfrm>
-            <a:off x="15658098" y="15819437"/>
-            <a:ext cx="0" cy="361950"/>
+            <a:off x="16892236" y="17438687"/>
+            <a:ext cx="6639" cy="390978"/>
           </a:xfrm>
           <a:prstGeom prst="straightConnector1">
             <a:avLst/>
@@ -27095,8 +26619,8 @@
         </p:nvCxnSpPr>
         <p:spPr>
           <a:xfrm>
-            <a:off x="11714748" y="15815204"/>
-            <a:ext cx="0" cy="385233"/>
+            <a:off x="13310394" y="17243954"/>
+            <a:ext cx="9525" cy="613833"/>
           </a:xfrm>
           <a:prstGeom prst="straightConnector1">
             <a:avLst/>
@@ -27130,9 +26654,9 @@
           <p:nvPr/>
         </p:nvCxnSpPr>
         <p:spPr>
-          <a:xfrm flipV="1">
-            <a:off x="17105898" y="14409737"/>
-            <a:ext cx="1123950" cy="2117"/>
+          <a:xfrm>
+            <a:off x="18291195" y="16143287"/>
+            <a:ext cx="705624" cy="0"/>
           </a:xfrm>
           <a:prstGeom prst="straightConnector1">
             <a:avLst/>
@@ -27156,25 +26680,536 @@
           </a:fontRef>
         </p:style>
       </p:cxnSp>
+      <p:grpSp>
+        <p:nvGrpSpPr>
+          <p:cNvPr id="192" name="Group 191"/>
+          <p:cNvGrpSpPr/>
+          <p:nvPr/>
+        </p:nvGrpSpPr>
+        <p:grpSpPr>
+          <a:xfrm>
+            <a:off x="10900569" y="12333287"/>
+            <a:ext cx="11029950" cy="6838950"/>
+            <a:chOff x="10976769" y="12443051"/>
+            <a:chExt cx="11029950" cy="6838950"/>
+          </a:xfrm>
+        </p:grpSpPr>
+        <p:sp>
+          <p:nvSpPr>
+            <p:cNvPr id="132" name="Oval 131"/>
+            <p:cNvSpPr/>
+            <p:nvPr/>
+          </p:nvSpPr>
+          <p:spPr>
+            <a:xfrm>
+              <a:off x="10976769" y="13281251"/>
+              <a:ext cx="533400" cy="533400"/>
+            </a:xfrm>
+            <a:prstGeom prst="ellipse">
+              <a:avLst/>
+            </a:prstGeom>
+            <a:solidFill>
+              <a:schemeClr val="tx1"/>
+            </a:solidFill>
+          </p:spPr>
+          <p:style>
+            <a:lnRef idx="2">
+              <a:schemeClr val="accent1">
+                <a:shade val="50000"/>
+              </a:schemeClr>
+            </a:lnRef>
+            <a:fillRef idx="1">
+              <a:schemeClr val="accent1"/>
+            </a:fillRef>
+            <a:effectRef idx="0">
+              <a:schemeClr val="accent1"/>
+            </a:effectRef>
+            <a:fontRef idx="minor">
+              <a:schemeClr val="lt1"/>
+            </a:fontRef>
+          </p:style>
+          <p:txBody>
+            <a:bodyPr rtlCol="0" anchor="ctr"/>
+            <a:lstStyle/>
+            <a:p>
+              <a:pPr algn="ctr"/>
+              <a:endParaRPr lang="en-US" dirty="0"/>
+            </a:p>
+          </p:txBody>
+        </p:sp>
+        <p:sp>
+          <p:nvSpPr>
+            <p:cNvPr id="133" name="Rounded Rectangle 132"/>
+            <p:cNvSpPr/>
+            <p:nvPr/>
+          </p:nvSpPr>
+          <p:spPr>
+            <a:xfrm>
+              <a:off x="19073019" y="15719651"/>
+              <a:ext cx="2895600" cy="1066800"/>
+            </a:xfrm>
+            <a:prstGeom prst="roundRect">
+              <a:avLst/>
+            </a:prstGeom>
+            <a:solidFill>
+              <a:schemeClr val="tx2"/>
+            </a:solidFill>
+          </p:spPr>
+          <p:style>
+            <a:lnRef idx="2">
+              <a:schemeClr val="accent1">
+                <a:shade val="50000"/>
+              </a:schemeClr>
+            </a:lnRef>
+            <a:fillRef idx="1">
+              <a:schemeClr val="accent1"/>
+            </a:fillRef>
+            <a:effectRef idx="0">
+              <a:schemeClr val="accent1"/>
+            </a:effectRef>
+            <a:fontRef idx="minor">
+              <a:schemeClr val="lt1"/>
+            </a:fontRef>
+          </p:style>
+          <p:txBody>
+            <a:bodyPr rtlCol="0" anchor="ctr"/>
+            <a:lstStyle/>
+            <a:p>
+              <a:pPr algn="ctr"/>
+              <a:r>
+                <a:rPr lang="de-CH" sz="1800" dirty="0" smtClean="0"/>
+                <a:t>Applikation</a:t>
+              </a:r>
+            </a:p>
+          </p:txBody>
+        </p:sp>
+        <p:sp>
+          <p:nvSpPr>
+            <p:cNvPr id="134" name="Rounded Rectangle 133"/>
+            <p:cNvSpPr/>
+            <p:nvPr/>
+          </p:nvSpPr>
+          <p:spPr>
+            <a:xfrm>
+              <a:off x="19034919" y="13014551"/>
+              <a:ext cx="2971800" cy="1066800"/>
+            </a:xfrm>
+            <a:prstGeom prst="roundRect">
+              <a:avLst/>
+            </a:prstGeom>
+            <a:solidFill>
+              <a:schemeClr val="tx2"/>
+            </a:solidFill>
+          </p:spPr>
+          <p:style>
+            <a:lnRef idx="2">
+              <a:schemeClr val="accent1">
+                <a:shade val="50000"/>
+              </a:schemeClr>
+            </a:lnRef>
+            <a:fillRef idx="1">
+              <a:schemeClr val="accent1"/>
+            </a:fillRef>
+            <a:effectRef idx="0">
+              <a:schemeClr val="accent1"/>
+            </a:effectRef>
+            <a:fontRef idx="minor">
+              <a:schemeClr val="lt1"/>
+            </a:fontRef>
+          </p:style>
+          <p:txBody>
+            <a:bodyPr rtlCol="0" anchor="ctr"/>
+            <a:lstStyle/>
+            <a:p>
+              <a:pPr algn="ctr"/>
+              <a:r>
+                <a:rPr lang="de-CH" sz="1800" dirty="0" err="1" smtClean="0"/>
+                <a:t>Operating</a:t>
+              </a:r>
+              <a:r>
+                <a:rPr lang="de-CH" sz="1800" dirty="0" smtClean="0"/>
+                <a:t> System, Hardware</a:t>
+              </a:r>
+              <a:endParaRPr lang="de-CH" sz="1800" dirty="0" smtClean="0"/>
+            </a:p>
+          </p:txBody>
+        </p:sp>
+        <p:sp>
+          <p:nvSpPr>
+            <p:cNvPr id="136" name="Rounded Rectangle 135"/>
+            <p:cNvSpPr/>
+            <p:nvPr/>
+          </p:nvSpPr>
+          <p:spPr>
+            <a:xfrm>
+              <a:off x="11910219" y="17967551"/>
+              <a:ext cx="2971800" cy="1066800"/>
+            </a:xfrm>
+            <a:prstGeom prst="roundRect">
+              <a:avLst/>
+            </a:prstGeom>
+            <a:solidFill>
+              <a:schemeClr val="tx2"/>
+            </a:solidFill>
+          </p:spPr>
+          <p:style>
+            <a:lnRef idx="2">
+              <a:schemeClr val="accent1">
+                <a:shade val="50000"/>
+              </a:schemeClr>
+            </a:lnRef>
+            <a:fillRef idx="1">
+              <a:schemeClr val="accent1"/>
+            </a:fillRef>
+            <a:effectRef idx="0">
+              <a:schemeClr val="accent1"/>
+            </a:effectRef>
+            <a:fontRef idx="minor">
+              <a:schemeClr val="lt1"/>
+            </a:fontRef>
+          </p:style>
+          <p:txBody>
+            <a:bodyPr rtlCol="0" anchor="ctr"/>
+            <a:lstStyle/>
+            <a:p>
+              <a:pPr algn="ctr"/>
+              <a:r>
+                <a:rPr lang="de-CH" sz="1800" dirty="0" smtClean="0"/>
+                <a:t>Kein </a:t>
+              </a:r>
+              <a:r>
+                <a:rPr lang="de-CH" sz="1800" dirty="0" err="1" smtClean="0"/>
+                <a:t>Dominating</a:t>
+              </a:r>
+              <a:r>
+                <a:rPr lang="de-CH" sz="1800" dirty="0" smtClean="0"/>
+                <a:t> </a:t>
+              </a:r>
+              <a:r>
+                <a:rPr lang="de-CH" sz="1800" dirty="0" err="1" smtClean="0"/>
+                <a:t>Consumer</a:t>
+              </a:r>
+              <a:endParaRPr lang="de-CH" sz="1800" dirty="0" smtClean="0"/>
+            </a:p>
+          </p:txBody>
+        </p:sp>
+        <p:sp>
+          <p:nvSpPr>
+            <p:cNvPr id="137" name="Diamond 136"/>
+            <p:cNvSpPr/>
+            <p:nvPr/>
+          </p:nvSpPr>
+          <p:spPr>
+            <a:xfrm>
+              <a:off x="12176920" y="12443051"/>
+              <a:ext cx="2407104" cy="2209800"/>
+            </a:xfrm>
+            <a:prstGeom prst="diamond">
+              <a:avLst/>
+            </a:prstGeom>
+            <a:solidFill>
+              <a:schemeClr val="tx1">
+                <a:lumMod val="65000"/>
+                <a:lumOff val="35000"/>
+              </a:schemeClr>
+            </a:solidFill>
+          </p:spPr>
+          <p:style>
+            <a:lnRef idx="2">
+              <a:schemeClr val="accent1">
+                <a:shade val="50000"/>
+              </a:schemeClr>
+            </a:lnRef>
+            <a:fillRef idx="1">
+              <a:schemeClr val="accent1"/>
+            </a:fillRef>
+            <a:effectRef idx="0">
+              <a:schemeClr val="accent1"/>
+            </a:effectRef>
+            <a:fontRef idx="minor">
+              <a:schemeClr val="lt1"/>
+            </a:fontRef>
+          </p:style>
+          <p:txBody>
+            <a:bodyPr rtlCol="0" anchor="ctr"/>
+            <a:lstStyle/>
+            <a:p>
+              <a:pPr algn="ctr"/>
+              <a:r>
+                <a:rPr lang="de-CH" sz="1800" dirty="0" smtClean="0"/>
+                <a:t>Hohe  relative System-</a:t>
+              </a:r>
+            </a:p>
+            <a:p>
+              <a:pPr algn="ctr"/>
+              <a:r>
+                <a:rPr lang="de-CH" sz="1800" dirty="0" err="1" smtClean="0"/>
+                <a:t>auslastung</a:t>
+              </a:r>
+              <a:endParaRPr lang="en-US" sz="1800" dirty="0"/>
+            </a:p>
+          </p:txBody>
+        </p:sp>
+        <p:sp>
+          <p:nvSpPr>
+            <p:cNvPr id="138" name="Diamond 137"/>
+            <p:cNvSpPr/>
+            <p:nvPr/>
+          </p:nvSpPr>
+          <p:spPr>
+            <a:xfrm>
+              <a:off x="15569476" y="14957651"/>
+              <a:ext cx="2797919" cy="2590800"/>
+            </a:xfrm>
+            <a:prstGeom prst="diamond">
+              <a:avLst/>
+            </a:prstGeom>
+            <a:solidFill>
+              <a:schemeClr val="tx1">
+                <a:lumMod val="65000"/>
+                <a:lumOff val="35000"/>
+              </a:schemeClr>
+            </a:solidFill>
+          </p:spPr>
+          <p:style>
+            <a:lnRef idx="2">
+              <a:schemeClr val="accent1">
+                <a:shade val="50000"/>
+              </a:schemeClr>
+            </a:lnRef>
+            <a:fillRef idx="1">
+              <a:schemeClr val="accent1"/>
+            </a:fillRef>
+            <a:effectRef idx="0">
+              <a:schemeClr val="accent1"/>
+            </a:effectRef>
+            <a:fontRef idx="minor">
+              <a:schemeClr val="lt1"/>
+            </a:fontRef>
+          </p:style>
+          <p:txBody>
+            <a:bodyPr rtlCol="0" anchor="ctr"/>
+            <a:lstStyle/>
+            <a:p>
+              <a:pPr algn="ctr"/>
+              <a:r>
+                <a:rPr lang="de-CH" sz="1800" dirty="0" smtClean="0"/>
+                <a:t>Effizienter Objekt-Lebenszyklus</a:t>
+              </a:r>
+              <a:endParaRPr lang="en-US" sz="1800" dirty="0"/>
+            </a:p>
+          </p:txBody>
+        </p:sp>
+        <p:sp>
+          <p:nvSpPr>
+            <p:cNvPr id="139" name="Diamond 138"/>
+            <p:cNvSpPr/>
+            <p:nvPr/>
+          </p:nvSpPr>
+          <p:spPr>
+            <a:xfrm>
+              <a:off x="12157869" y="15148151"/>
+              <a:ext cx="2457450" cy="2205567"/>
+            </a:xfrm>
+            <a:prstGeom prst="diamond">
+              <a:avLst/>
+            </a:prstGeom>
+            <a:solidFill>
+              <a:schemeClr val="tx1">
+                <a:lumMod val="65000"/>
+                <a:lumOff val="35000"/>
+              </a:schemeClr>
+            </a:solidFill>
+          </p:spPr>
+          <p:style>
+            <a:lnRef idx="2">
+              <a:schemeClr val="accent1">
+                <a:shade val="50000"/>
+              </a:schemeClr>
+            </a:lnRef>
+            <a:fillRef idx="1">
+              <a:schemeClr val="accent1"/>
+            </a:fillRef>
+            <a:effectRef idx="0">
+              <a:schemeClr val="accent1"/>
+            </a:effectRef>
+            <a:fontRef idx="minor">
+              <a:schemeClr val="lt1"/>
+            </a:fontRef>
+          </p:style>
+          <p:txBody>
+            <a:bodyPr rtlCol="0" anchor="ctr"/>
+            <a:lstStyle/>
+            <a:p>
+              <a:pPr algn="ctr"/>
+              <a:r>
+                <a:rPr lang="de-CH" sz="1800" dirty="0" smtClean="0"/>
+                <a:t>CPU / Core</a:t>
+              </a:r>
+            </a:p>
+            <a:p>
+              <a:pPr algn="ctr"/>
+              <a:r>
+                <a:rPr lang="de-CH" sz="1800" dirty="0" smtClean="0"/>
+                <a:t>~100% Auslastung</a:t>
+              </a:r>
+              <a:endParaRPr lang="en-US" sz="1800" dirty="0"/>
+            </a:p>
+          </p:txBody>
+        </p:sp>
+        <p:grpSp>
+          <p:nvGrpSpPr>
+            <p:cNvPr id="189" name="Group 188"/>
+            <p:cNvGrpSpPr/>
+            <p:nvPr/>
+          </p:nvGrpSpPr>
+          <p:grpSpPr>
+            <a:xfrm>
+              <a:off x="15186819" y="17681801"/>
+              <a:ext cx="3588028" cy="1600200"/>
+              <a:chOff x="13808591" y="17703730"/>
+              <a:chExt cx="3588028" cy="1600200"/>
+            </a:xfrm>
+          </p:grpSpPr>
+          <p:sp>
+            <p:nvSpPr>
+              <p:cNvPr id="135" name="Rounded Rectangle 134"/>
+              <p:cNvSpPr/>
+              <p:nvPr/>
+            </p:nvSpPr>
+            <p:spPr>
+              <a:xfrm>
+                <a:off x="14149047" y="17961358"/>
+                <a:ext cx="2895600" cy="1066800"/>
+              </a:xfrm>
+              <a:prstGeom prst="roundRect">
+                <a:avLst/>
+              </a:prstGeom>
+              <a:solidFill>
+                <a:schemeClr val="tx2"/>
+              </a:solidFill>
+            </p:spPr>
+            <p:style>
+              <a:lnRef idx="2">
+                <a:schemeClr val="accent1">
+                  <a:shade val="50000"/>
+                </a:schemeClr>
+              </a:lnRef>
+              <a:fillRef idx="1">
+                <a:schemeClr val="accent1"/>
+              </a:fillRef>
+              <a:effectRef idx="0">
+                <a:schemeClr val="accent1"/>
+              </a:effectRef>
+              <a:fontRef idx="minor">
+                <a:schemeClr val="lt1"/>
+              </a:fontRef>
+            </p:style>
+            <p:txBody>
+              <a:bodyPr rtlCol="0" anchor="ctr"/>
+              <a:lstStyle/>
+              <a:p>
+                <a:pPr algn="ctr"/>
+                <a:r>
+                  <a:rPr lang="de-CH" sz="1800" dirty="0" smtClean="0"/>
+                  <a:t>Java </a:t>
+                </a:r>
+                <a:r>
+                  <a:rPr lang="de-CH" sz="1800" dirty="0" err="1" smtClean="0"/>
+                  <a:t>Virtual</a:t>
+                </a:r>
+                <a:r>
+                  <a:rPr lang="de-CH" sz="1800" dirty="0" smtClean="0"/>
+                  <a:t> </a:t>
+                </a:r>
+                <a:r>
+                  <a:rPr lang="de-CH" sz="1800" dirty="0" err="1" smtClean="0"/>
+                  <a:t>Machine</a:t>
+                </a:r>
+                <a:r>
+                  <a:rPr lang="de-CH" sz="1800" dirty="0" smtClean="0"/>
+                  <a:t> (Garbage Collection, </a:t>
+                </a:r>
+                <a:r>
+                  <a:rPr lang="de-CH" sz="1800" dirty="0" err="1" smtClean="0"/>
+                  <a:t>Just-in-Time</a:t>
+                </a:r>
+                <a:r>
+                  <a:rPr lang="de-CH" sz="1800" dirty="0" smtClean="0"/>
+                  <a:t> Compiler, etc.)</a:t>
+                </a:r>
+              </a:p>
+            </p:txBody>
+          </p:sp>
+          <p:sp>
+            <p:nvSpPr>
+              <p:cNvPr id="173" name="Rounded Rectangle 172"/>
+              <p:cNvSpPr/>
+              <p:nvPr/>
+            </p:nvSpPr>
+            <p:spPr>
+              <a:xfrm>
+                <a:off x="13808591" y="17703730"/>
+                <a:ext cx="3588028" cy="1600200"/>
+              </a:xfrm>
+              <a:prstGeom prst="roundRect">
+                <a:avLst/>
+              </a:prstGeom>
+              <a:noFill/>
+              <a:ln w="38100">
+                <a:solidFill>
+                  <a:srgbClr val="C00000"/>
+                </a:solidFill>
+              </a:ln>
+            </p:spPr>
+            <p:style>
+              <a:lnRef idx="2">
+                <a:schemeClr val="accent1">
+                  <a:shade val="50000"/>
+                </a:schemeClr>
+              </a:lnRef>
+              <a:fillRef idx="1">
+                <a:schemeClr val="accent1"/>
+              </a:fillRef>
+              <a:effectRef idx="0">
+                <a:schemeClr val="accent1"/>
+              </a:effectRef>
+              <a:fontRef idx="minor">
+                <a:schemeClr val="lt1"/>
+              </a:fontRef>
+            </p:style>
+            <p:txBody>
+              <a:bodyPr rtlCol="0" anchor="ctr"/>
+              <a:lstStyle/>
+              <a:p>
+                <a:pPr algn="ctr"/>
+                <a:endParaRPr lang="en-US"/>
+              </a:p>
+            </p:txBody>
+          </p:sp>
+        </p:grpSp>
+      </p:grpSp>
       <p:sp>
         <p:nvSpPr>
-          <p:cNvPr id="173" name="Rounded Rectangle 172"/>
+          <p:cNvPr id="212" name="Rectangle 211"/>
           <p:cNvSpPr/>
           <p:nvPr/>
         </p:nvSpPr>
         <p:spPr>
           <a:xfrm>
-            <a:off x="13922891" y="15935394"/>
-            <a:ext cx="3588028" cy="1600200"/>
+            <a:off x="22730619" y="2179637"/>
+            <a:ext cx="19751040" cy="5381625"/>
           </a:xfrm>
-          <a:prstGeom prst="roundRect">
+          <a:prstGeom prst="rect">
             <a:avLst/>
           </a:prstGeom>
-          <a:noFill/>
-          <a:ln w="38100">
-            <a:solidFill>
-              <a:srgbClr val="C00000"/>
-            </a:solidFill>
+          <a:solidFill>
+            <a:schemeClr val="bg1">
+              <a:alpha val="30000"/>
+            </a:schemeClr>
+          </a:solidFill>
+          <a:ln>
+            <a:noFill/>
           </a:ln>
         </p:spPr>
         <p:style>
@@ -27204,23 +27239,24 @@
       </p:sp>
       <p:sp>
         <p:nvSpPr>
-          <p:cNvPr id="175" name="Rounded Rectangle 174"/>
+          <p:cNvPr id="155" name="Rounded Rectangle 154"/>
           <p:cNvSpPr/>
           <p:nvPr/>
         </p:nvSpPr>
         <p:spPr>
           <a:xfrm>
-            <a:off x="10271919" y="2636837"/>
-            <a:ext cx="11963400" cy="6019800"/>
+            <a:off x="10043319" y="19248437"/>
+            <a:ext cx="12192000" cy="10287000"/>
           </a:xfrm>
           <a:prstGeom prst="roundRect">
             <a:avLst>
               <a:gd name="adj" fmla="val 8515"/>
             </a:avLst>
           </a:prstGeom>
-          <a:solidFill>
-            <a:schemeClr val="bg1"/>
-          </a:solidFill>
+          <a:noFill/>
+          <a:ln>
+            <a:noFill/>
+          </a:ln>
         </p:spPr>
         <p:style>
           <a:lnRef idx="2">
@@ -27242,30 +27278,1235 @@
           <a:bodyPr rtlCol="0" anchor="t" anchorCtr="0"/>
           <a:lstStyle/>
           <a:p>
+            <a:pPr algn="just"/>
             <a:r>
               <a:rPr lang="en-US" sz="3200" b="1" dirty="0" smtClean="0">
                 <a:solidFill>
                   <a:schemeClr val="tx1"/>
                 </a:solidFill>
               </a:rPr>
-              <a:t>Performance Tuning </a:t>
-            </a:r>
-            <a:r>
-              <a:rPr lang="en-US" sz="3200" b="1" dirty="0" err="1" smtClean="0">
-                <a:solidFill>
-                  <a:schemeClr val="tx1"/>
-                </a:solidFill>
-              </a:rPr>
-              <a:t>Methodik</a:t>
-            </a:r>
-            <a:endParaRPr lang="en-US" sz="3200" b="1" dirty="0" smtClean="0">
+              <a:t>Garbage Collection Tuning</a:t>
+            </a:r>
+          </a:p>
+          <a:p>
+            <a:pPr algn="just"/>
+            <a:r>
+              <a:rPr lang="de-CH" sz="2400" b="1" dirty="0" smtClean="0">
+                <a:solidFill>
+                  <a:schemeClr val="tx1"/>
+                </a:solidFill>
+              </a:rPr>
+              <a:t>Ziele</a:t>
+            </a:r>
+          </a:p>
+          <a:p>
+            <a:pPr algn="just"/>
+            <a:r>
+              <a:rPr lang="de-CH" sz="1800" dirty="0" smtClean="0">
+                <a:solidFill>
+                  <a:schemeClr val="tx1"/>
+                </a:solidFill>
+              </a:rPr>
+              <a:t>Beim  Tuning der Garbage Collection verfolgt man eines der drei folgenden Ziele:</a:t>
+            </a:r>
+          </a:p>
+          <a:p>
+            <a:pPr algn="just">
+              <a:buFont typeface="Arial" pitchFamily="34" charset="0"/>
+              <a:buChar char="•"/>
+            </a:pPr>
+            <a:r>
+              <a:rPr lang="en-US" sz="1800" dirty="0" smtClean="0">
+                <a:solidFill>
+                  <a:schemeClr val="tx1"/>
+                </a:solidFill>
+              </a:rPr>
+              <a:t> </a:t>
+            </a:r>
+            <a:r>
+              <a:rPr lang="en-US" sz="1800" dirty="0" err="1" smtClean="0">
+                <a:solidFill>
+                  <a:schemeClr val="tx1"/>
+                </a:solidFill>
+              </a:rPr>
+              <a:t>Verbesserung</a:t>
+            </a:r>
+            <a:r>
+              <a:rPr lang="en-US" sz="1800" dirty="0" smtClean="0">
+                <a:solidFill>
+                  <a:schemeClr val="tx1"/>
+                </a:solidFill>
+              </a:rPr>
+              <a:t> des </a:t>
+            </a:r>
+            <a:r>
+              <a:rPr lang="en-US" sz="1800" dirty="0" err="1" smtClean="0">
+                <a:solidFill>
+                  <a:schemeClr val="tx1"/>
+                </a:solidFill>
+              </a:rPr>
+              <a:t>Durchsatzes</a:t>
+            </a:r>
+            <a:endParaRPr lang="en-US" sz="1800" dirty="0" smtClean="0">
               <a:solidFill>
                 <a:schemeClr val="tx1"/>
               </a:solidFill>
             </a:endParaRPr>
           </a:p>
           <a:p>
-            <a:endParaRPr lang="en-US" sz="3200" b="1" dirty="0" smtClean="0">
+            <a:pPr algn="just">
+              <a:buFont typeface="Arial" pitchFamily="34" charset="0"/>
+              <a:buChar char="•"/>
+            </a:pPr>
+            <a:r>
+              <a:rPr lang="en-US" sz="1800" b="1" dirty="0" smtClean="0">
+                <a:solidFill>
+                  <a:schemeClr val="tx1"/>
+                </a:solidFill>
+              </a:rPr>
+              <a:t> </a:t>
+            </a:r>
+            <a:r>
+              <a:rPr lang="en-US" sz="1800" b="1" dirty="0" err="1" smtClean="0">
+                <a:solidFill>
+                  <a:schemeClr val="tx1"/>
+                </a:solidFill>
+              </a:rPr>
+              <a:t>kleine</a:t>
+            </a:r>
+            <a:r>
+              <a:rPr lang="en-US" sz="1800" b="1" dirty="0" smtClean="0">
+                <a:solidFill>
+                  <a:schemeClr val="tx1"/>
+                </a:solidFill>
+              </a:rPr>
+              <a:t> und </a:t>
+            </a:r>
+            <a:r>
+              <a:rPr lang="en-US" sz="1800" b="1" dirty="0" err="1" smtClean="0">
+                <a:solidFill>
+                  <a:schemeClr val="tx1"/>
+                </a:solidFill>
+              </a:rPr>
+              <a:t>gleichmässige</a:t>
+            </a:r>
+            <a:r>
+              <a:rPr lang="en-US" sz="1800" b="1" dirty="0" smtClean="0">
+                <a:solidFill>
+                  <a:schemeClr val="tx1"/>
+                </a:solidFill>
+              </a:rPr>
+              <a:t> </a:t>
+            </a:r>
+            <a:r>
+              <a:rPr lang="en-US" sz="1800" b="1" dirty="0" err="1" smtClean="0">
+                <a:solidFill>
+                  <a:schemeClr val="tx1"/>
+                </a:solidFill>
+              </a:rPr>
+              <a:t>Pausenzeiten</a:t>
+            </a:r>
+            <a:endParaRPr lang="en-US" sz="1800" b="1" dirty="0" smtClean="0">
+              <a:solidFill>
+                <a:schemeClr val="tx1"/>
+              </a:solidFill>
+            </a:endParaRPr>
+          </a:p>
+          <a:p>
+            <a:pPr algn="just">
+              <a:buFont typeface="Arial" pitchFamily="34" charset="0"/>
+              <a:buChar char="•"/>
+            </a:pPr>
+            <a:r>
+              <a:rPr lang="en-US" sz="1800" dirty="0" smtClean="0">
+                <a:solidFill>
+                  <a:schemeClr val="tx1"/>
+                </a:solidFill>
+              </a:rPr>
+              <a:t> </a:t>
+            </a:r>
+            <a:r>
+              <a:rPr lang="en-US" sz="1800" dirty="0" err="1" smtClean="0">
+                <a:solidFill>
+                  <a:schemeClr val="tx1"/>
+                </a:solidFill>
+              </a:rPr>
+              <a:t>g</a:t>
+            </a:r>
+            <a:r>
+              <a:rPr lang="en-US" sz="1800" dirty="0" err="1" smtClean="0">
+                <a:solidFill>
+                  <a:schemeClr val="tx1"/>
+                </a:solidFill>
+              </a:rPr>
+              <a:t>eringerer</a:t>
+            </a:r>
+            <a:r>
+              <a:rPr lang="en-US" sz="1800" dirty="0" smtClean="0">
+                <a:solidFill>
+                  <a:schemeClr val="tx1"/>
+                </a:solidFill>
+              </a:rPr>
+              <a:t> </a:t>
+            </a:r>
+            <a:r>
+              <a:rPr lang="en-US" sz="1800" dirty="0" err="1" smtClean="0">
+                <a:solidFill>
+                  <a:schemeClr val="tx1"/>
+                </a:solidFill>
+              </a:rPr>
+              <a:t>Speicherverbrauch</a:t>
+            </a:r>
+            <a:r>
+              <a:rPr lang="en-US" sz="1800" dirty="0" smtClean="0">
+                <a:solidFill>
+                  <a:schemeClr val="tx1"/>
+                </a:solidFill>
+              </a:rPr>
+              <a:t> </a:t>
+            </a:r>
+            <a:endParaRPr lang="en-US" sz="1800" dirty="0" smtClean="0">
+              <a:solidFill>
+                <a:schemeClr val="tx1"/>
+              </a:solidFill>
+            </a:endParaRPr>
+          </a:p>
+          <a:p>
+            <a:pPr algn="just"/>
+            <a:endParaRPr lang="de-CH" sz="1800" dirty="0" smtClean="0">
+              <a:solidFill>
+                <a:schemeClr val="tx1"/>
+              </a:solidFill>
+            </a:endParaRPr>
+          </a:p>
+          <a:p>
+            <a:pPr algn="just"/>
+            <a:r>
+              <a:rPr lang="de-CH" sz="1800" dirty="0" smtClean="0">
+                <a:solidFill>
+                  <a:schemeClr val="tx1"/>
+                </a:solidFill>
+              </a:rPr>
+              <a:t>Das einzige relevante Tuningziel ist in der Regel die Optimierung hinsichtlich gleichmässiger und kurzer Pausenzeiten. Dies ist insbesondere bei Applikationen wichtig, bei denen die Interaktion mit einem Benutzer im Vordergrund steht. Durchsatztuning ist meistens nicht sehr effektiv und der Austausch der CPU kostengünstiger.  Arbeitsspeicher-Tuning (damit der Garbage </a:t>
+            </a:r>
+            <a:r>
+              <a:rPr lang="de-CH" sz="1800" dirty="0" err="1" smtClean="0">
+                <a:solidFill>
+                  <a:schemeClr val="tx1"/>
+                </a:solidFill>
+              </a:rPr>
+              <a:t>Collector</a:t>
+            </a:r>
+            <a:r>
+              <a:rPr lang="de-CH" sz="1800" dirty="0" smtClean="0">
+                <a:solidFill>
+                  <a:schemeClr val="tx1"/>
+                </a:solidFill>
+              </a:rPr>
+              <a:t> weniger Arbeitsspeicher verbraucht) ist mit der 64-Bit Architektur in den Hintergrund gerückt,  da nun normalerweise genügend Speicher angesprochen werden kann.</a:t>
+            </a:r>
+          </a:p>
+          <a:p>
+            <a:pPr algn="just"/>
+            <a:endParaRPr lang="en-US" sz="1800" dirty="0" smtClean="0">
+              <a:solidFill>
+                <a:schemeClr val="tx1"/>
+              </a:solidFill>
+            </a:endParaRPr>
+          </a:p>
+          <a:p>
+            <a:pPr algn="just"/>
+            <a:r>
+              <a:rPr lang="de-CH" sz="2400" b="1" dirty="0" smtClean="0">
+                <a:solidFill>
+                  <a:schemeClr val="tx1"/>
+                </a:solidFill>
+              </a:rPr>
+              <a:t>Garbage Collection auf der </a:t>
+            </a:r>
+            <a:r>
+              <a:rPr lang="de-CH" sz="2400" b="1" dirty="0" err="1" smtClean="0">
+                <a:solidFill>
+                  <a:schemeClr val="tx1"/>
+                </a:solidFill>
+              </a:rPr>
+              <a:t>JRockit</a:t>
+            </a:r>
+            <a:r>
+              <a:rPr lang="de-CH" sz="2400" b="1" dirty="0" smtClean="0">
+                <a:solidFill>
+                  <a:schemeClr val="tx1"/>
+                </a:solidFill>
+              </a:rPr>
+              <a:t> </a:t>
+            </a:r>
+            <a:r>
+              <a:rPr lang="de-CH" sz="2400" b="1" dirty="0" err="1" smtClean="0">
+                <a:solidFill>
+                  <a:schemeClr val="tx1"/>
+                </a:solidFill>
+              </a:rPr>
+              <a:t>Virtual</a:t>
+            </a:r>
+            <a:r>
+              <a:rPr lang="de-CH" sz="2400" b="1" dirty="0" smtClean="0">
+                <a:solidFill>
+                  <a:schemeClr val="tx1"/>
+                </a:solidFill>
+              </a:rPr>
+              <a:t> </a:t>
+            </a:r>
+            <a:r>
+              <a:rPr lang="de-CH" sz="2400" b="1" dirty="0" err="1" smtClean="0">
+                <a:solidFill>
+                  <a:schemeClr val="tx1"/>
+                </a:solidFill>
+              </a:rPr>
+              <a:t>Machine</a:t>
+            </a:r>
+            <a:endParaRPr lang="de-CH" sz="1800" dirty="0" smtClean="0">
+              <a:solidFill>
+                <a:schemeClr val="tx1"/>
+              </a:solidFill>
+            </a:endParaRPr>
+          </a:p>
+          <a:p>
+            <a:pPr algn="just"/>
+            <a:r>
+              <a:rPr lang="en-US" sz="1800" dirty="0" smtClean="0">
+                <a:solidFill>
+                  <a:schemeClr val="tx1"/>
+                </a:solidFill>
+              </a:rPr>
+              <a:t>Die </a:t>
+            </a:r>
+            <a:r>
+              <a:rPr lang="en-US" sz="1800" dirty="0" err="1" smtClean="0">
+                <a:solidFill>
+                  <a:schemeClr val="tx1"/>
+                </a:solidFill>
+              </a:rPr>
+              <a:t>Grundlage</a:t>
+            </a:r>
+            <a:r>
+              <a:rPr lang="en-US" sz="1800" dirty="0" smtClean="0">
+                <a:solidFill>
+                  <a:schemeClr val="tx1"/>
+                </a:solidFill>
+              </a:rPr>
+              <a:t> </a:t>
+            </a:r>
+            <a:r>
+              <a:rPr lang="en-US" sz="1800" dirty="0" err="1" smtClean="0">
+                <a:solidFill>
+                  <a:schemeClr val="tx1"/>
+                </a:solidFill>
+              </a:rPr>
+              <a:t>der</a:t>
+            </a:r>
+            <a:r>
+              <a:rPr lang="en-US" sz="1800" dirty="0" smtClean="0">
+                <a:solidFill>
+                  <a:schemeClr val="tx1"/>
+                </a:solidFill>
+              </a:rPr>
+              <a:t> </a:t>
+            </a:r>
+            <a:r>
+              <a:rPr lang="en-US" sz="1800" dirty="0" err="1" smtClean="0">
+                <a:solidFill>
+                  <a:schemeClr val="tx1"/>
+                </a:solidFill>
+              </a:rPr>
+              <a:t>JRockit</a:t>
+            </a:r>
+            <a:r>
+              <a:rPr lang="en-US" sz="1800" dirty="0" smtClean="0">
+                <a:solidFill>
+                  <a:schemeClr val="tx1"/>
+                </a:solidFill>
+              </a:rPr>
+              <a:t> Garbage Collection </a:t>
+            </a:r>
+            <a:r>
+              <a:rPr lang="en-US" sz="1800" dirty="0" err="1" smtClean="0">
+                <a:solidFill>
+                  <a:schemeClr val="tx1"/>
+                </a:solidFill>
+              </a:rPr>
+              <a:t>bildet</a:t>
+            </a:r>
+            <a:r>
+              <a:rPr lang="en-US" sz="1800" dirty="0" smtClean="0">
+                <a:solidFill>
+                  <a:schemeClr val="tx1"/>
+                </a:solidFill>
+              </a:rPr>
+              <a:t> </a:t>
+            </a:r>
+            <a:r>
+              <a:rPr lang="en-US" sz="1800" dirty="0" err="1" smtClean="0">
+                <a:solidFill>
+                  <a:schemeClr val="tx1"/>
+                </a:solidFill>
+              </a:rPr>
+              <a:t>der</a:t>
+            </a:r>
+            <a:r>
+              <a:rPr lang="en-US" sz="1800" dirty="0" smtClean="0">
+                <a:solidFill>
+                  <a:schemeClr val="tx1"/>
+                </a:solidFill>
+              </a:rPr>
+              <a:t> Tri-Coloring Mark </a:t>
+            </a:r>
+            <a:r>
+              <a:rPr lang="en-US" sz="1800" dirty="0" smtClean="0">
+                <a:solidFill>
+                  <a:schemeClr val="tx1"/>
+                </a:solidFill>
+              </a:rPr>
+              <a:t>&amp; </a:t>
+            </a:r>
+            <a:r>
+              <a:rPr lang="en-US" sz="1800" dirty="0" smtClean="0">
+                <a:solidFill>
+                  <a:schemeClr val="tx1"/>
+                </a:solidFill>
+              </a:rPr>
+              <a:t>Sweep </a:t>
+            </a:r>
+            <a:r>
+              <a:rPr lang="en-US" sz="1800" dirty="0" err="1" smtClean="0">
+                <a:solidFill>
+                  <a:schemeClr val="tx1"/>
+                </a:solidFill>
+              </a:rPr>
+              <a:t>Algorithmus</a:t>
+            </a:r>
+            <a:r>
+              <a:rPr lang="en-US" sz="1800" dirty="0" smtClean="0">
+                <a:solidFill>
+                  <a:schemeClr val="tx1"/>
+                </a:solidFill>
+              </a:rPr>
+              <a:t>. </a:t>
+            </a:r>
+            <a:r>
+              <a:rPr lang="en-US" sz="1800" dirty="0" err="1" smtClean="0">
+                <a:solidFill>
+                  <a:schemeClr val="tx1"/>
+                </a:solidFill>
+              </a:rPr>
+              <a:t>Er</a:t>
+            </a:r>
+            <a:r>
+              <a:rPr lang="en-US" sz="1800" dirty="0" smtClean="0">
+                <a:solidFill>
+                  <a:schemeClr val="tx1"/>
+                </a:solidFill>
+              </a:rPr>
+              <a:t> </a:t>
+            </a:r>
+            <a:r>
+              <a:rPr lang="en-US" sz="1800" dirty="0" err="1" smtClean="0">
+                <a:solidFill>
+                  <a:schemeClr val="tx1"/>
+                </a:solidFill>
+              </a:rPr>
+              <a:t>wurde</a:t>
+            </a:r>
+            <a:r>
+              <a:rPr lang="en-US" sz="1800" dirty="0" smtClean="0">
+                <a:solidFill>
+                  <a:schemeClr val="tx1"/>
+                </a:solidFill>
+              </a:rPr>
+              <a:t> </a:t>
+            </a:r>
+            <a:r>
+              <a:rPr lang="en-US" sz="1800" dirty="0" err="1" smtClean="0">
+                <a:solidFill>
+                  <a:schemeClr val="tx1"/>
+                </a:solidFill>
+              </a:rPr>
+              <a:t>hinsichtlich</a:t>
+            </a:r>
+            <a:r>
+              <a:rPr lang="en-US" sz="1800" dirty="0" smtClean="0">
+                <a:solidFill>
+                  <a:schemeClr val="tx1"/>
+                </a:solidFill>
+              </a:rPr>
+              <a:t> </a:t>
+            </a:r>
+            <a:r>
+              <a:rPr lang="en-US" sz="1800" dirty="0" err="1" smtClean="0">
+                <a:solidFill>
+                  <a:schemeClr val="tx1"/>
+                </a:solidFill>
+              </a:rPr>
+              <a:t>besserer</a:t>
+            </a:r>
+            <a:r>
+              <a:rPr lang="en-US" sz="1800" dirty="0" smtClean="0">
+                <a:solidFill>
+                  <a:schemeClr val="tx1"/>
+                </a:solidFill>
+              </a:rPr>
+              <a:t> </a:t>
+            </a:r>
+            <a:r>
+              <a:rPr lang="en-US" sz="1800" dirty="0" err="1" smtClean="0">
+                <a:solidFill>
+                  <a:schemeClr val="tx1"/>
+                </a:solidFill>
+              </a:rPr>
+              <a:t>Parallelisierbarkeit</a:t>
+            </a:r>
+            <a:r>
+              <a:rPr lang="en-US" sz="1800" dirty="0" smtClean="0">
+                <a:solidFill>
+                  <a:schemeClr val="tx1"/>
+                </a:solidFill>
+              </a:rPr>
+              <a:t> und </a:t>
+            </a:r>
+            <a:r>
+              <a:rPr lang="en-US" sz="1800" dirty="0" err="1" smtClean="0">
+                <a:solidFill>
+                  <a:schemeClr val="tx1"/>
+                </a:solidFill>
+              </a:rPr>
+              <a:t>der</a:t>
+            </a:r>
+            <a:r>
+              <a:rPr lang="en-US" sz="1800" dirty="0" smtClean="0">
+                <a:solidFill>
+                  <a:schemeClr val="tx1"/>
+                </a:solidFill>
+              </a:rPr>
+              <a:t> </a:t>
+            </a:r>
+            <a:r>
+              <a:rPr lang="en-US" sz="1800" dirty="0" err="1" smtClean="0">
+                <a:solidFill>
+                  <a:schemeClr val="tx1"/>
+                </a:solidFill>
+              </a:rPr>
+              <a:t>optimalen</a:t>
+            </a:r>
+            <a:r>
+              <a:rPr lang="en-US" sz="1800" dirty="0" smtClean="0">
+                <a:solidFill>
+                  <a:schemeClr val="tx1"/>
+                </a:solidFill>
+              </a:rPr>
+              <a:t> </a:t>
+            </a:r>
+            <a:r>
+              <a:rPr lang="en-US" sz="1800" dirty="0" err="1" smtClean="0">
+                <a:solidFill>
+                  <a:schemeClr val="tx1"/>
+                </a:solidFill>
+              </a:rPr>
+              <a:t>Verwendung</a:t>
+            </a:r>
+            <a:r>
+              <a:rPr lang="en-US" sz="1800" dirty="0" smtClean="0">
+                <a:solidFill>
+                  <a:schemeClr val="tx1"/>
+                </a:solidFill>
+              </a:rPr>
+              <a:t> </a:t>
+            </a:r>
+            <a:r>
+              <a:rPr lang="en-US" sz="1800" dirty="0" err="1" smtClean="0">
+                <a:solidFill>
+                  <a:schemeClr val="tx1"/>
+                </a:solidFill>
+              </a:rPr>
+              <a:t>der</a:t>
+            </a:r>
+            <a:r>
+              <a:rPr lang="en-US" sz="1800" dirty="0" smtClean="0">
+                <a:solidFill>
+                  <a:schemeClr val="tx1"/>
+                </a:solidFill>
+              </a:rPr>
+              <a:t> </a:t>
+            </a:r>
+            <a:r>
+              <a:rPr lang="en-US" sz="1800" dirty="0" err="1" smtClean="0">
+                <a:solidFill>
+                  <a:schemeClr val="tx1"/>
+                </a:solidFill>
+              </a:rPr>
+              <a:t>Anzahl</a:t>
+            </a:r>
+            <a:r>
+              <a:rPr lang="en-US" sz="1800" dirty="0" smtClean="0">
+                <a:solidFill>
+                  <a:schemeClr val="tx1"/>
+                </a:solidFill>
+              </a:rPr>
+              <a:t> Garbage Collection </a:t>
+            </a:r>
+            <a:r>
+              <a:rPr lang="en-US" sz="1800" dirty="0" smtClean="0">
+                <a:solidFill>
+                  <a:schemeClr val="tx1"/>
+                </a:solidFill>
+              </a:rPr>
+              <a:t>Threads </a:t>
+            </a:r>
+            <a:r>
+              <a:rPr lang="en-US" sz="1800" dirty="0" err="1" smtClean="0">
+                <a:solidFill>
+                  <a:schemeClr val="tx1"/>
+                </a:solidFill>
+              </a:rPr>
+              <a:t>optimiert</a:t>
+            </a:r>
+            <a:r>
+              <a:rPr lang="en-US" sz="1800" dirty="0" smtClean="0">
+                <a:solidFill>
+                  <a:schemeClr val="tx1"/>
+                </a:solidFill>
+              </a:rPr>
+              <a:t>. Die Garbage Collection </a:t>
+            </a:r>
+            <a:r>
+              <a:rPr lang="en-US" sz="1800" dirty="0" err="1" smtClean="0">
+                <a:solidFill>
+                  <a:schemeClr val="tx1"/>
+                </a:solidFill>
+              </a:rPr>
+              <a:t>der</a:t>
+            </a:r>
+            <a:r>
+              <a:rPr lang="en-US" sz="1800" dirty="0" smtClean="0">
+                <a:solidFill>
+                  <a:schemeClr val="tx1"/>
+                </a:solidFill>
+              </a:rPr>
+              <a:t> </a:t>
+            </a:r>
+            <a:r>
+              <a:rPr lang="en-US" sz="1800" dirty="0" err="1" smtClean="0">
+                <a:solidFill>
+                  <a:schemeClr val="tx1"/>
+                </a:solidFill>
+              </a:rPr>
+              <a:t>JRockit</a:t>
+            </a:r>
+            <a:r>
+              <a:rPr lang="en-US" sz="1800" dirty="0" smtClean="0">
+                <a:solidFill>
+                  <a:schemeClr val="tx1"/>
+                </a:solidFill>
+              </a:rPr>
+              <a:t> VM </a:t>
+            </a:r>
+            <a:r>
+              <a:rPr lang="en-US" sz="1800" dirty="0" err="1" smtClean="0">
+                <a:solidFill>
+                  <a:schemeClr val="tx1"/>
+                </a:solidFill>
+              </a:rPr>
+              <a:t>arbeitet</a:t>
+            </a:r>
+            <a:r>
+              <a:rPr lang="en-US" sz="1800" dirty="0" smtClean="0">
+                <a:solidFill>
+                  <a:schemeClr val="tx1"/>
+                </a:solidFill>
+              </a:rPr>
+              <a:t> </a:t>
+            </a:r>
+            <a:r>
+              <a:rPr lang="en-US" sz="1800" dirty="0" err="1" smtClean="0">
+                <a:solidFill>
+                  <a:schemeClr val="tx1"/>
+                </a:solidFill>
+              </a:rPr>
+              <a:t>entweder</a:t>
+            </a:r>
+            <a:r>
+              <a:rPr lang="en-US" sz="1800" dirty="0" smtClean="0">
+                <a:solidFill>
+                  <a:schemeClr val="tx1"/>
+                </a:solidFill>
+              </a:rPr>
+              <a:t> </a:t>
+            </a:r>
+            <a:r>
+              <a:rPr lang="en-US" sz="1800" dirty="0" err="1" smtClean="0">
+                <a:solidFill>
+                  <a:schemeClr val="tx1"/>
+                </a:solidFill>
+              </a:rPr>
+              <a:t>mit</a:t>
+            </a:r>
+            <a:r>
+              <a:rPr lang="en-US" sz="1800" dirty="0" smtClean="0">
+                <a:solidFill>
+                  <a:schemeClr val="tx1"/>
+                </a:solidFill>
+              </a:rPr>
+              <a:t> </a:t>
+            </a:r>
+            <a:r>
+              <a:rPr lang="en-US" sz="1800" dirty="0" err="1" smtClean="0">
+                <a:solidFill>
+                  <a:schemeClr val="tx1"/>
+                </a:solidFill>
+              </a:rPr>
+              <a:t>oder</a:t>
+            </a:r>
+            <a:r>
+              <a:rPr lang="en-US" sz="1800" dirty="0" smtClean="0">
+                <a:solidFill>
+                  <a:schemeClr val="tx1"/>
+                </a:solidFill>
+              </a:rPr>
+              <a:t> </a:t>
+            </a:r>
+            <a:r>
+              <a:rPr lang="en-US" sz="1800" dirty="0" err="1" smtClean="0">
+                <a:solidFill>
+                  <a:schemeClr val="tx1"/>
+                </a:solidFill>
+              </a:rPr>
+              <a:t>ohne</a:t>
+            </a:r>
+            <a:r>
+              <a:rPr lang="en-US" sz="1800" dirty="0" smtClean="0">
+                <a:solidFill>
+                  <a:schemeClr val="tx1"/>
+                </a:solidFill>
+              </a:rPr>
+              <a:t> </a:t>
+            </a:r>
+            <a:r>
+              <a:rPr lang="en-US" sz="1800" dirty="0" err="1" smtClean="0">
+                <a:solidFill>
+                  <a:schemeClr val="tx1"/>
+                </a:solidFill>
+              </a:rPr>
+              <a:t>Generationen</a:t>
+            </a:r>
+            <a:r>
+              <a:rPr lang="en-US" sz="1800" dirty="0" smtClean="0">
+                <a:solidFill>
+                  <a:schemeClr val="tx1"/>
+                </a:solidFill>
+              </a:rPr>
+              <a:t>. </a:t>
+            </a:r>
+            <a:r>
+              <a:rPr lang="en-US" sz="1800" dirty="0" smtClean="0">
+                <a:solidFill>
+                  <a:schemeClr val="tx1"/>
+                </a:solidFill>
+              </a:rPr>
+              <a:t>Es </a:t>
+            </a:r>
+            <a:r>
+              <a:rPr lang="en-US" sz="1800" dirty="0" err="1" smtClean="0">
+                <a:solidFill>
+                  <a:schemeClr val="tx1"/>
+                </a:solidFill>
+              </a:rPr>
+              <a:t>gibt</a:t>
+            </a:r>
+            <a:r>
+              <a:rPr lang="en-US" sz="1800" dirty="0" smtClean="0">
+                <a:solidFill>
+                  <a:schemeClr val="tx1"/>
+                </a:solidFill>
+              </a:rPr>
+              <a:t> </a:t>
+            </a:r>
+            <a:r>
+              <a:rPr lang="en-US" sz="1800" dirty="0" err="1" smtClean="0">
+                <a:solidFill>
+                  <a:schemeClr val="tx1"/>
+                </a:solidFill>
+              </a:rPr>
+              <a:t>folgende</a:t>
+            </a:r>
+            <a:r>
+              <a:rPr lang="en-US" sz="1800" dirty="0" smtClean="0">
+                <a:solidFill>
+                  <a:schemeClr val="tx1"/>
+                </a:solidFill>
+              </a:rPr>
+              <a:t> </a:t>
+            </a:r>
+            <a:r>
+              <a:rPr lang="en-US" sz="1800" dirty="0" err="1" smtClean="0">
+                <a:solidFill>
+                  <a:schemeClr val="tx1"/>
+                </a:solidFill>
+              </a:rPr>
+              <a:t>Algorithmen</a:t>
+            </a:r>
+            <a:r>
+              <a:rPr lang="en-US" sz="1800" dirty="0" smtClean="0">
+                <a:solidFill>
+                  <a:schemeClr val="tx1"/>
+                </a:solidFill>
+              </a:rPr>
+              <a:t>:</a:t>
+            </a:r>
+          </a:p>
+          <a:p>
+            <a:pPr algn="just"/>
+            <a:endParaRPr lang="en-US" sz="1800" dirty="0" smtClean="0">
+              <a:solidFill>
+                <a:schemeClr val="tx1"/>
+              </a:solidFill>
+            </a:endParaRPr>
+          </a:p>
+          <a:p>
+            <a:pPr algn="just"/>
+            <a:r>
+              <a:rPr lang="en-US" sz="1800" dirty="0" smtClean="0">
+                <a:solidFill>
+                  <a:schemeClr val="tx1"/>
+                </a:solidFill>
+              </a:rPr>
+              <a:t>Generational </a:t>
+            </a:r>
+            <a:r>
+              <a:rPr lang="en-US" sz="1800" dirty="0" smtClean="0">
+                <a:solidFill>
+                  <a:schemeClr val="tx1"/>
+                </a:solidFill>
+              </a:rPr>
+              <a:t>Concurrent Mark </a:t>
+            </a:r>
+            <a:r>
+              <a:rPr lang="en-US" sz="1800" dirty="0" smtClean="0">
+                <a:solidFill>
+                  <a:schemeClr val="tx1"/>
+                </a:solidFill>
+              </a:rPr>
+              <a:t>&amp; Sweep</a:t>
+            </a:r>
+          </a:p>
+          <a:p>
+            <a:pPr algn="just">
+              <a:buFont typeface="Arial" pitchFamily="34" charset="0"/>
+              <a:buChar char="•"/>
+            </a:pPr>
+            <a:r>
+              <a:rPr lang="en-US" sz="1800" dirty="0" smtClean="0">
+                <a:solidFill>
+                  <a:schemeClr val="tx1"/>
+                </a:solidFill>
+              </a:rPr>
+              <a:t> </a:t>
+            </a:r>
+            <a:r>
+              <a:rPr lang="en-US" sz="1800" dirty="0" smtClean="0">
+                <a:solidFill>
+                  <a:schemeClr val="tx1"/>
+                </a:solidFill>
+              </a:rPr>
+              <a:t>Single </a:t>
+            </a:r>
+            <a:r>
+              <a:rPr lang="en-US" sz="1800" dirty="0" smtClean="0">
+                <a:solidFill>
+                  <a:schemeClr val="tx1"/>
+                </a:solidFill>
+              </a:rPr>
+              <a:t>Concurrent Mark </a:t>
+            </a:r>
+            <a:r>
+              <a:rPr lang="en-US" sz="1800" dirty="0" smtClean="0">
+                <a:solidFill>
+                  <a:schemeClr val="tx1"/>
+                </a:solidFill>
+              </a:rPr>
+              <a:t>&amp; Sweep</a:t>
+            </a:r>
+          </a:p>
+          <a:p>
+            <a:pPr algn="just">
+              <a:buFont typeface="Arial" pitchFamily="34" charset="0"/>
+              <a:buChar char="•"/>
+            </a:pPr>
+            <a:r>
+              <a:rPr lang="en-US" sz="1800" dirty="0" smtClean="0">
+                <a:solidFill>
+                  <a:schemeClr val="tx1"/>
+                </a:solidFill>
+              </a:rPr>
+              <a:t> </a:t>
+            </a:r>
+            <a:r>
+              <a:rPr lang="en-US" sz="1800" dirty="0" smtClean="0">
+                <a:solidFill>
+                  <a:schemeClr val="tx1"/>
+                </a:solidFill>
+              </a:rPr>
+              <a:t>Generational </a:t>
+            </a:r>
+            <a:r>
+              <a:rPr lang="en-US" sz="1800" dirty="0" smtClean="0">
+                <a:solidFill>
+                  <a:schemeClr val="tx1"/>
+                </a:solidFill>
+              </a:rPr>
+              <a:t>Parallel Mark </a:t>
+            </a:r>
+            <a:r>
+              <a:rPr lang="en-US" sz="1800" dirty="0" smtClean="0">
+                <a:solidFill>
+                  <a:schemeClr val="tx1"/>
+                </a:solidFill>
+              </a:rPr>
+              <a:t>&amp; </a:t>
+            </a:r>
+            <a:r>
+              <a:rPr lang="en-US" sz="1800" dirty="0" smtClean="0">
+                <a:solidFill>
+                  <a:schemeClr val="tx1"/>
+                </a:solidFill>
+              </a:rPr>
+              <a:t>Sweep </a:t>
+            </a:r>
+            <a:endParaRPr lang="en-US" sz="1800" dirty="0" smtClean="0">
+              <a:solidFill>
+                <a:schemeClr val="tx1"/>
+              </a:solidFill>
+            </a:endParaRPr>
+          </a:p>
+          <a:p>
+            <a:pPr algn="just">
+              <a:buFont typeface="Arial" pitchFamily="34" charset="0"/>
+              <a:buChar char="•"/>
+            </a:pPr>
+            <a:r>
+              <a:rPr lang="en-US" sz="1800" dirty="0" smtClean="0">
+                <a:solidFill>
+                  <a:schemeClr val="tx1"/>
+                </a:solidFill>
+              </a:rPr>
+              <a:t> Single </a:t>
+            </a:r>
+            <a:r>
+              <a:rPr lang="en-US" sz="1800" dirty="0" smtClean="0">
+                <a:solidFill>
+                  <a:schemeClr val="tx1"/>
+                </a:solidFill>
+              </a:rPr>
+              <a:t>Parallel Mark </a:t>
+            </a:r>
+            <a:r>
+              <a:rPr lang="en-US" sz="1800" dirty="0" smtClean="0">
+                <a:solidFill>
+                  <a:schemeClr val="tx1"/>
+                </a:solidFill>
+              </a:rPr>
+              <a:t>&amp; Sweep</a:t>
+            </a:r>
+          </a:p>
+          <a:p>
+            <a:pPr algn="just">
+              <a:buFont typeface="Arial" pitchFamily="34" charset="0"/>
+              <a:buChar char="•"/>
+            </a:pPr>
+            <a:endParaRPr lang="de-CH" sz="1800" dirty="0" smtClean="0">
+              <a:solidFill>
+                <a:schemeClr val="tx1"/>
+              </a:solidFill>
+            </a:endParaRPr>
+          </a:p>
+          <a:p>
+            <a:pPr algn="just"/>
+            <a:r>
+              <a:rPr lang="de-CH" sz="2000" b="1" dirty="0" smtClean="0">
+                <a:solidFill>
+                  <a:schemeClr val="tx1"/>
+                </a:solidFill>
+              </a:rPr>
+              <a:t>Aufbau des </a:t>
+            </a:r>
+            <a:r>
+              <a:rPr lang="de-CH" sz="2000" b="1" dirty="0" err="1" smtClean="0">
+                <a:solidFill>
+                  <a:schemeClr val="tx1"/>
+                </a:solidFill>
+              </a:rPr>
+              <a:t>Heaps</a:t>
+            </a:r>
+            <a:endParaRPr lang="de-CH" sz="2000" b="1" dirty="0" smtClean="0">
+              <a:solidFill>
+                <a:schemeClr val="tx1"/>
+              </a:solidFill>
+            </a:endParaRPr>
+          </a:p>
+          <a:p>
+            <a:pPr algn="just"/>
+            <a:r>
+              <a:rPr lang="de-CH" sz="1800" dirty="0" smtClean="0">
+                <a:solidFill>
+                  <a:schemeClr val="tx1"/>
+                </a:solidFill>
+              </a:rPr>
+              <a:t>Die </a:t>
+            </a:r>
+            <a:r>
+              <a:rPr lang="de-CH" sz="1800" dirty="0" err="1" smtClean="0">
+                <a:solidFill>
+                  <a:schemeClr val="tx1"/>
+                </a:solidFill>
+              </a:rPr>
+              <a:t>JRockit</a:t>
+            </a:r>
+            <a:r>
+              <a:rPr lang="de-CH" sz="1800" dirty="0" smtClean="0">
+                <a:solidFill>
+                  <a:schemeClr val="tx1"/>
+                </a:solidFill>
+              </a:rPr>
+              <a:t> </a:t>
+            </a:r>
+            <a:r>
+              <a:rPr lang="de-CH" sz="1800" dirty="0" err="1" smtClean="0">
+                <a:solidFill>
+                  <a:schemeClr val="tx1"/>
+                </a:solidFill>
+              </a:rPr>
+              <a:t>Virtual</a:t>
+            </a:r>
+            <a:r>
+              <a:rPr lang="de-CH" sz="1800" dirty="0" smtClean="0">
+                <a:solidFill>
+                  <a:schemeClr val="tx1"/>
+                </a:solidFill>
+              </a:rPr>
+              <a:t> </a:t>
+            </a:r>
+            <a:r>
+              <a:rPr lang="de-CH" sz="1800" dirty="0" err="1" smtClean="0">
+                <a:solidFill>
+                  <a:schemeClr val="tx1"/>
+                </a:solidFill>
+              </a:rPr>
+              <a:t>Machine</a:t>
+            </a:r>
+            <a:r>
+              <a:rPr lang="de-CH" sz="1800" dirty="0" smtClean="0">
+                <a:solidFill>
+                  <a:schemeClr val="tx1"/>
+                </a:solidFill>
+              </a:rPr>
+              <a:t> kommt ohne Permanent-Bereich (hier werden bei der </a:t>
+            </a:r>
+            <a:r>
+              <a:rPr lang="de-CH" sz="1800" dirty="0" err="1" smtClean="0">
+                <a:solidFill>
+                  <a:schemeClr val="tx1"/>
+                </a:solidFill>
+              </a:rPr>
+              <a:t>HotSpot</a:t>
+            </a:r>
+            <a:r>
+              <a:rPr lang="de-CH" sz="1800" dirty="0" smtClean="0">
+                <a:solidFill>
+                  <a:schemeClr val="tx1"/>
+                </a:solidFill>
+              </a:rPr>
+              <a:t> VM beispielsweise die </a:t>
+            </a:r>
+            <a:r>
+              <a:rPr lang="de-CH" sz="1800" dirty="0" err="1" smtClean="0">
+                <a:solidFill>
+                  <a:schemeClr val="tx1"/>
+                </a:solidFill>
+              </a:rPr>
+              <a:t>Class-Objekte</a:t>
+            </a:r>
+            <a:r>
+              <a:rPr lang="de-CH" sz="1800" dirty="0" smtClean="0">
+                <a:solidFill>
+                  <a:schemeClr val="tx1"/>
+                </a:solidFill>
+              </a:rPr>
+              <a:t> angelegt) aus. </a:t>
+            </a:r>
+            <a:r>
+              <a:rPr lang="de-CH" sz="1800" dirty="0" err="1" smtClean="0">
+                <a:solidFill>
+                  <a:schemeClr val="tx1"/>
+                </a:solidFill>
+              </a:rPr>
+              <a:t>JRockit</a:t>
+            </a:r>
+            <a:r>
+              <a:rPr lang="de-CH" sz="1800" dirty="0" smtClean="0">
+                <a:solidFill>
+                  <a:schemeClr val="tx1"/>
+                </a:solidFill>
+              </a:rPr>
+              <a:t> verwendet keine Mark &amp; </a:t>
+            </a:r>
+            <a:r>
+              <a:rPr lang="de-CH" sz="1800" dirty="0" err="1" smtClean="0">
+                <a:solidFill>
+                  <a:schemeClr val="tx1"/>
+                </a:solidFill>
+              </a:rPr>
+              <a:t>Copy</a:t>
+            </a:r>
+            <a:r>
+              <a:rPr lang="de-CH" sz="1800" dirty="0" smtClean="0">
+                <a:solidFill>
+                  <a:schemeClr val="tx1"/>
+                </a:solidFill>
+              </a:rPr>
+              <a:t> Algorithmus und benötigt deshalb auch keine </a:t>
+            </a:r>
+            <a:r>
+              <a:rPr lang="de-CH" sz="1800" dirty="0" err="1" smtClean="0">
+                <a:solidFill>
+                  <a:schemeClr val="tx1"/>
+                </a:solidFill>
+              </a:rPr>
+              <a:t>Survivor-Regionen</a:t>
+            </a:r>
+            <a:r>
+              <a:rPr lang="de-CH" sz="1800" dirty="0" smtClean="0">
+                <a:solidFill>
+                  <a:schemeClr val="tx1"/>
+                </a:solidFill>
+              </a:rPr>
+              <a:t>. Sofern Generationen angelegt werden, sieht das Schema der Bereiche folgendermassen aus:</a:t>
+            </a:r>
+          </a:p>
+          <a:p>
+            <a:pPr algn="just"/>
+            <a:endParaRPr lang="de-CH" sz="1800" dirty="0" smtClean="0">
+              <a:solidFill>
+                <a:schemeClr val="tx1"/>
+              </a:solidFill>
+            </a:endParaRPr>
+          </a:p>
+          <a:p>
+            <a:pPr algn="just"/>
+            <a:endParaRPr lang="de-CH" sz="1800" dirty="0" smtClean="0">
+              <a:solidFill>
+                <a:schemeClr val="tx1"/>
+              </a:solidFill>
+            </a:endParaRPr>
+          </a:p>
+          <a:p>
+            <a:pPr algn="just"/>
+            <a:endParaRPr lang="de-CH" sz="1800" dirty="0" smtClean="0">
+              <a:solidFill>
+                <a:schemeClr val="tx1"/>
+              </a:solidFill>
+            </a:endParaRPr>
+          </a:p>
+          <a:p>
+            <a:pPr algn="just"/>
+            <a:endParaRPr lang="de-CH" sz="1800" dirty="0" smtClean="0">
+              <a:solidFill>
+                <a:schemeClr val="tx1"/>
+              </a:solidFill>
+            </a:endParaRPr>
+          </a:p>
+          <a:p>
+            <a:pPr algn="just"/>
+            <a:r>
+              <a:rPr lang="de-CH" sz="1800" dirty="0" smtClean="0">
+                <a:solidFill>
+                  <a:schemeClr val="tx1"/>
+                </a:solidFill>
+              </a:rPr>
+              <a:t>In der Young Generation werden die neuen Objekte angelegt, sie wird in </a:t>
+            </a:r>
+            <a:r>
+              <a:rPr lang="de-CH" sz="1800" dirty="0" err="1" smtClean="0">
+                <a:solidFill>
+                  <a:schemeClr val="tx1"/>
+                </a:solidFill>
+              </a:rPr>
+              <a:t>thread-lokale</a:t>
+            </a:r>
+            <a:r>
+              <a:rPr lang="de-CH" sz="1800" dirty="0" smtClean="0">
+                <a:solidFill>
+                  <a:schemeClr val="tx1"/>
+                </a:solidFill>
+              </a:rPr>
+              <a:t> Bereiche (jedem </a:t>
+            </a:r>
+            <a:r>
+              <a:rPr lang="de-CH" sz="1800" dirty="0" err="1" smtClean="0">
+                <a:solidFill>
+                  <a:schemeClr val="tx1"/>
+                </a:solidFill>
+              </a:rPr>
+              <a:t>Thread</a:t>
+            </a:r>
+            <a:r>
+              <a:rPr lang="de-CH" sz="1800" dirty="0" smtClean="0">
+                <a:solidFill>
+                  <a:schemeClr val="tx1"/>
+                </a:solidFill>
+              </a:rPr>
+              <a:t> gehört ein Bereich) unterteilt, sodass die Allokation nicht synchronisiert werden muss. In der </a:t>
+            </a:r>
+            <a:r>
+              <a:rPr lang="de-CH" sz="1800" dirty="0" err="1" smtClean="0">
+                <a:solidFill>
+                  <a:schemeClr val="tx1"/>
+                </a:solidFill>
+              </a:rPr>
+              <a:t>Keep</a:t>
+            </a:r>
+            <a:r>
+              <a:rPr lang="de-CH" sz="1800" dirty="0" smtClean="0">
+                <a:solidFill>
+                  <a:schemeClr val="tx1"/>
+                </a:solidFill>
+              </a:rPr>
+              <a:t> </a:t>
+            </a:r>
+            <a:r>
+              <a:rPr lang="de-CH" sz="1800" dirty="0" err="1" smtClean="0">
+                <a:solidFill>
+                  <a:schemeClr val="tx1"/>
+                </a:solidFill>
+              </a:rPr>
+              <a:t>Area</a:t>
+            </a:r>
+            <a:r>
+              <a:rPr lang="de-CH" sz="1800" dirty="0" smtClean="0">
+                <a:solidFill>
+                  <a:schemeClr val="tx1"/>
+                </a:solidFill>
+              </a:rPr>
+              <a:t> befinden sich die Objekte, welche eine Garbage Collection auf der Young Generation überlebt haben. Nach einer nochmaligen Collection wandern sie in die Old Generation und bleiben da, bis sie von einer Old Collection weggeräumt werden.</a:t>
+            </a:r>
+          </a:p>
+          <a:p>
+            <a:pPr algn="just"/>
+            <a:endParaRPr lang="de-CH" sz="1800" dirty="0" smtClean="0">
+              <a:solidFill>
+                <a:schemeClr val="tx1"/>
+              </a:solidFill>
+            </a:endParaRPr>
+          </a:p>
+          <a:p>
+            <a:pPr algn="just"/>
+            <a:endParaRPr lang="en-US" sz="1800" dirty="0" smtClean="0">
               <a:solidFill>
                 <a:schemeClr val="tx1"/>
               </a:solidFill>
@@ -27273,65 +28514,3378 @@
           </a:p>
         </p:txBody>
       </p:sp>
-      <p:cxnSp>
-        <p:nvCxnSpPr>
-          <p:cNvPr id="176" name="Straight Arrow Connector 175"/>
-          <p:cNvCxnSpPr>
-            <a:stCxn id="135" idx="2"/>
-            <a:endCxn id="194" idx="0"/>
-          </p:cNvCxnSpPr>
+      <p:sp>
+        <p:nvSpPr>
+          <p:cNvPr id="160" name="TextBox 159"/>
+          <p:cNvSpPr txBox="1"/>
           <p:nvPr/>
-        </p:nvCxnSpPr>
+        </p:nvSpPr>
         <p:spPr>
           <a:xfrm>
-            <a:off x="15658098" y="17248187"/>
-            <a:ext cx="435" cy="655916"/>
+            <a:off x="10232007" y="2179637"/>
+            <a:ext cx="7162800" cy="707886"/>
           </a:xfrm>
-          <a:prstGeom prst="straightConnector1">
+          <a:prstGeom prst="rect">
             <a:avLst/>
           </a:prstGeom>
-          <a:ln w="28575" cmpd="sng">
+          <a:noFill/>
+        </p:spPr>
+        <p:txBody>
+          <a:bodyPr wrap="square" rtlCol="0">
+            <a:spAutoFit/>
+          </a:bodyPr>
+          <a:lstStyle/>
+          <a:p>
+            <a:r>
+              <a:rPr lang="de-CH" sz="4000" dirty="0" smtClean="0"/>
+              <a:t>Grundlagen</a:t>
+            </a:r>
+            <a:endParaRPr lang="en-US" sz="4000" dirty="0"/>
+          </a:p>
+        </p:txBody>
+      </p:sp>
+      <p:sp>
+        <p:nvSpPr>
+          <p:cNvPr id="161" name="TextBox 160"/>
+          <p:cNvSpPr txBox="1"/>
+          <p:nvPr/>
+        </p:nvSpPr>
+        <p:spPr>
+          <a:xfrm>
+            <a:off x="431235" y="2179637"/>
+            <a:ext cx="7162800" cy="707886"/>
+          </a:xfrm>
+          <a:prstGeom prst="rect">
+            <a:avLst/>
+          </a:prstGeom>
+          <a:noFill/>
+        </p:spPr>
+        <p:txBody>
+          <a:bodyPr wrap="square" rtlCol="0">
+            <a:spAutoFit/>
+          </a:bodyPr>
+          <a:lstStyle/>
+          <a:p>
+            <a:r>
+              <a:rPr lang="de-CH" sz="4000" dirty="0" smtClean="0"/>
+              <a:t>Aufgabenstellung</a:t>
+            </a:r>
+            <a:endParaRPr lang="en-US" sz="4000" dirty="0"/>
+          </a:p>
+        </p:txBody>
+      </p:sp>
+      <p:sp>
+        <p:nvSpPr>
+          <p:cNvPr id="163" name="TextBox 162"/>
+          <p:cNvSpPr txBox="1"/>
+          <p:nvPr/>
+        </p:nvSpPr>
+        <p:spPr>
+          <a:xfrm>
+            <a:off x="22997319" y="2179637"/>
+            <a:ext cx="7162800" cy="707886"/>
+          </a:xfrm>
+          <a:prstGeom prst="rect">
+            <a:avLst/>
+          </a:prstGeom>
+          <a:noFill/>
+        </p:spPr>
+        <p:txBody>
+          <a:bodyPr wrap="square" rtlCol="0">
+            <a:spAutoFit/>
+          </a:bodyPr>
+          <a:lstStyle/>
+          <a:p>
+            <a:r>
+              <a:rPr lang="de-CH" sz="4000" dirty="0" smtClean="0"/>
+              <a:t>Realisierung</a:t>
+            </a:r>
+            <a:endParaRPr lang="en-US" sz="4000" dirty="0"/>
+          </a:p>
+        </p:txBody>
+      </p:sp>
+      <p:grpSp>
+        <p:nvGrpSpPr>
+          <p:cNvPr id="195" name="Group 194"/>
+          <p:cNvGrpSpPr/>
+          <p:nvPr/>
+        </p:nvGrpSpPr>
+        <p:grpSpPr>
+          <a:xfrm>
+            <a:off x="11795919" y="4389437"/>
+            <a:ext cx="8610600" cy="1588532"/>
+            <a:chOff x="11795919" y="4999037"/>
+            <a:chExt cx="8610600" cy="1588532"/>
+          </a:xfrm>
+        </p:grpSpPr>
+        <p:sp>
+          <p:nvSpPr>
+            <p:cNvPr id="183" name="TextBox 182"/>
+            <p:cNvSpPr txBox="1"/>
+            <p:nvPr/>
+          </p:nvSpPr>
+          <p:spPr>
+            <a:xfrm>
+              <a:off x="11795919" y="4999037"/>
+              <a:ext cx="381000" cy="369332"/>
+            </a:xfrm>
+            <a:prstGeom prst="rect">
+              <a:avLst/>
+            </a:prstGeom>
             <a:solidFill>
-              <a:schemeClr val="accent2"/>
+              <a:schemeClr val="accent3"/>
             </a:solidFill>
-            <a:tailEnd type="arrow"/>
+          </p:spPr>
+          <p:txBody>
+            <a:bodyPr wrap="square" rtlCol="0">
+              <a:spAutoFit/>
+            </a:bodyPr>
+            <a:lstStyle/>
+            <a:p>
+              <a:pPr algn="ctr"/>
+              <a:r>
+                <a:rPr lang="de-CH" sz="1800" dirty="0" smtClean="0"/>
+                <a:t>1.</a:t>
+              </a:r>
+              <a:endParaRPr lang="en-US" sz="1800" dirty="0"/>
+            </a:p>
+          </p:txBody>
+        </p:sp>
+        <p:sp>
+          <p:nvSpPr>
+            <p:cNvPr id="184" name="TextBox 183"/>
+            <p:cNvSpPr txBox="1"/>
+            <p:nvPr/>
+          </p:nvSpPr>
+          <p:spPr>
+            <a:xfrm>
+              <a:off x="14615319" y="4999037"/>
+              <a:ext cx="381000" cy="369332"/>
+            </a:xfrm>
+            <a:prstGeom prst="rect">
+              <a:avLst/>
+            </a:prstGeom>
+            <a:solidFill>
+              <a:schemeClr val="accent3"/>
+            </a:solidFill>
+          </p:spPr>
+          <p:txBody>
+            <a:bodyPr wrap="square" rtlCol="0">
+              <a:spAutoFit/>
+            </a:bodyPr>
+            <a:lstStyle/>
+            <a:p>
+              <a:pPr algn="ctr"/>
+              <a:r>
+                <a:rPr lang="de-CH" sz="1800" dirty="0" smtClean="0"/>
+                <a:t>2.</a:t>
+              </a:r>
+              <a:endParaRPr lang="en-US" sz="1800" dirty="0"/>
+            </a:p>
+          </p:txBody>
+        </p:sp>
+        <p:sp>
+          <p:nvSpPr>
+            <p:cNvPr id="185" name="TextBox 184"/>
+            <p:cNvSpPr txBox="1"/>
+            <p:nvPr/>
+          </p:nvSpPr>
+          <p:spPr>
+            <a:xfrm>
+              <a:off x="17206119" y="4999037"/>
+              <a:ext cx="381000" cy="369332"/>
+            </a:xfrm>
+            <a:prstGeom prst="rect">
+              <a:avLst/>
+            </a:prstGeom>
+            <a:solidFill>
+              <a:schemeClr val="accent3"/>
+            </a:solidFill>
+          </p:spPr>
+          <p:txBody>
+            <a:bodyPr wrap="square" rtlCol="0">
+              <a:spAutoFit/>
+            </a:bodyPr>
+            <a:lstStyle/>
+            <a:p>
+              <a:pPr algn="ctr"/>
+              <a:r>
+                <a:rPr lang="de-CH" sz="1800" dirty="0" smtClean="0"/>
+                <a:t>3.</a:t>
+              </a:r>
+              <a:endParaRPr lang="en-US" sz="1800" dirty="0"/>
+            </a:p>
+          </p:txBody>
+        </p:sp>
+        <p:sp>
+          <p:nvSpPr>
+            <p:cNvPr id="186" name="TextBox 185"/>
+            <p:cNvSpPr txBox="1"/>
+            <p:nvPr/>
+          </p:nvSpPr>
+          <p:spPr>
+            <a:xfrm>
+              <a:off x="18958719" y="4999037"/>
+              <a:ext cx="381000" cy="369332"/>
+            </a:xfrm>
+            <a:prstGeom prst="rect">
+              <a:avLst/>
+            </a:prstGeom>
+            <a:solidFill>
+              <a:schemeClr val="accent3"/>
+            </a:solidFill>
+          </p:spPr>
+          <p:txBody>
+            <a:bodyPr wrap="square" rtlCol="0">
+              <a:spAutoFit/>
+            </a:bodyPr>
+            <a:lstStyle/>
+            <a:p>
+              <a:pPr algn="ctr"/>
+              <a:r>
+                <a:rPr lang="de-CH" sz="1800" dirty="0" smtClean="0"/>
+                <a:t>4</a:t>
+              </a:r>
+              <a:r>
+                <a:rPr lang="de-CH" sz="1800" dirty="0" smtClean="0"/>
+                <a:t>.</a:t>
+              </a:r>
+              <a:endParaRPr lang="en-US" sz="1800" dirty="0"/>
+            </a:p>
+          </p:txBody>
+        </p:sp>
+        <p:grpSp>
+          <p:nvGrpSpPr>
+            <p:cNvPr id="193" name="Group 192"/>
+            <p:cNvGrpSpPr/>
+            <p:nvPr/>
+          </p:nvGrpSpPr>
+          <p:grpSpPr>
+            <a:xfrm>
+              <a:off x="11872119" y="5303837"/>
+              <a:ext cx="8534400" cy="1283732"/>
+              <a:chOff x="11872119" y="5303837"/>
+              <a:chExt cx="8534400" cy="1283732"/>
+            </a:xfrm>
+          </p:grpSpPr>
+          <p:grpSp>
+            <p:nvGrpSpPr>
+              <p:cNvPr id="182" name="Group 181"/>
+              <p:cNvGrpSpPr/>
+              <p:nvPr/>
+            </p:nvGrpSpPr>
+            <p:grpSpPr>
+              <a:xfrm>
+                <a:off x="11872119" y="5303837"/>
+                <a:ext cx="8534400" cy="1283732"/>
+                <a:chOff x="10576719" y="4999037"/>
+                <a:chExt cx="8534400" cy="1283732"/>
+              </a:xfrm>
+            </p:grpSpPr>
+            <p:sp>
+              <p:nvSpPr>
+                <p:cNvPr id="168" name="Pentagon 167"/>
+                <p:cNvSpPr/>
+                <p:nvPr/>
+              </p:nvSpPr>
+              <p:spPr>
+                <a:xfrm>
+                  <a:off x="13472319" y="4999037"/>
+                  <a:ext cx="2514600" cy="685800"/>
+                </a:xfrm>
+                <a:prstGeom prst="homePlate">
+                  <a:avLst/>
+                </a:prstGeom>
+                <a:solidFill>
+                  <a:schemeClr val="tx1">
+                    <a:lumMod val="75000"/>
+                    <a:lumOff val="25000"/>
+                  </a:schemeClr>
+                </a:solidFill>
+                <a:ln>
+                  <a:solidFill>
+                    <a:schemeClr val="tx1"/>
+                  </a:solidFill>
+                </a:ln>
+              </p:spPr>
+              <p:style>
+                <a:lnRef idx="2">
+                  <a:schemeClr val="accent1">
+                    <a:shade val="50000"/>
+                  </a:schemeClr>
+                </a:lnRef>
+                <a:fillRef idx="1">
+                  <a:schemeClr val="accent1"/>
+                </a:fillRef>
+                <a:effectRef idx="0">
+                  <a:schemeClr val="accent1"/>
+                </a:effectRef>
+                <a:fontRef idx="minor">
+                  <a:schemeClr val="lt1"/>
+                </a:fontRef>
+              </p:style>
+              <p:txBody>
+                <a:bodyPr rtlCol="0" anchor="ctr"/>
+                <a:lstStyle/>
+                <a:p>
+                  <a:pPr algn="ctr"/>
+                  <a:r>
+                    <a:rPr lang="de-CH" sz="1800" b="1" dirty="0" smtClean="0"/>
+                    <a:t>Suche nach dem </a:t>
+                  </a:r>
+                  <a:r>
+                    <a:rPr lang="de-CH" sz="1800" b="1" dirty="0" err="1" smtClean="0"/>
+                    <a:t>Dominating</a:t>
+                  </a:r>
+                  <a:r>
+                    <a:rPr lang="de-CH" sz="1800" b="1" dirty="0" smtClean="0"/>
+                    <a:t> </a:t>
+                  </a:r>
+                  <a:r>
+                    <a:rPr lang="de-CH" sz="1800" b="1" dirty="0" err="1" smtClean="0"/>
+                    <a:t>Consumer</a:t>
+                  </a:r>
+                  <a:endParaRPr lang="en-US" sz="1800" b="1" dirty="0"/>
+                </a:p>
+              </p:txBody>
+            </p:sp>
+            <p:sp>
+              <p:nvSpPr>
+                <p:cNvPr id="169" name="Pentagon 168"/>
+                <p:cNvSpPr/>
+                <p:nvPr/>
+              </p:nvSpPr>
+              <p:spPr>
+                <a:xfrm>
+                  <a:off x="16063119" y="4999037"/>
+                  <a:ext cx="1676400" cy="685800"/>
+                </a:xfrm>
+                <a:prstGeom prst="homePlate">
+                  <a:avLst/>
+                </a:prstGeom>
+                <a:solidFill>
+                  <a:schemeClr val="tx1">
+                    <a:lumMod val="75000"/>
+                    <a:lumOff val="25000"/>
+                  </a:schemeClr>
+                </a:solidFill>
+                <a:ln>
+                  <a:solidFill>
+                    <a:schemeClr val="tx1"/>
+                  </a:solidFill>
+                </a:ln>
+              </p:spPr>
+              <p:style>
+                <a:lnRef idx="2">
+                  <a:schemeClr val="accent1">
+                    <a:shade val="50000"/>
+                  </a:schemeClr>
+                </a:lnRef>
+                <a:fillRef idx="1">
+                  <a:schemeClr val="accent1"/>
+                </a:fillRef>
+                <a:effectRef idx="0">
+                  <a:schemeClr val="accent1"/>
+                </a:effectRef>
+                <a:fontRef idx="minor">
+                  <a:schemeClr val="lt1"/>
+                </a:fontRef>
+              </p:style>
+              <p:txBody>
+                <a:bodyPr rtlCol="0" anchor="ctr"/>
+                <a:lstStyle/>
+                <a:p>
+                  <a:pPr algn="ctr"/>
+                  <a:r>
+                    <a:rPr lang="de-CH" sz="1800" b="1" dirty="0" smtClean="0"/>
+                    <a:t>Sammeln von Detaildaten</a:t>
+                  </a:r>
+                  <a:endParaRPr lang="en-US" sz="1800" b="1" dirty="0"/>
+                </a:p>
+              </p:txBody>
+            </p:sp>
+            <p:sp>
+              <p:nvSpPr>
+                <p:cNvPr id="171" name="Pentagon 170"/>
+                <p:cNvSpPr/>
+                <p:nvPr/>
+              </p:nvSpPr>
+              <p:spPr>
+                <a:xfrm>
+                  <a:off x="17815719" y="4999037"/>
+                  <a:ext cx="1295400" cy="685800"/>
+                </a:xfrm>
+                <a:prstGeom prst="homePlate">
+                  <a:avLst/>
+                </a:prstGeom>
+                <a:solidFill>
+                  <a:schemeClr val="tx1">
+                    <a:lumMod val="75000"/>
+                    <a:lumOff val="25000"/>
+                  </a:schemeClr>
+                </a:solidFill>
+                <a:ln>
+                  <a:solidFill>
+                    <a:schemeClr val="tx1"/>
+                  </a:solidFill>
+                </a:ln>
+              </p:spPr>
+              <p:style>
+                <a:lnRef idx="2">
+                  <a:schemeClr val="accent1">
+                    <a:shade val="50000"/>
+                  </a:schemeClr>
+                </a:lnRef>
+                <a:fillRef idx="1">
+                  <a:schemeClr val="accent1"/>
+                </a:fillRef>
+                <a:effectRef idx="0">
+                  <a:schemeClr val="accent1"/>
+                </a:effectRef>
+                <a:fontRef idx="minor">
+                  <a:schemeClr val="lt1"/>
+                </a:fontRef>
+              </p:style>
+              <p:txBody>
+                <a:bodyPr rtlCol="0" anchor="ctr"/>
+                <a:lstStyle/>
+                <a:p>
+                  <a:pPr algn="ctr"/>
+                  <a:r>
+                    <a:rPr lang="de-CH" sz="1800" dirty="0" smtClean="0"/>
+                    <a:t>Lösen des Problems</a:t>
+                  </a:r>
+                  <a:endParaRPr lang="en-US" sz="1800" dirty="0"/>
+                </a:p>
+              </p:txBody>
+            </p:sp>
+            <p:sp>
+              <p:nvSpPr>
+                <p:cNvPr id="180" name="TextBox 179"/>
+                <p:cNvSpPr txBox="1"/>
+                <p:nvPr/>
+              </p:nvSpPr>
+              <p:spPr>
+                <a:xfrm>
+                  <a:off x="12862719" y="5913437"/>
+                  <a:ext cx="4724400" cy="369332"/>
+                </a:xfrm>
+                <a:prstGeom prst="rect">
+                  <a:avLst/>
+                </a:prstGeom>
+                <a:noFill/>
+              </p:spPr>
+              <p:txBody>
+                <a:bodyPr wrap="square" rtlCol="0">
+                  <a:spAutoFit/>
+                </a:bodyPr>
+                <a:lstStyle/>
+                <a:p>
+                  <a:r>
+                    <a:rPr lang="de-CH" sz="1800" dirty="0" smtClean="0"/>
+                    <a:t>solange Performanceanforderungen nicht erfüllt</a:t>
+                  </a:r>
+                  <a:endParaRPr lang="en-US" sz="1800" dirty="0"/>
+                </a:p>
+              </p:txBody>
+            </p:sp>
+            <p:sp>
+              <p:nvSpPr>
+                <p:cNvPr id="167" name="Pentagon 166"/>
+                <p:cNvSpPr/>
+                <p:nvPr/>
+              </p:nvSpPr>
+              <p:spPr>
+                <a:xfrm>
+                  <a:off x="10576719" y="4999037"/>
+                  <a:ext cx="2819400" cy="685800"/>
+                </a:xfrm>
+                <a:prstGeom prst="homePlate">
+                  <a:avLst/>
+                </a:prstGeom>
+                <a:solidFill>
+                  <a:schemeClr val="tx1">
+                    <a:lumMod val="75000"/>
+                    <a:lumOff val="25000"/>
+                  </a:schemeClr>
+                </a:solidFill>
+                <a:ln>
+                  <a:solidFill>
+                    <a:schemeClr val="tx1"/>
+                  </a:solidFill>
+                </a:ln>
+              </p:spPr>
+              <p:style>
+                <a:lnRef idx="2">
+                  <a:schemeClr val="accent1">
+                    <a:shade val="50000"/>
+                  </a:schemeClr>
+                </a:lnRef>
+                <a:fillRef idx="1">
+                  <a:schemeClr val="accent1"/>
+                </a:fillRef>
+                <a:effectRef idx="0">
+                  <a:schemeClr val="accent1"/>
+                </a:effectRef>
+                <a:fontRef idx="minor">
+                  <a:schemeClr val="lt1"/>
+                </a:fontRef>
+              </p:style>
+              <p:txBody>
+                <a:bodyPr rtlCol="0" anchor="ctr"/>
+                <a:lstStyle/>
+                <a:p>
+                  <a:pPr algn="ctr"/>
+                  <a:r>
+                    <a:rPr lang="de-CH" sz="1800" dirty="0" smtClean="0"/>
+                    <a:t>Identifikation neuralgische Punkte des Systems</a:t>
+                  </a:r>
+                  <a:endParaRPr lang="en-US" sz="1800" dirty="0"/>
+                </a:p>
+              </p:txBody>
+            </p:sp>
+          </p:grpSp>
+          <p:cxnSp>
+            <p:nvCxnSpPr>
+              <p:cNvPr id="178" name="Elbow Connector 177"/>
+              <p:cNvCxnSpPr/>
+              <p:nvPr/>
+            </p:nvCxnSpPr>
+            <p:spPr>
+              <a:xfrm flipH="1">
+                <a:off x="11872119" y="5672137"/>
+                <a:ext cx="8534400" cy="12700"/>
+              </a:xfrm>
+              <a:prstGeom prst="bentConnector5">
+                <a:avLst>
+                  <a:gd name="adj1" fmla="val -2679"/>
+                  <a:gd name="adj2" fmla="val 4500000"/>
+                  <a:gd name="adj3" fmla="val 102679"/>
+                </a:avLst>
+              </a:prstGeom>
+              <a:ln w="25400">
+                <a:solidFill>
+                  <a:schemeClr val="tx1"/>
+                </a:solidFill>
+                <a:tailEnd type="arrow"/>
+              </a:ln>
+            </p:spPr>
+            <p:style>
+              <a:lnRef idx="1">
+                <a:schemeClr val="accent1"/>
+              </a:lnRef>
+              <a:fillRef idx="0">
+                <a:schemeClr val="accent1"/>
+              </a:fillRef>
+              <a:effectRef idx="0">
+                <a:schemeClr val="accent1"/>
+              </a:effectRef>
+              <a:fontRef idx="minor">
+                <a:schemeClr val="tx1"/>
+              </a:fontRef>
+            </p:style>
+          </p:cxnSp>
+        </p:grpSp>
+      </p:grpSp>
+      <p:sp>
+        <p:nvSpPr>
+          <p:cNvPr id="237" name="TextBox 236"/>
+          <p:cNvSpPr txBox="1"/>
+          <p:nvPr/>
+        </p:nvSpPr>
+        <p:spPr>
+          <a:xfrm>
+            <a:off x="15758319" y="13000037"/>
+            <a:ext cx="609600" cy="369332"/>
+          </a:xfrm>
+          <a:prstGeom prst="rect">
+            <a:avLst/>
+          </a:prstGeom>
+          <a:noFill/>
+        </p:spPr>
+        <p:txBody>
+          <a:bodyPr wrap="square" rtlCol="0">
+            <a:spAutoFit/>
+          </a:bodyPr>
+          <a:lstStyle/>
+          <a:p>
+            <a:r>
+              <a:rPr lang="de-CH" sz="1800" dirty="0" smtClean="0">
+                <a:solidFill>
+                  <a:schemeClr val="tx2"/>
+                </a:solidFill>
+              </a:rPr>
+              <a:t>ja</a:t>
+            </a:r>
+            <a:endParaRPr lang="en-US" sz="1800" dirty="0">
+              <a:solidFill>
+                <a:schemeClr val="tx2"/>
+              </a:solidFill>
+            </a:endParaRPr>
+          </a:p>
+        </p:txBody>
+      </p:sp>
+      <p:sp>
+        <p:nvSpPr>
+          <p:cNvPr id="252" name="TextBox 251"/>
+          <p:cNvSpPr txBox="1"/>
+          <p:nvPr/>
+        </p:nvSpPr>
+        <p:spPr>
+          <a:xfrm>
+            <a:off x="14691519" y="15667037"/>
+            <a:ext cx="609600" cy="369332"/>
+          </a:xfrm>
+          <a:prstGeom prst="rect">
+            <a:avLst/>
+          </a:prstGeom>
+          <a:noFill/>
+        </p:spPr>
+        <p:txBody>
+          <a:bodyPr wrap="square" rtlCol="0">
+            <a:spAutoFit/>
+          </a:bodyPr>
+          <a:lstStyle/>
+          <a:p>
+            <a:r>
+              <a:rPr lang="de-CH" sz="1800" dirty="0" smtClean="0">
+                <a:solidFill>
+                  <a:schemeClr val="tx2"/>
+                </a:solidFill>
+              </a:rPr>
+              <a:t>ja</a:t>
+            </a:r>
+            <a:endParaRPr lang="en-US" sz="1800" dirty="0">
+              <a:solidFill>
+                <a:schemeClr val="tx2"/>
+              </a:solidFill>
+            </a:endParaRPr>
+          </a:p>
+        </p:txBody>
+      </p:sp>
+      <p:sp>
+        <p:nvSpPr>
+          <p:cNvPr id="253" name="TextBox 252"/>
+          <p:cNvSpPr txBox="1"/>
+          <p:nvPr/>
+        </p:nvSpPr>
+        <p:spPr>
+          <a:xfrm>
+            <a:off x="18272919" y="15667037"/>
+            <a:ext cx="609600" cy="369332"/>
+          </a:xfrm>
+          <a:prstGeom prst="rect">
+            <a:avLst/>
+          </a:prstGeom>
+          <a:noFill/>
+        </p:spPr>
+        <p:txBody>
+          <a:bodyPr wrap="square" rtlCol="0">
+            <a:spAutoFit/>
+          </a:bodyPr>
+          <a:lstStyle/>
+          <a:p>
+            <a:r>
+              <a:rPr lang="de-CH" sz="1800" dirty="0" smtClean="0">
+                <a:solidFill>
+                  <a:schemeClr val="tx2"/>
+                </a:solidFill>
+              </a:rPr>
+              <a:t>ja</a:t>
+            </a:r>
+            <a:endParaRPr lang="en-US" sz="1800" dirty="0">
+              <a:solidFill>
+                <a:schemeClr val="tx2"/>
+              </a:solidFill>
+            </a:endParaRPr>
+          </a:p>
+        </p:txBody>
+      </p:sp>
+      <p:sp>
+        <p:nvSpPr>
+          <p:cNvPr id="254" name="TextBox 253"/>
+          <p:cNvSpPr txBox="1"/>
+          <p:nvPr/>
+        </p:nvSpPr>
+        <p:spPr>
+          <a:xfrm>
+            <a:off x="13319919" y="14447837"/>
+            <a:ext cx="609600" cy="369332"/>
+          </a:xfrm>
+          <a:prstGeom prst="rect">
+            <a:avLst/>
+          </a:prstGeom>
+          <a:noFill/>
+        </p:spPr>
+        <p:txBody>
+          <a:bodyPr wrap="square" rtlCol="0">
+            <a:spAutoFit/>
+          </a:bodyPr>
+          <a:lstStyle/>
+          <a:p>
+            <a:r>
+              <a:rPr lang="de-CH" sz="1800" dirty="0" smtClean="0">
+                <a:solidFill>
+                  <a:schemeClr val="tx2"/>
+                </a:solidFill>
+              </a:rPr>
+              <a:t>nein</a:t>
+            </a:r>
+            <a:endParaRPr lang="en-US" sz="1800" dirty="0">
+              <a:solidFill>
+                <a:schemeClr val="tx2"/>
+              </a:solidFill>
+            </a:endParaRPr>
+          </a:p>
+        </p:txBody>
+      </p:sp>
+      <p:sp>
+        <p:nvSpPr>
+          <p:cNvPr id="255" name="TextBox 254"/>
+          <p:cNvSpPr txBox="1"/>
+          <p:nvPr/>
+        </p:nvSpPr>
+        <p:spPr>
+          <a:xfrm>
+            <a:off x="13319919" y="17191037"/>
+            <a:ext cx="609600" cy="369332"/>
+          </a:xfrm>
+          <a:prstGeom prst="rect">
+            <a:avLst/>
+          </a:prstGeom>
+          <a:noFill/>
+        </p:spPr>
+        <p:txBody>
+          <a:bodyPr wrap="square" rtlCol="0">
+            <a:spAutoFit/>
+          </a:bodyPr>
+          <a:lstStyle/>
+          <a:p>
+            <a:r>
+              <a:rPr lang="de-CH" sz="1800" dirty="0" smtClean="0">
+                <a:solidFill>
+                  <a:schemeClr val="tx2"/>
+                </a:solidFill>
+              </a:rPr>
+              <a:t>nein</a:t>
+            </a:r>
+            <a:endParaRPr lang="en-US" sz="1800" dirty="0">
+              <a:solidFill>
+                <a:schemeClr val="tx2"/>
+              </a:solidFill>
+            </a:endParaRPr>
+          </a:p>
+        </p:txBody>
+      </p:sp>
+      <p:sp>
+        <p:nvSpPr>
+          <p:cNvPr id="256" name="TextBox 255"/>
+          <p:cNvSpPr txBox="1"/>
+          <p:nvPr/>
+        </p:nvSpPr>
+        <p:spPr>
+          <a:xfrm>
+            <a:off x="16901319" y="17343437"/>
+            <a:ext cx="609600" cy="369332"/>
+          </a:xfrm>
+          <a:prstGeom prst="rect">
+            <a:avLst/>
+          </a:prstGeom>
+          <a:noFill/>
+        </p:spPr>
+        <p:txBody>
+          <a:bodyPr wrap="square" rtlCol="0">
+            <a:spAutoFit/>
+          </a:bodyPr>
+          <a:lstStyle/>
+          <a:p>
+            <a:r>
+              <a:rPr lang="de-CH" sz="1800" dirty="0" smtClean="0">
+                <a:solidFill>
+                  <a:schemeClr val="tx2"/>
+                </a:solidFill>
+              </a:rPr>
+              <a:t>nein</a:t>
+            </a:r>
+            <a:endParaRPr lang="en-US" sz="1800" dirty="0">
+              <a:solidFill>
+                <a:schemeClr val="tx2"/>
+              </a:solidFill>
+            </a:endParaRPr>
+          </a:p>
+        </p:txBody>
+      </p:sp>
+      <p:grpSp>
+        <p:nvGrpSpPr>
+          <p:cNvPr id="261" name="Group 260"/>
+          <p:cNvGrpSpPr/>
+          <p:nvPr/>
+        </p:nvGrpSpPr>
+        <p:grpSpPr>
+          <a:xfrm>
+            <a:off x="11110119" y="27554237"/>
+            <a:ext cx="10058400" cy="609600"/>
+            <a:chOff x="11262519" y="28087637"/>
+            <a:chExt cx="10058400" cy="609600"/>
+          </a:xfrm>
+        </p:grpSpPr>
+        <p:sp>
+          <p:nvSpPr>
+            <p:cNvPr id="257" name="Rectangle 256"/>
+            <p:cNvSpPr/>
+            <p:nvPr/>
+          </p:nvSpPr>
+          <p:spPr>
+            <a:xfrm>
+              <a:off x="11262519" y="28087637"/>
+              <a:ext cx="3276600" cy="609600"/>
+            </a:xfrm>
+            <a:prstGeom prst="rect">
+              <a:avLst/>
+            </a:prstGeom>
+            <a:solidFill>
+              <a:srgbClr val="CCFFCC"/>
+            </a:solidFill>
+            <a:ln>
+              <a:solidFill>
+                <a:schemeClr val="tx1"/>
+              </a:solidFill>
+            </a:ln>
+          </p:spPr>
+          <p:style>
+            <a:lnRef idx="2">
+              <a:schemeClr val="accent1">
+                <a:shade val="50000"/>
+              </a:schemeClr>
+            </a:lnRef>
+            <a:fillRef idx="1">
+              <a:schemeClr val="accent1"/>
+            </a:fillRef>
+            <a:effectRef idx="0">
+              <a:schemeClr val="accent1"/>
+            </a:effectRef>
+            <a:fontRef idx="minor">
+              <a:schemeClr val="lt1"/>
+            </a:fontRef>
+          </p:style>
+          <p:txBody>
+            <a:bodyPr rtlCol="0" anchor="ctr"/>
+            <a:lstStyle/>
+            <a:p>
+              <a:r>
+                <a:rPr lang="de-CH" sz="2000" dirty="0" smtClean="0">
+                  <a:solidFill>
+                    <a:schemeClr val="tx1"/>
+                  </a:solidFill>
+                </a:rPr>
+                <a:t>Young Generation</a:t>
+              </a:r>
+              <a:endParaRPr lang="en-US" sz="2000" dirty="0">
+                <a:solidFill>
+                  <a:schemeClr val="tx1"/>
+                </a:solidFill>
+              </a:endParaRPr>
+            </a:p>
+          </p:txBody>
+        </p:sp>
+        <p:sp>
+          <p:nvSpPr>
+            <p:cNvPr id="258" name="Rectangle 257"/>
+            <p:cNvSpPr/>
+            <p:nvPr/>
+          </p:nvSpPr>
+          <p:spPr>
+            <a:xfrm>
+              <a:off x="14539119" y="28087637"/>
+              <a:ext cx="6781800" cy="609600"/>
+            </a:xfrm>
+            <a:prstGeom prst="rect">
+              <a:avLst/>
+            </a:prstGeom>
+            <a:solidFill>
+              <a:srgbClr val="CCCC00"/>
+            </a:solidFill>
+            <a:ln>
+              <a:solidFill>
+                <a:schemeClr val="tx1"/>
+              </a:solidFill>
+            </a:ln>
+          </p:spPr>
+          <p:style>
+            <a:lnRef idx="2">
+              <a:schemeClr val="accent1">
+                <a:shade val="50000"/>
+              </a:schemeClr>
+            </a:lnRef>
+            <a:fillRef idx="1">
+              <a:schemeClr val="accent1"/>
+            </a:fillRef>
+            <a:effectRef idx="0">
+              <a:schemeClr val="accent1"/>
+            </a:effectRef>
+            <a:fontRef idx="minor">
+              <a:schemeClr val="lt1"/>
+            </a:fontRef>
+          </p:style>
+          <p:txBody>
+            <a:bodyPr rtlCol="0" anchor="ctr"/>
+            <a:lstStyle/>
+            <a:p>
+              <a:pPr algn="ctr"/>
+              <a:r>
+                <a:rPr lang="de-CH" sz="2000" dirty="0" smtClean="0">
+                  <a:solidFill>
+                    <a:schemeClr val="tx1"/>
+                  </a:solidFill>
+                </a:rPr>
+                <a:t>Old </a:t>
+              </a:r>
+              <a:r>
+                <a:rPr lang="de-CH" sz="2000" dirty="0" smtClean="0">
+                  <a:solidFill>
+                    <a:schemeClr val="tx1"/>
+                  </a:solidFill>
+                </a:rPr>
+                <a:t>Generation</a:t>
+              </a:r>
+              <a:endParaRPr lang="en-US" sz="2000" dirty="0">
+                <a:solidFill>
+                  <a:schemeClr val="tx1"/>
+                </a:solidFill>
+              </a:endParaRPr>
+            </a:p>
+          </p:txBody>
+        </p:sp>
+        <p:sp>
+          <p:nvSpPr>
+            <p:cNvPr id="259" name="Rectangle 258"/>
+            <p:cNvSpPr/>
+            <p:nvPr/>
+          </p:nvSpPr>
+          <p:spPr>
+            <a:xfrm>
+              <a:off x="13700919" y="28087637"/>
+              <a:ext cx="838200" cy="609600"/>
+            </a:xfrm>
+            <a:prstGeom prst="rect">
+              <a:avLst/>
+            </a:prstGeom>
+            <a:solidFill>
+              <a:srgbClr val="CCFF66"/>
+            </a:solidFill>
+            <a:ln>
+              <a:solidFill>
+                <a:schemeClr val="tx1"/>
+              </a:solidFill>
+            </a:ln>
+          </p:spPr>
+          <p:style>
+            <a:lnRef idx="2">
+              <a:schemeClr val="accent1">
+                <a:shade val="50000"/>
+              </a:schemeClr>
+            </a:lnRef>
+            <a:fillRef idx="1">
+              <a:schemeClr val="accent1"/>
+            </a:fillRef>
+            <a:effectRef idx="0">
+              <a:schemeClr val="accent1"/>
+            </a:effectRef>
+            <a:fontRef idx="minor">
+              <a:schemeClr val="lt1"/>
+            </a:fontRef>
+          </p:style>
+          <p:txBody>
+            <a:bodyPr rtlCol="0" anchor="ctr"/>
+            <a:lstStyle/>
+            <a:p>
+              <a:pPr algn="ctr"/>
+              <a:r>
+                <a:rPr lang="de-CH" sz="2000" dirty="0" err="1" smtClean="0">
+                  <a:solidFill>
+                    <a:schemeClr val="tx1"/>
+                  </a:solidFill>
+                </a:rPr>
+                <a:t>Keep</a:t>
+              </a:r>
+              <a:r>
+                <a:rPr lang="de-CH" sz="2000" dirty="0" smtClean="0">
+                  <a:solidFill>
+                    <a:schemeClr val="tx1"/>
+                  </a:solidFill>
+                </a:rPr>
+                <a:t> </a:t>
+              </a:r>
+              <a:r>
+                <a:rPr lang="de-CH" sz="2000" dirty="0" err="1" smtClean="0">
+                  <a:solidFill>
+                    <a:schemeClr val="tx1"/>
+                  </a:solidFill>
+                </a:rPr>
+                <a:t>Area</a:t>
+              </a:r>
+              <a:endParaRPr lang="en-US" sz="2000" dirty="0">
+                <a:solidFill>
+                  <a:schemeClr val="tx1"/>
+                </a:solidFill>
+              </a:endParaRPr>
+            </a:p>
+          </p:txBody>
+        </p:sp>
+      </p:grpSp>
+      <p:sp>
+        <p:nvSpPr>
+          <p:cNvPr id="262" name="Rounded Rectangle 261"/>
+          <p:cNvSpPr/>
+          <p:nvPr/>
+        </p:nvSpPr>
+        <p:spPr>
+          <a:xfrm>
+            <a:off x="10043319" y="2941637"/>
+            <a:ext cx="12344400" cy="9372600"/>
+          </a:xfrm>
+          <a:prstGeom prst="roundRect">
+            <a:avLst>
+              <a:gd name="adj" fmla="val 8515"/>
+            </a:avLst>
+          </a:prstGeom>
+          <a:noFill/>
+          <a:ln>
+            <a:noFill/>
           </a:ln>
         </p:spPr>
         <p:style>
-          <a:lnRef idx="1">
-            <a:schemeClr val="accent1"/>
+          <a:lnRef idx="2">
+            <a:schemeClr val="accent1">
+              <a:shade val="50000"/>
+            </a:schemeClr>
           </a:lnRef>
-          <a:fillRef idx="0">
+          <a:fillRef idx="1">
             <a:schemeClr val="accent1"/>
           </a:fillRef>
           <a:effectRef idx="0">
             <a:schemeClr val="accent1"/>
           </a:effectRef>
           <a:fontRef idx="minor">
-            <a:schemeClr val="tx1"/>
+            <a:schemeClr val="lt1"/>
           </a:fontRef>
         </p:style>
-      </p:cxnSp>
+        <p:txBody>
+          <a:bodyPr rtlCol="0" anchor="t" anchorCtr="0"/>
+          <a:lstStyle/>
+          <a:p>
+            <a:pPr algn="just"/>
+            <a:r>
+              <a:rPr lang="en-US" sz="3200" b="1" dirty="0" err="1" smtClean="0">
+                <a:solidFill>
+                  <a:schemeClr val="tx1"/>
+                </a:solidFill>
+              </a:rPr>
+              <a:t>Vorgehen</a:t>
+            </a:r>
+            <a:r>
+              <a:rPr lang="en-US" sz="3200" b="1" dirty="0" smtClean="0">
+                <a:solidFill>
+                  <a:schemeClr val="tx1"/>
+                </a:solidFill>
+              </a:rPr>
+              <a:t> Performance Tuning</a:t>
+            </a:r>
+          </a:p>
+          <a:p>
+            <a:pPr algn="just"/>
+            <a:r>
+              <a:rPr lang="en-US" sz="1800" dirty="0" smtClean="0">
+                <a:solidFill>
+                  <a:schemeClr val="tx1"/>
+                </a:solidFill>
+              </a:rPr>
+              <a:t>Die </a:t>
+            </a:r>
+            <a:r>
+              <a:rPr lang="en-US" sz="1800" dirty="0" err="1" smtClean="0">
+                <a:solidFill>
+                  <a:schemeClr val="tx1"/>
+                </a:solidFill>
+              </a:rPr>
+              <a:t>Performanceanalyse</a:t>
+            </a:r>
+            <a:r>
+              <a:rPr lang="en-US" sz="1800" dirty="0" smtClean="0">
+                <a:solidFill>
+                  <a:schemeClr val="tx1"/>
+                </a:solidFill>
+              </a:rPr>
+              <a:t> </a:t>
+            </a:r>
+            <a:r>
+              <a:rPr lang="en-US" sz="1800" dirty="0" err="1" smtClean="0">
+                <a:solidFill>
+                  <a:schemeClr val="tx1"/>
+                </a:solidFill>
+              </a:rPr>
+              <a:t>ist</a:t>
+            </a:r>
+            <a:r>
+              <a:rPr lang="en-US" sz="1800" dirty="0" smtClean="0">
+                <a:solidFill>
+                  <a:schemeClr val="tx1"/>
+                </a:solidFill>
+              </a:rPr>
+              <a:t> </a:t>
+            </a:r>
+            <a:r>
+              <a:rPr lang="en-US" sz="1800" dirty="0" err="1" smtClean="0">
+                <a:solidFill>
+                  <a:schemeClr val="tx1"/>
+                </a:solidFill>
+              </a:rPr>
+              <a:t>ein</a:t>
+            </a:r>
+            <a:r>
+              <a:rPr lang="en-US" sz="1800" dirty="0" smtClean="0">
+                <a:solidFill>
+                  <a:schemeClr val="tx1"/>
+                </a:solidFill>
+              </a:rPr>
+              <a:t> </a:t>
+            </a:r>
+            <a:r>
+              <a:rPr lang="en-US" sz="1800" dirty="0" err="1" smtClean="0">
+                <a:solidFill>
+                  <a:schemeClr val="tx1"/>
+                </a:solidFill>
+              </a:rPr>
+              <a:t>iterativer</a:t>
+            </a:r>
+            <a:r>
+              <a:rPr lang="en-US" sz="1800" dirty="0" smtClean="0">
+                <a:solidFill>
+                  <a:schemeClr val="tx1"/>
+                </a:solidFill>
+              </a:rPr>
+              <a:t> </a:t>
+            </a:r>
+            <a:r>
+              <a:rPr lang="en-US" sz="1800" dirty="0" err="1" smtClean="0">
+                <a:solidFill>
+                  <a:schemeClr val="tx1"/>
+                </a:solidFill>
+              </a:rPr>
+              <a:t>Prozess</a:t>
+            </a:r>
+            <a:r>
+              <a:rPr lang="en-US" sz="1800" dirty="0" smtClean="0">
+                <a:solidFill>
+                  <a:schemeClr val="tx1"/>
+                </a:solidFill>
+              </a:rPr>
+              <a:t> und </a:t>
+            </a:r>
+            <a:r>
+              <a:rPr lang="en-US" sz="1800" dirty="0" err="1" smtClean="0">
+                <a:solidFill>
+                  <a:schemeClr val="tx1"/>
+                </a:solidFill>
+              </a:rPr>
+              <a:t>dauert</a:t>
+            </a:r>
+            <a:r>
+              <a:rPr lang="en-US" sz="1800" dirty="0" smtClean="0">
+                <a:solidFill>
+                  <a:schemeClr val="tx1"/>
+                </a:solidFill>
+              </a:rPr>
+              <a:t> in </a:t>
+            </a:r>
+            <a:r>
+              <a:rPr lang="en-US" sz="1800" dirty="0" err="1" smtClean="0">
+                <a:solidFill>
+                  <a:schemeClr val="tx1"/>
+                </a:solidFill>
+              </a:rPr>
+              <a:t>der</a:t>
+            </a:r>
+            <a:r>
+              <a:rPr lang="en-US" sz="1800" dirty="0" smtClean="0">
+                <a:solidFill>
+                  <a:schemeClr val="tx1"/>
+                </a:solidFill>
+              </a:rPr>
+              <a:t> </a:t>
+            </a:r>
+            <a:r>
+              <a:rPr lang="en-US" sz="1800" dirty="0" err="1" smtClean="0">
+                <a:solidFill>
+                  <a:schemeClr val="tx1"/>
+                </a:solidFill>
+              </a:rPr>
+              <a:t>Regel</a:t>
+            </a:r>
+            <a:r>
+              <a:rPr lang="en-US" sz="1800" dirty="0" smtClean="0">
+                <a:solidFill>
+                  <a:schemeClr val="tx1"/>
+                </a:solidFill>
+              </a:rPr>
+              <a:t> so </a:t>
+            </a:r>
+            <a:r>
+              <a:rPr lang="en-US" sz="1800" dirty="0" err="1" smtClean="0">
+                <a:solidFill>
+                  <a:schemeClr val="tx1"/>
+                </a:solidFill>
+              </a:rPr>
+              <a:t>lange</a:t>
+            </a:r>
+            <a:r>
+              <a:rPr lang="en-US" sz="1800" dirty="0" smtClean="0">
+                <a:solidFill>
+                  <a:schemeClr val="tx1"/>
+                </a:solidFill>
+              </a:rPr>
+              <a:t>, </a:t>
+            </a:r>
+            <a:r>
+              <a:rPr lang="en-US" sz="1800" dirty="0" err="1" smtClean="0">
+                <a:solidFill>
+                  <a:schemeClr val="tx1"/>
+                </a:solidFill>
+              </a:rPr>
+              <a:t>bis</a:t>
+            </a:r>
+            <a:r>
+              <a:rPr lang="en-US" sz="1800" dirty="0" smtClean="0">
+                <a:solidFill>
+                  <a:schemeClr val="tx1"/>
+                </a:solidFill>
+              </a:rPr>
+              <a:t> die </a:t>
+            </a:r>
+            <a:r>
+              <a:rPr lang="en-US" sz="1800" dirty="0" err="1" smtClean="0">
+                <a:solidFill>
+                  <a:schemeClr val="tx1"/>
+                </a:solidFill>
+              </a:rPr>
+              <a:t>Anforderungen</a:t>
+            </a:r>
+            <a:r>
+              <a:rPr lang="en-US" sz="1800" dirty="0" smtClean="0">
+                <a:solidFill>
+                  <a:schemeClr val="tx1"/>
+                </a:solidFill>
+              </a:rPr>
+              <a:t> an das System in </a:t>
+            </a:r>
+            <a:r>
+              <a:rPr lang="en-US" sz="1800" dirty="0" err="1" smtClean="0">
+                <a:solidFill>
+                  <a:schemeClr val="tx1"/>
+                </a:solidFill>
+              </a:rPr>
+              <a:t>diesem</a:t>
+            </a:r>
+            <a:r>
+              <a:rPr lang="en-US" sz="1800" dirty="0" smtClean="0">
+                <a:solidFill>
+                  <a:schemeClr val="tx1"/>
+                </a:solidFill>
+              </a:rPr>
+              <a:t> </a:t>
+            </a:r>
+            <a:r>
+              <a:rPr lang="en-US" sz="1800" dirty="0" err="1" smtClean="0">
+                <a:solidFill>
+                  <a:schemeClr val="tx1"/>
+                </a:solidFill>
+              </a:rPr>
+              <a:t>Bereich</a:t>
+            </a:r>
+            <a:r>
+              <a:rPr lang="en-US" sz="1800" dirty="0" smtClean="0">
+                <a:solidFill>
+                  <a:schemeClr val="tx1"/>
+                </a:solidFill>
+              </a:rPr>
+              <a:t> </a:t>
+            </a:r>
+            <a:r>
+              <a:rPr lang="en-US" sz="1800" dirty="0" err="1" smtClean="0">
+                <a:solidFill>
+                  <a:schemeClr val="tx1"/>
+                </a:solidFill>
+              </a:rPr>
+              <a:t>erfüllt</a:t>
+            </a:r>
+            <a:r>
+              <a:rPr lang="en-US" sz="1800" dirty="0" smtClean="0">
+                <a:solidFill>
+                  <a:schemeClr val="tx1"/>
+                </a:solidFill>
+              </a:rPr>
+              <a:t> </a:t>
+            </a:r>
+            <a:r>
+              <a:rPr lang="en-US" sz="1800" dirty="0" err="1" smtClean="0">
+                <a:solidFill>
+                  <a:schemeClr val="tx1"/>
+                </a:solidFill>
+              </a:rPr>
+              <a:t>sind</a:t>
+            </a:r>
+            <a:r>
+              <a:rPr lang="en-US" sz="1800" dirty="0" smtClean="0">
+                <a:solidFill>
+                  <a:schemeClr val="tx1"/>
+                </a:solidFill>
+              </a:rPr>
+              <a:t>. </a:t>
+            </a:r>
+            <a:r>
+              <a:rPr lang="en-US" sz="1800" dirty="0" err="1" smtClean="0">
+                <a:solidFill>
+                  <a:schemeClr val="tx1"/>
+                </a:solidFill>
+              </a:rPr>
+              <a:t>Eine</a:t>
+            </a:r>
+            <a:r>
+              <a:rPr lang="en-US" sz="1800" dirty="0" smtClean="0">
+                <a:solidFill>
+                  <a:schemeClr val="tx1"/>
+                </a:solidFill>
+              </a:rPr>
+              <a:t> </a:t>
+            </a:r>
+            <a:r>
+              <a:rPr lang="en-US" sz="1800" dirty="0" err="1" smtClean="0">
+                <a:solidFill>
+                  <a:schemeClr val="tx1"/>
+                </a:solidFill>
+              </a:rPr>
+              <a:t>einzelne</a:t>
+            </a:r>
+            <a:r>
+              <a:rPr lang="en-US" sz="1800" dirty="0" smtClean="0">
+                <a:solidFill>
+                  <a:schemeClr val="tx1"/>
+                </a:solidFill>
+              </a:rPr>
+              <a:t> Iteration </a:t>
+            </a:r>
+            <a:r>
+              <a:rPr lang="en-US" sz="1800" dirty="0" err="1" smtClean="0">
+                <a:solidFill>
+                  <a:schemeClr val="tx1"/>
+                </a:solidFill>
+              </a:rPr>
+              <a:t>besteht</a:t>
+            </a:r>
+            <a:r>
+              <a:rPr lang="en-US" sz="1800" dirty="0" smtClean="0">
+                <a:solidFill>
+                  <a:schemeClr val="tx1"/>
+                </a:solidFill>
+              </a:rPr>
+              <a:t> </a:t>
+            </a:r>
+            <a:r>
+              <a:rPr lang="en-US" sz="1800" dirty="0" err="1" smtClean="0">
+                <a:solidFill>
+                  <a:schemeClr val="tx1"/>
+                </a:solidFill>
+              </a:rPr>
+              <a:t>aus</a:t>
+            </a:r>
+            <a:r>
+              <a:rPr lang="en-US" sz="1800" dirty="0" smtClean="0">
+                <a:solidFill>
+                  <a:schemeClr val="tx1"/>
+                </a:solidFill>
+              </a:rPr>
+              <a:t> den </a:t>
+            </a:r>
+            <a:r>
+              <a:rPr lang="en-US" sz="1800" dirty="0" err="1" smtClean="0">
+                <a:solidFill>
+                  <a:schemeClr val="tx1"/>
+                </a:solidFill>
+              </a:rPr>
+              <a:t>folgenden</a:t>
+            </a:r>
+            <a:r>
+              <a:rPr lang="en-US" sz="1800" dirty="0" smtClean="0">
+                <a:solidFill>
+                  <a:schemeClr val="tx1"/>
+                </a:solidFill>
+              </a:rPr>
+              <a:t> </a:t>
+            </a:r>
+            <a:r>
+              <a:rPr lang="en-US" sz="1800" dirty="0" err="1" smtClean="0">
+                <a:solidFill>
+                  <a:schemeClr val="tx1"/>
+                </a:solidFill>
+              </a:rPr>
+              <a:t>vier</a:t>
+            </a:r>
+            <a:r>
+              <a:rPr lang="en-US" sz="1800" dirty="0" smtClean="0">
+                <a:solidFill>
+                  <a:schemeClr val="tx1"/>
+                </a:solidFill>
+              </a:rPr>
+              <a:t> </a:t>
+            </a:r>
+            <a:r>
+              <a:rPr lang="en-US" sz="1800" dirty="0" err="1" smtClean="0">
+                <a:solidFill>
+                  <a:schemeClr val="tx1"/>
+                </a:solidFill>
+              </a:rPr>
+              <a:t>Schritten</a:t>
+            </a:r>
+            <a:r>
+              <a:rPr lang="en-US" sz="1800" dirty="0" smtClean="0">
+                <a:solidFill>
+                  <a:schemeClr val="tx1"/>
+                </a:solidFill>
+              </a:rPr>
+              <a:t>:</a:t>
+            </a:r>
+          </a:p>
+          <a:p>
+            <a:pPr algn="just"/>
+            <a:endParaRPr lang="en-US" sz="2400" b="1" dirty="0" smtClean="0">
+              <a:solidFill>
+                <a:schemeClr val="tx1"/>
+              </a:solidFill>
+            </a:endParaRPr>
+          </a:p>
+          <a:p>
+            <a:pPr algn="just"/>
+            <a:endParaRPr lang="en-US" sz="2400" b="1" dirty="0" smtClean="0">
+              <a:solidFill>
+                <a:schemeClr val="tx1"/>
+              </a:solidFill>
+            </a:endParaRPr>
+          </a:p>
+          <a:p>
+            <a:pPr algn="just"/>
+            <a:endParaRPr lang="en-US" sz="2400" b="1" dirty="0" smtClean="0">
+              <a:solidFill>
+                <a:schemeClr val="tx1"/>
+              </a:solidFill>
+            </a:endParaRPr>
+          </a:p>
+          <a:p>
+            <a:pPr algn="just"/>
+            <a:endParaRPr lang="en-US" sz="2400" b="1" dirty="0" smtClean="0">
+              <a:solidFill>
+                <a:schemeClr val="tx1"/>
+              </a:solidFill>
+            </a:endParaRPr>
+          </a:p>
+          <a:p>
+            <a:pPr algn="just"/>
+            <a:r>
+              <a:rPr lang="en-US" sz="2400" b="1" dirty="0" smtClean="0">
+                <a:solidFill>
+                  <a:schemeClr val="tx1"/>
+                </a:solidFill>
+              </a:rPr>
+              <a:t/>
+            </a:r>
+            <a:br>
+              <a:rPr lang="en-US" sz="2400" b="1" dirty="0" smtClean="0">
+                <a:solidFill>
+                  <a:schemeClr val="tx1"/>
+                </a:solidFill>
+              </a:rPr>
+            </a:br>
+            <a:r>
+              <a:rPr lang="en-US" sz="2400" b="1" dirty="0" err="1" smtClean="0">
+                <a:solidFill>
+                  <a:schemeClr val="tx1"/>
+                </a:solidFill>
+              </a:rPr>
+              <a:t>Suche</a:t>
+            </a:r>
+            <a:r>
+              <a:rPr lang="en-US" sz="2400" b="1" dirty="0" smtClean="0">
+                <a:solidFill>
+                  <a:schemeClr val="tx1"/>
+                </a:solidFill>
+              </a:rPr>
+              <a:t> </a:t>
+            </a:r>
+            <a:r>
+              <a:rPr lang="en-US" sz="2400" b="1" dirty="0" err="1" smtClean="0">
+                <a:solidFill>
+                  <a:schemeClr val="tx1"/>
+                </a:solidFill>
+              </a:rPr>
+              <a:t>nach</a:t>
+            </a:r>
+            <a:r>
+              <a:rPr lang="en-US" sz="2400" b="1" dirty="0" smtClean="0">
+                <a:solidFill>
+                  <a:schemeClr val="tx1"/>
+                </a:solidFill>
+              </a:rPr>
+              <a:t> </a:t>
+            </a:r>
+            <a:r>
+              <a:rPr lang="en-US" sz="2400" b="1" dirty="0" err="1" smtClean="0">
+                <a:solidFill>
+                  <a:schemeClr val="tx1"/>
+                </a:solidFill>
+              </a:rPr>
+              <a:t>dem</a:t>
+            </a:r>
+            <a:r>
+              <a:rPr lang="en-US" sz="2400" b="1" dirty="0" smtClean="0">
+                <a:solidFill>
+                  <a:schemeClr val="tx1"/>
+                </a:solidFill>
+              </a:rPr>
+              <a:t> Dominating Consumer</a:t>
+            </a:r>
+          </a:p>
+          <a:p>
+            <a:pPr algn="just"/>
+            <a:r>
+              <a:rPr lang="de-DE" sz="2000" b="1" dirty="0" smtClean="0">
+                <a:solidFill>
+                  <a:schemeClr val="tx1"/>
+                </a:solidFill>
+              </a:rPr>
+              <a:t>Hohe </a:t>
+            </a:r>
+            <a:r>
+              <a:rPr lang="de-DE" sz="2000" b="1" dirty="0" smtClean="0">
+                <a:solidFill>
+                  <a:schemeClr val="tx1"/>
+                </a:solidFill>
+              </a:rPr>
+              <a:t>relative </a:t>
+            </a:r>
+            <a:r>
+              <a:rPr lang="de-DE" sz="2000" b="1" dirty="0" smtClean="0">
+                <a:solidFill>
+                  <a:schemeClr val="tx1"/>
+                </a:solidFill>
+              </a:rPr>
+              <a:t>Systemlast</a:t>
+            </a:r>
+            <a:endParaRPr lang="de-DE" sz="2000" b="1" dirty="0" smtClean="0">
+              <a:solidFill>
+                <a:schemeClr val="tx1"/>
+              </a:solidFill>
+            </a:endParaRPr>
+          </a:p>
+          <a:p>
+            <a:pPr algn="just"/>
+            <a:r>
+              <a:rPr lang="de-DE" sz="1800" dirty="0" smtClean="0">
+                <a:solidFill>
+                  <a:schemeClr val="tx1"/>
+                </a:solidFill>
+              </a:rPr>
+              <a:t>Die erste </a:t>
+            </a:r>
+            <a:r>
+              <a:rPr lang="de-DE" sz="1800" dirty="0" smtClean="0">
+                <a:solidFill>
+                  <a:schemeClr val="tx1"/>
+                </a:solidFill>
+              </a:rPr>
+              <a:t>Frage bei der Suche nach dem </a:t>
+            </a:r>
+            <a:r>
+              <a:rPr lang="de-DE" sz="1800" dirty="0" err="1" smtClean="0">
+                <a:solidFill>
+                  <a:schemeClr val="tx1"/>
+                </a:solidFill>
+              </a:rPr>
+              <a:t>Dominating</a:t>
+            </a:r>
+            <a:r>
+              <a:rPr lang="de-DE" sz="1800" dirty="0" smtClean="0">
+                <a:solidFill>
+                  <a:schemeClr val="tx1"/>
+                </a:solidFill>
+              </a:rPr>
+              <a:t> Consumer  </a:t>
+            </a:r>
+            <a:r>
+              <a:rPr lang="de-DE" sz="1800" dirty="0" smtClean="0">
+                <a:solidFill>
+                  <a:schemeClr val="tx1"/>
+                </a:solidFill>
+              </a:rPr>
+              <a:t>ist, ob die hohe CPU-Auslastung durch die Applikation oder das System verursacht wird</a:t>
+            </a:r>
+            <a:r>
+              <a:rPr lang="de-DE" sz="1800" dirty="0" smtClean="0">
+                <a:solidFill>
+                  <a:schemeClr val="tx1"/>
+                </a:solidFill>
+              </a:rPr>
+              <a:t>. Bei einer Auslastung durch das System spricht man von einer hohen relativen Systemlast.  Dies kann unterschiedliche Gründe haben (exzessive Kontextwechsel, hohes I/O</a:t>
+            </a:r>
+            <a:r>
+              <a:rPr lang="de-CH" sz="1800" dirty="0" smtClean="0">
+                <a:solidFill>
+                  <a:schemeClr val="tx1"/>
+                </a:solidFill>
+              </a:rPr>
+              <a:t>). Zur Analyse dieses Messwertes kann dafür der Task Manager (unter Windows) oder vmstat (unter Linux, Unix) verwendet werden.</a:t>
+            </a:r>
+          </a:p>
+          <a:p>
+            <a:pPr algn="just"/>
+            <a:endParaRPr lang="de-CH" sz="1800" dirty="0" smtClean="0">
+              <a:solidFill>
+                <a:schemeClr val="tx1"/>
+              </a:solidFill>
+            </a:endParaRPr>
+          </a:p>
+          <a:p>
+            <a:pPr algn="just"/>
+            <a:r>
+              <a:rPr lang="en-US" sz="2000" b="1" dirty="0" err="1" smtClean="0">
+                <a:solidFill>
+                  <a:schemeClr val="tx1"/>
+                </a:solidFill>
+              </a:rPr>
+              <a:t>Hohe</a:t>
+            </a:r>
+            <a:r>
+              <a:rPr lang="en-US" sz="2000" b="1" dirty="0" smtClean="0">
+                <a:solidFill>
+                  <a:schemeClr val="tx1"/>
+                </a:solidFill>
+              </a:rPr>
+              <a:t> </a:t>
+            </a:r>
+            <a:r>
+              <a:rPr lang="en-US" sz="2000" b="1" dirty="0" smtClean="0">
+                <a:solidFill>
+                  <a:schemeClr val="tx1"/>
+                </a:solidFill>
+              </a:rPr>
+              <a:t>CPU- </a:t>
+            </a:r>
+            <a:r>
+              <a:rPr lang="en-US" sz="2000" b="1" dirty="0" err="1" smtClean="0">
+                <a:solidFill>
+                  <a:schemeClr val="tx1"/>
+                </a:solidFill>
+              </a:rPr>
+              <a:t>respektive</a:t>
+            </a:r>
+            <a:r>
+              <a:rPr lang="en-US" sz="2000" b="1" dirty="0" smtClean="0">
+                <a:solidFill>
+                  <a:schemeClr val="tx1"/>
+                </a:solidFill>
+              </a:rPr>
+              <a:t> </a:t>
+            </a:r>
+            <a:r>
+              <a:rPr lang="en-US" sz="2000" b="1" dirty="0" smtClean="0">
+                <a:solidFill>
+                  <a:schemeClr val="tx1"/>
+                </a:solidFill>
+              </a:rPr>
+              <a:t>Core-Last</a:t>
+            </a:r>
+          </a:p>
+          <a:p>
+            <a:pPr algn="just"/>
+            <a:r>
+              <a:rPr lang="de-CH" sz="2000" dirty="0" smtClean="0">
+                <a:solidFill>
+                  <a:schemeClr val="tx1"/>
+                </a:solidFill>
+              </a:rPr>
+              <a:t>Sofern die relative Systemlast nicht gross ist wird überprüft, ob die CPU Auslastung insgesamt gross ist. Man prüft also, ob es eventuell gar </a:t>
+            </a:r>
+            <a:r>
+              <a:rPr lang="de-CH" sz="2000" b="1" dirty="0" smtClean="0">
+                <a:solidFill>
+                  <a:schemeClr val="tx1"/>
+                </a:solidFill>
+              </a:rPr>
+              <a:t>keinen </a:t>
+            </a:r>
+            <a:r>
+              <a:rPr lang="de-CH" sz="2000" b="1" dirty="0" err="1" smtClean="0">
+                <a:solidFill>
+                  <a:schemeClr val="tx1"/>
+                </a:solidFill>
+              </a:rPr>
+              <a:t>Dominating</a:t>
+            </a:r>
+            <a:r>
+              <a:rPr lang="de-CH" sz="2000" b="1" dirty="0" smtClean="0">
+                <a:solidFill>
+                  <a:schemeClr val="tx1"/>
+                </a:solidFill>
+              </a:rPr>
+              <a:t> </a:t>
+            </a:r>
+            <a:r>
+              <a:rPr lang="de-CH" sz="2000" b="1" dirty="0" err="1" smtClean="0">
+                <a:solidFill>
+                  <a:schemeClr val="tx1"/>
+                </a:solidFill>
+              </a:rPr>
+              <a:t>Consumer</a:t>
+            </a:r>
+            <a:r>
+              <a:rPr lang="de-CH" sz="2000" b="1" dirty="0" smtClean="0">
+                <a:solidFill>
+                  <a:schemeClr val="tx1"/>
+                </a:solidFill>
+              </a:rPr>
+              <a:t> </a:t>
+            </a:r>
+            <a:r>
+              <a:rPr lang="de-CH" sz="2000" dirty="0" smtClean="0">
+                <a:solidFill>
+                  <a:schemeClr val="tx1"/>
+                </a:solidFill>
+              </a:rPr>
+              <a:t>gibt. </a:t>
+            </a:r>
+            <a:r>
+              <a:rPr lang="en-US" sz="1800" dirty="0" smtClean="0">
+                <a:solidFill>
+                  <a:schemeClr val="tx1"/>
+                </a:solidFill>
+              </a:rPr>
+              <a:t>Dies </a:t>
+            </a:r>
+            <a:r>
+              <a:rPr lang="en-US" sz="1800" dirty="0" err="1" smtClean="0">
+                <a:solidFill>
+                  <a:schemeClr val="tx1"/>
+                </a:solidFill>
+              </a:rPr>
+              <a:t>würde</a:t>
+            </a:r>
+            <a:r>
+              <a:rPr lang="en-US" sz="1800" dirty="0" smtClean="0">
+                <a:solidFill>
+                  <a:schemeClr val="tx1"/>
+                </a:solidFill>
+              </a:rPr>
+              <a:t> </a:t>
+            </a:r>
+            <a:r>
+              <a:rPr lang="en-US" sz="1800" dirty="0" err="1" smtClean="0">
+                <a:solidFill>
+                  <a:schemeClr val="tx1"/>
+                </a:solidFill>
+              </a:rPr>
+              <a:t>bedeuten</a:t>
+            </a:r>
+            <a:r>
+              <a:rPr lang="en-US" sz="1800" dirty="0" smtClean="0">
+                <a:solidFill>
+                  <a:schemeClr val="tx1"/>
+                </a:solidFill>
+              </a:rPr>
+              <a:t>, </a:t>
+            </a:r>
+            <a:r>
+              <a:rPr lang="en-US" sz="1800" dirty="0" err="1" smtClean="0">
+                <a:solidFill>
+                  <a:schemeClr val="tx1"/>
+                </a:solidFill>
+              </a:rPr>
+              <a:t>dass</a:t>
+            </a:r>
+            <a:r>
+              <a:rPr lang="en-US" sz="1800" dirty="0" smtClean="0">
+                <a:solidFill>
+                  <a:schemeClr val="tx1"/>
+                </a:solidFill>
+              </a:rPr>
+              <a:t> </a:t>
+            </a:r>
+            <a:r>
+              <a:rPr lang="en-US" sz="1800" dirty="0" err="1" smtClean="0">
+                <a:solidFill>
+                  <a:schemeClr val="tx1"/>
+                </a:solidFill>
+              </a:rPr>
+              <a:t>etwas</a:t>
+            </a:r>
+            <a:r>
+              <a:rPr lang="en-US" sz="1800" dirty="0" smtClean="0">
+                <a:solidFill>
+                  <a:schemeClr val="tx1"/>
+                </a:solidFill>
+              </a:rPr>
+              <a:t> die Threads </a:t>
+            </a:r>
+            <a:r>
+              <a:rPr lang="en-US" sz="1800" dirty="0" err="1" smtClean="0">
+                <a:solidFill>
+                  <a:schemeClr val="tx1"/>
+                </a:solidFill>
+              </a:rPr>
+              <a:t>daran</a:t>
+            </a:r>
+            <a:r>
+              <a:rPr lang="en-US" sz="1800" dirty="0" smtClean="0">
+                <a:solidFill>
+                  <a:schemeClr val="tx1"/>
+                </a:solidFill>
+              </a:rPr>
+              <a:t> </a:t>
+            </a:r>
+            <a:r>
+              <a:rPr lang="en-US" sz="1800" dirty="0" err="1" smtClean="0">
+                <a:solidFill>
+                  <a:schemeClr val="tx1"/>
+                </a:solidFill>
+              </a:rPr>
+              <a:t>hindert</a:t>
+            </a:r>
+            <a:r>
+              <a:rPr lang="en-US" sz="1800" dirty="0" smtClean="0">
+                <a:solidFill>
+                  <a:schemeClr val="tx1"/>
+                </a:solidFill>
+              </a:rPr>
+              <a:t>, CPU-</a:t>
+            </a:r>
+            <a:r>
+              <a:rPr lang="en-US" sz="1800" dirty="0" err="1" smtClean="0">
+                <a:solidFill>
+                  <a:schemeClr val="tx1"/>
+                </a:solidFill>
+              </a:rPr>
+              <a:t>Ressourcen</a:t>
+            </a:r>
+            <a:r>
+              <a:rPr lang="en-US" sz="1800" dirty="0" smtClean="0">
+                <a:solidFill>
+                  <a:schemeClr val="tx1"/>
+                </a:solidFill>
+              </a:rPr>
+              <a:t> </a:t>
+            </a:r>
+            <a:r>
+              <a:rPr lang="en-US" sz="1800" dirty="0" err="1" smtClean="0">
+                <a:solidFill>
+                  <a:schemeClr val="tx1"/>
+                </a:solidFill>
+              </a:rPr>
+              <a:t>zu</a:t>
+            </a:r>
+            <a:r>
+              <a:rPr lang="en-US" sz="1800" dirty="0" smtClean="0">
+                <a:solidFill>
+                  <a:schemeClr val="tx1"/>
+                </a:solidFill>
+              </a:rPr>
+              <a:t> </a:t>
+            </a:r>
+            <a:r>
+              <a:rPr lang="en-US" sz="1800" dirty="0" err="1" smtClean="0">
+                <a:solidFill>
+                  <a:schemeClr val="tx1"/>
+                </a:solidFill>
+              </a:rPr>
+              <a:t>bekommen</a:t>
+            </a:r>
+            <a:r>
+              <a:rPr lang="en-US" sz="1800" i="1" dirty="0" smtClean="0">
+                <a:solidFill>
+                  <a:schemeClr val="tx1"/>
+                </a:solidFill>
+              </a:rPr>
+              <a:t>. Dies </a:t>
+            </a:r>
+            <a:r>
+              <a:rPr lang="en-US" sz="1800" i="1" dirty="0" err="1" smtClean="0">
+                <a:solidFill>
+                  <a:schemeClr val="tx1"/>
+                </a:solidFill>
+              </a:rPr>
+              <a:t>kann</a:t>
+            </a:r>
+            <a:r>
+              <a:rPr lang="en-US" sz="1800" i="1" dirty="0" smtClean="0">
+                <a:solidFill>
+                  <a:schemeClr val="tx1"/>
+                </a:solidFill>
+              </a:rPr>
+              <a:t> </a:t>
+            </a:r>
+            <a:r>
+              <a:rPr lang="en-US" sz="1800" i="1" dirty="0" err="1" smtClean="0">
+                <a:solidFill>
+                  <a:schemeClr val="tx1"/>
+                </a:solidFill>
+              </a:rPr>
+              <a:t>unterschiedliche</a:t>
+            </a:r>
+            <a:r>
+              <a:rPr lang="en-US" sz="1800" i="1" dirty="0" smtClean="0">
+                <a:solidFill>
+                  <a:schemeClr val="tx1"/>
+                </a:solidFill>
+              </a:rPr>
+              <a:t> </a:t>
+            </a:r>
+            <a:r>
+              <a:rPr lang="en-US" sz="1800" i="1" dirty="0" err="1" smtClean="0">
+                <a:solidFill>
+                  <a:schemeClr val="tx1"/>
+                </a:solidFill>
+              </a:rPr>
+              <a:t>Gründe</a:t>
+            </a:r>
+            <a:r>
+              <a:rPr lang="en-US" sz="1800" i="1" dirty="0" smtClean="0">
+                <a:solidFill>
+                  <a:schemeClr val="tx1"/>
+                </a:solidFill>
+              </a:rPr>
+              <a:t> </a:t>
+            </a:r>
+            <a:r>
+              <a:rPr lang="en-US" sz="1800" i="1" dirty="0" err="1" smtClean="0">
+                <a:solidFill>
+                  <a:schemeClr val="tx1"/>
+                </a:solidFill>
+              </a:rPr>
+              <a:t>haben</a:t>
+            </a:r>
+            <a:r>
+              <a:rPr lang="en-US" sz="1800" i="1" dirty="0" smtClean="0">
+                <a:solidFill>
+                  <a:schemeClr val="tx1"/>
+                </a:solidFill>
+              </a:rPr>
+              <a:t>: Dead Locks, </a:t>
+            </a:r>
+            <a:r>
+              <a:rPr lang="en-US" sz="1800" i="1" dirty="0" err="1" smtClean="0">
+                <a:solidFill>
+                  <a:schemeClr val="tx1"/>
+                </a:solidFill>
+              </a:rPr>
+              <a:t>Applikation</a:t>
+            </a:r>
+            <a:r>
+              <a:rPr lang="en-US" sz="1800" i="1" dirty="0" smtClean="0">
+                <a:solidFill>
+                  <a:schemeClr val="tx1"/>
+                </a:solidFill>
+              </a:rPr>
+              <a:t> </a:t>
+            </a:r>
+            <a:r>
+              <a:rPr lang="en-US" sz="1800" i="1" dirty="0" err="1" smtClean="0">
+                <a:solidFill>
+                  <a:schemeClr val="tx1"/>
+                </a:solidFill>
+              </a:rPr>
+              <a:t>skaliert</a:t>
+            </a:r>
+            <a:r>
+              <a:rPr lang="en-US" sz="1800" i="1" dirty="0" smtClean="0">
+                <a:solidFill>
+                  <a:schemeClr val="tx1"/>
+                </a:solidFill>
+              </a:rPr>
+              <a:t> </a:t>
+            </a:r>
+            <a:r>
+              <a:rPr lang="en-US" sz="1800" i="1" dirty="0" err="1" smtClean="0">
+                <a:solidFill>
+                  <a:schemeClr val="tx1"/>
+                </a:solidFill>
+              </a:rPr>
+              <a:t>nicht</a:t>
+            </a:r>
+            <a:r>
+              <a:rPr lang="en-US" sz="1800" i="1" dirty="0" smtClean="0">
+                <a:solidFill>
+                  <a:schemeClr val="tx1"/>
+                </a:solidFill>
+              </a:rPr>
+              <a:t>, </a:t>
+            </a:r>
+            <a:r>
+              <a:rPr lang="en-US" sz="1800" i="1" dirty="0" err="1" smtClean="0">
+                <a:solidFill>
+                  <a:schemeClr val="tx1"/>
+                </a:solidFill>
+              </a:rPr>
+              <a:t>langsame</a:t>
+            </a:r>
+            <a:r>
+              <a:rPr lang="en-US" sz="1800" i="1" dirty="0" smtClean="0">
+                <a:solidFill>
+                  <a:schemeClr val="tx1"/>
+                </a:solidFill>
+              </a:rPr>
+              <a:t> Disks </a:t>
+            </a:r>
+            <a:r>
+              <a:rPr lang="en-US" sz="1800" i="1" dirty="0" err="1" smtClean="0">
+                <a:solidFill>
+                  <a:schemeClr val="tx1"/>
+                </a:solidFill>
+              </a:rPr>
+              <a:t>oder</a:t>
+            </a:r>
+            <a:r>
+              <a:rPr lang="en-US" sz="1800" i="1" dirty="0" smtClean="0">
+                <a:solidFill>
+                  <a:schemeClr val="tx1"/>
+                </a:solidFill>
+              </a:rPr>
+              <a:t> </a:t>
+            </a:r>
+            <a:r>
+              <a:rPr lang="en-US" sz="1800" i="1" dirty="0" err="1" smtClean="0">
+                <a:solidFill>
+                  <a:schemeClr val="tx1"/>
+                </a:solidFill>
+              </a:rPr>
+              <a:t>langsames</a:t>
+            </a:r>
+            <a:r>
+              <a:rPr lang="en-US" sz="1800" i="1" dirty="0" smtClean="0">
+                <a:solidFill>
+                  <a:schemeClr val="tx1"/>
+                </a:solidFill>
+              </a:rPr>
+              <a:t> </a:t>
+            </a:r>
+            <a:r>
+              <a:rPr lang="en-US" sz="1800" i="1" dirty="0" err="1" smtClean="0">
+                <a:solidFill>
+                  <a:schemeClr val="tx1"/>
+                </a:solidFill>
+              </a:rPr>
+              <a:t>Netzwerke</a:t>
+            </a:r>
+            <a:r>
+              <a:rPr lang="en-US" sz="1800" i="1" dirty="0" smtClean="0">
+                <a:solidFill>
+                  <a:schemeClr val="tx1"/>
+                </a:solidFill>
+              </a:rPr>
+              <a:t>, </a:t>
+            </a:r>
+            <a:r>
+              <a:rPr lang="en-US" sz="1800" i="1" dirty="0" err="1" smtClean="0">
+                <a:solidFill>
+                  <a:schemeClr val="tx1"/>
+                </a:solidFill>
+              </a:rPr>
+              <a:t>zu</a:t>
+            </a:r>
+            <a:r>
+              <a:rPr lang="en-US" sz="1800" i="1" dirty="0" smtClean="0">
+                <a:solidFill>
+                  <a:schemeClr val="tx1"/>
+                </a:solidFill>
+              </a:rPr>
+              <a:t> </a:t>
+            </a:r>
+            <a:r>
+              <a:rPr lang="en-US" sz="1800" i="1" dirty="0" err="1" smtClean="0">
+                <a:solidFill>
+                  <a:schemeClr val="tx1"/>
+                </a:solidFill>
+              </a:rPr>
+              <a:t>kleine</a:t>
+            </a:r>
+            <a:r>
+              <a:rPr lang="en-US" sz="1800" i="1" dirty="0" smtClean="0">
+                <a:solidFill>
+                  <a:schemeClr val="tx1"/>
+                </a:solidFill>
+              </a:rPr>
+              <a:t> Connection- und </a:t>
+            </a:r>
+            <a:r>
+              <a:rPr lang="en-US" sz="1800" i="1" dirty="0" smtClean="0">
+                <a:solidFill>
+                  <a:schemeClr val="tx1"/>
+                </a:solidFill>
+              </a:rPr>
+              <a:t>Thread-Pools, </a:t>
+            </a:r>
+            <a:r>
+              <a:rPr lang="en-US" sz="1800" i="1" dirty="0" err="1" smtClean="0">
+                <a:solidFill>
+                  <a:schemeClr val="tx1"/>
+                </a:solidFill>
+              </a:rPr>
+              <a:t>Aurufe</a:t>
+            </a:r>
+            <a:r>
+              <a:rPr lang="en-US" sz="1800" i="1" dirty="0" smtClean="0">
+                <a:solidFill>
+                  <a:schemeClr val="tx1"/>
+                </a:solidFill>
+              </a:rPr>
+              <a:t> </a:t>
+            </a:r>
+            <a:r>
+              <a:rPr lang="en-US" sz="1800" i="1" dirty="0" smtClean="0">
+                <a:solidFill>
+                  <a:schemeClr val="tx1"/>
+                </a:solidFill>
+              </a:rPr>
+              <a:t>auf </a:t>
+            </a:r>
+            <a:r>
+              <a:rPr lang="en-US" sz="1800" i="1" dirty="0" err="1" smtClean="0">
+                <a:solidFill>
+                  <a:schemeClr val="tx1"/>
+                </a:solidFill>
+              </a:rPr>
+              <a:t>langsame</a:t>
+            </a:r>
+            <a:r>
+              <a:rPr lang="en-US" sz="1800" i="1" dirty="0" smtClean="0">
+                <a:solidFill>
+                  <a:schemeClr val="tx1"/>
+                </a:solidFill>
+              </a:rPr>
+              <a:t> </a:t>
+            </a:r>
+            <a:r>
+              <a:rPr lang="en-US" sz="1800" i="1" dirty="0" err="1" smtClean="0">
+                <a:solidFill>
+                  <a:schemeClr val="tx1"/>
+                </a:solidFill>
+              </a:rPr>
+              <a:t>externe</a:t>
+            </a:r>
+            <a:r>
+              <a:rPr lang="en-US" sz="1800" i="1" dirty="0" smtClean="0">
+                <a:solidFill>
+                  <a:schemeClr val="tx1"/>
+                </a:solidFill>
+              </a:rPr>
+              <a:t> </a:t>
+            </a:r>
+            <a:r>
+              <a:rPr lang="en-US" sz="1800" i="1" dirty="0" err="1" smtClean="0">
+                <a:solidFill>
+                  <a:schemeClr val="tx1"/>
+                </a:solidFill>
+              </a:rPr>
+              <a:t>Systeme</a:t>
+            </a:r>
+            <a:r>
+              <a:rPr lang="en-US" sz="1800" i="1" dirty="0" smtClean="0">
+                <a:solidFill>
+                  <a:schemeClr val="tx1"/>
+                </a:solidFill>
+              </a:rPr>
+              <a:t>.</a:t>
+            </a:r>
+          </a:p>
+          <a:p>
+            <a:pPr algn="just"/>
+            <a:endParaRPr lang="de-DE" sz="1800" dirty="0" smtClean="0">
+              <a:solidFill>
+                <a:schemeClr val="tx1"/>
+              </a:solidFill>
+            </a:endParaRPr>
+          </a:p>
+          <a:p>
+            <a:pPr algn="just"/>
+            <a:r>
+              <a:rPr lang="de-DE" sz="2000" b="1" dirty="0" smtClean="0">
+                <a:solidFill>
+                  <a:schemeClr val="tx1"/>
+                </a:solidFill>
+              </a:rPr>
+              <a:t>Effizienter Objekt-Lebenszyklus</a:t>
+            </a:r>
+            <a:endParaRPr lang="de-DE" sz="2000" b="1" dirty="0" smtClean="0">
+              <a:solidFill>
+                <a:schemeClr val="tx1"/>
+              </a:solidFill>
+            </a:endParaRPr>
+          </a:p>
+          <a:p>
+            <a:pPr algn="just"/>
+            <a:r>
+              <a:rPr lang="de-DE" sz="1800" dirty="0" smtClean="0">
+                <a:solidFill>
+                  <a:schemeClr val="tx1"/>
+                </a:solidFill>
+              </a:rPr>
+              <a:t>Sofern die </a:t>
+            </a:r>
+            <a:r>
+              <a:rPr lang="de-DE" sz="1800" dirty="0" smtClean="0">
+                <a:solidFill>
+                  <a:schemeClr val="tx1"/>
+                </a:solidFill>
+              </a:rPr>
+              <a:t>CPU-Auslastung </a:t>
+            </a:r>
+            <a:r>
+              <a:rPr lang="de-DE" sz="1800" dirty="0" smtClean="0">
+                <a:solidFill>
+                  <a:schemeClr val="tx1"/>
+                </a:solidFill>
+              </a:rPr>
+              <a:t>trotz kleiner relativer Systemlast durch die </a:t>
+            </a:r>
+            <a:r>
+              <a:rPr lang="de-DE" sz="1800" dirty="0" smtClean="0">
+                <a:solidFill>
+                  <a:schemeClr val="tx1"/>
+                </a:solidFill>
+              </a:rPr>
+              <a:t>Applikation </a:t>
+            </a:r>
+            <a:r>
+              <a:rPr lang="de-DE" sz="1800" dirty="0" smtClean="0">
+                <a:solidFill>
+                  <a:schemeClr val="tx1"/>
+                </a:solidFill>
+              </a:rPr>
+              <a:t>hoch ist, </a:t>
+            </a:r>
+            <a:r>
+              <a:rPr lang="de-DE" sz="1800" dirty="0" smtClean="0">
+                <a:solidFill>
+                  <a:schemeClr val="tx1"/>
+                </a:solidFill>
+              </a:rPr>
+              <a:t>muss </a:t>
+            </a:r>
+            <a:r>
+              <a:rPr lang="de-DE" sz="1800" b="1" dirty="0" smtClean="0">
+                <a:solidFill>
+                  <a:schemeClr val="tx1"/>
+                </a:solidFill>
+              </a:rPr>
+              <a:t>Java Virtual </a:t>
+            </a:r>
+            <a:r>
+              <a:rPr lang="de-DE" sz="1800" b="1" dirty="0" err="1" smtClean="0">
+                <a:solidFill>
+                  <a:schemeClr val="tx1"/>
+                </a:solidFill>
+              </a:rPr>
+              <a:t>Machine</a:t>
+            </a:r>
+            <a:r>
+              <a:rPr lang="de-DE" sz="1800" b="1" dirty="0" smtClean="0">
+                <a:solidFill>
+                  <a:schemeClr val="tx1"/>
+                </a:solidFill>
+              </a:rPr>
+              <a:t> </a:t>
+            </a:r>
+            <a:r>
+              <a:rPr lang="de-DE" sz="1800" dirty="0" smtClean="0">
+                <a:solidFill>
+                  <a:schemeClr val="tx1"/>
+                </a:solidFill>
+              </a:rPr>
+              <a:t>und </a:t>
+            </a:r>
+            <a:r>
+              <a:rPr lang="de-DE" sz="1800" dirty="0" err="1" smtClean="0">
+                <a:solidFill>
+                  <a:schemeClr val="tx1"/>
+                </a:solidFill>
+              </a:rPr>
+              <a:t>evt</a:t>
+            </a:r>
+            <a:r>
+              <a:rPr lang="de-DE" sz="1800" dirty="0" smtClean="0">
+                <a:solidFill>
+                  <a:schemeClr val="tx1"/>
+                </a:solidFill>
+              </a:rPr>
+              <a:t>. die </a:t>
+            </a:r>
+            <a:r>
+              <a:rPr lang="de-DE" sz="1800" b="1" dirty="0" err="1" smtClean="0">
+                <a:solidFill>
+                  <a:schemeClr val="tx1"/>
+                </a:solidFill>
+              </a:rPr>
+              <a:t>Garbage</a:t>
+            </a:r>
+            <a:r>
+              <a:rPr lang="de-DE" sz="1800" b="1" dirty="0" smtClean="0">
+                <a:solidFill>
+                  <a:schemeClr val="tx1"/>
+                </a:solidFill>
+              </a:rPr>
+              <a:t> </a:t>
+            </a:r>
+            <a:r>
+              <a:rPr lang="de-DE" sz="1800" b="1" dirty="0" err="1" smtClean="0">
+                <a:solidFill>
+                  <a:schemeClr val="tx1"/>
+                </a:solidFill>
+              </a:rPr>
+              <a:t>Collection</a:t>
+            </a:r>
+            <a:r>
+              <a:rPr lang="de-DE" sz="1800" b="1" dirty="0" smtClean="0">
+                <a:solidFill>
+                  <a:schemeClr val="tx1"/>
+                </a:solidFill>
+              </a:rPr>
+              <a:t> </a:t>
+            </a:r>
+            <a:r>
+              <a:rPr lang="de-DE" sz="1800" dirty="0" smtClean="0">
+                <a:solidFill>
+                  <a:schemeClr val="tx1"/>
+                </a:solidFill>
+              </a:rPr>
+              <a:t>angeschaut werden. Dafür gibt es unterschiedliche </a:t>
+            </a:r>
+            <a:r>
+              <a:rPr lang="de-DE" sz="1800" dirty="0" smtClean="0">
+                <a:solidFill>
+                  <a:schemeClr val="tx1"/>
+                </a:solidFill>
+              </a:rPr>
+              <a:t>Herangehensweisen:</a:t>
+            </a:r>
+          </a:p>
+          <a:p>
+            <a:pPr algn="just"/>
+            <a:endParaRPr lang="de-DE" sz="1800" dirty="0" smtClean="0">
+              <a:solidFill>
+                <a:schemeClr val="tx1"/>
+              </a:solidFill>
+            </a:endParaRPr>
+          </a:p>
+          <a:p>
+            <a:pPr algn="just">
+              <a:buFont typeface="Arial" pitchFamily="34" charset="0"/>
+              <a:buChar char="•"/>
+            </a:pPr>
+            <a:r>
+              <a:rPr lang="de-DE" sz="1800" i="1" dirty="0" smtClean="0">
+                <a:solidFill>
+                  <a:schemeClr val="tx1"/>
+                </a:solidFill>
+              </a:rPr>
+              <a:t>Memory </a:t>
+            </a:r>
+            <a:r>
+              <a:rPr lang="de-DE" sz="1800" i="1" dirty="0" smtClean="0">
+                <a:solidFill>
+                  <a:schemeClr val="tx1"/>
+                </a:solidFill>
+              </a:rPr>
+              <a:t>Analyse (Objektpopulation): </a:t>
+            </a:r>
+            <a:r>
+              <a:rPr lang="de-DE" sz="1800" i="1" dirty="0" smtClean="0">
+                <a:solidFill>
+                  <a:schemeClr val="tx1"/>
+                </a:solidFill>
+              </a:rPr>
+              <a:t> </a:t>
+            </a:r>
+            <a:r>
+              <a:rPr lang="de-DE" sz="1800" dirty="0" smtClean="0">
+                <a:solidFill>
+                  <a:schemeClr val="tx1"/>
+                </a:solidFill>
+              </a:rPr>
+              <a:t>Es </a:t>
+            </a:r>
+            <a:r>
+              <a:rPr lang="de-DE" sz="1800" dirty="0" smtClean="0">
+                <a:solidFill>
+                  <a:schemeClr val="tx1"/>
+                </a:solidFill>
+              </a:rPr>
+              <a:t>wird angeschaut, wie alt die Objekte in den unterschiedlichen </a:t>
+            </a:r>
+            <a:r>
+              <a:rPr lang="de-DE" sz="1800" dirty="0" smtClean="0">
+                <a:solidFill>
+                  <a:schemeClr val="tx1"/>
+                </a:solidFill>
+              </a:rPr>
+              <a:t>Bereichen sind</a:t>
+            </a:r>
+            <a:r>
+              <a:rPr lang="de-DE" sz="1800" dirty="0" smtClean="0">
+                <a:solidFill>
+                  <a:schemeClr val="tx1"/>
+                </a:solidFill>
+              </a:rPr>
+              <a:t>. </a:t>
+            </a:r>
+            <a:r>
+              <a:rPr lang="de-DE" sz="1800" dirty="0" smtClean="0">
+                <a:solidFill>
+                  <a:schemeClr val="tx1"/>
+                </a:solidFill>
+              </a:rPr>
+              <a:t/>
+            </a:r>
+            <a:br>
+              <a:rPr lang="de-DE" sz="1800" dirty="0" smtClean="0">
+                <a:solidFill>
+                  <a:schemeClr val="tx1"/>
+                </a:solidFill>
+              </a:rPr>
+            </a:br>
+            <a:endParaRPr lang="de-DE" sz="1800" dirty="0" smtClean="0">
+              <a:solidFill>
+                <a:schemeClr val="tx1"/>
+              </a:solidFill>
+            </a:endParaRPr>
+          </a:p>
+          <a:p>
+            <a:pPr algn="just">
+              <a:buFont typeface="Arial" pitchFamily="34" charset="0"/>
+              <a:buChar char="•"/>
+            </a:pPr>
+            <a:r>
+              <a:rPr lang="de-DE" sz="1800" i="1" dirty="0" err="1" smtClean="0">
+                <a:solidFill>
+                  <a:schemeClr val="tx1"/>
+                </a:solidFill>
+              </a:rPr>
+              <a:t>Garbage</a:t>
+            </a:r>
+            <a:r>
+              <a:rPr lang="de-DE" sz="1800" i="1" dirty="0" smtClean="0">
+                <a:solidFill>
+                  <a:schemeClr val="tx1"/>
+                </a:solidFill>
+              </a:rPr>
+              <a:t> </a:t>
+            </a:r>
+            <a:r>
+              <a:rPr lang="de-DE" sz="1800" i="1" dirty="0" err="1" smtClean="0">
+                <a:solidFill>
+                  <a:schemeClr val="tx1"/>
+                </a:solidFill>
+              </a:rPr>
+              <a:t>Collection</a:t>
+            </a:r>
+            <a:r>
+              <a:rPr lang="de-DE" sz="1800" i="1" dirty="0" smtClean="0">
+                <a:solidFill>
+                  <a:schemeClr val="tx1"/>
+                </a:solidFill>
+              </a:rPr>
+              <a:t> Heuristik:</a:t>
+            </a:r>
+            <a:r>
+              <a:rPr lang="de-DE" sz="1800" b="1" dirty="0" smtClean="0">
+                <a:solidFill>
+                  <a:schemeClr val="tx1"/>
+                </a:solidFill>
+              </a:rPr>
+              <a:t>                </a:t>
+            </a:r>
+            <a:r>
+              <a:rPr lang="de-DE" sz="1800" dirty="0" smtClean="0">
+                <a:solidFill>
+                  <a:schemeClr val="tx1"/>
+                </a:solidFill>
+              </a:rPr>
+              <a:t>Wann </a:t>
+            </a:r>
+            <a:r>
+              <a:rPr lang="de-DE" sz="1800" dirty="0" smtClean="0">
+                <a:solidFill>
+                  <a:schemeClr val="tx1"/>
+                </a:solidFill>
+              </a:rPr>
+              <a:t>und wie oft werden </a:t>
+            </a:r>
+            <a:r>
+              <a:rPr lang="de-DE" sz="1800" dirty="0" err="1" smtClean="0">
+                <a:solidFill>
+                  <a:schemeClr val="tx1"/>
+                </a:solidFill>
+              </a:rPr>
+              <a:t>Garbage</a:t>
+            </a:r>
+            <a:r>
+              <a:rPr lang="de-DE" sz="1800" dirty="0" smtClean="0">
+                <a:solidFill>
+                  <a:schemeClr val="tx1"/>
+                </a:solidFill>
+              </a:rPr>
+              <a:t> </a:t>
+            </a:r>
+            <a:r>
+              <a:rPr lang="de-DE" sz="1800" dirty="0" err="1" smtClean="0">
+                <a:solidFill>
+                  <a:schemeClr val="tx1"/>
+                </a:solidFill>
+              </a:rPr>
+              <a:t>Collections</a:t>
+            </a:r>
+            <a:r>
+              <a:rPr lang="de-DE" sz="1800" dirty="0" smtClean="0">
+                <a:solidFill>
+                  <a:schemeClr val="tx1"/>
+                </a:solidFill>
+              </a:rPr>
+              <a:t> durchgeführt, wie lange haben sie </a:t>
+            </a:r>
+            <a:r>
+              <a:rPr lang="de-DE" sz="1800" dirty="0" smtClean="0">
+                <a:solidFill>
+                  <a:schemeClr val="tx1"/>
+                </a:solidFill>
+              </a:rPr>
+              <a:t> </a:t>
+            </a:r>
+            <a:br>
+              <a:rPr lang="de-DE" sz="1800" dirty="0" smtClean="0">
+                <a:solidFill>
+                  <a:schemeClr val="tx1"/>
+                </a:solidFill>
+              </a:rPr>
+            </a:br>
+            <a:r>
+              <a:rPr lang="de-DE" sz="1800" dirty="0" smtClean="0">
+                <a:solidFill>
+                  <a:schemeClr val="tx1"/>
+                </a:solidFill>
+              </a:rPr>
+              <a:t>                                                                     gedauert</a:t>
+            </a:r>
+            <a:r>
+              <a:rPr lang="de-DE" sz="1800" dirty="0" smtClean="0">
+                <a:solidFill>
+                  <a:schemeClr val="tx1"/>
+                </a:solidFill>
+              </a:rPr>
+              <a:t>, </a:t>
+            </a:r>
+            <a:r>
+              <a:rPr lang="de-DE" sz="1800" dirty="0" err="1" smtClean="0">
+                <a:solidFill>
+                  <a:schemeClr val="tx1"/>
+                </a:solidFill>
+              </a:rPr>
+              <a:t>wieviel</a:t>
+            </a:r>
+            <a:r>
+              <a:rPr lang="de-DE" sz="1800" dirty="0" smtClean="0">
+                <a:solidFill>
+                  <a:schemeClr val="tx1"/>
+                </a:solidFill>
+              </a:rPr>
+              <a:t> Speicher haben sie befreit.</a:t>
+            </a:r>
+          </a:p>
+          <a:p>
+            <a:pPr algn="just"/>
+            <a:endParaRPr lang="de-DE" sz="1800" i="1" dirty="0" smtClean="0">
+              <a:solidFill>
+                <a:schemeClr val="tx1"/>
+              </a:solidFill>
+            </a:endParaRPr>
+          </a:p>
+        </p:txBody>
+      </p:sp>
+      <p:graphicFrame>
+        <p:nvGraphicFramePr>
+          <p:cNvPr id="263" name="Table 262"/>
+          <p:cNvGraphicFramePr>
+            <a:graphicFrameLocks noGrp="1"/>
+          </p:cNvGraphicFramePr>
+          <p:nvPr/>
+        </p:nvGraphicFramePr>
+        <p:xfrm>
+          <a:off x="28864719" y="2408237"/>
+          <a:ext cx="13411200" cy="5045926"/>
+        </p:xfrm>
+        <a:graphic>
+          <a:graphicData uri="http://schemas.openxmlformats.org/drawingml/2006/table">
+            <a:tbl>
+              <a:tblPr firstRow="1" bandRow="1">
+                <a:tableStyleId>{FABFCF23-3B69-468F-B69F-88F6DE6A72F2}</a:tableStyleId>
+              </a:tblPr>
+              <a:tblGrid>
+                <a:gridCol w="1535016"/>
+                <a:gridCol w="2585291"/>
+                <a:gridCol w="9290893"/>
+              </a:tblGrid>
+              <a:tr h="360556">
+                <a:tc>
+                  <a:txBody>
+                    <a:bodyPr/>
+                    <a:lstStyle/>
+                    <a:p>
+                      <a:r>
+                        <a:rPr lang="de-CH" sz="1800" dirty="0" smtClean="0"/>
+                        <a:t>Bezeichnung</a:t>
+                      </a:r>
+                      <a:endParaRPr lang="en-US" sz="1800" dirty="0"/>
+                    </a:p>
+                  </a:txBody>
+                  <a:tcPr/>
+                </a:tc>
+                <a:tc>
+                  <a:txBody>
+                    <a:bodyPr/>
+                    <a:lstStyle/>
+                    <a:p>
+                      <a:r>
+                        <a:rPr lang="de-CH" sz="1800" dirty="0" smtClean="0"/>
+                        <a:t>Titel</a:t>
+                      </a:r>
+                      <a:endParaRPr lang="en-US" sz="1800" dirty="0"/>
+                    </a:p>
+                  </a:txBody>
+                  <a:tcPr/>
+                </a:tc>
+                <a:tc>
+                  <a:txBody>
+                    <a:bodyPr/>
+                    <a:lstStyle/>
+                    <a:p>
+                      <a:r>
+                        <a:rPr lang="de-CH" sz="1800" dirty="0" smtClean="0"/>
+                        <a:t>Beschreibung</a:t>
+                      </a:r>
+                      <a:endParaRPr lang="en-US" sz="1800" dirty="0"/>
+                    </a:p>
+                  </a:txBody>
+                  <a:tcPr/>
+                </a:tc>
+              </a:tr>
+              <a:tr h="320039">
+                <a:tc>
+                  <a:txBody>
+                    <a:bodyPr/>
+                    <a:lstStyle/>
+                    <a:p>
+                      <a:r>
+                        <a:rPr lang="de-CH" sz="1800" dirty="0" smtClean="0"/>
+                        <a:t>UC-01</a:t>
+                      </a:r>
+                      <a:endParaRPr lang="en-US" sz="1800" dirty="0"/>
+                    </a:p>
+                  </a:txBody>
+                  <a:tcPr/>
+                </a:tc>
+                <a:tc>
+                  <a:txBody>
+                    <a:bodyPr/>
+                    <a:lstStyle/>
+                    <a:p>
+                      <a:r>
+                        <a:rPr lang="de-CH" sz="1800" dirty="0" smtClean="0"/>
+                        <a:t>Software installieren</a:t>
+                      </a:r>
+                      <a:endParaRPr lang="en-US" sz="1800" dirty="0"/>
+                    </a:p>
+                  </a:txBody>
+                  <a:tcPr/>
+                </a:tc>
+                <a:tc>
+                  <a:txBody>
+                    <a:bodyPr/>
+                    <a:lstStyle/>
+                    <a:p>
+                      <a:r>
+                        <a:rPr lang="de-CH" sz="1800" dirty="0" smtClean="0"/>
+                        <a:t>Der Benutzer kann die</a:t>
+                      </a:r>
+                      <a:r>
+                        <a:rPr lang="de-CH" sz="1800" baseline="0" dirty="0" smtClean="0"/>
+                        <a:t> Software in seiner Entwicklungsumgebung installieren.</a:t>
+                      </a:r>
+                      <a:endParaRPr lang="en-US" sz="1800" dirty="0"/>
+                    </a:p>
+                  </a:txBody>
+                  <a:tcPr/>
+                </a:tc>
+              </a:tr>
+              <a:tr h="335279">
+                <a:tc>
+                  <a:txBody>
+                    <a:bodyPr/>
+                    <a:lstStyle/>
+                    <a:p>
+                      <a:r>
+                        <a:rPr lang="de-CH" sz="1800" dirty="0" smtClean="0"/>
+                        <a:t>UC-02</a:t>
+                      </a:r>
+                      <a:endParaRPr lang="en-US" sz="1800" dirty="0"/>
+                    </a:p>
+                  </a:txBody>
+                  <a:tcPr/>
+                </a:tc>
+                <a:tc>
+                  <a:txBody>
+                    <a:bodyPr/>
+                    <a:lstStyle/>
+                    <a:p>
+                      <a:r>
+                        <a:rPr lang="de-CH" sz="1800" dirty="0" smtClean="0"/>
+                        <a:t>Software update</a:t>
+                      </a:r>
+                      <a:endParaRPr lang="en-US" sz="1800" dirty="0"/>
+                    </a:p>
+                  </a:txBody>
+                  <a:tcPr/>
+                </a:tc>
+                <a:tc>
+                  <a:txBody>
+                    <a:bodyPr/>
+                    <a:lstStyle/>
+                    <a:p>
+                      <a:r>
+                        <a:rPr lang="de-DE" sz="1800" dirty="0" smtClean="0"/>
+                        <a:t>Der Benutzer kann die Software aus der Entwicklungsumgebung updaten</a:t>
+                      </a:r>
+                      <a:endParaRPr lang="en-US" sz="1800" dirty="0"/>
+                    </a:p>
+                  </a:txBody>
+                  <a:tcPr/>
+                </a:tc>
+              </a:tr>
+              <a:tr h="382486">
+                <a:tc>
+                  <a:txBody>
+                    <a:bodyPr/>
+                    <a:lstStyle/>
+                    <a:p>
+                      <a:pPr marL="0" marR="0" indent="0" algn="l" defTabSz="4174629" rtl="0" eaLnBrk="1" fontAlgn="auto" latinLnBrk="0" hangingPunct="1">
+                        <a:lnSpc>
+                          <a:spcPct val="100000"/>
+                        </a:lnSpc>
+                        <a:spcBef>
+                          <a:spcPts val="0"/>
+                        </a:spcBef>
+                        <a:spcAft>
+                          <a:spcPts val="0"/>
+                        </a:spcAft>
+                        <a:buClrTx/>
+                        <a:buSzTx/>
+                        <a:buFontTx/>
+                        <a:buNone/>
+                        <a:tabLst/>
+                        <a:defRPr/>
+                      </a:pPr>
+                      <a:r>
+                        <a:rPr lang="de-CH" sz="1800" dirty="0" smtClean="0"/>
+                        <a:t>UC-03</a:t>
+                      </a:r>
+                      <a:endParaRPr lang="en-US" sz="1800" dirty="0" smtClean="0"/>
+                    </a:p>
+                  </a:txBody>
+                  <a:tcPr/>
+                </a:tc>
+                <a:tc>
+                  <a:txBody>
+                    <a:bodyPr/>
+                    <a:lstStyle/>
+                    <a:p>
+                      <a:r>
+                        <a:rPr lang="de-CH" sz="1800" dirty="0" smtClean="0"/>
+                        <a:t>Logdatei</a:t>
+                      </a:r>
+                      <a:r>
+                        <a:rPr lang="de-CH" sz="1800" baseline="0" dirty="0" smtClean="0"/>
+                        <a:t> importieren</a:t>
+                      </a:r>
+                      <a:endParaRPr lang="en-US" sz="1800" dirty="0"/>
+                    </a:p>
+                  </a:txBody>
+                  <a:tcPr/>
+                </a:tc>
+                <a:tc>
+                  <a:txBody>
+                    <a:bodyPr/>
+                    <a:lstStyle/>
+                    <a:p>
+                      <a:r>
+                        <a:rPr lang="de-DE" sz="1800" dirty="0" smtClean="0"/>
+                        <a:t>Der Benutzer kann die sich auf dem Dateisystem befindenden Logdatei importieren.</a:t>
+                      </a:r>
+                      <a:endParaRPr lang="en-US" sz="1800" dirty="0"/>
+                    </a:p>
+                  </a:txBody>
+                  <a:tcPr/>
+                </a:tc>
+              </a:tr>
+              <a:tr h="352006">
+                <a:tc>
+                  <a:txBody>
+                    <a:bodyPr/>
+                    <a:lstStyle/>
+                    <a:p>
+                      <a:pPr marL="0" marR="0" indent="0" algn="l" defTabSz="4174629" rtl="0" eaLnBrk="1" fontAlgn="auto" latinLnBrk="0" hangingPunct="1">
+                        <a:lnSpc>
+                          <a:spcPct val="100000"/>
+                        </a:lnSpc>
+                        <a:spcBef>
+                          <a:spcPts val="0"/>
+                        </a:spcBef>
+                        <a:spcAft>
+                          <a:spcPts val="0"/>
+                        </a:spcAft>
+                        <a:buClrTx/>
+                        <a:buSzTx/>
+                        <a:buFontTx/>
+                        <a:buNone/>
+                        <a:tabLst/>
+                        <a:defRPr/>
+                      </a:pPr>
+                      <a:r>
+                        <a:rPr lang="de-CH" sz="1800" dirty="0" smtClean="0"/>
+                        <a:t>UC-04</a:t>
+                      </a:r>
+                      <a:endParaRPr lang="en-US" sz="1800" dirty="0" smtClean="0"/>
+                    </a:p>
+                  </a:txBody>
+                  <a:tcPr/>
+                </a:tc>
+                <a:tc>
+                  <a:txBody>
+                    <a:bodyPr/>
+                    <a:lstStyle/>
+                    <a:p>
+                      <a:r>
+                        <a:rPr lang="en-US" sz="1800" dirty="0" smtClean="0"/>
+                        <a:t>Standardauswertung</a:t>
+                      </a:r>
+                      <a:endParaRPr lang="en-US" sz="1800" dirty="0"/>
+                    </a:p>
+                  </a:txBody>
+                  <a:tcPr/>
+                </a:tc>
+                <a:tc>
+                  <a:txBody>
+                    <a:bodyPr/>
+                    <a:lstStyle/>
+                    <a:p>
+                      <a:r>
+                        <a:rPr lang="de-DE" sz="1800" dirty="0" smtClean="0"/>
+                        <a:t>Für eine schnelle Übersicht kann der Benutzer die Standardauswertung öffnen.</a:t>
+                      </a:r>
+                      <a:endParaRPr lang="en-US" sz="1800" dirty="0"/>
+                    </a:p>
+                  </a:txBody>
+                  <a:tcPr/>
+                </a:tc>
+              </a:tr>
+              <a:tr h="364274">
+                <a:tc>
+                  <a:txBody>
+                    <a:bodyPr/>
+                    <a:lstStyle/>
+                    <a:p>
+                      <a:pPr marL="0" marR="0" indent="0" algn="l" defTabSz="4174629" rtl="0" eaLnBrk="1" fontAlgn="auto" latinLnBrk="0" hangingPunct="1">
+                        <a:lnSpc>
+                          <a:spcPct val="100000"/>
+                        </a:lnSpc>
+                        <a:spcBef>
+                          <a:spcPts val="0"/>
+                        </a:spcBef>
+                        <a:spcAft>
+                          <a:spcPts val="0"/>
+                        </a:spcAft>
+                        <a:buClrTx/>
+                        <a:buSzTx/>
+                        <a:buFontTx/>
+                        <a:buNone/>
+                        <a:tabLst/>
+                        <a:defRPr/>
+                      </a:pPr>
+                      <a:r>
+                        <a:rPr lang="de-CH" sz="1800" dirty="0" smtClean="0"/>
+                        <a:t>UC-04.1</a:t>
+                      </a:r>
+                      <a:endParaRPr lang="en-US" sz="1800" dirty="0" smtClean="0"/>
+                    </a:p>
+                  </a:txBody>
+                  <a:tcPr/>
+                </a:tc>
+                <a:tc>
+                  <a:txBody>
+                    <a:bodyPr/>
+                    <a:lstStyle/>
+                    <a:p>
+                      <a:r>
+                        <a:rPr lang="de-CH" sz="1800" dirty="0" smtClean="0"/>
+                        <a:t>Anzeige</a:t>
+                      </a:r>
+                      <a:r>
+                        <a:rPr lang="de-CH" sz="1800" baseline="0" dirty="0" smtClean="0"/>
+                        <a:t> Statistik Übersicht</a:t>
+                      </a:r>
+                      <a:endParaRPr lang="en-US" sz="1800" dirty="0"/>
+                    </a:p>
+                  </a:txBody>
+                  <a:tcPr/>
+                </a:tc>
+                <a:tc>
+                  <a:txBody>
+                    <a:bodyPr/>
+                    <a:lstStyle/>
+                    <a:p>
+                      <a:r>
+                        <a:rPr lang="de-CH" sz="1800" dirty="0" smtClean="0"/>
+                        <a:t>Auf dem ersten Tab der Standardauswertung befinden</a:t>
+                      </a:r>
+                      <a:r>
+                        <a:rPr lang="de-CH" sz="1800" baseline="0" dirty="0" smtClean="0"/>
+                        <a:t> sich verschiedene statistische Auswertungen .</a:t>
+                      </a:r>
+                      <a:endParaRPr lang="en-US" sz="1800" dirty="0"/>
+                    </a:p>
+                  </a:txBody>
+                  <a:tcPr/>
+                </a:tc>
+              </a:tr>
+              <a:tr h="610343">
+                <a:tc>
+                  <a:txBody>
+                    <a:bodyPr/>
+                    <a:lstStyle/>
+                    <a:p>
+                      <a:pPr marL="0" marR="0" indent="0" algn="l" defTabSz="4174629" rtl="0" eaLnBrk="1" fontAlgn="auto" latinLnBrk="0" hangingPunct="1">
+                        <a:lnSpc>
+                          <a:spcPct val="100000"/>
+                        </a:lnSpc>
+                        <a:spcBef>
+                          <a:spcPts val="0"/>
+                        </a:spcBef>
+                        <a:spcAft>
+                          <a:spcPts val="0"/>
+                        </a:spcAft>
+                        <a:buClrTx/>
+                        <a:buSzTx/>
+                        <a:buFontTx/>
+                        <a:buNone/>
+                        <a:tabLst/>
+                        <a:defRPr/>
+                      </a:pPr>
+                      <a:r>
+                        <a:rPr lang="de-CH" sz="1800" dirty="0" smtClean="0"/>
+                        <a:t>UC-04.2</a:t>
+                      </a:r>
+                      <a:endParaRPr lang="en-US" sz="1800" dirty="0" smtClean="0"/>
+                    </a:p>
+                  </a:txBody>
+                  <a:tcPr/>
+                </a:tc>
+                <a:tc>
+                  <a:txBody>
+                    <a:bodyPr/>
+                    <a:lstStyle/>
+                    <a:p>
+                      <a:r>
+                        <a:rPr lang="de-CH" sz="1800" dirty="0" smtClean="0"/>
+                        <a:t>Anzeige </a:t>
+                      </a:r>
+                      <a:r>
+                        <a:rPr lang="de-CH" sz="1800" dirty="0" err="1" smtClean="0"/>
+                        <a:t>Heap</a:t>
+                      </a:r>
+                      <a:r>
+                        <a:rPr lang="de-CH" sz="1800" dirty="0" smtClean="0"/>
+                        <a:t> Benutzung </a:t>
+                      </a:r>
+                      <a:endParaRPr lang="en-US" sz="1800" dirty="0"/>
+                    </a:p>
+                  </a:txBody>
+                  <a:tcPr/>
+                </a:tc>
+                <a:tc>
+                  <a:txBody>
+                    <a:bodyPr/>
+                    <a:lstStyle/>
+                    <a:p>
+                      <a:r>
+                        <a:rPr lang="de-DE" sz="1800" dirty="0" smtClean="0"/>
+                        <a:t>Die Heap Benutzung zeigt dem Benutzer anhand einer Grafik, zu welchem Zeitpunkt wie viel Speicher des Heaps verwendet wurde.</a:t>
+                      </a:r>
+                      <a:endParaRPr lang="en-US" sz="1800" dirty="0"/>
+                    </a:p>
+                  </a:txBody>
+                  <a:tcPr/>
+                </a:tc>
+              </a:tr>
+              <a:tr h="630973">
+                <a:tc>
+                  <a:txBody>
+                    <a:bodyPr/>
+                    <a:lstStyle/>
+                    <a:p>
+                      <a:pPr marL="0" marR="0" indent="0" algn="l" defTabSz="4174629" rtl="0" eaLnBrk="1" fontAlgn="auto" latinLnBrk="0" hangingPunct="1">
+                        <a:lnSpc>
+                          <a:spcPct val="100000"/>
+                        </a:lnSpc>
+                        <a:spcBef>
+                          <a:spcPts val="0"/>
+                        </a:spcBef>
+                        <a:spcAft>
+                          <a:spcPts val="0"/>
+                        </a:spcAft>
+                        <a:buClrTx/>
+                        <a:buSzTx/>
+                        <a:buFontTx/>
+                        <a:buNone/>
+                        <a:tabLst/>
+                        <a:defRPr/>
+                      </a:pPr>
+                      <a:r>
+                        <a:rPr lang="de-CH" sz="1800" dirty="0" smtClean="0"/>
+                        <a:t>UC-04.3</a:t>
+                      </a:r>
+                      <a:endParaRPr lang="en-US" sz="1800" dirty="0" smtClean="0"/>
+                    </a:p>
+                  </a:txBody>
+                  <a:tcPr/>
+                </a:tc>
+                <a:tc>
+                  <a:txBody>
+                    <a:bodyPr/>
+                    <a:lstStyle/>
+                    <a:p>
+                      <a:r>
+                        <a:rPr lang="de-CH" sz="1800" dirty="0" smtClean="0"/>
+                        <a:t>Anzeige Dauer Garbage Collection</a:t>
+                      </a:r>
+                      <a:endParaRPr lang="en-US" sz="1800" dirty="0"/>
+                    </a:p>
+                  </a:txBody>
+                  <a:tcPr/>
+                </a:tc>
+                <a:tc>
+                  <a:txBody>
+                    <a:bodyPr/>
+                    <a:lstStyle/>
+                    <a:p>
+                      <a:r>
+                        <a:rPr lang="de-DE" sz="1800" dirty="0" smtClean="0"/>
+                        <a:t>Die Anzeige Dauer</a:t>
+                      </a:r>
+                      <a:r>
+                        <a:rPr lang="de-DE" sz="1800" baseline="0" dirty="0" smtClean="0"/>
+                        <a:t> </a:t>
+                      </a:r>
+                      <a:r>
+                        <a:rPr lang="de-DE" sz="1800" dirty="0" err="1" smtClean="0"/>
+                        <a:t>Garbage</a:t>
+                      </a:r>
+                      <a:r>
+                        <a:rPr lang="de-DE" sz="1800" dirty="0" smtClean="0"/>
+                        <a:t> </a:t>
+                      </a:r>
+                      <a:r>
+                        <a:rPr lang="de-DE" sz="1800" dirty="0" err="1" smtClean="0"/>
+                        <a:t>Collection</a:t>
+                      </a:r>
+                      <a:r>
+                        <a:rPr lang="de-DE" sz="1800" dirty="0" smtClean="0"/>
+                        <a:t> zeigt dem Benutzer über die Zeit wie lange die einzelne </a:t>
+                      </a:r>
+                      <a:r>
+                        <a:rPr lang="de-DE" sz="1800" dirty="0" err="1" smtClean="0"/>
+                        <a:t>Garbage</a:t>
+                      </a:r>
+                      <a:r>
+                        <a:rPr lang="de-DE" sz="1800" dirty="0" smtClean="0"/>
+                        <a:t> </a:t>
+                      </a:r>
+                      <a:r>
+                        <a:rPr lang="de-DE" sz="1800" dirty="0" err="1" smtClean="0"/>
+                        <a:t>Collection</a:t>
+                      </a:r>
+                      <a:r>
+                        <a:rPr lang="de-DE" sz="1800" dirty="0" smtClean="0"/>
+                        <a:t> gedauert hat.</a:t>
+                      </a:r>
+                      <a:endParaRPr lang="en-US" sz="1800" dirty="0"/>
+                    </a:p>
+                  </a:txBody>
+                  <a:tcPr/>
+                </a:tc>
+              </a:tr>
+              <a:tr h="620381">
+                <a:tc>
+                  <a:txBody>
+                    <a:bodyPr/>
+                    <a:lstStyle/>
+                    <a:p>
+                      <a:pPr marL="0" marR="0" indent="0" algn="l" defTabSz="4174629" rtl="0" eaLnBrk="1" fontAlgn="auto" latinLnBrk="0" hangingPunct="1">
+                        <a:lnSpc>
+                          <a:spcPct val="100000"/>
+                        </a:lnSpc>
+                        <a:spcBef>
+                          <a:spcPts val="0"/>
+                        </a:spcBef>
+                        <a:spcAft>
+                          <a:spcPts val="0"/>
+                        </a:spcAft>
+                        <a:buClrTx/>
+                        <a:buSzTx/>
+                        <a:buFontTx/>
+                        <a:buNone/>
+                        <a:tabLst/>
+                        <a:defRPr/>
+                      </a:pPr>
+                      <a:r>
+                        <a:rPr lang="de-CH" sz="1800" dirty="0" smtClean="0"/>
+                        <a:t>UC-05</a:t>
+                      </a:r>
+                      <a:endParaRPr lang="en-US" sz="1800" dirty="0" smtClean="0"/>
+                    </a:p>
+                  </a:txBody>
+                  <a:tcPr/>
+                </a:tc>
+                <a:tc>
+                  <a:txBody>
+                    <a:bodyPr/>
+                    <a:lstStyle/>
+                    <a:p>
+                      <a:r>
+                        <a:rPr lang="de-CH" sz="1800" dirty="0" smtClean="0"/>
+                        <a:t>Profil (benutzerdefinierte Auswertung) erstellen</a:t>
+                      </a:r>
+                      <a:endParaRPr lang="en-US" sz="1800" dirty="0"/>
+                    </a:p>
+                  </a:txBody>
+                  <a:tcPr/>
+                </a:tc>
+                <a:tc>
+                  <a:txBody>
+                    <a:bodyPr/>
+                    <a:lstStyle/>
+                    <a:p>
+                      <a:r>
+                        <a:rPr lang="de-CH" sz="1800" dirty="0" smtClean="0"/>
+                        <a:t>D</a:t>
+                      </a:r>
+                      <a:r>
+                        <a:rPr lang="de-DE" sz="1800" dirty="0" smtClean="0"/>
+                        <a:t>er Benutzer kann ein eigenes Profil erstellen. Dem Profil können eigene, benutzerdefinierte Charts hinzugefügt werden</a:t>
+                      </a:r>
+                      <a:r>
+                        <a:rPr lang="de-DE" sz="1800" baseline="0" dirty="0" smtClean="0"/>
+                        <a:t>. </a:t>
+                      </a:r>
+                      <a:r>
+                        <a:rPr lang="de-DE" sz="1800" dirty="0" smtClean="0"/>
+                        <a:t>Die Profile sind persistent und können exportiert wie auch importiert werden.</a:t>
+                      </a:r>
+                    </a:p>
+                  </a:txBody>
+                  <a:tcPr/>
+                </a:tc>
+              </a:tr>
+              <a:tr h="333793">
+                <a:tc>
+                  <a:txBody>
+                    <a:bodyPr/>
+                    <a:lstStyle/>
+                    <a:p>
+                      <a:pPr marL="0" marR="0" indent="0" algn="l" defTabSz="4174629" rtl="0" eaLnBrk="1" fontAlgn="auto" latinLnBrk="0" hangingPunct="1">
+                        <a:lnSpc>
+                          <a:spcPct val="100000"/>
+                        </a:lnSpc>
+                        <a:spcBef>
+                          <a:spcPts val="0"/>
+                        </a:spcBef>
+                        <a:spcAft>
+                          <a:spcPts val="0"/>
+                        </a:spcAft>
+                        <a:buClrTx/>
+                        <a:buSzTx/>
+                        <a:buFontTx/>
+                        <a:buNone/>
+                        <a:tabLst/>
+                        <a:defRPr/>
+                      </a:pPr>
+                      <a:r>
+                        <a:rPr lang="de-CH" sz="1800" dirty="0" smtClean="0"/>
+                        <a:t>UC-06</a:t>
+                      </a:r>
+                      <a:endParaRPr lang="en-US" sz="1800" dirty="0" smtClean="0"/>
+                    </a:p>
+                  </a:txBody>
+                  <a:tcPr/>
+                </a:tc>
+                <a:tc>
+                  <a:txBody>
+                    <a:bodyPr/>
+                    <a:lstStyle/>
+                    <a:p>
+                      <a:r>
+                        <a:rPr lang="de-CH" sz="1800" dirty="0" smtClean="0"/>
+                        <a:t>Hilfesystem</a:t>
+                      </a:r>
+                      <a:endParaRPr lang="en-US" sz="1800" dirty="0"/>
+                    </a:p>
+                  </a:txBody>
+                  <a:tcPr/>
+                </a:tc>
+                <a:tc>
+                  <a:txBody>
+                    <a:bodyPr/>
+                    <a:lstStyle/>
+                    <a:p>
+                      <a:r>
+                        <a:rPr lang="de-DE" sz="1800" dirty="0" smtClean="0"/>
+                        <a:t>Der Benutzer kann auf eine indexbasierte und eine kontextsensitive Hilfe zugreifen</a:t>
+                      </a:r>
+                      <a:endParaRPr lang="en-US" sz="1800" dirty="0"/>
+                    </a:p>
+                  </a:txBody>
+                  <a:tcPr/>
+                </a:tc>
+              </a:tr>
+            </a:tbl>
+          </a:graphicData>
+        </a:graphic>
+      </p:graphicFrame>
+      <p:pic>
+        <p:nvPicPr>
+          <p:cNvPr id="5" name="Picture 5"/>
+          <p:cNvPicPr>
+            <a:picLocks noChangeAspect="1" noChangeArrowheads="1"/>
+          </p:cNvPicPr>
+          <p:nvPr/>
+        </p:nvPicPr>
+        <p:blipFill>
+          <a:blip r:embed="rId4" cstate="print"/>
+          <a:srcRect/>
+          <a:stretch>
+            <a:fillRect/>
+          </a:stretch>
+        </p:blipFill>
+        <p:spPr bwMode="auto">
+          <a:xfrm>
+            <a:off x="22921119" y="3779837"/>
+            <a:ext cx="5677007" cy="3809999"/>
+          </a:xfrm>
+          <a:prstGeom prst="rect">
+            <a:avLst/>
+          </a:prstGeom>
+          <a:noFill/>
+          <a:ln w="9525">
+            <a:noFill/>
+            <a:miter lim="800000"/>
+            <a:headEnd/>
+            <a:tailEnd/>
+          </a:ln>
+          <a:effectLst/>
+        </p:spPr>
+      </p:pic>
       <p:sp>
         <p:nvSpPr>
-          <p:cNvPr id="194" name="Diamond 193"/>
+          <p:cNvPr id="267" name="TextBox 266"/>
+          <p:cNvSpPr txBox="1"/>
+          <p:nvPr/>
+        </p:nvSpPr>
+        <p:spPr>
+          <a:xfrm>
+            <a:off x="23073519" y="2865437"/>
+            <a:ext cx="4800600" cy="584775"/>
+          </a:xfrm>
+          <a:prstGeom prst="rect">
+            <a:avLst/>
+          </a:prstGeom>
+          <a:noFill/>
+        </p:spPr>
+        <p:txBody>
+          <a:bodyPr wrap="square" rtlCol="0">
+            <a:spAutoFit/>
+          </a:bodyPr>
+          <a:lstStyle/>
+          <a:p>
+            <a:r>
+              <a:rPr lang="de-CH" sz="3200" b="1" dirty="0" smtClean="0"/>
+              <a:t>Anforderungsanalyse</a:t>
+            </a:r>
+            <a:endParaRPr lang="en-US" sz="3200" b="1" dirty="0"/>
+          </a:p>
+        </p:txBody>
+      </p:sp>
+      <p:sp>
+        <p:nvSpPr>
+          <p:cNvPr id="268" name="TextBox 267"/>
+          <p:cNvSpPr txBox="1"/>
+          <p:nvPr/>
+        </p:nvSpPr>
+        <p:spPr>
+          <a:xfrm>
+            <a:off x="23073519" y="3398837"/>
+            <a:ext cx="4800600" cy="461665"/>
+          </a:xfrm>
+          <a:prstGeom prst="rect">
+            <a:avLst/>
+          </a:prstGeom>
+          <a:noFill/>
+        </p:spPr>
+        <p:txBody>
+          <a:bodyPr wrap="square" rtlCol="0">
+            <a:spAutoFit/>
+          </a:bodyPr>
+          <a:lstStyle/>
+          <a:p>
+            <a:r>
+              <a:rPr lang="de-CH" sz="2400" b="1" dirty="0" smtClean="0"/>
+              <a:t>Use Cases</a:t>
+            </a:r>
+            <a:endParaRPr lang="en-US" sz="2400" b="1" dirty="0"/>
+          </a:p>
+        </p:txBody>
+      </p:sp>
+      <p:sp>
+        <p:nvSpPr>
+          <p:cNvPr id="265" name="Rectangle 264"/>
           <p:cNvSpPr/>
           <p:nvPr/>
         </p:nvSpPr>
         <p:spPr>
           <a:xfrm>
-            <a:off x="14462919" y="17904103"/>
-            <a:ext cx="2391228" cy="2258734"/>
+            <a:off x="22740144" y="7589837"/>
+            <a:ext cx="19751040" cy="8686800"/>
           </a:xfrm>
-          <a:prstGeom prst="diamond">
+          <a:prstGeom prst="rect">
             <a:avLst/>
           </a:prstGeom>
           <a:solidFill>
-            <a:schemeClr val="tx1">
-              <a:lumMod val="65000"/>
-              <a:lumOff val="35000"/>
+            <a:schemeClr val="bg1">
+              <a:alpha val="40000"/>
             </a:schemeClr>
           </a:solidFill>
+          <a:ln>
+            <a:noFill/>
+          </a:ln>
         </p:spPr>
         <p:style>
           <a:lnRef idx="2">
@@ -27354,265 +31908,57 @@
           <a:lstStyle/>
           <a:p>
             <a:pPr algn="ctr"/>
-            <a:r>
-              <a:rPr lang="de-CH" sz="1800" dirty="0" err="1" smtClean="0"/>
-              <a:t>Garbage</a:t>
-            </a:r>
-            <a:r>
-              <a:rPr lang="de-CH" sz="1800" dirty="0" smtClean="0"/>
-              <a:t> </a:t>
-            </a:r>
-            <a:r>
-              <a:rPr lang="de-CH" sz="1800" dirty="0" err="1" smtClean="0"/>
-              <a:t>Collection</a:t>
-            </a:r>
-            <a:r>
-              <a:rPr lang="de-CH" sz="1800" dirty="0" smtClean="0"/>
-              <a:t> Tuning Ziel</a:t>
-            </a:r>
-            <a:endParaRPr lang="en-US" sz="1800" dirty="0"/>
+            <a:endParaRPr lang="en-US" dirty="0"/>
           </a:p>
         </p:txBody>
       </p:sp>
       <p:sp>
         <p:nvSpPr>
-          <p:cNvPr id="209" name="Rounded Rectangle 208"/>
+          <p:cNvPr id="272" name="TextBox 271"/>
+          <p:cNvSpPr txBox="1"/>
+          <p:nvPr/>
+        </p:nvSpPr>
+        <p:spPr>
+          <a:xfrm>
+            <a:off x="22997319" y="7589837"/>
+            <a:ext cx="4800600" cy="584775"/>
+          </a:xfrm>
+          <a:prstGeom prst="rect">
+            <a:avLst/>
+          </a:prstGeom>
+          <a:noFill/>
+        </p:spPr>
+        <p:txBody>
+          <a:bodyPr wrap="square" rtlCol="0">
+            <a:spAutoFit/>
+          </a:bodyPr>
+          <a:lstStyle/>
+          <a:p>
+            <a:r>
+              <a:rPr lang="de-CH" sz="3200" b="1" dirty="0" smtClean="0"/>
+              <a:t>Konzept</a:t>
+            </a:r>
+            <a:endParaRPr lang="en-US" sz="3200" b="1" dirty="0"/>
+          </a:p>
+        </p:txBody>
+      </p:sp>
+      <p:sp>
+        <p:nvSpPr>
+          <p:cNvPr id="266" name="Rectangle 265"/>
           <p:cNvSpPr/>
           <p:nvPr/>
         </p:nvSpPr>
         <p:spPr>
           <a:xfrm>
-            <a:off x="10195719" y="20772437"/>
-            <a:ext cx="4800600" cy="8763000"/>
-          </a:xfrm>
-          <a:prstGeom prst="roundRect">
-            <a:avLst>
-              <a:gd name="adj" fmla="val 8515"/>
-            </a:avLst>
-          </a:prstGeom>
-          <a:solidFill>
-            <a:schemeClr val="bg1"/>
-          </a:solidFill>
-        </p:spPr>
-        <p:style>
-          <a:lnRef idx="2">
-            <a:schemeClr val="accent1">
-              <a:shade val="50000"/>
-            </a:schemeClr>
-          </a:lnRef>
-          <a:fillRef idx="1">
-            <a:schemeClr val="accent1"/>
-          </a:fillRef>
-          <a:effectRef idx="0">
-            <a:schemeClr val="accent1"/>
-          </a:effectRef>
-          <a:fontRef idx="minor">
-            <a:schemeClr val="lt1"/>
-          </a:fontRef>
-        </p:style>
-        <p:txBody>
-          <a:bodyPr rtlCol="0" anchor="t" anchorCtr="0"/>
-          <a:lstStyle/>
-          <a:p>
-            <a:r>
-              <a:rPr lang="en-US" sz="3200" b="1" dirty="0" err="1" smtClean="0">
-                <a:solidFill>
-                  <a:schemeClr val="tx1"/>
-                </a:solidFill>
-              </a:rPr>
-              <a:t>Pausenzeiten</a:t>
-            </a:r>
-            <a:r>
-              <a:rPr lang="en-US" sz="3200" b="1" dirty="0" smtClean="0">
-                <a:solidFill>
-                  <a:schemeClr val="tx1"/>
-                </a:solidFill>
-              </a:rPr>
-              <a:t> (</a:t>
-            </a:r>
-            <a:r>
-              <a:rPr lang="en-US" sz="3200" b="1" dirty="0" err="1" smtClean="0">
-                <a:solidFill>
-                  <a:schemeClr val="tx1"/>
-                </a:solidFill>
-              </a:rPr>
-              <a:t>Pausetime</a:t>
-            </a:r>
-            <a:r>
-              <a:rPr lang="en-US" sz="3200" b="1" dirty="0" smtClean="0">
-                <a:solidFill>
-                  <a:schemeClr val="tx1"/>
-                </a:solidFill>
-              </a:rPr>
-              <a:t>)</a:t>
-            </a:r>
-            <a:endParaRPr lang="en-US" sz="3200" b="1" dirty="0" smtClean="0">
-              <a:solidFill>
-                <a:schemeClr val="tx1"/>
-              </a:solidFill>
-            </a:endParaRPr>
-          </a:p>
-          <a:p>
-            <a:endParaRPr lang="de-DE" sz="1800" b="1" dirty="0" smtClean="0">
-              <a:solidFill>
-                <a:schemeClr val="tx1"/>
-              </a:solidFill>
-            </a:endParaRPr>
-          </a:p>
-        </p:txBody>
-      </p:sp>
-      <p:sp>
-        <p:nvSpPr>
-          <p:cNvPr id="210" name="Rounded Rectangle 209"/>
-          <p:cNvSpPr/>
-          <p:nvPr/>
-        </p:nvSpPr>
-        <p:spPr>
-          <a:xfrm>
-            <a:off x="15072519" y="20772437"/>
-            <a:ext cx="3505200" cy="8763000"/>
-          </a:xfrm>
-          <a:prstGeom prst="roundRect">
-            <a:avLst>
-              <a:gd name="adj" fmla="val 8515"/>
-            </a:avLst>
-          </a:prstGeom>
-          <a:solidFill>
-            <a:schemeClr val="bg1"/>
-          </a:solidFill>
-        </p:spPr>
-        <p:style>
-          <a:lnRef idx="2">
-            <a:schemeClr val="accent1">
-              <a:shade val="50000"/>
-            </a:schemeClr>
-          </a:lnRef>
-          <a:fillRef idx="1">
-            <a:schemeClr val="accent1"/>
-          </a:fillRef>
-          <a:effectRef idx="0">
-            <a:schemeClr val="accent1"/>
-          </a:effectRef>
-          <a:fontRef idx="minor">
-            <a:schemeClr val="lt1"/>
-          </a:fontRef>
-        </p:style>
-        <p:txBody>
-          <a:bodyPr rtlCol="0" anchor="t" anchorCtr="0"/>
-          <a:lstStyle/>
-          <a:p>
-            <a:r>
-              <a:rPr lang="en-US" sz="3200" b="1" dirty="0" err="1" smtClean="0">
-                <a:solidFill>
-                  <a:schemeClr val="tx1"/>
-                </a:solidFill>
-              </a:rPr>
-              <a:t>Durchsatz</a:t>
-            </a:r>
-            <a:r>
-              <a:rPr lang="en-US" sz="3200" b="1" dirty="0" smtClean="0">
-                <a:solidFill>
-                  <a:schemeClr val="tx1"/>
-                </a:solidFill>
-              </a:rPr>
-              <a:t> (Throughput)</a:t>
-            </a:r>
-            <a:endParaRPr lang="en-US" sz="3200" b="1" dirty="0" smtClean="0">
-              <a:solidFill>
-                <a:schemeClr val="tx1"/>
-              </a:solidFill>
-            </a:endParaRPr>
-          </a:p>
-          <a:p>
-            <a:endParaRPr lang="de-DE" sz="1800" b="1" dirty="0" smtClean="0">
-              <a:solidFill>
-                <a:schemeClr val="tx1"/>
-              </a:solidFill>
-            </a:endParaRPr>
-          </a:p>
-        </p:txBody>
-      </p:sp>
-      <p:sp>
-        <p:nvSpPr>
-          <p:cNvPr id="211" name="Rounded Rectangle 210"/>
-          <p:cNvSpPr/>
-          <p:nvPr/>
-        </p:nvSpPr>
-        <p:spPr>
-          <a:xfrm>
-            <a:off x="18653919" y="20772437"/>
-            <a:ext cx="3657600" cy="8763000"/>
-          </a:xfrm>
-          <a:prstGeom prst="roundRect">
-            <a:avLst>
-              <a:gd name="adj" fmla="val 8515"/>
-            </a:avLst>
-          </a:prstGeom>
-          <a:solidFill>
-            <a:schemeClr val="bg1"/>
-          </a:solidFill>
-        </p:spPr>
-        <p:style>
-          <a:lnRef idx="2">
-            <a:schemeClr val="accent1">
-              <a:shade val="50000"/>
-            </a:schemeClr>
-          </a:lnRef>
-          <a:fillRef idx="1">
-            <a:schemeClr val="accent1"/>
-          </a:fillRef>
-          <a:effectRef idx="0">
-            <a:schemeClr val="accent1"/>
-          </a:effectRef>
-          <a:fontRef idx="minor">
-            <a:schemeClr val="lt1"/>
-          </a:fontRef>
-        </p:style>
-        <p:txBody>
-          <a:bodyPr rtlCol="0" anchor="t" anchorCtr="0"/>
-          <a:lstStyle/>
-          <a:p>
-            <a:r>
-              <a:rPr lang="en-US" sz="3200" b="1" dirty="0" err="1" smtClean="0">
-                <a:solidFill>
-                  <a:schemeClr val="tx1"/>
-                </a:solidFill>
-              </a:rPr>
-              <a:t>Speicherverbrauch</a:t>
-            </a:r>
-            <a:endParaRPr lang="en-US" sz="3200" b="1" dirty="0" smtClean="0">
-              <a:solidFill>
-                <a:schemeClr val="tx1"/>
-              </a:solidFill>
-            </a:endParaRPr>
-          </a:p>
-          <a:p>
-            <a:endParaRPr lang="de-DE" sz="1800" b="1" dirty="0" smtClean="0">
-              <a:solidFill>
-                <a:schemeClr val="tx1"/>
-              </a:solidFill>
-            </a:endParaRPr>
-          </a:p>
-        </p:txBody>
-      </p:sp>
-      <p:sp>
-        <p:nvSpPr>
-          <p:cNvPr id="212" name="Rectangle 211"/>
-          <p:cNvSpPr/>
-          <p:nvPr/>
-        </p:nvSpPr>
-        <p:spPr>
-          <a:xfrm>
-            <a:off x="22692519" y="2179637"/>
-            <a:ext cx="19842480" cy="27584400"/>
+            <a:off x="22749669" y="16276637"/>
+            <a:ext cx="19751040" cy="7467600"/>
           </a:xfrm>
           <a:prstGeom prst="rect">
             <a:avLst/>
           </a:prstGeom>
           <a:solidFill>
-            <a:schemeClr val="accent5">
-              <a:lumMod val="20000"/>
-              <a:lumOff val="80000"/>
+            <a:schemeClr val="bg1">
+              <a:alpha val="50000"/>
             </a:schemeClr>
           </a:solidFill>
           <a:ln>
@@ -27641,6 +31987,2403 @@
           <a:p>
             <a:pPr algn="ctr"/>
             <a:endParaRPr lang="en-US"/>
+          </a:p>
+        </p:txBody>
+      </p:sp>
+      <p:sp>
+        <p:nvSpPr>
+          <p:cNvPr id="273" name="TextBox 272"/>
+          <p:cNvSpPr txBox="1"/>
+          <p:nvPr/>
+        </p:nvSpPr>
+        <p:spPr>
+          <a:xfrm>
+            <a:off x="23073519" y="16276637"/>
+            <a:ext cx="4800600" cy="563702"/>
+          </a:xfrm>
+          <a:prstGeom prst="rect">
+            <a:avLst/>
+          </a:prstGeom>
+          <a:noFill/>
+        </p:spPr>
+        <p:txBody>
+          <a:bodyPr wrap="square" rtlCol="0">
+            <a:spAutoFit/>
+          </a:bodyPr>
+          <a:lstStyle/>
+          <a:p>
+            <a:r>
+              <a:rPr lang="de-CH" sz="3200" b="1" dirty="0" err="1" smtClean="0"/>
+              <a:t>Proof</a:t>
+            </a:r>
+            <a:r>
+              <a:rPr lang="de-CH" sz="3200" b="1" dirty="0" smtClean="0"/>
+              <a:t> of „Konzept“</a:t>
+            </a:r>
+            <a:endParaRPr lang="en-US" sz="3200" b="1" dirty="0"/>
+          </a:p>
+        </p:txBody>
+      </p:sp>
+      <p:sp>
+        <p:nvSpPr>
+          <p:cNvPr id="291" name="TextBox 290"/>
+          <p:cNvSpPr txBox="1"/>
+          <p:nvPr/>
+        </p:nvSpPr>
+        <p:spPr>
+          <a:xfrm>
+            <a:off x="34427319" y="16810037"/>
+            <a:ext cx="6934200" cy="6617196"/>
+          </a:xfrm>
+          <a:prstGeom prst="rect">
+            <a:avLst/>
+          </a:prstGeom>
+          <a:noFill/>
+        </p:spPr>
+        <p:txBody>
+          <a:bodyPr wrap="square" rtlCol="0">
+            <a:spAutoFit/>
+          </a:bodyPr>
+          <a:lstStyle/>
+          <a:p>
+            <a:r>
+              <a:rPr lang="de-CH" sz="2400" b="1" dirty="0" err="1" smtClean="0"/>
+              <a:t>Implementation</a:t>
+            </a:r>
+            <a:endParaRPr lang="de-CH" sz="2400" b="1" dirty="0" smtClean="0"/>
+          </a:p>
+          <a:p>
+            <a:r>
+              <a:rPr lang="de-CH" sz="1800" dirty="0" smtClean="0"/>
+              <a:t>Eine Logdatei wird durch den Import in der Ansicht </a:t>
+            </a:r>
+            <a:r>
+              <a:rPr lang="de-CH" sz="1800" i="1" dirty="0" err="1" smtClean="0"/>
+              <a:t>Logdateien</a:t>
+            </a:r>
+            <a:r>
+              <a:rPr lang="de-CH" sz="1800" dirty="0" smtClean="0"/>
+              <a:t> sichtbar. Mit einem Doppelklick auf diese Datei oder ein Profil wird die Logdatei eingelesen, geparst, analysiert und im entsprechenden Analysefenster geöffnet.</a:t>
+            </a:r>
+          </a:p>
+          <a:p>
+            <a:endParaRPr lang="de-CH" sz="1800" dirty="0" smtClean="0"/>
+          </a:p>
+          <a:p>
+            <a:pPr marL="342900" indent="-342900">
+              <a:buFont typeface="+mj-lt"/>
+              <a:buAutoNum type="arabicPeriod"/>
+            </a:pPr>
+            <a:r>
+              <a:rPr lang="de-CH" sz="1800" dirty="0" smtClean="0"/>
+              <a:t>Die Ansicht </a:t>
+            </a:r>
+            <a:r>
+              <a:rPr lang="de-CH" sz="1800" i="1" dirty="0" err="1" smtClean="0"/>
+              <a:t>Logdateien</a:t>
+            </a:r>
+            <a:r>
+              <a:rPr lang="de-CH" sz="1800" dirty="0" smtClean="0"/>
+              <a:t> zeigt alle vom Benutzer importierten Garbage Collection Logs.</a:t>
+            </a:r>
+          </a:p>
+          <a:p>
+            <a:pPr marL="342900" indent="-342900">
+              <a:buFont typeface="+mj-lt"/>
+              <a:buAutoNum type="arabicPeriod"/>
+            </a:pPr>
+            <a:r>
+              <a:rPr lang="de-CH" sz="1800" dirty="0" smtClean="0"/>
+              <a:t>Die Ansicht </a:t>
+            </a:r>
+            <a:r>
+              <a:rPr lang="de-CH" sz="1800" i="1" dirty="0" smtClean="0"/>
+              <a:t>Profile</a:t>
+            </a:r>
+            <a:r>
+              <a:rPr lang="de-CH" sz="1800" dirty="0" smtClean="0"/>
+              <a:t> zeigt die vom Benutzer erstellten Profile, diese können an die Bedürfnisse des Analysten angepasst werden.</a:t>
+            </a:r>
+          </a:p>
+          <a:p>
+            <a:pPr marL="342900" indent="-342900">
+              <a:buFont typeface="+mj-lt"/>
+              <a:buAutoNum type="arabicPeriod"/>
+            </a:pPr>
+            <a:r>
+              <a:rPr lang="de-CH" sz="1800" dirty="0" smtClean="0"/>
+              <a:t>Die Hilfe zeigt relevante </a:t>
+            </a:r>
+            <a:r>
+              <a:rPr lang="de-CH" sz="1800" dirty="0" err="1" smtClean="0"/>
+              <a:t>Theman</a:t>
+            </a:r>
+            <a:r>
+              <a:rPr lang="de-CH" sz="1800" dirty="0" smtClean="0"/>
+              <a:t> basierend auf einem </a:t>
+            </a:r>
+            <a:r>
+              <a:rPr lang="de-CH" sz="1800" dirty="0" err="1" smtClean="0"/>
+              <a:t>index</a:t>
+            </a:r>
+            <a:r>
+              <a:rPr lang="de-CH" sz="1800" dirty="0" smtClean="0"/>
+              <a:t>. Es gibt auch Hilfethemen die an eine bestimmte Aktion oder ein Fenster gebunden sind (kontextsensitiv).</a:t>
+            </a:r>
+          </a:p>
+          <a:p>
+            <a:pPr marL="342900" indent="-342900">
+              <a:buFont typeface="+mj-lt"/>
+              <a:buAutoNum type="arabicPeriod"/>
+            </a:pPr>
+            <a:r>
+              <a:rPr lang="de-CH" sz="1800" dirty="0" smtClean="0"/>
+              <a:t>Die geöffnete Standardauswertung zeigt drei verschiedene Tabs mit der Zusammenfassung der Logdatei, der </a:t>
+            </a:r>
+            <a:r>
+              <a:rPr lang="de-CH" sz="1800" dirty="0" err="1" smtClean="0"/>
+              <a:t>Heap</a:t>
+            </a:r>
+            <a:r>
+              <a:rPr lang="de-CH" sz="1800" dirty="0" smtClean="0"/>
+              <a:t> Analyse und des Diagramms Dauer Garbage Collection.</a:t>
+            </a:r>
+          </a:p>
+          <a:p>
+            <a:pPr marL="342900" indent="-342900">
+              <a:buFont typeface="+mj-lt"/>
+              <a:buAutoNum type="arabicPeriod"/>
+            </a:pPr>
+            <a:r>
+              <a:rPr lang="de-CH" sz="1800" dirty="0" smtClean="0"/>
+              <a:t>Für die Garbage Collection Analyse wurde eine eigene Perspektive definiert, damit der Benutzer andere Perspektiven nicht umstellen muss.</a:t>
+            </a:r>
+          </a:p>
+          <a:p>
+            <a:pPr marL="342900" indent="-342900">
+              <a:buFont typeface="+mj-lt"/>
+              <a:buAutoNum type="arabicPeriod"/>
+            </a:pPr>
+            <a:r>
+              <a:rPr lang="de-CH" sz="1800" dirty="0" smtClean="0"/>
+              <a:t>Hier kann der Benutzer das in diesem Fenster aktuell sichtbare Chart anpassen.</a:t>
+            </a:r>
+          </a:p>
+          <a:p>
+            <a:pPr marL="342900" indent="-342900">
+              <a:buFont typeface="+mj-lt"/>
+              <a:buAutoNum type="arabicPeriod"/>
+            </a:pPr>
+            <a:r>
+              <a:rPr lang="de-CH" sz="1800" dirty="0" smtClean="0"/>
+              <a:t>Ein benutzerdefiniertes Chart, kann durch den Benutzer angepasst werden und zeigt verschiedene Datenserien an.</a:t>
+            </a:r>
+            <a:endParaRPr lang="en-US" sz="1800" dirty="0"/>
+          </a:p>
+        </p:txBody>
+      </p:sp>
+      <p:sp>
+        <p:nvSpPr>
+          <p:cNvPr id="301" name="Rectangle 300"/>
+          <p:cNvSpPr/>
+          <p:nvPr/>
+        </p:nvSpPr>
+        <p:spPr>
+          <a:xfrm>
+            <a:off x="22844919" y="9875837"/>
+            <a:ext cx="9982200" cy="6096000"/>
+          </a:xfrm>
+          <a:prstGeom prst="rect">
+            <a:avLst/>
+          </a:prstGeom>
+          <a:solidFill>
+            <a:schemeClr val="accent1">
+              <a:alpha val="25000"/>
+            </a:schemeClr>
+          </a:solidFill>
+        </p:spPr>
+        <p:style>
+          <a:lnRef idx="2">
+            <a:schemeClr val="accent1">
+              <a:shade val="50000"/>
+            </a:schemeClr>
+          </a:lnRef>
+          <a:fillRef idx="1">
+            <a:schemeClr val="accent1"/>
+          </a:fillRef>
+          <a:effectRef idx="0">
+            <a:schemeClr val="accent1"/>
+          </a:effectRef>
+          <a:fontRef idx="minor">
+            <a:schemeClr val="lt1"/>
+          </a:fontRef>
+        </p:style>
+        <p:txBody>
+          <a:bodyPr rtlCol="0" anchor="t" anchorCtr="0"/>
+          <a:lstStyle/>
+          <a:p>
+            <a:endParaRPr lang="de-DE" sz="1800" dirty="0" smtClean="0"/>
+          </a:p>
+        </p:txBody>
+      </p:sp>
+      <p:pic>
+        <p:nvPicPr>
+          <p:cNvPr id="302" name="Picture 11"/>
+          <p:cNvPicPr>
+            <a:picLocks noChangeAspect="1" noChangeArrowheads="1"/>
+          </p:cNvPicPr>
+          <p:nvPr/>
+        </p:nvPicPr>
+        <p:blipFill>
+          <a:blip r:embed="rId5" cstate="print"/>
+          <a:srcRect/>
+          <a:stretch>
+            <a:fillRect/>
+          </a:stretch>
+        </p:blipFill>
+        <p:spPr bwMode="auto">
+          <a:xfrm>
+            <a:off x="27874119" y="10104437"/>
+            <a:ext cx="5048250" cy="4010025"/>
+          </a:xfrm>
+          <a:prstGeom prst="rect">
+            <a:avLst/>
+          </a:prstGeom>
+          <a:noFill/>
+          <a:ln w="9525">
+            <a:noFill/>
+            <a:miter lim="800000"/>
+            <a:headEnd/>
+            <a:tailEnd/>
+          </a:ln>
+          <a:effectLst/>
+        </p:spPr>
+      </p:pic>
+      <p:sp>
+        <p:nvSpPr>
+          <p:cNvPr id="307" name="Rectangle 306"/>
+          <p:cNvSpPr/>
+          <p:nvPr/>
+        </p:nvSpPr>
+        <p:spPr>
+          <a:xfrm>
+            <a:off x="32922369" y="8161337"/>
+            <a:ext cx="9353550" cy="1104900"/>
+          </a:xfrm>
+          <a:prstGeom prst="rect">
+            <a:avLst/>
+          </a:prstGeom>
+          <a:solidFill>
+            <a:schemeClr val="accent1">
+              <a:alpha val="25000"/>
+            </a:schemeClr>
+          </a:solidFill>
+        </p:spPr>
+        <p:style>
+          <a:lnRef idx="2">
+            <a:schemeClr val="accent1">
+              <a:shade val="50000"/>
+            </a:schemeClr>
+          </a:lnRef>
+          <a:fillRef idx="1">
+            <a:schemeClr val="accent1"/>
+          </a:fillRef>
+          <a:effectRef idx="0">
+            <a:schemeClr val="accent1"/>
+          </a:effectRef>
+          <a:fontRef idx="minor">
+            <a:schemeClr val="lt1"/>
+          </a:fontRef>
+        </p:style>
+        <p:txBody>
+          <a:bodyPr rtlCol="0" anchor="t" anchorCtr="0"/>
+          <a:lstStyle/>
+          <a:p>
+            <a:endParaRPr lang="de-DE" sz="1800" dirty="0" smtClean="0"/>
+          </a:p>
+        </p:txBody>
+      </p:sp>
+      <p:sp>
+        <p:nvSpPr>
+          <p:cNvPr id="305" name="Rectangle 304"/>
+          <p:cNvSpPr/>
+          <p:nvPr/>
+        </p:nvSpPr>
+        <p:spPr>
+          <a:xfrm>
+            <a:off x="22844919" y="8161337"/>
+            <a:ext cx="9982200" cy="1638300"/>
+          </a:xfrm>
+          <a:prstGeom prst="rect">
+            <a:avLst/>
+          </a:prstGeom>
+          <a:solidFill>
+            <a:schemeClr val="accent1">
+              <a:alpha val="25000"/>
+            </a:schemeClr>
+          </a:solidFill>
+        </p:spPr>
+        <p:style>
+          <a:lnRef idx="2">
+            <a:schemeClr val="accent1">
+              <a:shade val="50000"/>
+            </a:schemeClr>
+          </a:lnRef>
+          <a:fillRef idx="1">
+            <a:schemeClr val="accent1"/>
+          </a:fillRef>
+          <a:effectRef idx="0">
+            <a:schemeClr val="accent1"/>
+          </a:effectRef>
+          <a:fontRef idx="minor">
+            <a:schemeClr val="lt1"/>
+          </a:fontRef>
+        </p:style>
+        <p:txBody>
+          <a:bodyPr rtlCol="0" anchor="t" anchorCtr="0"/>
+          <a:lstStyle/>
+          <a:p>
+            <a:endParaRPr lang="de-DE" sz="1800" dirty="0" smtClean="0"/>
+          </a:p>
+        </p:txBody>
+      </p:sp>
+      <p:grpSp>
+        <p:nvGrpSpPr>
+          <p:cNvPr id="312" name="Group 311"/>
+          <p:cNvGrpSpPr/>
+          <p:nvPr/>
+        </p:nvGrpSpPr>
+        <p:grpSpPr>
+          <a:xfrm>
+            <a:off x="22921119" y="16892067"/>
+            <a:ext cx="11201400" cy="6699770"/>
+            <a:chOff x="22921119" y="16663467"/>
+            <a:chExt cx="11201400" cy="6699770"/>
+          </a:xfrm>
+        </p:grpSpPr>
+        <p:pic>
+          <p:nvPicPr>
+            <p:cNvPr id="10" name="Picture 10"/>
+            <p:cNvPicPr>
+              <a:picLocks noChangeAspect="1" noChangeArrowheads="1"/>
+            </p:cNvPicPr>
+            <p:nvPr/>
+          </p:nvPicPr>
+          <p:blipFill>
+            <a:blip r:embed="rId6" cstate="print"/>
+            <a:srcRect/>
+            <a:stretch>
+              <a:fillRect/>
+            </a:stretch>
+          </p:blipFill>
+          <p:spPr bwMode="auto">
+            <a:xfrm>
+              <a:off x="22931097" y="16663467"/>
+              <a:ext cx="11191422" cy="6699770"/>
+            </a:xfrm>
+            <a:prstGeom prst="rect">
+              <a:avLst/>
+            </a:prstGeom>
+            <a:noFill/>
+            <a:ln w="9525">
+              <a:noFill/>
+              <a:miter lim="800000"/>
+              <a:headEnd/>
+              <a:tailEnd/>
+            </a:ln>
+          </p:spPr>
+        </p:pic>
+        <p:sp>
+          <p:nvSpPr>
+            <p:cNvPr id="276" name="Rectangle 275"/>
+            <p:cNvSpPr/>
+            <p:nvPr/>
+          </p:nvSpPr>
+          <p:spPr>
+            <a:xfrm>
+              <a:off x="22921119" y="16962437"/>
+              <a:ext cx="1447800" cy="1524000"/>
+            </a:xfrm>
+            <a:prstGeom prst="rect">
+              <a:avLst/>
+            </a:prstGeom>
+            <a:noFill/>
+            <a:ln>
+              <a:solidFill>
+                <a:srgbClr val="FF0000"/>
+              </a:solidFill>
+            </a:ln>
+          </p:spPr>
+          <p:style>
+            <a:lnRef idx="2">
+              <a:schemeClr val="accent1">
+                <a:shade val="50000"/>
+              </a:schemeClr>
+            </a:lnRef>
+            <a:fillRef idx="1">
+              <a:schemeClr val="accent1"/>
+            </a:fillRef>
+            <a:effectRef idx="0">
+              <a:schemeClr val="accent1"/>
+            </a:effectRef>
+            <a:fontRef idx="minor">
+              <a:schemeClr val="lt1"/>
+            </a:fontRef>
+          </p:style>
+          <p:txBody>
+            <a:bodyPr rtlCol="0" anchor="ctr"/>
+            <a:lstStyle/>
+            <a:p>
+              <a:pPr algn="ctr"/>
+              <a:endParaRPr lang="en-US"/>
+            </a:p>
+          </p:txBody>
+        </p:sp>
+        <p:sp>
+          <p:nvSpPr>
+            <p:cNvPr id="285" name="Rectangle 284"/>
+            <p:cNvSpPr/>
+            <p:nvPr/>
+          </p:nvSpPr>
+          <p:spPr>
+            <a:xfrm>
+              <a:off x="22931097" y="19858037"/>
+              <a:ext cx="1437822" cy="3276600"/>
+            </a:xfrm>
+            <a:prstGeom prst="rect">
+              <a:avLst/>
+            </a:prstGeom>
+            <a:noFill/>
+            <a:ln>
+              <a:solidFill>
+                <a:srgbClr val="FF0000"/>
+              </a:solidFill>
+            </a:ln>
+          </p:spPr>
+          <p:style>
+            <a:lnRef idx="2">
+              <a:schemeClr val="accent1">
+                <a:shade val="50000"/>
+              </a:schemeClr>
+            </a:lnRef>
+            <a:fillRef idx="1">
+              <a:schemeClr val="accent1"/>
+            </a:fillRef>
+            <a:effectRef idx="0">
+              <a:schemeClr val="accent1"/>
+            </a:effectRef>
+            <a:fontRef idx="minor">
+              <a:schemeClr val="lt1"/>
+            </a:fontRef>
+          </p:style>
+          <p:txBody>
+            <a:bodyPr rtlCol="0" anchor="ctr"/>
+            <a:lstStyle/>
+            <a:p>
+              <a:pPr algn="ctr"/>
+              <a:endParaRPr lang="en-US"/>
+            </a:p>
+          </p:txBody>
+        </p:sp>
+        <p:sp>
+          <p:nvSpPr>
+            <p:cNvPr id="286" name="Rectangle 285"/>
+            <p:cNvSpPr/>
+            <p:nvPr/>
+          </p:nvSpPr>
+          <p:spPr>
+            <a:xfrm>
+              <a:off x="33131919" y="16771937"/>
+              <a:ext cx="838200" cy="457200"/>
+            </a:xfrm>
+            <a:prstGeom prst="rect">
+              <a:avLst/>
+            </a:prstGeom>
+            <a:noFill/>
+            <a:ln>
+              <a:solidFill>
+                <a:srgbClr val="FF0000"/>
+              </a:solidFill>
+            </a:ln>
+          </p:spPr>
+          <p:style>
+            <a:lnRef idx="2">
+              <a:schemeClr val="accent1">
+                <a:shade val="50000"/>
+              </a:schemeClr>
+            </a:lnRef>
+            <a:fillRef idx="1">
+              <a:schemeClr val="accent1"/>
+            </a:fillRef>
+            <a:effectRef idx="0">
+              <a:schemeClr val="accent1"/>
+            </a:effectRef>
+            <a:fontRef idx="minor">
+              <a:schemeClr val="lt1"/>
+            </a:fontRef>
+          </p:style>
+          <p:txBody>
+            <a:bodyPr rtlCol="0" anchor="ctr"/>
+            <a:lstStyle/>
+            <a:p>
+              <a:pPr algn="ctr"/>
+              <a:endParaRPr lang="en-US"/>
+            </a:p>
+          </p:txBody>
+        </p:sp>
+        <p:sp>
+          <p:nvSpPr>
+            <p:cNvPr id="289" name="Rectangle 288"/>
+            <p:cNvSpPr/>
+            <p:nvPr/>
+          </p:nvSpPr>
+          <p:spPr>
+            <a:xfrm>
+              <a:off x="29865297" y="19096037"/>
+              <a:ext cx="4028622" cy="3886200"/>
+            </a:xfrm>
+            <a:prstGeom prst="rect">
+              <a:avLst/>
+            </a:prstGeom>
+            <a:noFill/>
+            <a:ln>
+              <a:solidFill>
+                <a:srgbClr val="FF0000"/>
+              </a:solidFill>
+            </a:ln>
+          </p:spPr>
+          <p:style>
+            <a:lnRef idx="2">
+              <a:schemeClr val="accent1">
+                <a:shade val="50000"/>
+              </a:schemeClr>
+            </a:lnRef>
+            <a:fillRef idx="1">
+              <a:schemeClr val="accent1"/>
+            </a:fillRef>
+            <a:effectRef idx="0">
+              <a:schemeClr val="accent1"/>
+            </a:effectRef>
+            <a:fontRef idx="minor">
+              <a:schemeClr val="lt1"/>
+            </a:fontRef>
+          </p:style>
+          <p:txBody>
+            <a:bodyPr rtlCol="0" anchor="ctr"/>
+            <a:lstStyle/>
+            <a:p>
+              <a:pPr algn="ctr"/>
+              <a:endParaRPr lang="en-US"/>
+            </a:p>
+          </p:txBody>
+        </p:sp>
+        <p:sp>
+          <p:nvSpPr>
+            <p:cNvPr id="290" name="Rectangle 289"/>
+            <p:cNvSpPr/>
+            <p:nvPr/>
+          </p:nvSpPr>
+          <p:spPr>
+            <a:xfrm>
+              <a:off x="24445119" y="22829837"/>
+              <a:ext cx="2362200" cy="457200"/>
+            </a:xfrm>
+            <a:prstGeom prst="rect">
+              <a:avLst/>
+            </a:prstGeom>
+            <a:noFill/>
+            <a:ln>
+              <a:solidFill>
+                <a:srgbClr val="FF0000"/>
+              </a:solidFill>
+            </a:ln>
+          </p:spPr>
+          <p:style>
+            <a:lnRef idx="2">
+              <a:schemeClr val="accent1">
+                <a:shade val="50000"/>
+              </a:schemeClr>
+            </a:lnRef>
+            <a:fillRef idx="1">
+              <a:schemeClr val="accent1"/>
+            </a:fillRef>
+            <a:effectRef idx="0">
+              <a:schemeClr val="accent1"/>
+            </a:effectRef>
+            <a:fontRef idx="minor">
+              <a:schemeClr val="lt1"/>
+            </a:fontRef>
+          </p:style>
+          <p:txBody>
+            <a:bodyPr rtlCol="0" anchor="ctr"/>
+            <a:lstStyle/>
+            <a:p>
+              <a:pPr algn="ctr"/>
+              <a:endParaRPr lang="en-US"/>
+            </a:p>
+          </p:txBody>
+        </p:sp>
+        <p:sp>
+          <p:nvSpPr>
+            <p:cNvPr id="280" name="Rectangle 279"/>
+            <p:cNvSpPr/>
+            <p:nvPr/>
+          </p:nvSpPr>
+          <p:spPr>
+            <a:xfrm>
+              <a:off x="22921119" y="18562637"/>
+              <a:ext cx="1447800" cy="1219200"/>
+            </a:xfrm>
+            <a:prstGeom prst="rect">
+              <a:avLst/>
+            </a:prstGeom>
+            <a:noFill/>
+            <a:ln>
+              <a:solidFill>
+                <a:srgbClr val="FF0000"/>
+              </a:solidFill>
+            </a:ln>
+          </p:spPr>
+          <p:style>
+            <a:lnRef idx="2">
+              <a:schemeClr val="accent1">
+                <a:shade val="50000"/>
+              </a:schemeClr>
+            </a:lnRef>
+            <a:fillRef idx="1">
+              <a:schemeClr val="accent1"/>
+            </a:fillRef>
+            <a:effectRef idx="0">
+              <a:schemeClr val="accent1"/>
+            </a:effectRef>
+            <a:fontRef idx="minor">
+              <a:schemeClr val="lt1"/>
+            </a:fontRef>
+          </p:style>
+          <p:txBody>
+            <a:bodyPr rtlCol="0" anchor="ctr"/>
+            <a:lstStyle/>
+            <a:p>
+              <a:pPr algn="ctr"/>
+              <a:endParaRPr lang="en-US"/>
+            </a:p>
+          </p:txBody>
+        </p:sp>
+        <p:sp>
+          <p:nvSpPr>
+            <p:cNvPr id="292" name="TextBox 291"/>
+            <p:cNvSpPr txBox="1"/>
+            <p:nvPr/>
+          </p:nvSpPr>
+          <p:spPr>
+            <a:xfrm>
+              <a:off x="23987919" y="16962437"/>
+              <a:ext cx="381000" cy="461665"/>
+            </a:xfrm>
+            <a:prstGeom prst="rect">
+              <a:avLst/>
+            </a:prstGeom>
+            <a:noFill/>
+            <a:ln w="25400">
+              <a:solidFill>
+                <a:srgbClr val="FF0000"/>
+              </a:solidFill>
+            </a:ln>
+          </p:spPr>
+          <p:txBody>
+            <a:bodyPr wrap="square" rtlCol="0">
+              <a:spAutoFit/>
+            </a:bodyPr>
+            <a:lstStyle/>
+            <a:p>
+              <a:pPr algn="ctr"/>
+              <a:r>
+                <a:rPr lang="de-CH" sz="2400" dirty="0" smtClean="0">
+                  <a:solidFill>
+                    <a:srgbClr val="FF0000"/>
+                  </a:solidFill>
+                </a:rPr>
+                <a:t>1</a:t>
+              </a:r>
+              <a:endParaRPr lang="en-US" sz="2400" dirty="0">
+                <a:solidFill>
+                  <a:srgbClr val="FF0000"/>
+                </a:solidFill>
+              </a:endParaRPr>
+            </a:p>
+          </p:txBody>
+        </p:sp>
+        <p:sp>
+          <p:nvSpPr>
+            <p:cNvPr id="293" name="TextBox 292"/>
+            <p:cNvSpPr txBox="1"/>
+            <p:nvPr/>
+          </p:nvSpPr>
+          <p:spPr>
+            <a:xfrm>
+              <a:off x="23987919" y="18562637"/>
+              <a:ext cx="381000" cy="461665"/>
+            </a:xfrm>
+            <a:prstGeom prst="rect">
+              <a:avLst/>
+            </a:prstGeom>
+            <a:noFill/>
+            <a:ln w="25400">
+              <a:solidFill>
+                <a:srgbClr val="FF0000"/>
+              </a:solidFill>
+            </a:ln>
+          </p:spPr>
+          <p:txBody>
+            <a:bodyPr wrap="square" rtlCol="0">
+              <a:spAutoFit/>
+            </a:bodyPr>
+            <a:lstStyle/>
+            <a:p>
+              <a:pPr algn="ctr"/>
+              <a:r>
+                <a:rPr lang="de-CH" sz="2400" dirty="0" smtClean="0">
+                  <a:solidFill>
+                    <a:srgbClr val="FF0000"/>
+                  </a:solidFill>
+                </a:rPr>
+                <a:t>2</a:t>
+              </a:r>
+              <a:endParaRPr lang="en-US" sz="2400" dirty="0">
+                <a:solidFill>
+                  <a:srgbClr val="FF0000"/>
+                </a:solidFill>
+              </a:endParaRPr>
+            </a:p>
+          </p:txBody>
+        </p:sp>
+        <p:sp>
+          <p:nvSpPr>
+            <p:cNvPr id="294" name="TextBox 293"/>
+            <p:cNvSpPr txBox="1"/>
+            <p:nvPr/>
+          </p:nvSpPr>
+          <p:spPr>
+            <a:xfrm>
+              <a:off x="23987919" y="19858037"/>
+              <a:ext cx="381000" cy="461665"/>
+            </a:xfrm>
+            <a:prstGeom prst="rect">
+              <a:avLst/>
+            </a:prstGeom>
+            <a:noFill/>
+            <a:ln w="25400">
+              <a:solidFill>
+                <a:srgbClr val="FF0000"/>
+              </a:solidFill>
+            </a:ln>
+          </p:spPr>
+          <p:txBody>
+            <a:bodyPr wrap="square" rtlCol="0">
+              <a:spAutoFit/>
+            </a:bodyPr>
+            <a:lstStyle/>
+            <a:p>
+              <a:pPr algn="ctr"/>
+              <a:r>
+                <a:rPr lang="de-CH" sz="2400" dirty="0" smtClean="0">
+                  <a:solidFill>
+                    <a:srgbClr val="FF0000"/>
+                  </a:solidFill>
+                </a:rPr>
+                <a:t>3</a:t>
+              </a:r>
+              <a:endParaRPr lang="en-US" sz="2400" dirty="0">
+                <a:solidFill>
+                  <a:srgbClr val="FF0000"/>
+                </a:solidFill>
+              </a:endParaRPr>
+            </a:p>
+          </p:txBody>
+        </p:sp>
+        <p:sp>
+          <p:nvSpPr>
+            <p:cNvPr id="295" name="TextBox 294"/>
+            <p:cNvSpPr txBox="1"/>
+            <p:nvPr/>
+          </p:nvSpPr>
+          <p:spPr>
+            <a:xfrm>
+              <a:off x="26426319" y="22829837"/>
+              <a:ext cx="381000" cy="461665"/>
+            </a:xfrm>
+            <a:prstGeom prst="rect">
+              <a:avLst/>
+            </a:prstGeom>
+            <a:noFill/>
+            <a:ln w="25400">
+              <a:solidFill>
+                <a:srgbClr val="FF0000"/>
+              </a:solidFill>
+            </a:ln>
+          </p:spPr>
+          <p:txBody>
+            <a:bodyPr wrap="square" rtlCol="0">
+              <a:spAutoFit/>
+            </a:bodyPr>
+            <a:lstStyle/>
+            <a:p>
+              <a:pPr algn="ctr"/>
+              <a:r>
+                <a:rPr lang="de-CH" sz="2400" dirty="0" smtClean="0">
+                  <a:solidFill>
+                    <a:srgbClr val="FF0000"/>
+                  </a:solidFill>
+                </a:rPr>
+                <a:t>4</a:t>
+              </a:r>
+              <a:endParaRPr lang="en-US" sz="2400" dirty="0">
+                <a:solidFill>
+                  <a:srgbClr val="FF0000"/>
+                </a:solidFill>
+              </a:endParaRPr>
+            </a:p>
+          </p:txBody>
+        </p:sp>
+        <p:sp>
+          <p:nvSpPr>
+            <p:cNvPr id="296" name="TextBox 295"/>
+            <p:cNvSpPr txBox="1"/>
+            <p:nvPr/>
+          </p:nvSpPr>
+          <p:spPr>
+            <a:xfrm>
+              <a:off x="33589119" y="16771937"/>
+              <a:ext cx="381000" cy="461665"/>
+            </a:xfrm>
+            <a:prstGeom prst="rect">
+              <a:avLst/>
+            </a:prstGeom>
+            <a:noFill/>
+            <a:ln w="25400">
+              <a:solidFill>
+                <a:srgbClr val="FF0000"/>
+              </a:solidFill>
+            </a:ln>
+          </p:spPr>
+          <p:txBody>
+            <a:bodyPr wrap="square" rtlCol="0">
+              <a:spAutoFit/>
+            </a:bodyPr>
+            <a:lstStyle/>
+            <a:p>
+              <a:pPr algn="ctr"/>
+              <a:r>
+                <a:rPr lang="de-CH" sz="2400" dirty="0" smtClean="0">
+                  <a:solidFill>
+                    <a:srgbClr val="FF0000"/>
+                  </a:solidFill>
+                </a:rPr>
+                <a:t>5</a:t>
+              </a:r>
+              <a:endParaRPr lang="en-US" sz="2400" dirty="0">
+                <a:solidFill>
+                  <a:srgbClr val="FF0000"/>
+                </a:solidFill>
+              </a:endParaRPr>
+            </a:p>
+          </p:txBody>
+        </p:sp>
+        <p:sp>
+          <p:nvSpPr>
+            <p:cNvPr id="297" name="TextBox 296"/>
+            <p:cNvSpPr txBox="1"/>
+            <p:nvPr/>
+          </p:nvSpPr>
+          <p:spPr>
+            <a:xfrm>
+              <a:off x="33208119" y="17343437"/>
+              <a:ext cx="381000" cy="461665"/>
+            </a:xfrm>
+            <a:prstGeom prst="rect">
+              <a:avLst/>
+            </a:prstGeom>
+            <a:noFill/>
+            <a:ln w="25400">
+              <a:solidFill>
+                <a:srgbClr val="FF0000"/>
+              </a:solidFill>
+            </a:ln>
+          </p:spPr>
+          <p:txBody>
+            <a:bodyPr wrap="square" rtlCol="0">
+              <a:spAutoFit/>
+            </a:bodyPr>
+            <a:lstStyle/>
+            <a:p>
+              <a:pPr algn="ctr"/>
+              <a:r>
+                <a:rPr lang="de-CH" sz="2400" dirty="0" smtClean="0">
+                  <a:solidFill>
+                    <a:srgbClr val="FF0000"/>
+                  </a:solidFill>
+                </a:rPr>
+                <a:t>6</a:t>
+              </a:r>
+              <a:endParaRPr lang="en-US" sz="2400" dirty="0">
+                <a:solidFill>
+                  <a:srgbClr val="FF0000"/>
+                </a:solidFill>
+              </a:endParaRPr>
+            </a:p>
+          </p:txBody>
+        </p:sp>
+        <p:sp>
+          <p:nvSpPr>
+            <p:cNvPr id="298" name="TextBox 297"/>
+            <p:cNvSpPr txBox="1"/>
+            <p:nvPr/>
+          </p:nvSpPr>
+          <p:spPr>
+            <a:xfrm>
+              <a:off x="33512919" y="19096037"/>
+              <a:ext cx="381000" cy="461665"/>
+            </a:xfrm>
+            <a:prstGeom prst="rect">
+              <a:avLst/>
+            </a:prstGeom>
+            <a:noFill/>
+            <a:ln w="25400">
+              <a:solidFill>
+                <a:srgbClr val="FF0000"/>
+              </a:solidFill>
+            </a:ln>
+          </p:spPr>
+          <p:txBody>
+            <a:bodyPr wrap="square" rtlCol="0">
+              <a:spAutoFit/>
+            </a:bodyPr>
+            <a:lstStyle/>
+            <a:p>
+              <a:pPr algn="ctr"/>
+              <a:r>
+                <a:rPr lang="de-CH" sz="2400" dirty="0" smtClean="0">
+                  <a:solidFill>
+                    <a:srgbClr val="FF0000"/>
+                  </a:solidFill>
+                </a:rPr>
+                <a:t>7</a:t>
+              </a:r>
+              <a:endParaRPr lang="en-US" sz="2400" dirty="0">
+                <a:solidFill>
+                  <a:srgbClr val="FF0000"/>
+                </a:solidFill>
+              </a:endParaRPr>
+            </a:p>
+          </p:txBody>
+        </p:sp>
+        <p:sp>
+          <p:nvSpPr>
+            <p:cNvPr id="311" name="Rectangle 310"/>
+            <p:cNvSpPr/>
+            <p:nvPr/>
+          </p:nvSpPr>
+          <p:spPr>
+            <a:xfrm>
+              <a:off x="29321919" y="17343437"/>
+              <a:ext cx="4267200" cy="1600200"/>
+            </a:xfrm>
+            <a:prstGeom prst="rect">
+              <a:avLst/>
+            </a:prstGeom>
+            <a:noFill/>
+            <a:ln>
+              <a:solidFill>
+                <a:srgbClr val="FF0000"/>
+              </a:solidFill>
+            </a:ln>
+          </p:spPr>
+          <p:style>
+            <a:lnRef idx="2">
+              <a:schemeClr val="accent1">
+                <a:shade val="50000"/>
+              </a:schemeClr>
+            </a:lnRef>
+            <a:fillRef idx="1">
+              <a:schemeClr val="accent1"/>
+            </a:fillRef>
+            <a:effectRef idx="0">
+              <a:schemeClr val="accent1"/>
+            </a:effectRef>
+            <a:fontRef idx="minor">
+              <a:schemeClr val="lt1"/>
+            </a:fontRef>
+          </p:style>
+          <p:txBody>
+            <a:bodyPr rtlCol="0" anchor="ctr"/>
+            <a:lstStyle/>
+            <a:p>
+              <a:pPr algn="ctr"/>
+              <a:endParaRPr lang="en-US"/>
+            </a:p>
+          </p:txBody>
+        </p:sp>
+      </p:grpSp>
+      <p:sp>
+        <p:nvSpPr>
+          <p:cNvPr id="316" name="Rectangle 315"/>
+          <p:cNvSpPr/>
+          <p:nvPr/>
+        </p:nvSpPr>
+        <p:spPr>
+          <a:xfrm>
+            <a:off x="32922369" y="9323387"/>
+            <a:ext cx="9368631" cy="6648450"/>
+          </a:xfrm>
+          <a:prstGeom prst="rect">
+            <a:avLst/>
+          </a:prstGeom>
+          <a:solidFill>
+            <a:schemeClr val="accent1">
+              <a:alpha val="25000"/>
+            </a:schemeClr>
+          </a:solidFill>
+        </p:spPr>
+        <p:style>
+          <a:lnRef idx="2">
+            <a:schemeClr val="accent1">
+              <a:shade val="50000"/>
+            </a:schemeClr>
+          </a:lnRef>
+          <a:fillRef idx="1">
+            <a:schemeClr val="accent1"/>
+          </a:fillRef>
+          <a:effectRef idx="0">
+            <a:schemeClr val="accent1"/>
+          </a:effectRef>
+          <a:fontRef idx="minor">
+            <a:schemeClr val="lt1"/>
+          </a:fontRef>
+        </p:style>
+        <p:txBody>
+          <a:bodyPr rtlCol="0" anchor="t" anchorCtr="0"/>
+          <a:lstStyle/>
+          <a:p>
+            <a:endParaRPr lang="de-DE" sz="1800" dirty="0" smtClean="0"/>
+          </a:p>
+        </p:txBody>
+      </p:sp>
+      <p:sp>
+        <p:nvSpPr>
+          <p:cNvPr id="309" name="TextBox 308"/>
+          <p:cNvSpPr txBox="1"/>
+          <p:nvPr/>
+        </p:nvSpPr>
+        <p:spPr>
+          <a:xfrm>
+            <a:off x="32979519" y="8161337"/>
+            <a:ext cx="9429750" cy="1292662"/>
+          </a:xfrm>
+          <a:prstGeom prst="rect">
+            <a:avLst/>
+          </a:prstGeom>
+          <a:noFill/>
+        </p:spPr>
+        <p:txBody>
+          <a:bodyPr wrap="square" rtlCol="0">
+            <a:spAutoFit/>
+          </a:bodyPr>
+          <a:lstStyle/>
+          <a:p>
+            <a:r>
+              <a:rPr lang="de-DE" sz="2400" b="1" dirty="0" smtClean="0"/>
+              <a:t>Parser</a:t>
+            </a:r>
+          </a:p>
+          <a:p>
+            <a:r>
+              <a:rPr lang="en-US" sz="1800" dirty="0" smtClean="0"/>
+              <a:t>Das </a:t>
+            </a:r>
+            <a:r>
+              <a:rPr lang="en-US" sz="1800" dirty="0" err="1" smtClean="0"/>
+              <a:t>Parsen</a:t>
+            </a:r>
+            <a:r>
+              <a:rPr lang="en-US" sz="1800" dirty="0" smtClean="0"/>
+              <a:t> </a:t>
+            </a:r>
+            <a:r>
+              <a:rPr lang="en-US" sz="1800" dirty="0" err="1" smtClean="0"/>
+              <a:t>passiert</a:t>
+            </a:r>
+            <a:r>
+              <a:rPr lang="en-US" sz="1800" dirty="0" smtClean="0"/>
+              <a:t> </a:t>
+            </a:r>
+            <a:r>
+              <a:rPr lang="en-US" sz="1800" dirty="0" err="1" smtClean="0"/>
+              <a:t>inzwei</a:t>
+            </a:r>
+            <a:r>
+              <a:rPr lang="en-US" sz="1800" dirty="0" smtClean="0"/>
+              <a:t> </a:t>
+            </a:r>
+            <a:r>
+              <a:rPr lang="en-US" sz="1800" dirty="0" err="1" smtClean="0"/>
+              <a:t>Schritten</a:t>
+            </a:r>
+            <a:r>
+              <a:rPr lang="en-US" sz="1800" dirty="0" smtClean="0"/>
+              <a:t>: </a:t>
+            </a:r>
+            <a:r>
+              <a:rPr lang="en-US" sz="1800" dirty="0" err="1" smtClean="0"/>
+              <a:t>als</a:t>
+            </a:r>
+            <a:r>
+              <a:rPr lang="en-US" sz="1800" dirty="0" smtClean="0"/>
+              <a:t> </a:t>
+            </a:r>
+            <a:r>
+              <a:rPr lang="en-US" sz="1800" dirty="0" err="1" smtClean="0"/>
+              <a:t>erstes</a:t>
+            </a:r>
+            <a:r>
+              <a:rPr lang="en-US" sz="1800" dirty="0" smtClean="0"/>
+              <a:t> </a:t>
+            </a:r>
+            <a:r>
+              <a:rPr lang="en-US" sz="1800" dirty="0" err="1" smtClean="0"/>
+              <a:t>wandelt</a:t>
+            </a:r>
+            <a:r>
+              <a:rPr lang="en-US" sz="1800" dirty="0" smtClean="0"/>
+              <a:t> </a:t>
+            </a:r>
+            <a:r>
+              <a:rPr lang="en-US" sz="1800" dirty="0" err="1" smtClean="0"/>
+              <a:t>der</a:t>
+            </a:r>
+            <a:r>
+              <a:rPr lang="en-US" sz="1800" dirty="0" smtClean="0"/>
+              <a:t> </a:t>
+            </a:r>
+            <a:r>
+              <a:rPr lang="en-US" sz="1800" dirty="0" err="1" smtClean="0"/>
+              <a:t>Lexer</a:t>
+            </a:r>
+            <a:r>
+              <a:rPr lang="en-US" sz="1800" dirty="0" smtClean="0"/>
+              <a:t> die </a:t>
+            </a:r>
+            <a:r>
+              <a:rPr lang="en-US" sz="1800" dirty="0" err="1" smtClean="0"/>
+              <a:t>Rohdaten</a:t>
+            </a:r>
+            <a:r>
+              <a:rPr lang="en-US" sz="1800" dirty="0" smtClean="0"/>
+              <a:t> in </a:t>
+            </a:r>
+            <a:r>
+              <a:rPr lang="en-US" sz="1800" dirty="0" err="1" smtClean="0"/>
+              <a:t>einzelne</a:t>
+            </a:r>
+            <a:r>
+              <a:rPr lang="en-US" sz="1800" dirty="0" smtClean="0"/>
+              <a:t> Tokens um, </a:t>
+            </a:r>
+            <a:r>
+              <a:rPr lang="en-US" sz="1800" dirty="0" err="1" smtClean="0"/>
+              <a:t>anschliessend</a:t>
+            </a:r>
+            <a:r>
+              <a:rPr lang="en-US" sz="1800" dirty="0" smtClean="0"/>
+              <a:t> </a:t>
+            </a:r>
+            <a:r>
+              <a:rPr lang="en-US" sz="1800" dirty="0" err="1" smtClean="0"/>
+              <a:t>speichert</a:t>
+            </a:r>
+            <a:r>
+              <a:rPr lang="en-US" sz="1800" dirty="0" smtClean="0"/>
+              <a:t> </a:t>
+            </a:r>
+            <a:r>
+              <a:rPr lang="en-US" sz="1800" dirty="0" err="1" smtClean="0"/>
+              <a:t>der</a:t>
+            </a:r>
+            <a:r>
+              <a:rPr lang="en-US" sz="1800" dirty="0" smtClean="0"/>
+              <a:t> Syntactic Analyzer die </a:t>
+            </a:r>
+            <a:r>
+              <a:rPr lang="en-US" sz="1800" dirty="0" err="1" smtClean="0"/>
+              <a:t>werte</a:t>
+            </a:r>
+            <a:r>
+              <a:rPr lang="en-US" sz="1800" dirty="0" smtClean="0"/>
+              <a:t> </a:t>
+            </a:r>
+            <a:r>
+              <a:rPr lang="en-US" sz="1800" dirty="0" err="1" smtClean="0"/>
+              <a:t>im</a:t>
+            </a:r>
+            <a:r>
+              <a:rPr lang="en-US" sz="1800" dirty="0" smtClean="0"/>
+              <a:t> </a:t>
+            </a:r>
+            <a:r>
+              <a:rPr lang="en-US" sz="1800" dirty="0" err="1" smtClean="0"/>
+              <a:t>Domänenmodell</a:t>
+            </a:r>
+            <a:r>
+              <a:rPr lang="en-US" sz="1800" dirty="0" smtClean="0"/>
+              <a:t>.</a:t>
+            </a:r>
+            <a:endParaRPr lang="de-DE" sz="1800" b="1" dirty="0" smtClean="0"/>
+          </a:p>
+          <a:p>
+            <a:endParaRPr lang="de-DE" sz="1800" dirty="0" smtClean="0"/>
+          </a:p>
+        </p:txBody>
+      </p:sp>
+      <p:sp>
+        <p:nvSpPr>
+          <p:cNvPr id="308" name="TextBox 307"/>
+          <p:cNvSpPr txBox="1"/>
+          <p:nvPr/>
+        </p:nvSpPr>
+        <p:spPr>
+          <a:xfrm>
+            <a:off x="22844919" y="8161336"/>
+            <a:ext cx="9982200" cy="1569660"/>
+          </a:xfrm>
+          <a:prstGeom prst="rect">
+            <a:avLst/>
+          </a:prstGeom>
+          <a:noFill/>
+        </p:spPr>
+        <p:txBody>
+          <a:bodyPr wrap="square" rtlCol="0">
+            <a:spAutoFit/>
+          </a:bodyPr>
+          <a:lstStyle/>
+          <a:p>
+            <a:r>
+              <a:rPr lang="de-DE" sz="2400" b="1" dirty="0" smtClean="0"/>
+              <a:t>Verwendete Frameworks</a:t>
+            </a:r>
+          </a:p>
+          <a:p>
+            <a:r>
+              <a:rPr lang="de-DE" sz="1800" dirty="0" smtClean="0"/>
+              <a:t>Auf der Basis der Anforderungen wurde eine Evaluation bestimmter Komponenten gemacht. Aufgrund dieser ergab sich, welche Bibliotheken für die Realisierung verwendet werden: als Rich Client Framework wird </a:t>
+            </a:r>
+            <a:r>
+              <a:rPr lang="de-DE" sz="1800" dirty="0" err="1" smtClean="0"/>
+              <a:t>Eclipse</a:t>
+            </a:r>
+            <a:r>
+              <a:rPr lang="de-DE" sz="1800" dirty="0" smtClean="0"/>
+              <a:t> 3.x verwendet, zur Generierung der Charts hat sich die Verwendung von </a:t>
+            </a:r>
+            <a:r>
+              <a:rPr lang="de-DE" sz="1800" dirty="0" err="1" smtClean="0"/>
+              <a:t>JFreeChart</a:t>
+            </a:r>
+            <a:r>
+              <a:rPr lang="de-DE" sz="1800" dirty="0" smtClean="0"/>
+              <a:t> als leichtgewichtig und mächtig erwiesen.</a:t>
+            </a:r>
+          </a:p>
+        </p:txBody>
+      </p:sp>
+      <p:sp>
+        <p:nvSpPr>
+          <p:cNvPr id="303" name="TextBox 302"/>
+          <p:cNvSpPr txBox="1"/>
+          <p:nvPr/>
+        </p:nvSpPr>
+        <p:spPr>
+          <a:xfrm>
+            <a:off x="22921119" y="9894888"/>
+            <a:ext cx="5257800" cy="6019800"/>
+          </a:xfrm>
+          <a:prstGeom prst="rect">
+            <a:avLst/>
+          </a:prstGeom>
+          <a:noFill/>
+        </p:spPr>
+        <p:txBody>
+          <a:bodyPr wrap="square" rtlCol="0">
+            <a:spAutoFit/>
+          </a:bodyPr>
+          <a:lstStyle/>
+          <a:p>
+            <a:r>
+              <a:rPr lang="de-DE" sz="2400" b="1" dirty="0" smtClean="0"/>
+              <a:t>Architektur</a:t>
+            </a:r>
+          </a:p>
+          <a:p>
+            <a:r>
+              <a:rPr lang="de-DE" sz="1800" dirty="0" smtClean="0"/>
+              <a:t>Aufgrund einer Anforderung ist die Applikation so zu konzipieren, dass auch weitere Logformate hinzugefügt werden können. Die Applikation wird deshalb </a:t>
+            </a:r>
+            <a:r>
+              <a:rPr lang="de-DE" sz="1800" dirty="0" err="1" smtClean="0"/>
+              <a:t>initial</a:t>
+            </a:r>
+            <a:r>
+              <a:rPr lang="de-DE" sz="1800" dirty="0" smtClean="0"/>
+              <a:t> (später können andere Erweiterungen hinzu kommen) in die Teile  </a:t>
+            </a:r>
+            <a:r>
+              <a:rPr lang="de-DE" sz="1800" i="1" dirty="0" smtClean="0"/>
+              <a:t>Basissoftware</a:t>
+            </a:r>
+            <a:r>
+              <a:rPr lang="de-DE" sz="1800" dirty="0" smtClean="0"/>
+              <a:t>  und </a:t>
+            </a:r>
+            <a:r>
+              <a:rPr lang="de-DE" sz="1800" i="1" dirty="0" smtClean="0"/>
+              <a:t>Erweiterung </a:t>
+            </a:r>
+            <a:r>
+              <a:rPr lang="de-DE" sz="1800" i="1" dirty="0" err="1" smtClean="0"/>
+              <a:t>JRockit</a:t>
+            </a:r>
+            <a:r>
+              <a:rPr lang="de-DE" sz="1800" i="1" dirty="0" smtClean="0"/>
+              <a:t> </a:t>
+            </a:r>
+            <a:r>
+              <a:rPr lang="de-DE" sz="1800" dirty="0" smtClean="0"/>
+              <a:t>aufgeteilt. Die Kommunikation dazwischen findet über den </a:t>
+            </a:r>
+            <a:r>
+              <a:rPr lang="de-DE" sz="1800" dirty="0" err="1" smtClean="0"/>
+              <a:t>Eclipse</a:t>
+            </a:r>
+            <a:r>
+              <a:rPr lang="de-DE" sz="1800" dirty="0" smtClean="0"/>
+              <a:t> Extension-Point-Mechanismus statt. </a:t>
+            </a:r>
+            <a:r>
+              <a:rPr lang="de-DE" sz="1800" dirty="0" smtClean="0"/>
+              <a:t> Die </a:t>
+            </a:r>
+            <a:r>
+              <a:rPr lang="de-DE" sz="1800" dirty="0" smtClean="0"/>
+              <a:t>Verantwortlichkeiten sind </a:t>
+            </a:r>
+            <a:r>
+              <a:rPr lang="de-DE" sz="1800" dirty="0" err="1" smtClean="0"/>
+              <a:t>folgendermassen</a:t>
+            </a:r>
+            <a:r>
+              <a:rPr lang="de-DE" sz="1800" dirty="0" smtClean="0"/>
+              <a:t>:</a:t>
+            </a:r>
+          </a:p>
+          <a:p>
+            <a:endParaRPr lang="en-US" sz="1800" dirty="0" smtClean="0"/>
+          </a:p>
+          <a:p>
+            <a:r>
+              <a:rPr lang="en-US" sz="1800" b="1" dirty="0" err="1" smtClean="0"/>
+              <a:t>Basissoftware</a:t>
+            </a:r>
+            <a:r>
+              <a:rPr lang="en-US" sz="1800" b="1" dirty="0" smtClean="0"/>
+              <a:t> </a:t>
+            </a:r>
+            <a:r>
+              <a:rPr lang="en-US" sz="1800" b="1" dirty="0" smtClean="0"/>
+              <a:t>(Core Feature)</a:t>
+            </a:r>
+          </a:p>
+          <a:p>
+            <a:pPr>
+              <a:buFont typeface="Arial" pitchFamily="34" charset="0"/>
+              <a:buChar char="•"/>
+            </a:pPr>
+            <a:r>
+              <a:rPr lang="en-US" sz="1800" dirty="0" smtClean="0"/>
+              <a:t> Garbage Collection Log </a:t>
+            </a:r>
+            <a:r>
+              <a:rPr lang="en-US" sz="1800" dirty="0" err="1" smtClean="0"/>
+              <a:t>importieren</a:t>
+            </a:r>
+            <a:r>
+              <a:rPr lang="en-US" sz="1800" dirty="0" smtClean="0"/>
+              <a:t>, </a:t>
+            </a:r>
+            <a:r>
+              <a:rPr lang="en-US" sz="1800" dirty="0" err="1" smtClean="0"/>
+              <a:t>einlesen</a:t>
+            </a:r>
+            <a:endParaRPr lang="en-US" sz="1800" dirty="0" smtClean="0"/>
+          </a:p>
+          <a:p>
+            <a:pPr>
+              <a:buFont typeface="Arial" pitchFamily="34" charset="0"/>
+              <a:buChar char="•"/>
+            </a:pPr>
+            <a:r>
+              <a:rPr lang="en-US" sz="1800" dirty="0" smtClean="0"/>
+              <a:t> </a:t>
+            </a:r>
+            <a:r>
+              <a:rPr lang="en-US" sz="1800" dirty="0" err="1" smtClean="0"/>
+              <a:t>Profil</a:t>
+            </a:r>
+            <a:r>
+              <a:rPr lang="en-US" sz="1800" dirty="0" smtClean="0"/>
+              <a:t> </a:t>
+            </a:r>
+            <a:r>
+              <a:rPr lang="en-US" sz="1800" dirty="0" err="1" smtClean="0"/>
+              <a:t>erstellen</a:t>
+            </a:r>
+            <a:r>
+              <a:rPr lang="en-US" sz="1800" dirty="0" smtClean="0"/>
+              <a:t>, </a:t>
+            </a:r>
+            <a:r>
+              <a:rPr lang="en-US" sz="1800" dirty="0" err="1" smtClean="0"/>
+              <a:t>speichern</a:t>
+            </a:r>
+            <a:r>
+              <a:rPr lang="en-US" sz="1800" dirty="0" smtClean="0"/>
+              <a:t>, </a:t>
+            </a:r>
+            <a:r>
+              <a:rPr lang="en-US" sz="1800" dirty="0" err="1" smtClean="0"/>
+              <a:t>exportieren</a:t>
+            </a:r>
+            <a:r>
+              <a:rPr lang="en-US" sz="1800" dirty="0" smtClean="0"/>
+              <a:t>, </a:t>
+            </a:r>
+            <a:r>
+              <a:rPr lang="en-US" sz="1800" dirty="0" err="1" smtClean="0"/>
+              <a:t>importieren</a:t>
+            </a:r>
+            <a:endParaRPr lang="en-US" sz="1800" dirty="0" smtClean="0"/>
+          </a:p>
+          <a:p>
+            <a:pPr>
+              <a:buFont typeface="Arial" pitchFamily="34" charset="0"/>
+              <a:buChar char="•"/>
+            </a:pPr>
+            <a:r>
+              <a:rPr lang="en-US" sz="1800" dirty="0" smtClean="0"/>
+              <a:t> </a:t>
+            </a:r>
+            <a:r>
+              <a:rPr lang="en-US" sz="1800" dirty="0" err="1" smtClean="0"/>
+              <a:t>Hilfesystem</a:t>
+            </a:r>
+            <a:r>
+              <a:rPr lang="en-US" sz="1800" dirty="0" smtClean="0"/>
+              <a:t> (Features </a:t>
+            </a:r>
+            <a:r>
+              <a:rPr lang="en-US" sz="1800" dirty="0" err="1" smtClean="0"/>
+              <a:t>registrieren</a:t>
+            </a:r>
+            <a:r>
+              <a:rPr lang="en-US" sz="1800" dirty="0" smtClean="0"/>
+              <a:t> </a:t>
+            </a:r>
+            <a:r>
+              <a:rPr lang="en-US" sz="1800" dirty="0" err="1" smtClean="0"/>
+              <a:t>Erweiterungen</a:t>
+            </a:r>
+            <a:r>
+              <a:rPr lang="en-US" sz="1800" dirty="0" smtClean="0"/>
+              <a:t>)</a:t>
+            </a:r>
+          </a:p>
+          <a:p>
+            <a:endParaRPr lang="en-US" sz="1800" dirty="0" smtClean="0"/>
+          </a:p>
+          <a:p>
+            <a:r>
+              <a:rPr lang="en-US" sz="1800" b="1" dirty="0" err="1" smtClean="0"/>
+              <a:t>JRockit</a:t>
+            </a:r>
+            <a:r>
+              <a:rPr lang="en-US" sz="1800" b="1" dirty="0" smtClean="0"/>
+              <a:t> Extension (</a:t>
+            </a:r>
+            <a:r>
+              <a:rPr lang="en-US" sz="1800" b="1" dirty="0" err="1" smtClean="0"/>
+              <a:t>JRockit</a:t>
+            </a:r>
+            <a:r>
+              <a:rPr lang="en-US" sz="1800" b="1" dirty="0" smtClean="0"/>
+              <a:t> Extension Feature)</a:t>
+            </a:r>
+          </a:p>
+          <a:p>
+            <a:pPr>
+              <a:buFont typeface="Arial" pitchFamily="34" charset="0"/>
+              <a:buChar char="•"/>
+            </a:pPr>
+            <a:r>
+              <a:rPr lang="en-US" sz="1800" dirty="0" smtClean="0"/>
+              <a:t> Garbage Collection Log </a:t>
+            </a:r>
+            <a:r>
+              <a:rPr lang="en-US" sz="1800" dirty="0" err="1" smtClean="0"/>
+              <a:t>parsen</a:t>
+            </a:r>
+            <a:r>
+              <a:rPr lang="en-US" sz="1800" dirty="0" smtClean="0"/>
+              <a:t>, in  </a:t>
+            </a:r>
+            <a:r>
+              <a:rPr lang="en-US" sz="1800" dirty="0" err="1" smtClean="0"/>
+              <a:t>eigenem</a:t>
+            </a:r>
+            <a:r>
+              <a:rPr lang="en-US" sz="1800" dirty="0" smtClean="0"/>
+              <a:t> </a:t>
+            </a:r>
+            <a:r>
+              <a:rPr lang="en-US" sz="1800" dirty="0" err="1" smtClean="0"/>
+              <a:t>Domänenmodell</a:t>
+            </a:r>
+            <a:r>
+              <a:rPr lang="en-US" sz="1800" dirty="0" smtClean="0"/>
+              <a:t> </a:t>
+            </a:r>
+            <a:r>
+              <a:rPr lang="en-US" sz="1800" dirty="0" err="1" smtClean="0"/>
+              <a:t>speichern</a:t>
+            </a:r>
+            <a:endParaRPr lang="en-US" sz="1800" dirty="0" smtClean="0"/>
+          </a:p>
+          <a:p>
+            <a:pPr>
+              <a:buFont typeface="Arial" pitchFamily="34" charset="0"/>
+              <a:buChar char="•"/>
+            </a:pPr>
+            <a:r>
+              <a:rPr lang="de-CH" sz="1800" dirty="0" smtClean="0"/>
+              <a:t>Laden </a:t>
+            </a:r>
+            <a:r>
+              <a:rPr lang="de-CH" sz="1800" dirty="0" smtClean="0"/>
+              <a:t>der Daten aus dem Domänenmodell</a:t>
+            </a:r>
+            <a:endParaRPr lang="de-DE" sz="1800" dirty="0" smtClean="0"/>
+          </a:p>
+          <a:p>
+            <a:endParaRPr lang="en-US" sz="1800" dirty="0"/>
+          </a:p>
+        </p:txBody>
+      </p:sp>
+      <p:sp>
+        <p:nvSpPr>
+          <p:cNvPr id="317" name="TextBox 316"/>
+          <p:cNvSpPr txBox="1"/>
+          <p:nvPr/>
+        </p:nvSpPr>
+        <p:spPr>
+          <a:xfrm>
+            <a:off x="32979519" y="9266237"/>
+            <a:ext cx="9429750" cy="1015663"/>
+          </a:xfrm>
+          <a:prstGeom prst="rect">
+            <a:avLst/>
+          </a:prstGeom>
+          <a:noFill/>
+        </p:spPr>
+        <p:txBody>
+          <a:bodyPr wrap="square" rtlCol="0">
+            <a:spAutoFit/>
+          </a:bodyPr>
+          <a:lstStyle/>
+          <a:p>
+            <a:r>
+              <a:rPr lang="de-DE" sz="2400" b="1" dirty="0" smtClean="0"/>
+              <a:t>Domänenmodell</a:t>
+            </a:r>
+          </a:p>
+          <a:p>
+            <a:r>
+              <a:rPr lang="de-DE" sz="1800" dirty="0" smtClean="0"/>
+              <a:t>Die gelesenen Daten werden </a:t>
+            </a:r>
+            <a:r>
+              <a:rPr lang="de-DE" sz="1800" dirty="0" err="1" smtClean="0"/>
+              <a:t>anschliessend</a:t>
+            </a:r>
+            <a:r>
+              <a:rPr lang="de-DE" sz="1800" dirty="0" smtClean="0"/>
+              <a:t> in Form dieses Domänenmodells gespeichert. Es entspricht der abstrahierten Struktur des </a:t>
+            </a:r>
+            <a:r>
+              <a:rPr lang="de-DE" sz="1800" dirty="0" err="1" smtClean="0"/>
+              <a:t>JRockit</a:t>
+            </a:r>
+            <a:r>
+              <a:rPr lang="de-DE" sz="1800" dirty="0" smtClean="0"/>
+              <a:t> </a:t>
+            </a:r>
+            <a:r>
+              <a:rPr lang="de-DE" sz="1800" dirty="0" err="1" smtClean="0"/>
+              <a:t>Garbage</a:t>
+            </a:r>
+            <a:r>
+              <a:rPr lang="de-DE" sz="1800" dirty="0" smtClean="0"/>
+              <a:t> </a:t>
+            </a:r>
+            <a:r>
+              <a:rPr lang="de-DE" sz="1800" dirty="0" err="1" smtClean="0"/>
+              <a:t>Collectors</a:t>
+            </a:r>
+            <a:r>
+              <a:rPr lang="de-DE" sz="1800" dirty="0" smtClean="0"/>
+              <a:t>.</a:t>
+            </a:r>
+            <a:endParaRPr lang="de-DE" sz="1800" dirty="0" smtClean="0"/>
+          </a:p>
+        </p:txBody>
+      </p:sp>
+      <p:pic>
+        <p:nvPicPr>
+          <p:cNvPr id="12" name="Picture 12"/>
+          <p:cNvPicPr>
+            <a:picLocks noChangeAspect="1" noChangeArrowheads="1"/>
+          </p:cNvPicPr>
+          <p:nvPr/>
+        </p:nvPicPr>
+        <p:blipFill>
+          <a:blip r:embed="rId7" cstate="print"/>
+          <a:srcRect/>
+          <a:stretch>
+            <a:fillRect/>
+          </a:stretch>
+        </p:blipFill>
+        <p:spPr bwMode="auto">
+          <a:xfrm>
+            <a:off x="32979519" y="10256837"/>
+            <a:ext cx="9242844" cy="5638800"/>
+          </a:xfrm>
+          <a:prstGeom prst="rect">
+            <a:avLst/>
+          </a:prstGeom>
+          <a:noFill/>
+          <a:ln w="9525">
+            <a:noFill/>
+            <a:miter lim="800000"/>
+            <a:headEnd/>
+            <a:tailEnd/>
+          </a:ln>
+          <a:effectLst/>
+        </p:spPr>
+      </p:pic>
+      <p:sp>
+        <p:nvSpPr>
+          <p:cNvPr id="318" name="Rectangle 317"/>
+          <p:cNvSpPr/>
+          <p:nvPr/>
+        </p:nvSpPr>
+        <p:spPr>
+          <a:xfrm>
+            <a:off x="22739691" y="23744237"/>
+            <a:ext cx="19751040" cy="6019800"/>
+          </a:xfrm>
+          <a:prstGeom prst="rect">
+            <a:avLst/>
+          </a:prstGeom>
+          <a:solidFill>
+            <a:schemeClr val="bg1">
+              <a:alpha val="60000"/>
+            </a:schemeClr>
+          </a:solidFill>
+          <a:ln>
+            <a:noFill/>
+          </a:ln>
+        </p:spPr>
+        <p:style>
+          <a:lnRef idx="2">
+            <a:schemeClr val="accent1">
+              <a:shade val="50000"/>
+            </a:schemeClr>
+          </a:lnRef>
+          <a:fillRef idx="1">
+            <a:schemeClr val="accent1"/>
+          </a:fillRef>
+          <a:effectRef idx="0">
+            <a:schemeClr val="accent1"/>
+          </a:effectRef>
+          <a:fontRef idx="minor">
+            <a:schemeClr val="lt1"/>
+          </a:fontRef>
+        </p:style>
+        <p:txBody>
+          <a:bodyPr rtlCol="0" anchor="ctr"/>
+          <a:lstStyle/>
+          <a:p>
+            <a:pPr algn="ctr"/>
+            <a:endParaRPr lang="en-US"/>
+          </a:p>
+        </p:txBody>
+      </p:sp>
+      <p:sp>
+        <p:nvSpPr>
+          <p:cNvPr id="321" name="Rectangle 320"/>
+          <p:cNvSpPr/>
+          <p:nvPr/>
+        </p:nvSpPr>
+        <p:spPr>
+          <a:xfrm>
+            <a:off x="22835394" y="24277637"/>
+            <a:ext cx="9686925" cy="5410200"/>
+          </a:xfrm>
+          <a:prstGeom prst="rect">
+            <a:avLst/>
+          </a:prstGeom>
+          <a:solidFill>
+            <a:schemeClr val="accent1">
+              <a:alpha val="25000"/>
+            </a:schemeClr>
+          </a:solidFill>
+        </p:spPr>
+        <p:style>
+          <a:lnRef idx="2">
+            <a:schemeClr val="accent1">
+              <a:shade val="50000"/>
+            </a:schemeClr>
+          </a:lnRef>
+          <a:fillRef idx="1">
+            <a:schemeClr val="accent1"/>
+          </a:fillRef>
+          <a:effectRef idx="0">
+            <a:schemeClr val="accent1"/>
+          </a:effectRef>
+          <a:fontRef idx="minor">
+            <a:schemeClr val="lt1"/>
+          </a:fontRef>
+        </p:style>
+        <p:txBody>
+          <a:bodyPr rtlCol="0" anchor="t" anchorCtr="0"/>
+          <a:lstStyle/>
+          <a:p>
+            <a:endParaRPr lang="de-DE" sz="1800" dirty="0" smtClean="0"/>
+          </a:p>
+        </p:txBody>
+      </p:sp>
+      <p:sp>
+        <p:nvSpPr>
+          <p:cNvPr id="319" name="TextBox 318"/>
+          <p:cNvSpPr txBox="1"/>
+          <p:nvPr/>
+        </p:nvSpPr>
+        <p:spPr>
+          <a:xfrm>
+            <a:off x="22921119" y="24430037"/>
+            <a:ext cx="9525000" cy="5570756"/>
+          </a:xfrm>
+          <a:prstGeom prst="rect">
+            <a:avLst/>
+          </a:prstGeom>
+          <a:noFill/>
+        </p:spPr>
+        <p:txBody>
+          <a:bodyPr wrap="square" rtlCol="0">
+            <a:spAutoFit/>
+          </a:bodyPr>
+          <a:lstStyle/>
+          <a:p>
+            <a:r>
+              <a:rPr lang="de-CH" sz="2400" b="1" dirty="0" smtClean="0"/>
+              <a:t>Was das Tool leistet</a:t>
+            </a:r>
+            <a:br>
+              <a:rPr lang="de-CH" sz="2400" b="1" dirty="0" smtClean="0"/>
+            </a:br>
+            <a:endParaRPr lang="de-CH" sz="2400" b="1" dirty="0" smtClean="0"/>
+          </a:p>
+          <a:p>
+            <a:r>
+              <a:rPr lang="de-CH" sz="1800" dirty="0" smtClean="0"/>
+              <a:t>Die Analysesoftware kann dann verwendet werden,  wenn man Auswertungen auf Basis von Garbage Collection Logs machen will.  Andere Tools benötigen zur Analyse oft eine Verbindung mit der entsprechenden </a:t>
+            </a:r>
+            <a:r>
+              <a:rPr lang="de-CH" sz="1800" dirty="0" err="1" smtClean="0"/>
+              <a:t>Virtual</a:t>
+            </a:r>
+            <a:r>
+              <a:rPr lang="de-CH" sz="1800" dirty="0" smtClean="0"/>
+              <a:t> </a:t>
+            </a:r>
+            <a:r>
+              <a:rPr lang="de-CH" sz="1800" dirty="0" err="1" smtClean="0"/>
+              <a:t>Machine</a:t>
+            </a:r>
+            <a:r>
+              <a:rPr lang="de-CH" sz="1800" dirty="0" smtClean="0"/>
+              <a:t>, dies ist allerdings in vielen Unternehmen aufgrund von blockierten Ports nicht möglich. </a:t>
+            </a:r>
+          </a:p>
+          <a:p>
+            <a:endParaRPr lang="de-CH" sz="1800" dirty="0" smtClean="0"/>
+          </a:p>
+          <a:p>
+            <a:r>
+              <a:rPr lang="de-CH" sz="2000" b="1" dirty="0" smtClean="0"/>
+              <a:t>Funktionsumfang</a:t>
+            </a:r>
+          </a:p>
+          <a:p>
+            <a:r>
+              <a:rPr lang="de-CH" sz="1800" dirty="0" smtClean="0"/>
+              <a:t>Die Standardauswertung zeigt </a:t>
+            </a:r>
+            <a:r>
+              <a:rPr lang="de-CH" sz="1800" dirty="0" smtClean="0"/>
+              <a:t> eine Statistik mit folgenden Daten:</a:t>
+            </a:r>
+            <a:endParaRPr lang="de-CH" sz="1800" dirty="0" smtClean="0"/>
+          </a:p>
+          <a:p>
+            <a:pPr>
+              <a:buFont typeface="Arial" pitchFamily="34" charset="0"/>
+              <a:buChar char="•"/>
+            </a:pPr>
+            <a:r>
+              <a:rPr lang="de-CH" sz="1800" dirty="0" smtClean="0"/>
+              <a:t> Garbage Collection Aktivität</a:t>
+            </a:r>
+          </a:p>
+          <a:p>
+            <a:pPr>
+              <a:buFont typeface="Arial" pitchFamily="34" charset="0"/>
+              <a:buChar char="•"/>
+            </a:pPr>
+            <a:r>
+              <a:rPr lang="de-CH" sz="1800" dirty="0" smtClean="0"/>
+              <a:t> </a:t>
+            </a:r>
+            <a:r>
+              <a:rPr lang="de-CH" sz="1800" dirty="0" smtClean="0"/>
+              <a:t>Initiale, durchschnittliche und maximale Kapazität von </a:t>
+            </a:r>
+            <a:r>
+              <a:rPr lang="de-CH" sz="1800" dirty="0" err="1" smtClean="0"/>
+              <a:t>Heap</a:t>
+            </a:r>
+            <a:r>
+              <a:rPr lang="de-CH" sz="1800" dirty="0" smtClean="0"/>
+              <a:t>, der Young Collection (</a:t>
+            </a:r>
+            <a:r>
+              <a:rPr lang="de-CH" sz="1800" dirty="0" err="1" smtClean="0"/>
+              <a:t>Nursery</a:t>
+            </a:r>
+            <a:r>
+              <a:rPr lang="de-CH" sz="1800" dirty="0" smtClean="0"/>
+              <a:t>) und   </a:t>
+            </a:r>
+            <a:br>
+              <a:rPr lang="de-CH" sz="1800" dirty="0" smtClean="0"/>
+            </a:br>
+            <a:r>
+              <a:rPr lang="de-CH" sz="1800" dirty="0" smtClean="0"/>
+              <a:t>  Old Collection.</a:t>
+            </a:r>
+          </a:p>
+          <a:p>
+            <a:pPr>
+              <a:buFont typeface="Arial" pitchFamily="34" charset="0"/>
+              <a:buChar char="•"/>
+            </a:pPr>
+            <a:r>
+              <a:rPr lang="de-CH" sz="1800" dirty="0" smtClean="0"/>
+              <a:t> </a:t>
+            </a:r>
+            <a:r>
+              <a:rPr lang="de-CH" sz="1800" dirty="0" smtClean="0"/>
+              <a:t>Generelle Informationen wie Dauer der Messung, verwendete Zeit in der Garbage Collection </a:t>
+            </a:r>
+            <a:br>
+              <a:rPr lang="de-CH" sz="1800" dirty="0" smtClean="0"/>
+            </a:br>
+            <a:r>
+              <a:rPr lang="de-CH" sz="1800" dirty="0" smtClean="0"/>
+              <a:t>  (relativ, absolut)</a:t>
+            </a:r>
+          </a:p>
+          <a:p>
+            <a:r>
+              <a:rPr lang="de-CH" sz="1800" dirty="0" smtClean="0"/>
+              <a:t>Zusätzlich gibt es Diagramme zur Auswertung des verwendeten Speichers auf dem </a:t>
+            </a:r>
+            <a:r>
+              <a:rPr lang="de-CH" sz="1800" dirty="0" err="1" smtClean="0"/>
+              <a:t>Heap</a:t>
+            </a:r>
+            <a:r>
+              <a:rPr lang="de-CH" sz="1800" dirty="0" smtClean="0"/>
+              <a:t> und zur Dauer der einzelnen Garbage </a:t>
+            </a:r>
+            <a:r>
+              <a:rPr lang="de-CH" sz="1800" dirty="0" err="1" smtClean="0"/>
+              <a:t>Collections</a:t>
+            </a:r>
+            <a:r>
+              <a:rPr lang="de-CH" sz="1800" dirty="0" smtClean="0"/>
+              <a:t>.</a:t>
+            </a:r>
+          </a:p>
+          <a:p>
+            <a:endParaRPr lang="de-CH" sz="1800" dirty="0" smtClean="0"/>
+          </a:p>
+          <a:p>
+            <a:endParaRPr lang="de-CH" sz="1800" dirty="0" smtClean="0"/>
+          </a:p>
+          <a:p>
+            <a:endParaRPr lang="de-CH" sz="1800" dirty="0" smtClean="0"/>
+          </a:p>
+        </p:txBody>
+      </p:sp>
+      <p:sp>
+        <p:nvSpPr>
+          <p:cNvPr id="322" name="Rectangle 321"/>
+          <p:cNvSpPr/>
+          <p:nvPr/>
+        </p:nvSpPr>
+        <p:spPr>
+          <a:xfrm>
+            <a:off x="32674719" y="24277637"/>
+            <a:ext cx="9686925" cy="5410200"/>
+          </a:xfrm>
+          <a:prstGeom prst="rect">
+            <a:avLst/>
+          </a:prstGeom>
+          <a:solidFill>
+            <a:schemeClr val="accent1">
+              <a:alpha val="25000"/>
+            </a:schemeClr>
+          </a:solidFill>
+        </p:spPr>
+        <p:style>
+          <a:lnRef idx="2">
+            <a:schemeClr val="accent1">
+              <a:shade val="50000"/>
+            </a:schemeClr>
+          </a:lnRef>
+          <a:fillRef idx="1">
+            <a:schemeClr val="accent1"/>
+          </a:fillRef>
+          <a:effectRef idx="0">
+            <a:schemeClr val="accent1"/>
+          </a:effectRef>
+          <a:fontRef idx="minor">
+            <a:schemeClr val="lt1"/>
+          </a:fontRef>
+        </p:style>
+        <p:txBody>
+          <a:bodyPr rtlCol="0" anchor="t" anchorCtr="0"/>
+          <a:lstStyle/>
+          <a:p>
+            <a:endParaRPr lang="de-DE" sz="1800" dirty="0" smtClean="0"/>
+          </a:p>
+        </p:txBody>
+      </p:sp>
+      <p:sp>
+        <p:nvSpPr>
+          <p:cNvPr id="323" name="TextBox 322"/>
+          <p:cNvSpPr txBox="1"/>
+          <p:nvPr/>
+        </p:nvSpPr>
+        <p:spPr>
+          <a:xfrm>
+            <a:off x="22997319" y="23744237"/>
+            <a:ext cx="4800600" cy="584775"/>
+          </a:xfrm>
+          <a:prstGeom prst="rect">
+            <a:avLst/>
+          </a:prstGeom>
+          <a:noFill/>
+        </p:spPr>
+        <p:txBody>
+          <a:bodyPr wrap="square" rtlCol="0">
+            <a:spAutoFit/>
+          </a:bodyPr>
+          <a:lstStyle/>
+          <a:p>
+            <a:r>
+              <a:rPr lang="de-CH" sz="3200" b="1" dirty="0" err="1" smtClean="0"/>
+              <a:t>Review</a:t>
+            </a:r>
+            <a:endParaRPr lang="en-US" sz="3200" b="1" dirty="0"/>
+          </a:p>
+        </p:txBody>
+      </p:sp>
+      <p:sp>
+        <p:nvSpPr>
+          <p:cNvPr id="324" name="TextBox 323"/>
+          <p:cNvSpPr txBox="1"/>
+          <p:nvPr/>
+        </p:nvSpPr>
+        <p:spPr>
+          <a:xfrm>
+            <a:off x="32779494" y="24430037"/>
+            <a:ext cx="9525000" cy="2215991"/>
+          </a:xfrm>
+          <a:prstGeom prst="rect">
+            <a:avLst/>
+          </a:prstGeom>
+          <a:noFill/>
+        </p:spPr>
+        <p:txBody>
+          <a:bodyPr wrap="square" rtlCol="0">
+            <a:spAutoFit/>
+          </a:bodyPr>
+          <a:lstStyle/>
+          <a:p>
+            <a:r>
+              <a:rPr lang="de-CH" sz="2400" b="1" dirty="0" smtClean="0"/>
+              <a:t>Was das Tool nicht leistet</a:t>
+            </a:r>
+            <a:br>
+              <a:rPr lang="de-CH" sz="2400" b="1" dirty="0" smtClean="0"/>
+            </a:br>
+            <a:endParaRPr lang="de-CH" sz="2400" b="1" dirty="0" smtClean="0"/>
+          </a:p>
+          <a:p>
+            <a:pPr>
+              <a:buFont typeface="Arial" pitchFamily="34" charset="0"/>
+              <a:buChar char="•"/>
+            </a:pPr>
+            <a:r>
+              <a:rPr lang="de-CH" sz="1800" dirty="0" smtClean="0"/>
+              <a:t> Die Software kann zum jetzigen Zeitpunkt keine anderen </a:t>
+            </a:r>
+            <a:r>
+              <a:rPr lang="de-CH" sz="1800" dirty="0" err="1" smtClean="0"/>
+              <a:t>Logdateien</a:t>
+            </a:r>
+            <a:r>
+              <a:rPr lang="de-CH" sz="1800" dirty="0" smtClean="0"/>
+              <a:t>, als die der </a:t>
+            </a:r>
+            <a:r>
+              <a:rPr lang="de-CH" sz="1800" dirty="0" err="1" smtClean="0"/>
+              <a:t>JRockit</a:t>
+            </a:r>
+            <a:r>
+              <a:rPr lang="de-CH" sz="1800" dirty="0" smtClean="0"/>
+              <a:t> </a:t>
+            </a:r>
+            <a:r>
+              <a:rPr lang="de-CH" sz="1800" dirty="0" err="1" smtClean="0"/>
+              <a:t>Virtual</a:t>
+            </a:r>
+            <a:r>
+              <a:rPr lang="de-CH" sz="1800" dirty="0" smtClean="0"/>
+              <a:t> </a:t>
+            </a:r>
+            <a:br>
+              <a:rPr lang="de-CH" sz="1800" dirty="0" smtClean="0"/>
+            </a:br>
+            <a:r>
+              <a:rPr lang="de-CH" sz="1800" dirty="0" smtClean="0"/>
+              <a:t>   </a:t>
+            </a:r>
+            <a:r>
+              <a:rPr lang="de-CH" sz="1800" dirty="0" err="1" smtClean="0"/>
+              <a:t>Machine</a:t>
+            </a:r>
+            <a:r>
+              <a:rPr lang="de-CH" sz="1800" dirty="0" smtClean="0"/>
+              <a:t> Release 28, verarbeiten. </a:t>
+            </a:r>
+          </a:p>
+          <a:p>
+            <a:pPr>
+              <a:buFont typeface="Arial" pitchFamily="34" charset="0"/>
+              <a:buChar char="•"/>
+            </a:pPr>
+            <a:r>
+              <a:rPr lang="de-CH" sz="1800" dirty="0" smtClean="0"/>
+              <a:t>  </a:t>
+            </a:r>
+            <a:r>
+              <a:rPr lang="de-CH" sz="1800" dirty="0" smtClean="0"/>
+              <a:t>Der Einsatz der Analysesoftware für das Tuning der Garbage Collection auf der </a:t>
+            </a:r>
+            <a:r>
+              <a:rPr lang="de-CH" sz="1800" dirty="0" err="1" smtClean="0"/>
+              <a:t>JRockit</a:t>
+            </a:r>
+            <a:r>
+              <a:rPr lang="de-CH" sz="1800" dirty="0" smtClean="0"/>
+              <a:t> </a:t>
+            </a:r>
+            <a:r>
+              <a:rPr lang="de-CH" sz="1800" dirty="0" err="1" smtClean="0"/>
+              <a:t>Virtual</a:t>
+            </a:r>
+            <a:r>
+              <a:rPr lang="de-CH" sz="1800" dirty="0" smtClean="0"/>
+              <a:t>  </a:t>
+            </a:r>
+            <a:r>
+              <a:rPr lang="de-CH" sz="1800" dirty="0" smtClean="0"/>
+              <a:t/>
+            </a:r>
+            <a:br>
+              <a:rPr lang="de-CH" sz="1800" dirty="0" smtClean="0"/>
+            </a:br>
+            <a:r>
+              <a:rPr lang="de-CH" sz="1800" dirty="0" smtClean="0"/>
+              <a:t>   </a:t>
+            </a:r>
+            <a:r>
+              <a:rPr lang="de-CH" sz="1800" dirty="0" err="1" smtClean="0"/>
+              <a:t>Machine</a:t>
+            </a:r>
+            <a:r>
+              <a:rPr lang="de-CH" sz="1800" dirty="0" smtClean="0"/>
+              <a:t> macht aktuell nur dann Sinn, wenn die Auswertung mittels </a:t>
+            </a:r>
+            <a:r>
+              <a:rPr lang="de-CH" sz="1800" dirty="0" err="1" smtClean="0"/>
+              <a:t>JRockit</a:t>
+            </a:r>
+            <a:r>
+              <a:rPr lang="de-CH" sz="1800" dirty="0" smtClean="0"/>
+              <a:t> Mission </a:t>
+            </a:r>
+            <a:r>
+              <a:rPr lang="de-CH" sz="1800" dirty="0" err="1" smtClean="0"/>
+              <a:t>Control</a:t>
+            </a:r>
+            <a:r>
+              <a:rPr lang="de-CH" sz="1800" dirty="0" smtClean="0"/>
+              <a:t> (ein </a:t>
+            </a:r>
+            <a:br>
+              <a:rPr lang="de-CH" sz="1800" dirty="0" smtClean="0"/>
+            </a:br>
+            <a:r>
+              <a:rPr lang="de-CH" sz="1800" dirty="0" smtClean="0"/>
+              <a:t>   Werkzeug von Oracle) nicht möglich ist (</a:t>
+            </a:r>
+            <a:r>
+              <a:rPr lang="de-CH" sz="1800" dirty="0" err="1" smtClean="0"/>
+              <a:t>Firewall-Restriktionen</a:t>
+            </a:r>
+            <a:r>
+              <a:rPr lang="de-CH" sz="1800" dirty="0" smtClean="0"/>
+              <a:t>, etc.) . </a:t>
+            </a:r>
+          </a:p>
+        </p:txBody>
+      </p:sp>
+      <p:graphicFrame>
+        <p:nvGraphicFramePr>
+          <p:cNvPr id="328" name="Table 327"/>
+          <p:cNvGraphicFramePr>
+            <a:graphicFrameLocks noGrp="1"/>
+          </p:cNvGraphicFramePr>
+          <p:nvPr/>
+        </p:nvGraphicFramePr>
+        <p:xfrm>
+          <a:off x="442119" y="28316237"/>
+          <a:ext cx="9067800" cy="1219200"/>
+        </p:xfrm>
+        <a:graphic>
+          <a:graphicData uri="http://schemas.openxmlformats.org/drawingml/2006/table">
+            <a:tbl>
+              <a:tblPr bandRow="1">
+                <a:tableStyleId>{3C2FFA5D-87B4-456A-9821-1D502468CF0F}</a:tableStyleId>
+              </a:tblPr>
+              <a:tblGrid>
+                <a:gridCol w="2428874"/>
+                <a:gridCol w="6638926"/>
+              </a:tblGrid>
+              <a:tr h="406400">
+                <a:tc>
+                  <a:txBody>
+                    <a:bodyPr/>
+                    <a:lstStyle/>
+                    <a:p>
+                      <a:r>
+                        <a:rPr lang="de-CH" sz="1800" dirty="0" smtClean="0"/>
+                        <a:t>Link zur</a:t>
+                      </a:r>
+                      <a:r>
+                        <a:rPr lang="de-CH" sz="1800" baseline="0" dirty="0" smtClean="0"/>
+                        <a:t> Arbeit:</a:t>
+                      </a:r>
+                      <a:endParaRPr lang="en-US" sz="1800" b="1" dirty="0"/>
+                    </a:p>
+                  </a:txBody>
+                  <a:tcPr/>
+                </a:tc>
+                <a:tc>
+                  <a:txBody>
+                    <a:bodyPr/>
+                    <a:lstStyle/>
+                    <a:p>
+                      <a:r>
+                        <a:rPr lang="en-US" sz="1800" dirty="0" smtClean="0"/>
+                        <a:t>https://github.com/schmidic/bachelorthesis</a:t>
+                      </a:r>
+                      <a:endParaRPr lang="en-US" sz="1800" dirty="0"/>
+                    </a:p>
+                  </a:txBody>
+                  <a:tcPr/>
+                </a:tc>
+              </a:tr>
+              <a:tr h="406400">
+                <a:tc>
+                  <a:txBody>
+                    <a:bodyPr/>
+                    <a:lstStyle/>
+                    <a:p>
+                      <a:pPr marL="0" marR="0" indent="0" algn="l" defTabSz="4174629" rtl="0" eaLnBrk="1" fontAlgn="auto" latinLnBrk="0" hangingPunct="1">
+                        <a:lnSpc>
+                          <a:spcPct val="100000"/>
+                        </a:lnSpc>
+                        <a:spcBef>
+                          <a:spcPts val="0"/>
+                        </a:spcBef>
+                        <a:spcAft>
+                          <a:spcPts val="0"/>
+                        </a:spcAft>
+                        <a:buClrTx/>
+                        <a:buSzTx/>
+                        <a:buFontTx/>
+                        <a:buNone/>
+                        <a:tabLst/>
+                        <a:defRPr/>
+                      </a:pPr>
+                      <a:r>
+                        <a:rPr lang="de-CH" sz="1800" dirty="0" smtClean="0"/>
+                        <a:t>Email:</a:t>
+                      </a:r>
+                      <a:r>
+                        <a:rPr lang="de-CH" sz="1800" baseline="0" dirty="0" smtClean="0"/>
+                        <a:t> </a:t>
+                      </a:r>
+                      <a:endParaRPr lang="en-US" sz="1800" b="1" dirty="0" smtClean="0"/>
+                    </a:p>
+                  </a:txBody>
+                  <a:tcPr/>
+                </a:tc>
+                <a:tc>
+                  <a:txBody>
+                    <a:bodyPr/>
+                    <a:lstStyle/>
+                    <a:p>
+                      <a:pPr marL="0" marR="0" indent="0" algn="l" defTabSz="4174629" rtl="0" eaLnBrk="1" fontAlgn="auto" latinLnBrk="0" hangingPunct="1">
+                        <a:lnSpc>
+                          <a:spcPct val="100000"/>
+                        </a:lnSpc>
+                        <a:spcBef>
+                          <a:spcPts val="0"/>
+                        </a:spcBef>
+                        <a:spcAft>
+                          <a:spcPts val="0"/>
+                        </a:spcAft>
+                        <a:buClrTx/>
+                        <a:buSzTx/>
+                        <a:buFontTx/>
+                        <a:buNone/>
+                        <a:tabLst/>
+                        <a:defRPr/>
+                      </a:pPr>
+                      <a:r>
+                        <a:rPr lang="de-CH" sz="1800" dirty="0" smtClean="0"/>
+                        <a:t>schmira4@students.zhaw.ch</a:t>
+                      </a:r>
+                      <a:endParaRPr lang="en-US" sz="1800" dirty="0" smtClean="0"/>
+                    </a:p>
+                  </a:txBody>
+                  <a:tcPr/>
+                </a:tc>
+              </a:tr>
+              <a:tr h="406400">
+                <a:tc>
+                  <a:txBody>
+                    <a:bodyPr/>
+                    <a:lstStyle/>
+                    <a:p>
+                      <a:r>
+                        <a:rPr lang="de-CH" sz="1800" dirty="0" smtClean="0"/>
+                        <a:t>Zeitraum:</a:t>
+                      </a:r>
+                      <a:r>
+                        <a:rPr lang="de-CH" sz="1800" baseline="0" dirty="0" smtClean="0"/>
+                        <a:t> </a:t>
+                      </a:r>
+                      <a:endParaRPr lang="en-US" sz="1800" b="1" dirty="0"/>
+                    </a:p>
+                  </a:txBody>
+                  <a:tcPr/>
+                </a:tc>
+                <a:tc>
+                  <a:txBody>
+                    <a:bodyPr/>
+                    <a:lstStyle/>
+                    <a:p>
+                      <a:r>
+                        <a:rPr lang="de-CH" sz="1800" dirty="0" smtClean="0"/>
+                        <a:t>22. Juni 2011 bis</a:t>
+                      </a:r>
+                      <a:r>
+                        <a:rPr lang="de-CH" sz="1800" baseline="0" dirty="0" smtClean="0"/>
+                        <a:t> 22. Dezember 2011</a:t>
+                      </a:r>
+                      <a:endParaRPr lang="en-US" sz="1800" dirty="0"/>
+                    </a:p>
+                  </a:txBody>
+                  <a:tcPr/>
+                </a:tc>
+              </a:tr>
+            </a:tbl>
+          </a:graphicData>
+        </a:graphic>
+      </p:graphicFrame>
+      <p:sp>
+        <p:nvSpPr>
+          <p:cNvPr id="329" name="TextBox 328"/>
+          <p:cNvSpPr txBox="1"/>
+          <p:nvPr/>
+        </p:nvSpPr>
+        <p:spPr>
+          <a:xfrm>
+            <a:off x="518319" y="27731462"/>
+            <a:ext cx="4114800" cy="584775"/>
+          </a:xfrm>
+          <a:prstGeom prst="rect">
+            <a:avLst/>
+          </a:prstGeom>
+          <a:noFill/>
+        </p:spPr>
+        <p:txBody>
+          <a:bodyPr wrap="square" rtlCol="0">
+            <a:spAutoFit/>
+          </a:bodyPr>
+          <a:lstStyle/>
+          <a:p>
+            <a:r>
+              <a:rPr lang="de-CH" sz="3200" b="1" dirty="0" smtClean="0"/>
+              <a:t>Weiter </a:t>
+            </a:r>
+            <a:r>
+              <a:rPr lang="de-CH" sz="3200" b="1" dirty="0" smtClean="0"/>
+              <a:t>Informationen</a:t>
+            </a:r>
+            <a:endParaRPr lang="en-US" sz="3200" dirty="0"/>
           </a:p>
         </p:txBody>
       </p:sp>

--- a/Dokumentation/Poster/bachelorthesis_rschmid_poster.pptx
+++ b/Dokumentation/Poster/bachelorthesis_rschmid_poster.pptx
@@ -26830,7 +26830,6 @@
                 <a:rPr lang="de-CH" sz="1800" dirty="0" smtClean="0"/>
                 <a:t> System, Hardware</a:t>
               </a:r>
-              <a:endParaRPr lang="de-CH" sz="1800" dirty="0" smtClean="0"/>
             </a:p>
           </p:txBody>
         </p:sp>
@@ -27431,7 +27430,15 @@
                   <a:schemeClr val="tx1"/>
                 </a:solidFill>
               </a:rPr>
-              <a:t>g</a:t>
+              <a:t>geringerer</a:t>
+            </a:r>
+            <a:r>
+              <a:rPr lang="en-US" sz="1800" dirty="0" smtClean="0">
+                <a:solidFill>
+                  <a:schemeClr val="tx1"/>
+                </a:solidFill>
+              </a:rPr>
+              <a:t> </a:t>
             </a:r>
             <a:r>
               <a:rPr lang="en-US" sz="1800" dirty="0" err="1" smtClean="0">
@@ -27439,7 +27446,7 @@
                   <a:schemeClr val="tx1"/>
                 </a:solidFill>
               </a:rPr>
-              <a:t>eringerer</a:t>
+              <a:t>Speicherverbrauch</a:t>
             </a:r>
             <a:r>
               <a:rPr lang="en-US" sz="1800" dirty="0" smtClean="0">
@@ -27449,27 +27456,6 @@
               </a:rPr>
               <a:t> </a:t>
             </a:r>
-            <a:r>
-              <a:rPr lang="en-US" sz="1800" dirty="0" err="1" smtClean="0">
-                <a:solidFill>
-                  <a:schemeClr val="tx1"/>
-                </a:solidFill>
-              </a:rPr>
-              <a:t>Speicherverbrauch</a:t>
-            </a:r>
-            <a:r>
-              <a:rPr lang="en-US" sz="1800" dirty="0" smtClean="0">
-                <a:solidFill>
-                  <a:schemeClr val="tx1"/>
-                </a:solidFill>
-              </a:rPr>
-              <a:t> </a:t>
-            </a:r>
-            <a:endParaRPr lang="en-US" sz="1800" dirty="0" smtClean="0">
-              <a:solidFill>
-                <a:schemeClr val="tx1"/>
-              </a:solidFill>
-            </a:endParaRPr>
           </a:p>
           <a:p>
             <a:pPr algn="just"/>
@@ -27658,7 +27644,15 @@
                   <a:schemeClr val="tx1"/>
                 </a:solidFill>
               </a:rPr>
-              <a:t> Tri-Coloring Mark </a:t>
+              <a:t> Tri-Coloring Mark &amp; Sweep </a:t>
+            </a:r>
+            <a:r>
+              <a:rPr lang="en-US" sz="1800" dirty="0" err="1" smtClean="0">
+                <a:solidFill>
+                  <a:schemeClr val="tx1"/>
+                </a:solidFill>
+              </a:rPr>
+              <a:t>Algorithmus</a:t>
             </a:r>
             <a:r>
               <a:rPr lang="en-US" sz="1800" dirty="0" smtClean="0">
@@ -27666,7 +27660,15 @@
                   <a:schemeClr val="tx1"/>
                 </a:solidFill>
               </a:rPr>
-              <a:t>&amp; </a:t>
+              <a:t>. </a:t>
+            </a:r>
+            <a:r>
+              <a:rPr lang="en-US" sz="1800" dirty="0" err="1" smtClean="0">
+                <a:solidFill>
+                  <a:schemeClr val="tx1"/>
+                </a:solidFill>
+              </a:rPr>
+              <a:t>Er</a:t>
             </a:r>
             <a:r>
               <a:rPr lang="en-US" sz="1800" dirty="0" smtClean="0">
@@ -27674,7 +27676,7 @@
                   <a:schemeClr val="tx1"/>
                 </a:solidFill>
               </a:rPr>
-              <a:t>Sweep </a:t>
+              <a:t> </a:t>
             </a:r>
             <a:r>
               <a:rPr lang="en-US" sz="1800" dirty="0" err="1" smtClean="0">
@@ -27682,7 +27684,7 @@
                   <a:schemeClr val="tx1"/>
                 </a:solidFill>
               </a:rPr>
-              <a:t>Algorithmus</a:t>
+              <a:t>wurde</a:t>
             </a:r>
             <a:r>
               <a:rPr lang="en-US" sz="1800" dirty="0" smtClean="0">
@@ -27690,7 +27692,7 @@
                   <a:schemeClr val="tx1"/>
                 </a:solidFill>
               </a:rPr>
-              <a:t>. </a:t>
+              <a:t> </a:t>
             </a:r>
             <a:r>
               <a:rPr lang="en-US" sz="1800" dirty="0" err="1" smtClean="0">
@@ -27698,7 +27700,7 @@
                   <a:schemeClr val="tx1"/>
                 </a:solidFill>
               </a:rPr>
-              <a:t>Er</a:t>
+              <a:t>hinsichtlich</a:t>
             </a:r>
             <a:r>
               <a:rPr lang="en-US" sz="1800" dirty="0" smtClean="0">
@@ -27714,7 +27716,7 @@
                   <a:schemeClr val="tx1"/>
                 </a:solidFill>
               </a:rPr>
-              <a:t>wurde</a:t>
+              <a:t>besserer</a:t>
             </a:r>
             <a:r>
               <a:rPr lang="en-US" sz="1800" dirty="0" smtClean="0">
@@ -27730,7 +27732,7 @@
                   <a:schemeClr val="tx1"/>
                 </a:solidFill>
               </a:rPr>
-              <a:t>hinsichtlich</a:t>
+              <a:t>Parallelisierbarkeit</a:t>
             </a:r>
             <a:r>
               <a:rPr lang="en-US" sz="1800" dirty="0" smtClean="0">
@@ -27738,6 +27740,22 @@
                   <a:schemeClr val="tx1"/>
                 </a:solidFill>
               </a:rPr>
+              <a:t> und </a:t>
+            </a:r>
+            <a:r>
+              <a:rPr lang="en-US" sz="1800" dirty="0" err="1" smtClean="0">
+                <a:solidFill>
+                  <a:schemeClr val="tx1"/>
+                </a:solidFill>
+              </a:rPr>
+              <a:t>der</a:t>
+            </a:r>
+            <a:r>
+              <a:rPr lang="en-US" sz="1800" dirty="0" smtClean="0">
+                <a:solidFill>
+                  <a:schemeClr val="tx1"/>
+                </a:solidFill>
+              </a:rPr>
               <a:t> </a:t>
             </a:r>
             <a:r>
@@ -27746,7 +27764,7 @@
                   <a:schemeClr val="tx1"/>
                 </a:solidFill>
               </a:rPr>
-              <a:t>besserer</a:t>
+              <a:t>optimalen</a:t>
             </a:r>
             <a:r>
               <a:rPr lang="en-US" sz="1800" dirty="0" smtClean="0">
@@ -27762,7 +27780,7 @@
                   <a:schemeClr val="tx1"/>
                 </a:solidFill>
               </a:rPr>
-              <a:t>Parallelisierbarkeit</a:t>
+              <a:t>Verwendung</a:t>
             </a:r>
             <a:r>
               <a:rPr lang="en-US" sz="1800" dirty="0" smtClean="0">
@@ -27770,7 +27788,7 @@
                   <a:schemeClr val="tx1"/>
                 </a:solidFill>
               </a:rPr>
-              <a:t> und </a:t>
+              <a:t> </a:t>
             </a:r>
             <a:r>
               <a:rPr lang="en-US" sz="1800" dirty="0" err="1" smtClean="0">
@@ -27794,7 +27812,7 @@
                   <a:schemeClr val="tx1"/>
                 </a:solidFill>
               </a:rPr>
-              <a:t>optimalen</a:t>
+              <a:t>Anzahl</a:t>
             </a:r>
             <a:r>
               <a:rPr lang="en-US" sz="1800" dirty="0" smtClean="0">
@@ -27802,6 +27820,38 @@
                   <a:schemeClr val="tx1"/>
                 </a:solidFill>
               </a:rPr>
+              <a:t> Garbage Collection Threads </a:t>
+            </a:r>
+            <a:r>
+              <a:rPr lang="en-US" sz="1800" dirty="0" err="1" smtClean="0">
+                <a:solidFill>
+                  <a:schemeClr val="tx1"/>
+                </a:solidFill>
+              </a:rPr>
+              <a:t>optimiert</a:t>
+            </a:r>
+            <a:r>
+              <a:rPr lang="en-US" sz="1800" dirty="0" smtClean="0">
+                <a:solidFill>
+                  <a:schemeClr val="tx1"/>
+                </a:solidFill>
+              </a:rPr>
+              <a:t>. Die Garbage Collection </a:t>
+            </a:r>
+            <a:r>
+              <a:rPr lang="en-US" sz="1800" dirty="0" err="1" smtClean="0">
+                <a:solidFill>
+                  <a:schemeClr val="tx1"/>
+                </a:solidFill>
+              </a:rPr>
+              <a:t>der</a:t>
+            </a:r>
+            <a:r>
+              <a:rPr lang="en-US" sz="1800" dirty="0" smtClean="0">
+                <a:solidFill>
+                  <a:schemeClr val="tx1"/>
+                </a:solidFill>
+              </a:rPr>
               <a:t> </a:t>
             </a:r>
             <a:r>
@@ -27810,7 +27860,7 @@
                   <a:schemeClr val="tx1"/>
                 </a:solidFill>
               </a:rPr>
-              <a:t>Verwendung</a:t>
+              <a:t>JRockit</a:t>
             </a:r>
             <a:r>
               <a:rPr lang="en-US" sz="1800" dirty="0" smtClean="0">
@@ -27818,6 +27868,22 @@
                   <a:schemeClr val="tx1"/>
                 </a:solidFill>
               </a:rPr>
+              <a:t> VM </a:t>
+            </a:r>
+            <a:r>
+              <a:rPr lang="en-US" sz="1800" dirty="0" err="1" smtClean="0">
+                <a:solidFill>
+                  <a:schemeClr val="tx1"/>
+                </a:solidFill>
+              </a:rPr>
+              <a:t>arbeitet</a:t>
+            </a:r>
+            <a:r>
+              <a:rPr lang="en-US" sz="1800" dirty="0" smtClean="0">
+                <a:solidFill>
+                  <a:schemeClr val="tx1"/>
+                </a:solidFill>
+              </a:rPr>
               <a:t> </a:t>
             </a:r>
             <a:r>
@@ -27826,7 +27892,7 @@
                   <a:schemeClr val="tx1"/>
                 </a:solidFill>
               </a:rPr>
-              <a:t>der</a:t>
+              <a:t>entweder</a:t>
             </a:r>
             <a:r>
               <a:rPr lang="en-US" sz="1800" dirty="0" smtClean="0">
@@ -27842,7 +27908,7 @@
                   <a:schemeClr val="tx1"/>
                 </a:solidFill>
               </a:rPr>
-              <a:t>Anzahl</a:t>
+              <a:t>mit</a:t>
             </a:r>
             <a:r>
               <a:rPr lang="en-US" sz="1800" dirty="0" smtClean="0">
@@ -27850,7 +27916,15 @@
                   <a:schemeClr val="tx1"/>
                 </a:solidFill>
               </a:rPr>
-              <a:t> Garbage Collection </a:t>
+              <a:t> </a:t>
+            </a:r>
+            <a:r>
+              <a:rPr lang="en-US" sz="1800" dirty="0" err="1" smtClean="0">
+                <a:solidFill>
+                  <a:schemeClr val="tx1"/>
+                </a:solidFill>
+              </a:rPr>
+              <a:t>oder</a:t>
             </a:r>
             <a:r>
               <a:rPr lang="en-US" sz="1800" dirty="0" smtClean="0">
@@ -27858,7 +27932,7 @@
                   <a:schemeClr val="tx1"/>
                 </a:solidFill>
               </a:rPr>
-              <a:t>Threads </a:t>
+              <a:t> </a:t>
             </a:r>
             <a:r>
               <a:rPr lang="en-US" sz="1800" dirty="0" err="1" smtClean="0">
@@ -27866,7 +27940,7 @@
                   <a:schemeClr val="tx1"/>
                 </a:solidFill>
               </a:rPr>
-              <a:t>optimiert</a:t>
+              <a:t>ohne</a:t>
             </a:r>
             <a:r>
               <a:rPr lang="en-US" sz="1800" dirty="0" smtClean="0">
@@ -27874,7 +27948,7 @@
                   <a:schemeClr val="tx1"/>
                 </a:solidFill>
               </a:rPr>
-              <a:t>. Die Garbage Collection </a:t>
+              <a:t> </a:t>
             </a:r>
             <a:r>
               <a:rPr lang="en-US" sz="1800" dirty="0" err="1" smtClean="0">
@@ -27882,7 +27956,7 @@
                   <a:schemeClr val="tx1"/>
                 </a:solidFill>
               </a:rPr>
-              <a:t>der</a:t>
+              <a:t>Generationen</a:t>
             </a:r>
             <a:r>
               <a:rPr lang="en-US" sz="1800" dirty="0" smtClean="0">
@@ -27890,127 +27964,7 @@
                   <a:schemeClr val="tx1"/>
                 </a:solidFill>
               </a:rPr>
-              <a:t> </a:t>
-            </a:r>
-            <a:r>
-              <a:rPr lang="en-US" sz="1800" dirty="0" err="1" smtClean="0">
-                <a:solidFill>
-                  <a:schemeClr val="tx1"/>
-                </a:solidFill>
-              </a:rPr>
-              <a:t>JRockit</a:t>
-            </a:r>
-            <a:r>
-              <a:rPr lang="en-US" sz="1800" dirty="0" smtClean="0">
-                <a:solidFill>
-                  <a:schemeClr val="tx1"/>
-                </a:solidFill>
-              </a:rPr>
-              <a:t> VM </a:t>
-            </a:r>
-            <a:r>
-              <a:rPr lang="en-US" sz="1800" dirty="0" err="1" smtClean="0">
-                <a:solidFill>
-                  <a:schemeClr val="tx1"/>
-                </a:solidFill>
-              </a:rPr>
-              <a:t>arbeitet</a:t>
-            </a:r>
-            <a:r>
-              <a:rPr lang="en-US" sz="1800" dirty="0" smtClean="0">
-                <a:solidFill>
-                  <a:schemeClr val="tx1"/>
-                </a:solidFill>
-              </a:rPr>
-              <a:t> </a:t>
-            </a:r>
-            <a:r>
-              <a:rPr lang="en-US" sz="1800" dirty="0" err="1" smtClean="0">
-                <a:solidFill>
-                  <a:schemeClr val="tx1"/>
-                </a:solidFill>
-              </a:rPr>
-              <a:t>entweder</a:t>
-            </a:r>
-            <a:r>
-              <a:rPr lang="en-US" sz="1800" dirty="0" smtClean="0">
-                <a:solidFill>
-                  <a:schemeClr val="tx1"/>
-                </a:solidFill>
-              </a:rPr>
-              <a:t> </a:t>
-            </a:r>
-            <a:r>
-              <a:rPr lang="en-US" sz="1800" dirty="0" err="1" smtClean="0">
-                <a:solidFill>
-                  <a:schemeClr val="tx1"/>
-                </a:solidFill>
-              </a:rPr>
-              <a:t>mit</a:t>
-            </a:r>
-            <a:r>
-              <a:rPr lang="en-US" sz="1800" dirty="0" smtClean="0">
-                <a:solidFill>
-                  <a:schemeClr val="tx1"/>
-                </a:solidFill>
-              </a:rPr>
-              <a:t> </a:t>
-            </a:r>
-            <a:r>
-              <a:rPr lang="en-US" sz="1800" dirty="0" err="1" smtClean="0">
-                <a:solidFill>
-                  <a:schemeClr val="tx1"/>
-                </a:solidFill>
-              </a:rPr>
-              <a:t>oder</a:t>
-            </a:r>
-            <a:r>
-              <a:rPr lang="en-US" sz="1800" dirty="0" smtClean="0">
-                <a:solidFill>
-                  <a:schemeClr val="tx1"/>
-                </a:solidFill>
-              </a:rPr>
-              <a:t> </a:t>
-            </a:r>
-            <a:r>
-              <a:rPr lang="en-US" sz="1800" dirty="0" err="1" smtClean="0">
-                <a:solidFill>
-                  <a:schemeClr val="tx1"/>
-                </a:solidFill>
-              </a:rPr>
-              <a:t>ohne</a:t>
-            </a:r>
-            <a:r>
-              <a:rPr lang="en-US" sz="1800" dirty="0" smtClean="0">
-                <a:solidFill>
-                  <a:schemeClr val="tx1"/>
-                </a:solidFill>
-              </a:rPr>
-              <a:t> </a:t>
-            </a:r>
-            <a:r>
-              <a:rPr lang="en-US" sz="1800" dirty="0" err="1" smtClean="0">
-                <a:solidFill>
-                  <a:schemeClr val="tx1"/>
-                </a:solidFill>
-              </a:rPr>
-              <a:t>Generationen</a:t>
-            </a:r>
-            <a:r>
-              <a:rPr lang="en-US" sz="1800" dirty="0" smtClean="0">
-                <a:solidFill>
-                  <a:schemeClr val="tx1"/>
-                </a:solidFill>
-              </a:rPr>
-              <a:t>. </a:t>
-            </a:r>
-            <a:r>
-              <a:rPr lang="en-US" sz="1800" dirty="0" smtClean="0">
-                <a:solidFill>
-                  <a:schemeClr val="tx1"/>
-                </a:solidFill>
-              </a:rPr>
-              <a:t>Es </a:t>
+              <a:t>. Es </a:t>
             </a:r>
             <a:r>
               <a:rPr lang="en-US" sz="1800" dirty="0" err="1" smtClean="0">
@@ -28077,23 +28031,7 @@
                   <a:schemeClr val="tx1"/>
                 </a:solidFill>
               </a:rPr>
-              <a:t>Generational </a:t>
-            </a:r>
-            <a:r>
-              <a:rPr lang="en-US" sz="1800" dirty="0" smtClean="0">
-                <a:solidFill>
-                  <a:schemeClr val="tx1"/>
-                </a:solidFill>
-              </a:rPr>
-              <a:t>Concurrent Mark </a:t>
-            </a:r>
-            <a:r>
-              <a:rPr lang="en-US" sz="1800" dirty="0" smtClean="0">
-                <a:solidFill>
-                  <a:schemeClr val="tx1"/>
-                </a:solidFill>
-              </a:rPr>
-              <a:t>&amp; Sweep</a:t>
+              <a:t>Generational Concurrent Mark &amp; Sweep</a:t>
             </a:r>
           </a:p>
           <a:p>
@@ -28107,31 +28045,7 @@
                   <a:schemeClr val="tx1"/>
                 </a:solidFill>
               </a:rPr>
-              <a:t> </a:t>
-            </a:r>
-            <a:r>
-              <a:rPr lang="en-US" sz="1800" dirty="0" smtClean="0">
-                <a:solidFill>
-                  <a:schemeClr val="tx1"/>
-                </a:solidFill>
-              </a:rPr>
-              <a:t>Single </a:t>
-            </a:r>
-            <a:r>
-              <a:rPr lang="en-US" sz="1800" dirty="0" smtClean="0">
-                <a:solidFill>
-                  <a:schemeClr val="tx1"/>
-                </a:solidFill>
-              </a:rPr>
-              <a:t>Concurrent Mark </a:t>
-            </a:r>
-            <a:r>
-              <a:rPr lang="en-US" sz="1800" dirty="0" smtClean="0">
-                <a:solidFill>
-                  <a:schemeClr val="tx1"/>
-                </a:solidFill>
-              </a:rPr>
-              <a:t>&amp; Sweep</a:t>
+              <a:t> Single Concurrent Mark &amp; Sweep</a:t>
             </a:r>
           </a:p>
           <a:p>
@@ -28145,45 +28059,8 @@
                   <a:schemeClr val="tx1"/>
                 </a:solidFill>
               </a:rPr>
-              <a:t> </a:t>
-            </a:r>
-            <a:r>
-              <a:rPr lang="en-US" sz="1800" dirty="0" smtClean="0">
-                <a:solidFill>
-                  <a:schemeClr val="tx1"/>
-                </a:solidFill>
-              </a:rPr>
-              <a:t>Generational </a:t>
-            </a:r>
-            <a:r>
-              <a:rPr lang="en-US" sz="1800" dirty="0" smtClean="0">
-                <a:solidFill>
-                  <a:schemeClr val="tx1"/>
-                </a:solidFill>
-              </a:rPr>
-              <a:t>Parallel Mark </a:t>
-            </a:r>
-            <a:r>
-              <a:rPr lang="en-US" sz="1800" dirty="0" smtClean="0">
-                <a:solidFill>
-                  <a:schemeClr val="tx1"/>
-                </a:solidFill>
-              </a:rPr>
-              <a:t>&amp; </a:t>
-            </a:r>
-            <a:r>
-              <a:rPr lang="en-US" sz="1800" dirty="0" smtClean="0">
-                <a:solidFill>
-                  <a:schemeClr val="tx1"/>
-                </a:solidFill>
-              </a:rPr>
-              <a:t>Sweep </a:t>
-            </a:r>
-            <a:endParaRPr lang="en-US" sz="1800" dirty="0" smtClean="0">
-              <a:solidFill>
-                <a:schemeClr val="tx1"/>
-              </a:solidFill>
-            </a:endParaRPr>
+              <a:t> Generational Parallel Mark &amp; Sweep </a:t>
+            </a:r>
           </a:p>
           <a:p>
             <a:pPr algn="just">
@@ -28196,23 +28073,7 @@
                   <a:schemeClr val="tx1"/>
                 </a:solidFill>
               </a:rPr>
-              <a:t> Single </a:t>
-            </a:r>
-            <a:r>
-              <a:rPr lang="en-US" sz="1800" dirty="0" smtClean="0">
-                <a:solidFill>
-                  <a:schemeClr val="tx1"/>
-                </a:solidFill>
-              </a:rPr>
-              <a:t>Parallel Mark </a:t>
-            </a:r>
-            <a:r>
-              <a:rPr lang="en-US" sz="1800" dirty="0" smtClean="0">
-                <a:solidFill>
-                  <a:schemeClr val="tx1"/>
-                </a:solidFill>
-              </a:rPr>
-              <a:t>&amp; Sweep</a:t>
+              <a:t> Single Parallel Mark &amp; Sweep</a:t>
             </a:r>
           </a:p>
           <a:p>
@@ -28744,11 +28605,7 @@
               <a:pPr algn="ctr"/>
               <a:r>
                 <a:rPr lang="de-CH" sz="1800" dirty="0" smtClean="0"/>
-                <a:t>4</a:t>
-              </a:r>
-              <a:r>
-                <a:rPr lang="de-CH" sz="1800" dirty="0" smtClean="0"/>
-                <a:t>.</a:t>
+                <a:t>4.</a:t>
               </a:r>
               <a:endParaRPr lang="en-US" sz="1800" dirty="0"/>
             </a:p>
@@ -29438,15 +29295,7 @@
                     <a:schemeClr val="tx1"/>
                   </a:solidFill>
                 </a:rPr>
-                <a:t>Old </a:t>
-              </a:r>
-              <a:r>
-                <a:rPr lang="de-CH" sz="2000" dirty="0" smtClean="0">
-                  <a:solidFill>
-                    <a:schemeClr val="tx1"/>
-                  </a:solidFill>
-                </a:rPr>
-                <a:t>Generation</a:t>
+                <a:t>Old Generation</a:t>
               </a:r>
               <a:endParaRPr lang="en-US" sz="2000" dirty="0">
                 <a:solidFill>
@@ -30061,29 +29910,8 @@
                   <a:schemeClr val="tx1"/>
                 </a:solidFill>
               </a:rPr>
-              <a:t>Hohe </a:t>
-            </a:r>
-            <a:r>
-              <a:rPr lang="de-DE" sz="2000" b="1" dirty="0" smtClean="0">
-                <a:solidFill>
-                  <a:schemeClr val="tx1"/>
-                </a:solidFill>
-              </a:rPr>
-              <a:t>relative </a:t>
-            </a:r>
-            <a:r>
-              <a:rPr lang="de-DE" sz="2000" b="1" dirty="0" smtClean="0">
-                <a:solidFill>
-                  <a:schemeClr val="tx1"/>
-                </a:solidFill>
-              </a:rPr>
-              <a:t>Systemlast</a:t>
-            </a:r>
-            <a:endParaRPr lang="de-DE" sz="2000" b="1" dirty="0" smtClean="0">
-              <a:solidFill>
-                <a:schemeClr val="tx1"/>
-              </a:solidFill>
-            </a:endParaRPr>
+              <a:t>Hohe relative Systemlast</a:t>
+            </a:r>
           </a:p>
           <a:p>
             <a:pPr algn="just"/>
@@ -30093,7 +29921,15 @@
                   <a:schemeClr val="tx1"/>
                 </a:solidFill>
               </a:rPr>
-              <a:t>Die erste </a:t>
+              <a:t>Die erste Frage bei der Suche nach dem </a:t>
+            </a:r>
+            <a:r>
+              <a:rPr lang="de-DE" sz="1800" dirty="0" err="1" smtClean="0">
+                <a:solidFill>
+                  <a:schemeClr val="tx1"/>
+                </a:solidFill>
+              </a:rPr>
+              <a:t>Dominating</a:t>
             </a:r>
             <a:r>
               <a:rPr lang="de-DE" sz="1800" dirty="0" smtClean="0">
@@ -30101,39 +29937,7 @@
                   <a:schemeClr val="tx1"/>
                 </a:solidFill>
               </a:rPr>
-              <a:t>Frage bei der Suche nach dem </a:t>
-            </a:r>
-            <a:r>
-              <a:rPr lang="de-DE" sz="1800" dirty="0" err="1" smtClean="0">
-                <a:solidFill>
-                  <a:schemeClr val="tx1"/>
-                </a:solidFill>
-              </a:rPr>
-              <a:t>Dominating</a:t>
-            </a:r>
-            <a:r>
-              <a:rPr lang="de-DE" sz="1800" dirty="0" smtClean="0">
-                <a:solidFill>
-                  <a:schemeClr val="tx1"/>
-                </a:solidFill>
-              </a:rPr>
-              <a:t> Consumer  </a:t>
-            </a:r>
-            <a:r>
-              <a:rPr lang="de-DE" sz="1800" dirty="0" smtClean="0">
-                <a:solidFill>
-                  <a:schemeClr val="tx1"/>
-                </a:solidFill>
-              </a:rPr>
-              <a:t>ist, ob die hohe CPU-Auslastung durch die Applikation oder das System verursacht wird</a:t>
-            </a:r>
-            <a:r>
-              <a:rPr lang="de-DE" sz="1800" dirty="0" smtClean="0">
-                <a:solidFill>
-                  <a:schemeClr val="tx1"/>
-                </a:solidFill>
-              </a:rPr>
-              <a:t>. Bei einer Auslastung durch das System spricht man von einer hohen relativen Systemlast.  Dies kann unterschiedliche Gründe haben (exzessive Kontextwechsel, hohes I/O</a:t>
+              <a:t> Consumer  ist, ob die hohe CPU-Auslastung durch die Applikation oder das System verursacht wird. Bei einer Auslastung durch das System spricht man von einer hohen relativen Systemlast.  Dies kann unterschiedliche Gründe haben (exzessive Kontextwechsel, hohes I/O</a:t>
             </a:r>
             <a:r>
               <a:rPr lang="de-CH" sz="1800" dirty="0" smtClean="0">
@@ -30168,7 +29972,15 @@
                   <a:schemeClr val="tx1"/>
                 </a:solidFill>
               </a:rPr>
-              <a:t> </a:t>
+              <a:t> CPU- </a:t>
+            </a:r>
+            <a:r>
+              <a:rPr lang="en-US" sz="2000" b="1" dirty="0" err="1" smtClean="0">
+                <a:solidFill>
+                  <a:schemeClr val="tx1"/>
+                </a:solidFill>
+              </a:rPr>
+              <a:t>respektive</a:t>
             </a:r>
             <a:r>
               <a:rPr lang="en-US" sz="2000" b="1" dirty="0" smtClean="0">
@@ -30176,31 +29988,7 @@
                   <a:schemeClr val="tx1"/>
                 </a:solidFill>
               </a:rPr>
-              <a:t>CPU- </a:t>
-            </a:r>
-            <a:r>
-              <a:rPr lang="en-US" sz="2000" b="1" dirty="0" err="1" smtClean="0">
-                <a:solidFill>
-                  <a:schemeClr val="tx1"/>
-                </a:solidFill>
-              </a:rPr>
-              <a:t>respektive</a:t>
-            </a:r>
-            <a:r>
-              <a:rPr lang="en-US" sz="2000" b="1" dirty="0" smtClean="0">
-                <a:solidFill>
-                  <a:schemeClr val="tx1"/>
-                </a:solidFill>
-              </a:rPr>
-              <a:t> </a:t>
-            </a:r>
-            <a:r>
-              <a:rPr lang="en-US" sz="2000" b="1" dirty="0" smtClean="0">
-                <a:solidFill>
-                  <a:schemeClr val="tx1"/>
-                </a:solidFill>
-              </a:rPr>
-              <a:t>Core-Last</a:t>
+              <a:t> Core-Last</a:t>
             </a:r>
           </a:p>
           <a:p>
@@ -30619,7 +30407,15 @@
                   <a:schemeClr val="tx1"/>
                 </a:solidFill>
               </a:rPr>
-              <a:t> Connection- und </a:t>
+              <a:t> Connection- und Thread-Pools, </a:t>
+            </a:r>
+            <a:r>
+              <a:rPr lang="en-US" sz="1800" i="1" dirty="0" err="1" smtClean="0">
+                <a:solidFill>
+                  <a:schemeClr val="tx1"/>
+                </a:solidFill>
+              </a:rPr>
+              <a:t>Aurufe</a:t>
             </a:r>
             <a:r>
               <a:rPr lang="en-US" sz="1800" i="1" dirty="0" smtClean="0">
@@ -30627,31 +30423,7 @@
                   <a:schemeClr val="tx1"/>
                 </a:solidFill>
               </a:rPr>
-              <a:t>Thread-Pools, </a:t>
-            </a:r>
-            <a:r>
-              <a:rPr lang="en-US" sz="1800" i="1" dirty="0" err="1" smtClean="0">
-                <a:solidFill>
-                  <a:schemeClr val="tx1"/>
-                </a:solidFill>
-              </a:rPr>
-              <a:t>Aurufe</a:t>
-            </a:r>
-            <a:r>
-              <a:rPr lang="en-US" sz="1800" i="1" dirty="0" smtClean="0">
-                <a:solidFill>
-                  <a:schemeClr val="tx1"/>
-                </a:solidFill>
-              </a:rPr>
-              <a:t> </a:t>
-            </a:r>
-            <a:r>
-              <a:rPr lang="en-US" sz="1800" i="1" dirty="0" smtClean="0">
-                <a:solidFill>
-                  <a:schemeClr val="tx1"/>
-                </a:solidFill>
-              </a:rPr>
-              <a:t>auf </a:t>
+              <a:t> auf </a:t>
             </a:r>
             <a:r>
               <a:rPr lang="en-US" sz="1800" i="1" dirty="0" err="1" smtClean="0">
@@ -30720,11 +30492,6 @@
               </a:rPr>
               <a:t>Effizienter Objekt-Lebenszyklus</a:t>
             </a:r>
-            <a:endParaRPr lang="de-DE" sz="2000" b="1" dirty="0" smtClean="0">
-              <a:solidFill>
-                <a:schemeClr val="tx1"/>
-              </a:solidFill>
-            </a:endParaRPr>
           </a:p>
           <a:p>
             <a:pPr algn="just"/>
@@ -30734,7 +30501,31 @@
                   <a:schemeClr val="tx1"/>
                 </a:solidFill>
               </a:rPr>
-              <a:t>Sofern die </a:t>
+              <a:t>Sofern die CPU-Auslastung trotz kleiner relativer Systemlast durch die Applikation hoch ist, muss </a:t>
+            </a:r>
+            <a:r>
+              <a:rPr lang="de-DE" sz="1800" b="1" dirty="0" smtClean="0">
+                <a:solidFill>
+                  <a:schemeClr val="tx1"/>
+                </a:solidFill>
+              </a:rPr>
+              <a:t>Java Virtual </a:t>
+            </a:r>
+            <a:r>
+              <a:rPr lang="de-DE" sz="1800" b="1" dirty="0" err="1" smtClean="0">
+                <a:solidFill>
+                  <a:schemeClr val="tx1"/>
+                </a:solidFill>
+              </a:rPr>
+              <a:t>Machine</a:t>
+            </a:r>
+            <a:r>
+              <a:rPr lang="de-DE" sz="1800" b="1" dirty="0" smtClean="0">
+                <a:solidFill>
+                  <a:schemeClr val="tx1"/>
+                </a:solidFill>
+              </a:rPr>
+              <a:t> </a:t>
             </a:r>
             <a:r>
               <a:rPr lang="de-DE" sz="1800" dirty="0" smtClean="0">
@@ -30742,7 +30533,15 @@
                   <a:schemeClr val="tx1"/>
                 </a:solidFill>
               </a:rPr>
-              <a:t>CPU-Auslastung </a:t>
+              <a:t>und </a:t>
+            </a:r>
+            <a:r>
+              <a:rPr lang="de-DE" sz="1800" dirty="0" err="1" smtClean="0">
+                <a:solidFill>
+                  <a:schemeClr val="tx1"/>
+                </a:solidFill>
+              </a:rPr>
+              <a:t>evt</a:t>
             </a:r>
             <a:r>
               <a:rPr lang="de-DE" sz="1800" dirty="0" smtClean="0">
@@ -30750,7 +30549,39 @@
                   <a:schemeClr val="tx1"/>
                 </a:solidFill>
               </a:rPr>
-              <a:t>trotz kleiner relativer Systemlast durch die </a:t>
+              <a:t>. die </a:t>
+            </a:r>
+            <a:r>
+              <a:rPr lang="de-DE" sz="1800" b="1" dirty="0" err="1" smtClean="0">
+                <a:solidFill>
+                  <a:schemeClr val="tx1"/>
+                </a:solidFill>
+              </a:rPr>
+              <a:t>Garbage</a:t>
+            </a:r>
+            <a:r>
+              <a:rPr lang="de-DE" sz="1800" b="1" dirty="0" smtClean="0">
+                <a:solidFill>
+                  <a:schemeClr val="tx1"/>
+                </a:solidFill>
+              </a:rPr>
+              <a:t> </a:t>
+            </a:r>
+            <a:r>
+              <a:rPr lang="de-DE" sz="1800" b="1" dirty="0" err="1" smtClean="0">
+                <a:solidFill>
+                  <a:schemeClr val="tx1"/>
+                </a:solidFill>
+              </a:rPr>
+              <a:t>Collection</a:t>
+            </a:r>
+            <a:r>
+              <a:rPr lang="de-DE" sz="1800" b="1" dirty="0" smtClean="0">
+                <a:solidFill>
+                  <a:schemeClr val="tx1"/>
+                </a:solidFill>
+              </a:rPr>
+              <a:t> </a:t>
             </a:r>
             <a:r>
               <a:rPr lang="de-DE" sz="1800" dirty="0" smtClean="0">
@@ -30758,119 +30589,7 @@
                   <a:schemeClr val="tx1"/>
                 </a:solidFill>
               </a:rPr>
-              <a:t>Applikation </a:t>
-            </a:r>
-            <a:r>
-              <a:rPr lang="de-DE" sz="1800" dirty="0" smtClean="0">
-                <a:solidFill>
-                  <a:schemeClr val="tx1"/>
-                </a:solidFill>
-              </a:rPr>
-              <a:t>hoch ist, </a:t>
-            </a:r>
-            <a:r>
-              <a:rPr lang="de-DE" sz="1800" dirty="0" smtClean="0">
-                <a:solidFill>
-                  <a:schemeClr val="tx1"/>
-                </a:solidFill>
-              </a:rPr>
-              <a:t>muss </a:t>
-            </a:r>
-            <a:r>
-              <a:rPr lang="de-DE" sz="1800" b="1" dirty="0" smtClean="0">
-                <a:solidFill>
-                  <a:schemeClr val="tx1"/>
-                </a:solidFill>
-              </a:rPr>
-              <a:t>Java Virtual </a:t>
-            </a:r>
-            <a:r>
-              <a:rPr lang="de-DE" sz="1800" b="1" dirty="0" err="1" smtClean="0">
-                <a:solidFill>
-                  <a:schemeClr val="tx1"/>
-                </a:solidFill>
-              </a:rPr>
-              <a:t>Machine</a:t>
-            </a:r>
-            <a:r>
-              <a:rPr lang="de-DE" sz="1800" b="1" dirty="0" smtClean="0">
-                <a:solidFill>
-                  <a:schemeClr val="tx1"/>
-                </a:solidFill>
-              </a:rPr>
-              <a:t> </a:t>
-            </a:r>
-            <a:r>
-              <a:rPr lang="de-DE" sz="1800" dirty="0" smtClean="0">
-                <a:solidFill>
-                  <a:schemeClr val="tx1"/>
-                </a:solidFill>
-              </a:rPr>
-              <a:t>und </a:t>
-            </a:r>
-            <a:r>
-              <a:rPr lang="de-DE" sz="1800" dirty="0" err="1" smtClean="0">
-                <a:solidFill>
-                  <a:schemeClr val="tx1"/>
-                </a:solidFill>
-              </a:rPr>
-              <a:t>evt</a:t>
-            </a:r>
-            <a:r>
-              <a:rPr lang="de-DE" sz="1800" dirty="0" smtClean="0">
-                <a:solidFill>
-                  <a:schemeClr val="tx1"/>
-                </a:solidFill>
-              </a:rPr>
-              <a:t>. die </a:t>
-            </a:r>
-            <a:r>
-              <a:rPr lang="de-DE" sz="1800" b="1" dirty="0" err="1" smtClean="0">
-                <a:solidFill>
-                  <a:schemeClr val="tx1"/>
-                </a:solidFill>
-              </a:rPr>
-              <a:t>Garbage</a:t>
-            </a:r>
-            <a:r>
-              <a:rPr lang="de-DE" sz="1800" b="1" dirty="0" smtClean="0">
-                <a:solidFill>
-                  <a:schemeClr val="tx1"/>
-                </a:solidFill>
-              </a:rPr>
-              <a:t> </a:t>
-            </a:r>
-            <a:r>
-              <a:rPr lang="de-DE" sz="1800" b="1" dirty="0" err="1" smtClean="0">
-                <a:solidFill>
-                  <a:schemeClr val="tx1"/>
-                </a:solidFill>
-              </a:rPr>
-              <a:t>Collection</a:t>
-            </a:r>
-            <a:r>
-              <a:rPr lang="de-DE" sz="1800" b="1" dirty="0" smtClean="0">
-                <a:solidFill>
-                  <a:schemeClr val="tx1"/>
-                </a:solidFill>
-              </a:rPr>
-              <a:t> </a:t>
-            </a:r>
-            <a:r>
-              <a:rPr lang="de-DE" sz="1800" dirty="0" smtClean="0">
-                <a:solidFill>
-                  <a:schemeClr val="tx1"/>
-                </a:solidFill>
-              </a:rPr>
-              <a:t>angeschaut werden. Dafür gibt es unterschiedliche </a:t>
-            </a:r>
-            <a:r>
-              <a:rPr lang="de-DE" sz="1800" dirty="0" smtClean="0">
-                <a:solidFill>
-                  <a:schemeClr val="tx1"/>
-                </a:solidFill>
-              </a:rPr>
-              <a:t>Herangehensweisen:</a:t>
+              <a:t>angeschaut werden. Dafür gibt es unterschiedliche Herangehensweisen:</a:t>
             </a:r>
           </a:p>
           <a:p>
@@ -30892,23 +30611,7 @@
                   <a:schemeClr val="tx1"/>
                 </a:solidFill>
               </a:rPr>
-              <a:t>Memory </a:t>
-            </a:r>
-            <a:r>
-              <a:rPr lang="de-DE" sz="1800" i="1" dirty="0" smtClean="0">
-                <a:solidFill>
-                  <a:schemeClr val="tx1"/>
-                </a:solidFill>
-              </a:rPr>
-              <a:t>Analyse (Objektpopulation): </a:t>
-            </a:r>
-            <a:r>
-              <a:rPr lang="de-DE" sz="1800" i="1" dirty="0" smtClean="0">
-                <a:solidFill>
-                  <a:schemeClr val="tx1"/>
-                </a:solidFill>
-              </a:rPr>
-              <a:t> </a:t>
+              <a:t>Memory Analyse (Objektpopulation):  </a:t>
             </a:r>
             <a:r>
               <a:rPr lang="de-DE" sz="1800" dirty="0" smtClean="0">
@@ -30916,39 +30619,7 @@
                   <a:schemeClr val="tx1"/>
                 </a:solidFill>
               </a:rPr>
-              <a:t>Es </a:t>
-            </a:r>
-            <a:r>
-              <a:rPr lang="de-DE" sz="1800" dirty="0" smtClean="0">
-                <a:solidFill>
-                  <a:schemeClr val="tx1"/>
-                </a:solidFill>
-              </a:rPr>
-              <a:t>wird angeschaut, wie alt die Objekte in den unterschiedlichen </a:t>
-            </a:r>
-            <a:r>
-              <a:rPr lang="de-DE" sz="1800" dirty="0" smtClean="0">
-                <a:solidFill>
-                  <a:schemeClr val="tx1"/>
-                </a:solidFill>
-              </a:rPr>
-              <a:t>Bereichen sind</a:t>
-            </a:r>
-            <a:r>
-              <a:rPr lang="de-DE" sz="1800" dirty="0" smtClean="0">
-                <a:solidFill>
-                  <a:schemeClr val="tx1"/>
-                </a:solidFill>
-              </a:rPr>
-              <a:t>. </a:t>
-            </a:r>
-            <a:r>
-              <a:rPr lang="de-DE" sz="1800" dirty="0" smtClean="0">
-                <a:solidFill>
-                  <a:schemeClr val="tx1"/>
-                </a:solidFill>
-              </a:rPr>
-              <a:t/>
+              <a:t>Es wird angeschaut, wie alt die Objekte in den unterschiedlichen Bereichen sind. </a:t>
             </a:r>
             <a:br>
               <a:rPr lang="de-DE" sz="1800" dirty="0" smtClean="0">
@@ -31014,7 +30685,15 @@
                   <a:schemeClr val="tx1"/>
                 </a:solidFill>
               </a:rPr>
-              <a:t>Wann </a:t>
+              <a:t>Wann und wie oft werden </a:t>
+            </a:r>
+            <a:r>
+              <a:rPr lang="de-DE" sz="1800" dirty="0" err="1" smtClean="0">
+                <a:solidFill>
+                  <a:schemeClr val="tx1"/>
+                </a:solidFill>
+              </a:rPr>
+              <a:t>Garbage</a:t>
             </a:r>
             <a:r>
               <a:rPr lang="de-DE" sz="1800" dirty="0" smtClean="0">
@@ -31022,7 +30701,7 @@
                   <a:schemeClr val="tx1"/>
                 </a:solidFill>
               </a:rPr>
-              <a:t>und wie oft werden </a:t>
+              <a:t> </a:t>
             </a:r>
             <a:r>
               <a:rPr lang="de-DE" sz="1800" dirty="0" err="1" smtClean="0">
@@ -31030,7 +30709,7 @@
                   <a:schemeClr val="tx1"/>
                 </a:solidFill>
               </a:rPr>
-              <a:t>Garbage</a:t>
+              <a:t>Collections</a:t>
             </a:r>
             <a:r>
               <a:rPr lang="de-DE" sz="1800" dirty="0" smtClean="0">
@@ -31038,31 +30717,7 @@
                   <a:schemeClr val="tx1"/>
                 </a:solidFill>
               </a:rPr>
-              <a:t> </a:t>
-            </a:r>
-            <a:r>
-              <a:rPr lang="de-DE" sz="1800" dirty="0" err="1" smtClean="0">
-                <a:solidFill>
-                  <a:schemeClr val="tx1"/>
-                </a:solidFill>
-              </a:rPr>
-              <a:t>Collections</a:t>
-            </a:r>
-            <a:r>
-              <a:rPr lang="de-DE" sz="1800" dirty="0" smtClean="0">
-                <a:solidFill>
-                  <a:schemeClr val="tx1"/>
-                </a:solidFill>
-              </a:rPr>
-              <a:t> durchgeführt, wie lange haben sie </a:t>
-            </a:r>
-            <a:r>
-              <a:rPr lang="de-DE" sz="1800" dirty="0" smtClean="0">
-                <a:solidFill>
-                  <a:schemeClr val="tx1"/>
-                </a:solidFill>
-              </a:rPr>
-              <a:t> </a:t>
+              <a:t> durchgeführt, wie lange haben sie  </a:t>
             </a:r>
             <a:br>
               <a:rPr lang="de-DE" sz="1800" dirty="0" smtClean="0">
@@ -31077,15 +30732,7 @@
                   <a:schemeClr val="tx1"/>
                 </a:solidFill>
               </a:rPr>
-              <a:t>                                                                     gedauert</a:t>
-            </a:r>
-            <a:r>
-              <a:rPr lang="de-DE" sz="1800" dirty="0" smtClean="0">
-                <a:solidFill>
-                  <a:schemeClr val="tx1"/>
-                </a:solidFill>
-              </a:rPr>
-              <a:t>, </a:t>
+              <a:t>                                                                     gedauert, </a:t>
             </a:r>
             <a:r>
               <a:rPr lang="de-DE" sz="1800" dirty="0" err="1" smtClean="0">
@@ -33364,15 +33011,7 @@
             </a:r>
             <a:r>
               <a:rPr lang="de-DE" sz="1800" dirty="0" smtClean="0"/>
-              <a:t> Extension-Point-Mechanismus statt. </a:t>
-            </a:r>
-            <a:r>
-              <a:rPr lang="de-DE" sz="1800" dirty="0" smtClean="0"/>
-              <a:t> Die </a:t>
-            </a:r>
-            <a:r>
-              <a:rPr lang="de-DE" sz="1800" dirty="0" smtClean="0"/>
-              <a:t>Verantwortlichkeiten sind </a:t>
+              <a:t> Extension-Point-Mechanismus statt.  Die Verantwortlichkeiten sind </a:t>
             </a:r>
             <a:r>
               <a:rPr lang="de-DE" sz="1800" dirty="0" err="1" smtClean="0"/>
@@ -33393,11 +33032,7 @@
             </a:r>
             <a:r>
               <a:rPr lang="en-US" sz="1800" b="1" dirty="0" smtClean="0"/>
-              <a:t> </a:t>
-            </a:r>
-            <a:r>
-              <a:rPr lang="en-US" sz="1800" b="1" dirty="0" smtClean="0"/>
-              <a:t>(Core Feature)</a:t>
+              <a:t> (Core Feature)</a:t>
             </a:r>
           </a:p>
           <a:p>
@@ -33571,11 +33206,7 @@
             </a:pPr>
             <a:r>
               <a:rPr lang="de-CH" sz="1800" dirty="0" smtClean="0"/>
-              <a:t>Laden </a:t>
-            </a:r>
-            <a:r>
-              <a:rPr lang="de-CH" sz="1800" dirty="0" smtClean="0"/>
-              <a:t>der Daten aus dem Domänenmodell</a:t>
+              <a:t>Laden der Daten aus dem Domänenmodell</a:t>
             </a:r>
             <a:endParaRPr lang="de-DE" sz="1800" dirty="0" smtClean="0"/>
           </a:p>
@@ -33648,7 +33279,6 @@
               <a:rPr lang="de-DE" sz="1800" dirty="0" smtClean="0"/>
               <a:t>.</a:t>
             </a:r>
-            <a:endParaRPr lang="de-DE" sz="1800" dirty="0" smtClean="0"/>
           </a:p>
         </p:txBody>
       </p:sp>
@@ -33842,13 +33472,8 @@
           <a:p>
             <a:r>
               <a:rPr lang="de-CH" sz="1800" dirty="0" smtClean="0"/>
-              <a:t>Die Standardauswertung zeigt </a:t>
-            </a:r>
-            <a:r>
-              <a:rPr lang="de-CH" sz="1800" dirty="0" smtClean="0"/>
-              <a:t> eine Statistik mit folgenden Daten:</a:t>
-            </a:r>
-            <a:endParaRPr lang="de-CH" sz="1800" dirty="0" smtClean="0"/>
+              <a:t>Die Standardauswertung zeigt  eine Statistik mit folgenden Daten:</a:t>
+            </a:r>
           </a:p>
           <a:p>
             <a:pPr>
@@ -33867,11 +33492,7 @@
             </a:pPr>
             <a:r>
               <a:rPr lang="de-CH" sz="1800" dirty="0" smtClean="0"/>
-              <a:t> </a:t>
-            </a:r>
-            <a:r>
-              <a:rPr lang="de-CH" sz="1800" dirty="0" smtClean="0"/>
-              <a:t>Initiale, durchschnittliche und maximale Kapazität von </a:t>
+              <a:t> Initiale, durchschnittliche und maximale Kapazität von </a:t>
             </a:r>
             <a:r>
               <a:rPr lang="de-CH" sz="1800" dirty="0" err="1" smtClean="0"/>
@@ -33904,11 +33525,7 @@
             </a:pPr>
             <a:r>
               <a:rPr lang="de-CH" sz="1800" dirty="0" smtClean="0"/>
-              <a:t> </a:t>
-            </a:r>
-            <a:r>
-              <a:rPr lang="de-CH" sz="1800" dirty="0" smtClean="0"/>
-              <a:t>Generelle Informationen wie Dauer der Messung, verwendete Zeit in der Garbage Collection </a:t>
+              <a:t> Generelle Informationen wie Dauer der Messung, verwendete Zeit in der Garbage Collection </a:t>
             </a:r>
             <a:br>
               <a:rPr lang="de-CH" sz="1800" dirty="0" smtClean="0"/>
@@ -34063,7 +33680,11 @@
             </a:pPr>
             <a:r>
               <a:rPr lang="de-CH" sz="1800" dirty="0" smtClean="0"/>
-              <a:t> Die Software kann zum jetzigen Zeitpunkt keine anderen </a:t>
+              <a:t> Die Software kann zum jetzigen </a:t>
+            </a:r>
+            <a:r>
+              <a:rPr lang="de-CH" sz="1800" dirty="0" smtClean="0"/>
+              <a:t>Zeitpunkt nur </a:t>
             </a:r>
             <a:r>
               <a:rPr lang="de-CH" sz="1800" dirty="0" err="1" smtClean="0"/>
@@ -34071,7 +33692,7 @@
             </a:r>
             <a:r>
               <a:rPr lang="de-CH" sz="1800" dirty="0" smtClean="0"/>
-              <a:t>, als die der </a:t>
+              <a:t> der </a:t>
             </a:r>
             <a:r>
               <a:rPr lang="de-CH" sz="1800" dirty="0" err="1" smtClean="0"/>
@@ -34088,21 +33709,25 @@
             <a:r>
               <a:rPr lang="de-CH" sz="1800" dirty="0" smtClean="0"/>
               <a:t> </a:t>
+            </a:r>
+            <a:r>
+              <a:rPr lang="de-CH" sz="1800" dirty="0" err="1" smtClean="0"/>
+              <a:t>Machine</a:t>
+            </a:r>
+            <a:r>
+              <a:rPr lang="de-CH" sz="1800" dirty="0" smtClean="0"/>
+              <a:t> Release 28</a:t>
             </a:r>
             <a:br>
               <a:rPr lang="de-CH" sz="1800" dirty="0" smtClean="0"/>
             </a:br>
             <a:r>
               <a:rPr lang="de-CH" sz="1800" dirty="0" smtClean="0"/>
-              <a:t>   </a:t>
-            </a:r>
-            <a:r>
-              <a:rPr lang="de-CH" sz="1800" dirty="0" err="1" smtClean="0"/>
-              <a:t>Machine</a:t>
+              <a:t>   verarbeiten</a:t>
             </a:r>
             <a:r>
               <a:rPr lang="de-CH" sz="1800" dirty="0" smtClean="0"/>
-              <a:t> Release 28, verarbeiten. </a:t>
+              <a:t>. </a:t>
             </a:r>
           </a:p>
           <a:p>
@@ -34112,11 +33737,7 @@
             </a:pPr>
             <a:r>
               <a:rPr lang="de-CH" sz="1800" dirty="0" smtClean="0"/>
-              <a:t>  </a:t>
-            </a:r>
-            <a:r>
-              <a:rPr lang="de-CH" sz="1800" dirty="0" smtClean="0"/>
-              <a:t>Der Einsatz der Analysesoftware für das Tuning der Garbage Collection auf der </a:t>
+              <a:t>  Der Einsatz der Analysesoftware für das Tuning der Garbage Collection auf der </a:t>
             </a:r>
             <a:r>
               <a:rPr lang="de-CH" sz="1800" dirty="0" err="1" smtClean="0"/>
@@ -34133,10 +33754,6 @@
             <a:r>
               <a:rPr lang="de-CH" sz="1800" dirty="0" smtClean="0"/>
               <a:t>  </a:t>
-            </a:r>
-            <a:r>
-              <a:rPr lang="de-CH" sz="1800" dirty="0" smtClean="0"/>
-              <a:t/>
             </a:r>
             <a:br>
               <a:rPr lang="de-CH" sz="1800" dirty="0" smtClean="0"/>
@@ -34151,7 +33768,15 @@
             </a:r>
             <a:r>
               <a:rPr lang="de-CH" sz="1800" dirty="0" smtClean="0"/>
-              <a:t> macht aktuell nur dann Sinn, wenn die Auswertung mittels </a:t>
+              <a:t> macht aktuell </a:t>
+            </a:r>
+            <a:r>
+              <a:rPr lang="de-CH" sz="1800" dirty="0" smtClean="0"/>
+              <a:t>dann </a:t>
+            </a:r>
+            <a:r>
+              <a:rPr lang="de-CH" sz="1800" dirty="0" smtClean="0"/>
+              <a:t>Sinn, wenn die Auswertung mittels </a:t>
             </a:r>
             <a:r>
               <a:rPr lang="de-CH" sz="1800" dirty="0" err="1" smtClean="0"/>
@@ -34167,23 +33792,36 @@
             </a:r>
             <a:r>
               <a:rPr lang="de-CH" sz="1800" dirty="0" smtClean="0"/>
-              <a:t> (ein </a:t>
+              <a:t> </a:t>
+            </a:r>
+            <a:r>
+              <a:rPr lang="de-CH" sz="1800" dirty="0" smtClean="0"/>
+              <a:t> oder   </a:t>
             </a:r>
             <a:br>
               <a:rPr lang="de-CH" sz="1800" dirty="0" smtClean="0"/>
             </a:br>
             <a:r>
               <a:rPr lang="de-CH" sz="1800" dirty="0" smtClean="0"/>
-              <a:t>   Werkzeug von Oracle) nicht möglich ist (</a:t>
-            </a:r>
-            <a:r>
-              <a:rPr lang="de-CH" sz="1800" dirty="0" err="1" smtClean="0"/>
-              <a:t>Firewall-Restriktionen</a:t>
+              <a:t>   anderen Werkzeugen aufgrund von Einschränkungen </a:t>
+            </a:r>
+            <a:r>
+              <a:rPr lang="de-CH" sz="1800" smtClean="0"/>
+              <a:t>(z.B. Firewall</a:t>
             </a:r>
             <a:r>
               <a:rPr lang="de-CH" sz="1800" dirty="0" smtClean="0"/>
-              <a:t>, etc.) . </a:t>
-            </a:r>
+              <a:t>) nicht </a:t>
+            </a:r>
+            <a:r>
+              <a:rPr lang="de-CH" sz="1800" dirty="0" smtClean="0"/>
+              <a:t>möglich </a:t>
+            </a:r>
+            <a:r>
+              <a:rPr lang="de-CH" sz="1800" dirty="0" smtClean="0"/>
+              <a:t>ist.</a:t>
+            </a:r>
+            <a:endParaRPr lang="de-CH" sz="1800" dirty="0" smtClean="0"/>
           </a:p>
         </p:txBody>
       </p:sp>
@@ -34377,11 +34015,7 @@
           <a:p>
             <a:r>
               <a:rPr lang="de-CH" sz="3200" b="1" dirty="0" smtClean="0"/>
-              <a:t>Weiter </a:t>
-            </a:r>
-            <a:r>
-              <a:rPr lang="de-CH" sz="3200" b="1" dirty="0" smtClean="0"/>
-              <a:t>Informationen</a:t>
+              <a:t>Weiter Informationen</a:t>
             </a:r>
             <a:endParaRPr lang="en-US" sz="3200" dirty="0"/>
           </a:p>

--- a/Dokumentation/Poster/bachelorthesis_rschmid_poster.pptx
+++ b/Dokumentation/Poster/bachelorthesis_rschmid_poster.pptx
@@ -289,7 +289,7 @@
             <a:fld id="{C62D31E2-9E86-40CB-A2F4-FCB2575419C8}" type="datetimeFigureOut">
               <a:rPr lang="en-US" smtClean="0"/>
               <a:pPr/>
-              <a:t>11/30/2011</a:t>
+              <a:t>12/1/2011</a:t>
             </a:fld>
             <a:endParaRPr lang="en-US"/>
           </a:p>
@@ -456,7 +456,7 @@
             <a:fld id="{C62D31E2-9E86-40CB-A2F4-FCB2575419C8}" type="datetimeFigureOut">
               <a:rPr lang="en-US" smtClean="0"/>
               <a:pPr/>
-              <a:t>11/30/2011</a:t>
+              <a:t>12/1/2011</a:t>
             </a:fld>
             <a:endParaRPr lang="en-US"/>
           </a:p>
@@ -633,7 +633,7 @@
             <a:fld id="{C62D31E2-9E86-40CB-A2F4-FCB2575419C8}" type="datetimeFigureOut">
               <a:rPr lang="en-US" smtClean="0"/>
               <a:pPr/>
-              <a:t>11/30/2011</a:t>
+              <a:t>12/1/2011</a:t>
             </a:fld>
             <a:endParaRPr lang="en-US"/>
           </a:p>
@@ -800,7 +800,7 @@
             <a:fld id="{C62D31E2-9E86-40CB-A2F4-FCB2575419C8}" type="datetimeFigureOut">
               <a:rPr lang="en-US" smtClean="0"/>
               <a:pPr/>
-              <a:t>11/30/2011</a:t>
+              <a:t>12/1/2011</a:t>
             </a:fld>
             <a:endParaRPr lang="en-US"/>
           </a:p>
@@ -1043,7 +1043,7 @@
             <a:fld id="{C62D31E2-9E86-40CB-A2F4-FCB2575419C8}" type="datetimeFigureOut">
               <a:rPr lang="en-US" smtClean="0"/>
               <a:pPr/>
-              <a:t>11/30/2011</a:t>
+              <a:t>12/1/2011</a:t>
             </a:fld>
             <a:endParaRPr lang="en-US"/>
           </a:p>
@@ -1328,7 +1328,7 @@
             <a:fld id="{C62D31E2-9E86-40CB-A2F4-FCB2575419C8}" type="datetimeFigureOut">
               <a:rPr lang="en-US" smtClean="0"/>
               <a:pPr/>
-              <a:t>11/30/2011</a:t>
+              <a:t>12/1/2011</a:t>
             </a:fld>
             <a:endParaRPr lang="en-US"/>
           </a:p>
@@ -1747,7 +1747,7 @@
             <a:fld id="{C62D31E2-9E86-40CB-A2F4-FCB2575419C8}" type="datetimeFigureOut">
               <a:rPr lang="en-US" smtClean="0"/>
               <a:pPr/>
-              <a:t>11/30/2011</a:t>
+              <a:t>12/1/2011</a:t>
             </a:fld>
             <a:endParaRPr lang="en-US"/>
           </a:p>
@@ -1862,7 +1862,7 @@
             <a:fld id="{C62D31E2-9E86-40CB-A2F4-FCB2575419C8}" type="datetimeFigureOut">
               <a:rPr lang="en-US" smtClean="0"/>
               <a:pPr/>
-              <a:t>11/30/2011</a:t>
+              <a:t>12/1/2011</a:t>
             </a:fld>
             <a:endParaRPr lang="en-US"/>
           </a:p>
@@ -1954,7 +1954,7 @@
             <a:fld id="{C62D31E2-9E86-40CB-A2F4-FCB2575419C8}" type="datetimeFigureOut">
               <a:rPr lang="en-US" smtClean="0"/>
               <a:pPr/>
-              <a:t>11/30/2011</a:t>
+              <a:t>12/1/2011</a:t>
             </a:fld>
             <a:endParaRPr lang="en-US"/>
           </a:p>
@@ -2228,7 +2228,7 @@
             <a:fld id="{C62D31E2-9E86-40CB-A2F4-FCB2575419C8}" type="datetimeFigureOut">
               <a:rPr lang="en-US" smtClean="0"/>
               <a:pPr/>
-              <a:t>11/30/2011</a:t>
+              <a:t>12/1/2011</a:t>
             </a:fld>
             <a:endParaRPr lang="en-US"/>
           </a:p>
@@ -2478,7 +2478,7 @@
             <a:fld id="{C62D31E2-9E86-40CB-A2F4-FCB2575419C8}" type="datetimeFigureOut">
               <a:rPr lang="en-US" smtClean="0"/>
               <a:pPr/>
-              <a:t>11/30/2011</a:t>
+              <a:t>12/1/2011</a:t>
             </a:fld>
             <a:endParaRPr lang="en-US"/>
           </a:p>
@@ -2688,7 +2688,7 @@
             <a:fld id="{C62D31E2-9E86-40CB-A2F4-FCB2575419C8}" type="datetimeFigureOut">
               <a:rPr lang="en-US" smtClean="0"/>
               <a:pPr/>
-              <a:t>11/30/2011</a:t>
+              <a:t>12/1/2011</a:t>
             </a:fld>
             <a:endParaRPr lang="en-US"/>
           </a:p>
@@ -3111,7 +3111,7 @@
         <p:spPr>
           <a:xfrm>
             <a:off x="10043319" y="2179637"/>
-            <a:ext cx="12420600" cy="27584400"/>
+            <a:ext cx="11049000" cy="27584400"/>
           </a:xfrm>
           <a:prstGeom prst="rect">
             <a:avLst/>
@@ -3208,8 +3208,8 @@
         </p:nvSpPr>
         <p:spPr>
           <a:xfrm>
-            <a:off x="10043319" y="19324637"/>
-            <a:ext cx="12420600" cy="10439400"/>
+            <a:off x="10043319" y="18867437"/>
+            <a:ext cx="11049000" cy="10896600"/>
           </a:xfrm>
           <a:prstGeom prst="rect">
             <a:avLst/>
@@ -26439,7 +26439,7 @@
         </p:nvCxnSpPr>
         <p:spPr>
           <a:xfrm>
-            <a:off x="11433969" y="13438187"/>
+            <a:off x="10881519" y="12580937"/>
             <a:ext cx="666751" cy="0"/>
           </a:xfrm>
           <a:prstGeom prst="straightConnector1">
@@ -26475,8 +26475,8 @@
         </p:nvCxnSpPr>
         <p:spPr>
           <a:xfrm>
-            <a:off x="14507824" y="13438187"/>
-            <a:ext cx="4450895" cy="0"/>
+            <a:off x="13955374" y="12580937"/>
+            <a:ext cx="3917495" cy="0"/>
           </a:xfrm>
           <a:prstGeom prst="straightConnector1">
             <a:avLst/>
@@ -26511,7 +26511,7 @@
         </p:nvCxnSpPr>
         <p:spPr>
           <a:xfrm>
-            <a:off x="13304272" y="14543087"/>
+            <a:off x="12751822" y="13685837"/>
             <a:ext cx="6122" cy="495300"/>
           </a:xfrm>
           <a:prstGeom prst="straightConnector1">
@@ -26547,8 +26547,8 @@
         </p:nvCxnSpPr>
         <p:spPr>
           <a:xfrm>
-            <a:off x="14539119" y="16141171"/>
-            <a:ext cx="954157" cy="2116"/>
+            <a:off x="13986669" y="15283921"/>
+            <a:ext cx="516007" cy="2116"/>
           </a:xfrm>
           <a:prstGeom prst="straightConnector1">
             <a:avLst/>
@@ -26583,7 +26583,7 @@
         </p:nvCxnSpPr>
         <p:spPr>
           <a:xfrm>
-            <a:off x="16892236" y="17438687"/>
+            <a:off x="15901636" y="16581437"/>
             <a:ext cx="6639" cy="390978"/>
           </a:xfrm>
           <a:prstGeom prst="straightConnector1">
@@ -26619,7 +26619,7 @@
         </p:nvCxnSpPr>
         <p:spPr>
           <a:xfrm>
-            <a:off x="13310394" y="17243954"/>
+            <a:off x="12757944" y="16386704"/>
             <a:ext cx="9525" cy="613833"/>
           </a:xfrm>
           <a:prstGeom prst="straightConnector1">
@@ -26655,8 +26655,8 @@
         </p:nvCxnSpPr>
         <p:spPr>
           <a:xfrm>
-            <a:off x="18291195" y="16143287"/>
-            <a:ext cx="705624" cy="0"/>
+            <a:off x="17300595" y="15286037"/>
+            <a:ext cx="591324" cy="0"/>
           </a:xfrm>
           <a:prstGeom prst="straightConnector1">
             <a:avLst/>
@@ -26688,10 +26688,10 @@
         </p:nvGrpSpPr>
         <p:grpSpPr>
           <a:xfrm>
-            <a:off x="10900569" y="12333287"/>
-            <a:ext cx="11029950" cy="6838950"/>
+            <a:off x="10348119" y="11476037"/>
+            <a:ext cx="10496550" cy="6686550"/>
             <a:chOff x="10976769" y="12443051"/>
-            <a:chExt cx="11029950" cy="6838950"/>
+            <a:chExt cx="10496550" cy="6686550"/>
           </a:xfrm>
         </p:grpSpPr>
         <p:sp>
@@ -26745,7 +26745,7 @@
           </p:nvSpPr>
           <p:spPr>
             <a:xfrm>
-              <a:off x="19073019" y="15719651"/>
+              <a:off x="18520569" y="15719651"/>
               <a:ext cx="2895600" cy="1066800"/>
             </a:xfrm>
             <a:prstGeom prst="roundRect">
@@ -26791,7 +26791,7 @@
           </p:nvSpPr>
           <p:spPr>
             <a:xfrm>
-              <a:off x="19034919" y="13014551"/>
+              <a:off x="18501519" y="13014551"/>
               <a:ext cx="2971800" cy="1066800"/>
             </a:xfrm>
             <a:prstGeom prst="roundRect">
@@ -26957,7 +26957,7 @@
           </p:nvSpPr>
           <p:spPr>
             <a:xfrm>
-              <a:off x="15569476" y="14957651"/>
+              <a:off x="15131326" y="14957651"/>
               <a:ext cx="2797919" cy="2590800"/>
             </a:xfrm>
             <a:prstGeom prst="diamond">
@@ -27064,10 +27064,10 @@
           </p:nvGrpSpPr>
           <p:grpSpPr>
             <a:xfrm>
-              <a:off x="15186819" y="17681801"/>
-              <a:ext cx="3588028" cy="1600200"/>
-              <a:chOff x="13808591" y="17703730"/>
-              <a:chExt cx="3588028" cy="1600200"/>
+              <a:off x="14996319" y="17853251"/>
+              <a:ext cx="3143250" cy="1276350"/>
+              <a:chOff x="13618091" y="17875180"/>
+              <a:chExt cx="3143250" cy="1276350"/>
             </a:xfrm>
           </p:grpSpPr>
           <p:sp>
@@ -27078,7 +27078,7 @@
             </p:nvSpPr>
             <p:spPr>
               <a:xfrm>
-                <a:off x="14149047" y="17961358"/>
+                <a:off x="13710897" y="17961358"/>
                 <a:ext cx="2895600" cy="1066800"/>
               </a:xfrm>
               <a:prstGeom prst="roundRect">
@@ -27148,8 +27148,8 @@
             </p:nvSpPr>
             <p:spPr>
               <a:xfrm>
-                <a:off x="13808591" y="17703730"/>
-                <a:ext cx="3588028" cy="1600200"/>
+                <a:off x="13618091" y="17875180"/>
+                <a:ext cx="3143250" cy="1276350"/>
               </a:xfrm>
               <a:prstGeom prst="roundRect">
                 <a:avLst/>
@@ -27196,8 +27196,8 @@
         </p:nvSpPr>
         <p:spPr>
           <a:xfrm>
-            <a:off x="22730619" y="2179637"/>
-            <a:ext cx="19751040" cy="5381625"/>
+            <a:off x="21397119" y="2179637"/>
+            <a:ext cx="21084540" cy="5410200"/>
           </a:xfrm>
           <a:prstGeom prst="rect">
             <a:avLst/>
@@ -27244,8 +27244,8 @@
         </p:nvSpPr>
         <p:spPr>
           <a:xfrm>
-            <a:off x="10043319" y="19248437"/>
-            <a:ext cx="12192000" cy="10287000"/>
+            <a:off x="10043319" y="18867437"/>
+            <a:ext cx="11049000" cy="10896600"/>
           </a:xfrm>
           <a:prstGeom prst="roundRect">
             <a:avLst>
@@ -27473,23 +27473,7 @@
                   <a:schemeClr val="tx1"/>
                 </a:solidFill>
               </a:rPr>
-              <a:t>Das einzige relevante Tuningziel ist in der Regel die Optimierung hinsichtlich gleichmässiger und kurzer Pausenzeiten. Dies ist insbesondere bei Applikationen wichtig, bei denen die Interaktion mit einem Benutzer im Vordergrund steht. Durchsatztuning ist meistens nicht sehr effektiv und der Austausch der CPU kostengünstiger.  Arbeitsspeicher-Tuning (damit der Garbage </a:t>
-            </a:r>
-            <a:r>
-              <a:rPr lang="de-CH" sz="1800" dirty="0" err="1" smtClean="0">
-                <a:solidFill>
-                  <a:schemeClr val="tx1"/>
-                </a:solidFill>
-              </a:rPr>
-              <a:t>Collector</a:t>
-            </a:r>
-            <a:r>
-              <a:rPr lang="de-CH" sz="1800" dirty="0" smtClean="0">
-                <a:solidFill>
-                  <a:schemeClr val="tx1"/>
-                </a:solidFill>
-              </a:rPr>
-              <a:t> weniger Arbeitsspeicher verbraucht) ist mit der 64-Bit Architektur in den Hintergrund gerückt,  da nun normalerweise genügend Speicher angesprochen werden kann.</a:t>
+              <a:t>Das einzige relevante Tuningziel ist in der Regel die Optimierung hinsichtlich gleichmässiger und kurzer Pausenzeiten. Dies ist insbesondere bei Applikationen wichtig, bei denen die Interaktion mit einem Benutzer im Vordergrund steht. Durchsatztuning ist meistens nicht sehr effektiv und der Austausch der CPU kostengünstiger.  Arbeitsspeicher-Tuning ist mit der 64-Bit Architektur in den Hintergrund gerückt.</a:t>
             </a:r>
           </a:p>
           <a:p>
@@ -28024,14 +28008,17 @@
             </a:endParaRPr>
           </a:p>
           <a:p>
-            <a:pPr algn="just"/>
+            <a:pPr algn="just">
+              <a:buFont typeface="Arial" pitchFamily="34" charset="0"/>
+              <a:buChar char="•"/>
+            </a:pPr>
             <a:r>
               <a:rPr lang="en-US" sz="1800" dirty="0" smtClean="0">
                 <a:solidFill>
                   <a:schemeClr val="tx1"/>
                 </a:solidFill>
               </a:rPr>
-              <a:t>Generational Concurrent Mark &amp; Sweep</a:t>
+              <a:t> Generational Concurrent Mark &amp; Sweep</a:t>
             </a:r>
           </a:p>
           <a:p>
@@ -28105,11 +28092,14 @@
               </a:rPr>
               <a:t>Heaps</a:t>
             </a:r>
-            <a:endParaRPr lang="de-CH" sz="2000" b="1" dirty="0" smtClean="0">
-              <a:solidFill>
-                <a:schemeClr val="tx1"/>
-              </a:solidFill>
-            </a:endParaRPr>
+            <a:r>
+              <a:rPr lang="de-CH" sz="2000" b="1" dirty="0" smtClean="0">
+                <a:solidFill>
+                  <a:schemeClr val="tx1"/>
+                </a:solidFill>
+              </a:rPr>
+              <a:t> (mit Generationen</a:t>
+            </a:r>
           </a:p>
           <a:p>
             <a:pPr algn="just"/>
@@ -28167,7 +28157,7 @@
                   <a:schemeClr val="tx1"/>
                 </a:solidFill>
               </a:rPr>
-              <a:t> kommt ohne Permanent-Bereich (hier werden bei der </a:t>
+              <a:t> kommt ohne Permanent-Bereich aus. </a:t>
             </a:r>
             <a:r>
               <a:rPr lang="de-CH" sz="1800" dirty="0" err="1" smtClean="0">
@@ -28175,7 +28165,7 @@
                   <a:schemeClr val="tx1"/>
                 </a:solidFill>
               </a:rPr>
-              <a:t>HotSpot</a:t>
+              <a:t>JRockit</a:t>
             </a:r>
             <a:r>
               <a:rPr lang="de-CH" sz="1800" dirty="0" smtClean="0">
@@ -28183,7 +28173,7 @@
                   <a:schemeClr val="tx1"/>
                 </a:solidFill>
               </a:rPr>
-              <a:t> VM beispielsweise die </a:t>
+              <a:t> verwendet kein Mark &amp; </a:t>
             </a:r>
             <a:r>
               <a:rPr lang="de-CH" sz="1800" dirty="0" err="1" smtClean="0">
@@ -28191,7 +28181,7 @@
                   <a:schemeClr val="tx1"/>
                 </a:solidFill>
               </a:rPr>
-              <a:t>Class-Objekte</a:t>
+              <a:t>Copy</a:t>
             </a:r>
             <a:r>
               <a:rPr lang="de-CH" sz="1800" dirty="0" smtClean="0">
@@ -28199,7 +28189,7 @@
                   <a:schemeClr val="tx1"/>
                 </a:solidFill>
               </a:rPr>
-              <a:t> angelegt) aus. </a:t>
+              <a:t> Algorithmus und benötigt deshalb auch keine </a:t>
             </a:r>
             <a:r>
               <a:rPr lang="de-CH" sz="1800" dirty="0" err="1" smtClean="0">
@@ -28207,7 +28197,7 @@
                   <a:schemeClr val="tx1"/>
                 </a:solidFill>
               </a:rPr>
-              <a:t>JRockit</a:t>
+              <a:t>Survivor-Regionen</a:t>
             </a:r>
             <a:r>
               <a:rPr lang="de-CH" sz="1800" dirty="0" smtClean="0">
@@ -28215,39 +28205,7 @@
                   <a:schemeClr val="tx1"/>
                 </a:solidFill>
               </a:rPr>
-              <a:t> verwendet keine Mark &amp; </a:t>
-            </a:r>
-            <a:r>
-              <a:rPr lang="de-CH" sz="1800" dirty="0" err="1" smtClean="0">
-                <a:solidFill>
-                  <a:schemeClr val="tx1"/>
-                </a:solidFill>
-              </a:rPr>
-              <a:t>Copy</a:t>
-            </a:r>
-            <a:r>
-              <a:rPr lang="de-CH" sz="1800" dirty="0" smtClean="0">
-                <a:solidFill>
-                  <a:schemeClr val="tx1"/>
-                </a:solidFill>
-              </a:rPr>
-              <a:t> Algorithmus und benötigt deshalb auch keine </a:t>
-            </a:r>
-            <a:r>
-              <a:rPr lang="de-CH" sz="1800" dirty="0" err="1" smtClean="0">
-                <a:solidFill>
-                  <a:schemeClr val="tx1"/>
-                </a:solidFill>
-              </a:rPr>
-              <a:t>Survivor-Regionen</a:t>
-            </a:r>
-            <a:r>
-              <a:rPr lang="de-CH" sz="1800" dirty="0" smtClean="0">
-                <a:solidFill>
-                  <a:schemeClr val="tx1"/>
-                </a:solidFill>
-              </a:rPr>
-              <a:t>. Sofern Generationen angelegt werden, sieht das Schema der Bereiche folgendermassen aus:</a:t>
+              <a:t>. Das Schema ist wie folgt:</a:t>
             </a:r>
           </a:p>
           <a:p>
@@ -28306,7 +28264,7 @@
                   <a:schemeClr val="tx1"/>
                 </a:solidFill>
               </a:rPr>
-              <a:t> Bereiche (jedem </a:t>
+              <a:t> Bereiche unterteilt, so dass die Allokation nicht synchronisiert werden muss. In die </a:t>
             </a:r>
             <a:r>
               <a:rPr lang="de-CH" sz="1800" dirty="0" err="1" smtClean="0">
@@ -28314,7 +28272,7 @@
                   <a:schemeClr val="tx1"/>
                 </a:solidFill>
               </a:rPr>
-              <a:t>Thread</a:t>
+              <a:t>Keep</a:t>
             </a:r>
             <a:r>
               <a:rPr lang="de-CH" sz="1800" dirty="0" smtClean="0">
@@ -28322,7 +28280,7 @@
                   <a:schemeClr val="tx1"/>
                 </a:solidFill>
               </a:rPr>
-              <a:t> gehört ein Bereich) unterteilt, sodass die Allokation nicht synchronisiert werden muss. In der </a:t>
+              <a:t> </a:t>
             </a:r>
             <a:r>
               <a:rPr lang="de-CH" sz="1800" dirty="0" err="1" smtClean="0">
@@ -28330,7 +28288,7 @@
                   <a:schemeClr val="tx1"/>
                 </a:solidFill>
               </a:rPr>
-              <a:t>Keep</a:t>
+              <a:t>Area</a:t>
             </a:r>
             <a:r>
               <a:rPr lang="de-CH" sz="1800" dirty="0" smtClean="0">
@@ -28338,6 +28296,22 @@
                   <a:schemeClr val="tx1"/>
                 </a:solidFill>
               </a:rPr>
+              <a:t> kommen die Objekte nach einer, in die Old Generation nach einer weiteren </a:t>
+            </a:r>
+            <a:r>
+              <a:rPr lang="de-CH" sz="1800" dirty="0" err="1" smtClean="0">
+                <a:solidFill>
+                  <a:schemeClr val="tx1"/>
+                </a:solidFill>
+              </a:rPr>
+              <a:t>Garbage</a:t>
+            </a:r>
+            <a:r>
+              <a:rPr lang="de-CH" sz="1800" dirty="0" smtClean="0">
+                <a:solidFill>
+                  <a:schemeClr val="tx1"/>
+                </a:solidFill>
+              </a:rPr>
               <a:t> </a:t>
             </a:r>
             <a:r>
@@ -28346,7 +28320,7 @@
                   <a:schemeClr val="tx1"/>
                 </a:solidFill>
               </a:rPr>
-              <a:t>Area</a:t>
+              <a:t>Collection</a:t>
             </a:r>
             <a:r>
               <a:rPr lang="de-CH" sz="1800" dirty="0" smtClean="0">
@@ -28354,7 +28328,7 @@
                   <a:schemeClr val="tx1"/>
                 </a:solidFill>
               </a:rPr>
-              <a:t> befinden sich die Objekte, welche eine Garbage Collection auf der Young Generation überlebt haben. Nach einer nochmaligen Collection wandern sie in die Old Generation und bleiben da, bis sie von einer Old Collection weggeräumt werden.</a:t>
+              <a:t>.</a:t>
             </a:r>
           </a:p>
           <a:p>
@@ -28443,7 +28417,7 @@
         </p:nvSpPr>
         <p:spPr>
           <a:xfrm>
-            <a:off x="22997319" y="2179637"/>
+            <a:off x="21625719" y="2179637"/>
             <a:ext cx="7162800" cy="707886"/>
           </a:xfrm>
           <a:prstGeom prst="rect">
@@ -28473,7 +28447,7 @@
         </p:nvGrpSpPr>
         <p:grpSpPr>
           <a:xfrm>
-            <a:off x="11795919" y="4389437"/>
+            <a:off x="11033919" y="4477305"/>
             <a:ext cx="8610600" cy="1588532"/>
             <a:chOff x="11795919" y="4999037"/>
             <a:chExt cx="8610600" cy="1588532"/>
@@ -29180,7 +29154,7 @@
         </p:nvGrpSpPr>
         <p:grpSpPr>
           <a:xfrm>
-            <a:off x="11110119" y="27554237"/>
+            <a:off x="10576719" y="26963687"/>
             <a:ext cx="10058400" cy="609600"/>
             <a:chOff x="11262519" y="28087637"/>
             <a:chExt cx="10058400" cy="609600"/>
@@ -29391,7 +29365,7 @@
         <p:spPr>
           <a:xfrm>
             <a:off x="10043319" y="2941637"/>
-            <a:ext cx="12344400" cy="9372600"/>
+            <a:ext cx="10820400" cy="9372600"/>
           </a:xfrm>
           <a:prstGeom prst="roundRect">
             <a:avLst>
@@ -29853,69 +29827,85 @@
                 </a:solidFill>
               </a:rPr>
             </a:br>
-            <a:r>
-              <a:rPr lang="en-US" sz="2400" b="1" dirty="0" err="1" smtClean="0">
-                <a:solidFill>
-                  <a:schemeClr val="tx1"/>
-                </a:solidFill>
-              </a:rPr>
-              <a:t>Suche</a:t>
-            </a:r>
-            <a:r>
-              <a:rPr lang="en-US" sz="2400" b="1" dirty="0" smtClean="0">
-                <a:solidFill>
-                  <a:schemeClr val="tx1"/>
-                </a:solidFill>
-              </a:rPr>
-              <a:t> </a:t>
-            </a:r>
-            <a:r>
-              <a:rPr lang="en-US" sz="2400" b="1" dirty="0" err="1" smtClean="0">
-                <a:solidFill>
-                  <a:schemeClr val="tx1"/>
-                </a:solidFill>
-              </a:rPr>
-              <a:t>nach</a:t>
-            </a:r>
-            <a:r>
-              <a:rPr lang="en-US" sz="2400" b="1" dirty="0" smtClean="0">
-                <a:solidFill>
-                  <a:schemeClr val="tx1"/>
-                </a:solidFill>
-              </a:rPr>
-              <a:t> </a:t>
-            </a:r>
-            <a:r>
-              <a:rPr lang="en-US" sz="2400" b="1" dirty="0" err="1" smtClean="0">
-                <a:solidFill>
-                  <a:schemeClr val="tx1"/>
-                </a:solidFill>
-              </a:rPr>
-              <a:t>dem</a:t>
-            </a:r>
-            <a:r>
-              <a:rPr lang="en-US" sz="2400" b="1" dirty="0" smtClean="0">
-                <a:solidFill>
-                  <a:schemeClr val="tx1"/>
-                </a:solidFill>
-              </a:rPr>
-              <a:t> Dominating Consumer</a:t>
-            </a:r>
+            <a:endParaRPr lang="en-US" sz="2400" b="1" dirty="0" smtClean="0">
+              <a:solidFill>
+                <a:schemeClr val="tx1"/>
+              </a:solidFill>
+            </a:endParaRPr>
           </a:p>
           <a:p>
             <a:pPr algn="just"/>
-            <a:r>
-              <a:rPr lang="de-DE" sz="2000" b="1" dirty="0" smtClean="0">
-                <a:solidFill>
-                  <a:schemeClr val="tx1"/>
-                </a:solidFill>
-              </a:rPr>
-              <a:t>Hohe relative Systemlast</a:t>
-            </a:r>
+            <a:endParaRPr lang="en-US" sz="2400" b="1" dirty="0" smtClean="0">
+              <a:solidFill>
+                <a:schemeClr val="tx1"/>
+              </a:solidFill>
+            </a:endParaRPr>
           </a:p>
           <a:p>
             <a:pPr algn="just"/>
             <a:r>
+              <a:rPr lang="en-US" sz="2400" b="1" dirty="0" err="1" smtClean="0">
+                <a:solidFill>
+                  <a:schemeClr val="tx1"/>
+                </a:solidFill>
+              </a:rPr>
+              <a:t>Suche</a:t>
+            </a:r>
+            <a:r>
+              <a:rPr lang="en-US" sz="2400" b="1" dirty="0" smtClean="0">
+                <a:solidFill>
+                  <a:schemeClr val="tx1"/>
+                </a:solidFill>
+              </a:rPr>
+              <a:t> </a:t>
+            </a:r>
+            <a:r>
+              <a:rPr lang="en-US" sz="2400" b="1" dirty="0" err="1" smtClean="0">
+                <a:solidFill>
+                  <a:schemeClr val="tx1"/>
+                </a:solidFill>
+              </a:rPr>
+              <a:t>nach</a:t>
+            </a:r>
+            <a:r>
+              <a:rPr lang="en-US" sz="2400" b="1" dirty="0" smtClean="0">
+                <a:solidFill>
+                  <a:schemeClr val="tx1"/>
+                </a:solidFill>
+              </a:rPr>
+              <a:t> </a:t>
+            </a:r>
+            <a:r>
+              <a:rPr lang="en-US" sz="2400" b="1" dirty="0" err="1" smtClean="0">
+                <a:solidFill>
+                  <a:schemeClr val="tx1"/>
+                </a:solidFill>
+              </a:rPr>
+              <a:t>dem</a:t>
+            </a:r>
+            <a:r>
+              <a:rPr lang="en-US" sz="2400" b="1" dirty="0" smtClean="0">
+                <a:solidFill>
+                  <a:schemeClr val="tx1"/>
+                </a:solidFill>
+              </a:rPr>
+              <a:t> Dominating Consumer</a:t>
+            </a:r>
+          </a:p>
+          <a:p>
+            <a:pPr algn="just"/>
+            <a:r>
+              <a:rPr lang="de-DE" sz="2000" b="1" dirty="0" smtClean="0">
+                <a:solidFill>
+                  <a:schemeClr val="tx1"/>
+                </a:solidFill>
+              </a:rPr>
+              <a:t>Hohe relative Systemlast</a:t>
+            </a:r>
+          </a:p>
+          <a:p>
+            <a:pPr algn="just"/>
+            <a:r>
               <a:rPr lang="de-DE" sz="1800" dirty="0" smtClean="0">
                 <a:solidFill>
                   <a:schemeClr val="tx1"/>
@@ -29937,7 +29927,7 @@
                   <a:schemeClr val="tx1"/>
                 </a:solidFill>
               </a:rPr>
-              <a:t> Consumer  ist, ob die hohe CPU-Auslastung durch die Applikation oder das System verursacht wird. Bei einer Auslastung durch das System spricht man von einer hohen relativen Systemlast.  Dies kann unterschiedliche Gründe haben (exzessive Kontextwechsel, hohes I/O</a:t>
+              <a:t> Consumer  ist, ob die hohe CPU-Auslastung durch die Applikation oder das System verursacht wird (hohe relative Systemlast).  Dies kann unterschiedliche Gründe haben (exzessive Kontextwechsel, hohes I/O</a:t>
             </a:r>
             <a:r>
               <a:rPr lang="de-CH" sz="1800" dirty="0" smtClean="0">
@@ -29945,7 +29935,39 @@
                   <a:schemeClr val="tx1"/>
                 </a:solidFill>
               </a:rPr>
-              <a:t>). Zur Analyse dieses Messwertes kann dafür der Task Manager (unter Windows) oder vmstat (unter Linux, Unix) verwendet werden.</a:t>
+              <a:t>). Zur Analyse kann der </a:t>
+            </a:r>
+            <a:r>
+              <a:rPr lang="de-CH" sz="1800" dirty="0" err="1" smtClean="0">
+                <a:solidFill>
+                  <a:schemeClr val="tx1"/>
+                </a:solidFill>
+              </a:rPr>
+              <a:t>Task</a:t>
+            </a:r>
+            <a:r>
+              <a:rPr lang="de-CH" sz="1800" dirty="0" smtClean="0">
+                <a:solidFill>
+                  <a:schemeClr val="tx1"/>
+                </a:solidFill>
+              </a:rPr>
+              <a:t> Manager oder </a:t>
+            </a:r>
+            <a:r>
+              <a:rPr lang="de-CH" sz="1800" dirty="0" err="1" smtClean="0">
+                <a:solidFill>
+                  <a:schemeClr val="tx1"/>
+                </a:solidFill>
+              </a:rPr>
+              <a:t>vmstat</a:t>
+            </a:r>
+            <a:r>
+              <a:rPr lang="de-CH" sz="1800" dirty="0" smtClean="0">
+                <a:solidFill>
+                  <a:schemeClr val="tx1"/>
+                </a:solidFill>
+              </a:rPr>
+              <a:t> verwendet werden.</a:t>
             </a:r>
           </a:p>
           <a:p>
@@ -29999,7 +30021,7 @@
                   <a:schemeClr val="tx1"/>
                 </a:solidFill>
               </a:rPr>
-              <a:t>Sofern die relative Systemlast nicht gross ist wird überprüft, ob die CPU Auslastung insgesamt gross ist. Man prüft also, ob es eventuell gar </a:t>
+              <a:t>Sofern die relative Systemlast nicht gross ist wird überprüft, ob die CPU Auslastung insgesamt gross ist. Man prüft also, ob es eventuell </a:t>
             </a:r>
             <a:r>
               <a:rPr lang="de-CH" sz="2000" b="1" dirty="0" smtClean="0">
@@ -30199,7 +30221,7 @@
                   <a:schemeClr val="tx1"/>
                 </a:solidFill>
               </a:rPr>
-              <a:t>. Dies </a:t>
+              <a:t> (Dead Locks, </a:t>
             </a:r>
             <a:r>
               <a:rPr lang="en-US" sz="1800" i="1" dirty="0" err="1" smtClean="0">
@@ -30207,7 +30229,7 @@
                   <a:schemeClr val="tx1"/>
                 </a:solidFill>
               </a:rPr>
-              <a:t>kann</a:t>
+              <a:t>Applikation</a:t>
             </a:r>
             <a:r>
               <a:rPr lang="en-US" sz="1800" i="1" dirty="0" smtClean="0">
@@ -30223,7 +30245,7 @@
                   <a:schemeClr val="tx1"/>
                 </a:solidFill>
               </a:rPr>
-              <a:t>unterschiedliche</a:t>
+              <a:t>skaliert</a:t>
             </a:r>
             <a:r>
               <a:rPr lang="en-US" sz="1800" i="1" dirty="0" smtClean="0">
@@ -30239,7 +30261,7 @@
                   <a:schemeClr val="tx1"/>
                 </a:solidFill>
               </a:rPr>
-              <a:t>Gründe</a:t>
+              <a:t>nicht</a:t>
             </a:r>
             <a:r>
               <a:rPr lang="en-US" sz="1800" i="1" dirty="0" smtClean="0">
@@ -30247,7 +30269,7 @@
                   <a:schemeClr val="tx1"/>
                 </a:solidFill>
               </a:rPr>
-              <a:t> </a:t>
+              <a:t>, </a:t>
             </a:r>
             <a:r>
               <a:rPr lang="en-US" sz="1800" i="1" dirty="0" err="1" smtClean="0">
@@ -30255,7 +30277,7 @@
                   <a:schemeClr val="tx1"/>
                 </a:solidFill>
               </a:rPr>
-              <a:t>haben</a:t>
+              <a:t>kleine</a:t>
             </a:r>
             <a:r>
               <a:rPr lang="en-US" sz="1800" i="1" dirty="0" smtClean="0">
@@ -30263,215 +30285,7 @@
                   <a:schemeClr val="tx1"/>
                 </a:solidFill>
               </a:rPr>
-              <a:t>: Dead Locks, </a:t>
-            </a:r>
-            <a:r>
-              <a:rPr lang="en-US" sz="1800" i="1" dirty="0" err="1" smtClean="0">
-                <a:solidFill>
-                  <a:schemeClr val="tx1"/>
-                </a:solidFill>
-              </a:rPr>
-              <a:t>Applikation</a:t>
-            </a:r>
-            <a:r>
-              <a:rPr lang="en-US" sz="1800" i="1" dirty="0" smtClean="0">
-                <a:solidFill>
-                  <a:schemeClr val="tx1"/>
-                </a:solidFill>
-              </a:rPr>
-              <a:t> </a:t>
-            </a:r>
-            <a:r>
-              <a:rPr lang="en-US" sz="1800" i="1" dirty="0" err="1" smtClean="0">
-                <a:solidFill>
-                  <a:schemeClr val="tx1"/>
-                </a:solidFill>
-              </a:rPr>
-              <a:t>skaliert</a:t>
-            </a:r>
-            <a:r>
-              <a:rPr lang="en-US" sz="1800" i="1" dirty="0" smtClean="0">
-                <a:solidFill>
-                  <a:schemeClr val="tx1"/>
-                </a:solidFill>
-              </a:rPr>
-              <a:t> </a:t>
-            </a:r>
-            <a:r>
-              <a:rPr lang="en-US" sz="1800" i="1" dirty="0" err="1" smtClean="0">
-                <a:solidFill>
-                  <a:schemeClr val="tx1"/>
-                </a:solidFill>
-              </a:rPr>
-              <a:t>nicht</a:t>
-            </a:r>
-            <a:r>
-              <a:rPr lang="en-US" sz="1800" i="1" dirty="0" smtClean="0">
-                <a:solidFill>
-                  <a:schemeClr val="tx1"/>
-                </a:solidFill>
-              </a:rPr>
-              <a:t>, </a:t>
-            </a:r>
-            <a:r>
-              <a:rPr lang="en-US" sz="1800" i="1" dirty="0" err="1" smtClean="0">
-                <a:solidFill>
-                  <a:schemeClr val="tx1"/>
-                </a:solidFill>
-              </a:rPr>
-              <a:t>langsame</a:t>
-            </a:r>
-            <a:r>
-              <a:rPr lang="en-US" sz="1800" i="1" dirty="0" smtClean="0">
-                <a:solidFill>
-                  <a:schemeClr val="tx1"/>
-                </a:solidFill>
-              </a:rPr>
-              <a:t> Disks </a:t>
-            </a:r>
-            <a:r>
-              <a:rPr lang="en-US" sz="1800" i="1" dirty="0" err="1" smtClean="0">
-                <a:solidFill>
-                  <a:schemeClr val="tx1"/>
-                </a:solidFill>
-              </a:rPr>
-              <a:t>oder</a:t>
-            </a:r>
-            <a:r>
-              <a:rPr lang="en-US" sz="1800" i="1" dirty="0" smtClean="0">
-                <a:solidFill>
-                  <a:schemeClr val="tx1"/>
-                </a:solidFill>
-              </a:rPr>
-              <a:t> </a:t>
-            </a:r>
-            <a:r>
-              <a:rPr lang="en-US" sz="1800" i="1" dirty="0" err="1" smtClean="0">
-                <a:solidFill>
-                  <a:schemeClr val="tx1"/>
-                </a:solidFill>
-              </a:rPr>
-              <a:t>langsames</a:t>
-            </a:r>
-            <a:r>
-              <a:rPr lang="en-US" sz="1800" i="1" dirty="0" smtClean="0">
-                <a:solidFill>
-                  <a:schemeClr val="tx1"/>
-                </a:solidFill>
-              </a:rPr>
-              <a:t> </a:t>
-            </a:r>
-            <a:r>
-              <a:rPr lang="en-US" sz="1800" i="1" dirty="0" err="1" smtClean="0">
-                <a:solidFill>
-                  <a:schemeClr val="tx1"/>
-                </a:solidFill>
-              </a:rPr>
-              <a:t>Netzwerke</a:t>
-            </a:r>
-            <a:r>
-              <a:rPr lang="en-US" sz="1800" i="1" dirty="0" smtClean="0">
-                <a:solidFill>
-                  <a:schemeClr val="tx1"/>
-                </a:solidFill>
-              </a:rPr>
-              <a:t>, </a:t>
-            </a:r>
-            <a:r>
-              <a:rPr lang="en-US" sz="1800" i="1" dirty="0" err="1" smtClean="0">
-                <a:solidFill>
-                  <a:schemeClr val="tx1"/>
-                </a:solidFill>
-              </a:rPr>
-              <a:t>zu</a:t>
-            </a:r>
-            <a:r>
-              <a:rPr lang="en-US" sz="1800" i="1" dirty="0" smtClean="0">
-                <a:solidFill>
-                  <a:schemeClr val="tx1"/>
-                </a:solidFill>
-              </a:rPr>
-              <a:t> </a:t>
-            </a:r>
-            <a:r>
-              <a:rPr lang="en-US" sz="1800" i="1" dirty="0" err="1" smtClean="0">
-                <a:solidFill>
-                  <a:schemeClr val="tx1"/>
-                </a:solidFill>
-              </a:rPr>
-              <a:t>kleine</a:t>
-            </a:r>
-            <a:r>
-              <a:rPr lang="en-US" sz="1800" i="1" dirty="0" smtClean="0">
-                <a:solidFill>
-                  <a:schemeClr val="tx1"/>
-                </a:solidFill>
-              </a:rPr>
-              <a:t> Connection- und Thread-Pools, </a:t>
-            </a:r>
-            <a:r>
-              <a:rPr lang="en-US" sz="1800" i="1" dirty="0" err="1" smtClean="0">
-                <a:solidFill>
-                  <a:schemeClr val="tx1"/>
-                </a:solidFill>
-              </a:rPr>
-              <a:t>Aurufe</a:t>
-            </a:r>
-            <a:r>
-              <a:rPr lang="en-US" sz="1800" i="1" dirty="0" smtClean="0">
-                <a:solidFill>
-                  <a:schemeClr val="tx1"/>
-                </a:solidFill>
-              </a:rPr>
-              <a:t> auf </a:t>
-            </a:r>
-            <a:r>
-              <a:rPr lang="en-US" sz="1800" i="1" dirty="0" err="1" smtClean="0">
-                <a:solidFill>
-                  <a:schemeClr val="tx1"/>
-                </a:solidFill>
-              </a:rPr>
-              <a:t>langsame</a:t>
-            </a:r>
-            <a:r>
-              <a:rPr lang="en-US" sz="1800" i="1" dirty="0" smtClean="0">
-                <a:solidFill>
-                  <a:schemeClr val="tx1"/>
-                </a:solidFill>
-              </a:rPr>
-              <a:t> </a:t>
-            </a:r>
-            <a:r>
-              <a:rPr lang="en-US" sz="1800" i="1" dirty="0" err="1" smtClean="0">
-                <a:solidFill>
-                  <a:schemeClr val="tx1"/>
-                </a:solidFill>
-              </a:rPr>
-              <a:t>externe</a:t>
-            </a:r>
-            <a:r>
-              <a:rPr lang="en-US" sz="1800" i="1" dirty="0" smtClean="0">
-                <a:solidFill>
-                  <a:schemeClr val="tx1"/>
-                </a:solidFill>
-              </a:rPr>
-              <a:t> </a:t>
-            </a:r>
-            <a:r>
-              <a:rPr lang="en-US" sz="1800" i="1" dirty="0" err="1" smtClean="0">
-                <a:solidFill>
-                  <a:schemeClr val="tx1"/>
-                </a:solidFill>
-              </a:rPr>
-              <a:t>Systeme</a:t>
-            </a:r>
-            <a:r>
-              <a:rPr lang="en-US" sz="1800" i="1" dirty="0" smtClean="0">
-                <a:solidFill>
-                  <a:schemeClr val="tx1"/>
-                </a:solidFill>
-              </a:rPr>
-              <a:t>.</a:t>
+              <a:t> Connection-, Thread-Pools, etc.)</a:t>
             </a:r>
           </a:p>
           <a:p>
@@ -30501,7 +30315,7 @@
                   <a:schemeClr val="tx1"/>
                 </a:solidFill>
               </a:rPr>
-              <a:t>Sofern die CPU-Auslastung trotz kleiner relativer Systemlast durch die Applikation hoch ist, muss </a:t>
+              <a:t>Sofern die CPU-Auslastung, trotz kleiner relativer Systemlast durch die Applikation, hoch ist, muss </a:t>
             </a:r>
             <a:r>
               <a:rPr lang="de-DE" sz="1800" b="1" dirty="0" smtClean="0">
@@ -30589,166 +30403,7 @@
                   <a:schemeClr val="tx1"/>
                 </a:solidFill>
               </a:rPr>
-              <a:t>angeschaut werden. Dafür gibt es unterschiedliche Herangehensweisen:</a:t>
-            </a:r>
-          </a:p>
-          <a:p>
-            <a:pPr algn="just"/>
-            <a:endParaRPr lang="de-DE" sz="1800" dirty="0" smtClean="0">
-              <a:solidFill>
-                <a:schemeClr val="tx1"/>
-              </a:solidFill>
-            </a:endParaRPr>
-          </a:p>
-          <a:p>
-            <a:pPr algn="just">
-              <a:buFont typeface="Arial" pitchFamily="34" charset="0"/>
-              <a:buChar char="•"/>
-            </a:pPr>
-            <a:r>
-              <a:rPr lang="de-DE" sz="1800" i="1" dirty="0" smtClean="0">
-                <a:solidFill>
-                  <a:schemeClr val="tx1"/>
-                </a:solidFill>
-              </a:rPr>
-              <a:t>Memory Analyse (Objektpopulation):  </a:t>
-            </a:r>
-            <a:r>
-              <a:rPr lang="de-DE" sz="1800" dirty="0" smtClean="0">
-                <a:solidFill>
-                  <a:schemeClr val="tx1"/>
-                </a:solidFill>
-              </a:rPr>
-              <a:t>Es wird angeschaut, wie alt die Objekte in den unterschiedlichen Bereichen sind. </a:t>
-            </a:r>
-            <a:br>
-              <a:rPr lang="de-DE" sz="1800" dirty="0" smtClean="0">
-                <a:solidFill>
-                  <a:schemeClr val="tx1"/>
-                </a:solidFill>
-              </a:rPr>
-            </a:br>
-            <a:endParaRPr lang="de-DE" sz="1800" dirty="0" smtClean="0">
-              <a:solidFill>
-                <a:schemeClr val="tx1"/>
-              </a:solidFill>
-            </a:endParaRPr>
-          </a:p>
-          <a:p>
-            <a:pPr algn="just">
-              <a:buFont typeface="Arial" pitchFamily="34" charset="0"/>
-              <a:buChar char="•"/>
-            </a:pPr>
-            <a:r>
-              <a:rPr lang="de-DE" sz="1800" i="1" dirty="0" err="1" smtClean="0">
-                <a:solidFill>
-                  <a:schemeClr val="tx1"/>
-                </a:solidFill>
-              </a:rPr>
-              <a:t>Garbage</a:t>
-            </a:r>
-            <a:r>
-              <a:rPr lang="de-DE" sz="1800" i="1" dirty="0" smtClean="0">
-                <a:solidFill>
-                  <a:schemeClr val="tx1"/>
-                </a:solidFill>
-              </a:rPr>
-              <a:t> </a:t>
-            </a:r>
-            <a:r>
-              <a:rPr lang="de-DE" sz="1800" i="1" dirty="0" err="1" smtClean="0">
-                <a:solidFill>
-                  <a:schemeClr val="tx1"/>
-                </a:solidFill>
-              </a:rPr>
-              <a:t>Collection</a:t>
-            </a:r>
-            <a:r>
-              <a:rPr lang="de-DE" sz="1800" i="1" dirty="0" smtClean="0">
-                <a:solidFill>
-                  <a:schemeClr val="tx1"/>
-                </a:solidFill>
-              </a:rPr>
-              <a:t> Heuristik:</a:t>
-            </a:r>
-            <a:r>
-              <a:rPr lang="de-DE" sz="1800" b="1" dirty="0" smtClean="0">
-                <a:solidFill>
-                  <a:schemeClr val="tx1"/>
-                </a:solidFill>
-              </a:rPr>
-              <a:t>                </a:t>
-            </a:r>
-            <a:r>
-              <a:rPr lang="de-DE" sz="1800" dirty="0" smtClean="0">
-                <a:solidFill>
-                  <a:schemeClr val="tx1"/>
-                </a:solidFill>
-              </a:rPr>
-              <a:t>Wann und wie oft werden </a:t>
-            </a:r>
-            <a:r>
-              <a:rPr lang="de-DE" sz="1800" dirty="0" err="1" smtClean="0">
-                <a:solidFill>
-                  <a:schemeClr val="tx1"/>
-                </a:solidFill>
-              </a:rPr>
-              <a:t>Garbage</a:t>
-            </a:r>
-            <a:r>
-              <a:rPr lang="de-DE" sz="1800" dirty="0" smtClean="0">
-                <a:solidFill>
-                  <a:schemeClr val="tx1"/>
-                </a:solidFill>
-              </a:rPr>
-              <a:t> </a:t>
-            </a:r>
-            <a:r>
-              <a:rPr lang="de-DE" sz="1800" dirty="0" err="1" smtClean="0">
-                <a:solidFill>
-                  <a:schemeClr val="tx1"/>
-                </a:solidFill>
-              </a:rPr>
-              <a:t>Collections</a:t>
-            </a:r>
-            <a:r>
-              <a:rPr lang="de-DE" sz="1800" dirty="0" smtClean="0">
-                <a:solidFill>
-                  <a:schemeClr val="tx1"/>
-                </a:solidFill>
-              </a:rPr>
-              <a:t> durchgeführt, wie lange haben sie  </a:t>
-            </a:r>
-            <a:br>
-              <a:rPr lang="de-DE" sz="1800" dirty="0" smtClean="0">
-                <a:solidFill>
-                  <a:schemeClr val="tx1"/>
-                </a:solidFill>
-              </a:rPr>
-            </a:br>
-            <a:r>
-              <a:rPr lang="de-DE" sz="1800" dirty="0" smtClean="0">
-                <a:solidFill>
-                  <a:schemeClr val="tx1"/>
-                </a:solidFill>
-              </a:rPr>
-              <a:t>                                                                     gedauert, </a:t>
-            </a:r>
-            <a:r>
-              <a:rPr lang="de-DE" sz="1800" dirty="0" err="1" smtClean="0">
-                <a:solidFill>
-                  <a:schemeClr val="tx1"/>
-                </a:solidFill>
-              </a:rPr>
-              <a:t>wieviel</a:t>
-            </a:r>
-            <a:r>
-              <a:rPr lang="de-DE" sz="1800" dirty="0" smtClean="0">
-                <a:solidFill>
-                  <a:schemeClr val="tx1"/>
-                </a:solidFill>
-              </a:rPr>
-              <a:t> Speicher haben sie befreit.</a:t>
+              <a:t>angeschaut werden.</a:t>
             </a:r>
           </a:p>
           <a:p>
@@ -30770,8 +30425,8 @@
           <p:nvPr/>
         </p:nvGraphicFramePr>
         <p:xfrm>
-          <a:off x="28864719" y="2408237"/>
-          <a:ext cx="13411200" cy="5045926"/>
+          <a:off x="27416919" y="2863951"/>
+          <a:ext cx="14782800" cy="4497286"/>
         </p:xfrm>
         <a:graphic>
           <a:graphicData uri="http://schemas.openxmlformats.org/drawingml/2006/table">
@@ -30780,9 +30435,9 @@
                 <a:tableStyleId>{FABFCF23-3B69-468F-B69F-88F6DE6A72F2}</a:tableStyleId>
               </a:tblPr>
               <a:tblGrid>
-                <a:gridCol w="1535016"/>
-                <a:gridCol w="2585291"/>
-                <a:gridCol w="9290893"/>
+                <a:gridCol w="1692006"/>
+                <a:gridCol w="2849696"/>
+                <a:gridCol w="10241098"/>
               </a:tblGrid>
               <a:tr h="360556">
                 <a:tc>
@@ -30898,7 +30553,7 @@
                     <a:p>
                       <a:r>
                         <a:rPr lang="de-CH" sz="1800" dirty="0" smtClean="0"/>
-                        <a:t>Software update</a:t>
+                        <a:t>Software updaten</a:t>
                       </a:r>
                       <a:endParaRPr lang="en-US" sz="1800" dirty="0"/>
                     </a:p>
@@ -31107,7 +30762,7 @@
                       </a:r>
                       <a:r>
                         <a:rPr lang="de-CH" sz="1800" baseline="0" dirty="0" smtClean="0"/>
-                        <a:t> sich verschiedene statistische Auswertungen .</a:t>
+                        <a:t> sich verschiedene statistische Auswertungen.</a:t>
                       </a:r>
                       <a:endParaRPr lang="en-US" sz="1800" dirty="0"/>
                     </a:p>
@@ -31435,7 +31090,7 @@
         </p:blipFill>
         <p:spPr bwMode="auto">
           <a:xfrm>
-            <a:off x="22921119" y="3779837"/>
+            <a:off x="21473319" y="3779837"/>
             <a:ext cx="5677007" cy="3809999"/>
           </a:xfrm>
           <a:prstGeom prst="rect">
@@ -31459,7 +31114,7 @@
         </p:nvSpPr>
         <p:spPr>
           <a:xfrm>
-            <a:off x="23073519" y="2865437"/>
+            <a:off x="21625719" y="2865437"/>
             <a:ext cx="4800600" cy="584775"/>
           </a:xfrm>
           <a:prstGeom prst="rect">
@@ -31489,7 +31144,7 @@
         </p:nvSpPr>
         <p:spPr>
           <a:xfrm>
-            <a:off x="23073519" y="3398837"/>
+            <a:off x="21625719" y="3398837"/>
             <a:ext cx="4800600" cy="461665"/>
           </a:xfrm>
           <a:prstGeom prst="rect">
@@ -31519,8 +31174,8 @@
         </p:nvSpPr>
         <p:spPr>
           <a:xfrm>
-            <a:off x="22740144" y="7589837"/>
-            <a:ext cx="19751040" cy="8686800"/>
+            <a:off x="21397119" y="7589837"/>
+            <a:ext cx="21094065" cy="8686800"/>
           </a:xfrm>
           <a:prstGeom prst="rect">
             <a:avLst/>
@@ -31567,7 +31222,7 @@
         </p:nvSpPr>
         <p:spPr>
           <a:xfrm>
-            <a:off x="22997319" y="7589837"/>
+            <a:off x="21625719" y="7589837"/>
             <a:ext cx="4800600" cy="584775"/>
           </a:xfrm>
           <a:prstGeom prst="rect">
@@ -31597,8 +31252,8 @@
         </p:nvSpPr>
         <p:spPr>
           <a:xfrm>
-            <a:off x="22749669" y="16276637"/>
-            <a:ext cx="19751040" cy="7467600"/>
+            <a:off x="21397119" y="16276637"/>
+            <a:ext cx="21103590" cy="7467600"/>
           </a:xfrm>
           <a:prstGeom prst="rect">
             <a:avLst/>
@@ -31645,7 +31300,7 @@
         </p:nvSpPr>
         <p:spPr>
           <a:xfrm>
-            <a:off x="23073519" y="16276637"/>
+            <a:off x="21625719" y="16276637"/>
             <a:ext cx="4800600" cy="563702"/>
           </a:xfrm>
           <a:prstGeom prst="rect">
@@ -31679,8 +31334,8 @@
         </p:nvSpPr>
         <p:spPr>
           <a:xfrm>
-            <a:off x="34427319" y="16810037"/>
-            <a:ext cx="6934200" cy="6617196"/>
+            <a:off x="33131919" y="17278191"/>
+            <a:ext cx="9144000" cy="4893647"/>
           </a:xfrm>
           <a:prstGeom prst="rect">
             <a:avLst/>
@@ -31700,6 +31355,7 @@
             <a:endParaRPr lang="de-CH" sz="2400" b="1" dirty="0" smtClean="0"/>
           </a:p>
           <a:p>
+            <a:pPr algn="just"/>
             <a:r>
               <a:rPr lang="de-CH" sz="1800" dirty="0" smtClean="0"/>
               <a:t>Eine Logdatei wird durch den Import in der Ansicht </a:t>
@@ -31749,7 +31405,7 @@
             </a:r>
             <a:r>
               <a:rPr lang="de-CH" sz="1800" dirty="0" smtClean="0"/>
-              <a:t> zeigt die vom Benutzer erstellten Profile, diese können an die Bedürfnisse des Analysten angepasst werden.</a:t>
+              <a:t> zeigt die vom Benutzer erstellten Profile, diese können an die Bedürfnisse der Analyse angepasst werden.</a:t>
             </a:r>
           </a:p>
           <a:p>
@@ -31767,15 +31423,7 @@
             </a:r>
             <a:r>
               <a:rPr lang="de-CH" sz="1800" dirty="0" smtClean="0"/>
-              <a:t> basierend auf einem </a:t>
-            </a:r>
-            <a:r>
-              <a:rPr lang="de-CH" sz="1800" dirty="0" err="1" smtClean="0"/>
-              <a:t>index</a:t>
-            </a:r>
-            <a:r>
-              <a:rPr lang="de-CH" sz="1800" dirty="0" smtClean="0"/>
-              <a:t>. Es gibt auch Hilfethemen die an eine bestimmte Aktion oder ein Fenster gebunden sind (kontextsensitiv).</a:t>
+              <a:t> basierend auf einem Index. Es gibt auch Hilfethemen die an eine bestimmte Aktion oder ein Fenster gebunden sind (kontextsensitiv).</a:t>
             </a:r>
           </a:p>
           <a:p>
@@ -31803,7 +31451,7 @@
             </a:pPr>
             <a:r>
               <a:rPr lang="de-CH" sz="1800" dirty="0" smtClean="0"/>
-              <a:t>Für die Garbage Collection Analyse wurde eine eigene Perspektive definiert, damit der Benutzer andere Perspektiven nicht umstellen muss.</a:t>
+              <a:t>Für die Garbage Collection Analyse wurde eine eigene Perspektive (darin wird beispielsweise die Anordnung der Fenster gespeichert) definiert. Der Benutzer muss seine anderen Perspektiven nicht verändern.</a:t>
             </a:r>
           </a:p>
           <a:p>
@@ -31813,7 +31461,7 @@
             </a:pPr>
             <a:r>
               <a:rPr lang="de-CH" sz="1800" dirty="0" smtClean="0"/>
-              <a:t>Hier kann der Benutzer das in diesem Fenster aktuell sichtbare Chart anpassen.</a:t>
+              <a:t>Hier kann der Benutzer das sich darunter befindende Chart anpassen.</a:t>
             </a:r>
           </a:p>
           <a:p>
@@ -31823,7 +31471,7 @@
             </a:pPr>
             <a:r>
               <a:rPr lang="de-CH" sz="1800" dirty="0" smtClean="0"/>
-              <a:t>Ein benutzerdefiniertes Chart, kann durch den Benutzer angepasst werden und zeigt verschiedene Datenserien an.</a:t>
+              <a:t>Ein benutzerdefiniertes Chart, welches durch den Benutzer erstellt und angepasst wurde.</a:t>
             </a:r>
             <a:endParaRPr lang="en-US" sz="1800" dirty="0"/>
           </a:p>
@@ -31837,8 +31485,8 @@
         </p:nvSpPr>
         <p:spPr>
           <a:xfrm>
-            <a:off x="22844919" y="9875837"/>
-            <a:ext cx="9982200" cy="6096000"/>
+            <a:off x="21549519" y="9875837"/>
+            <a:ext cx="11277600" cy="6096000"/>
           </a:xfrm>
           <a:prstGeom prst="rect">
             <a:avLst/>
@@ -31873,39 +31521,6 @@
           </a:p>
         </p:txBody>
       </p:sp>
-      <p:pic>
-        <p:nvPicPr>
-          <p:cNvPr id="302" name="Picture 11"/>
-          <p:cNvPicPr>
-            <a:picLocks noChangeAspect="1" noChangeArrowheads="1"/>
-          </p:cNvPicPr>
-          <p:nvPr/>
-        </p:nvPicPr>
-        <p:blipFill>
-          <a:blip r:embed="rId5" cstate="print"/>
-          <a:srcRect/>
-          <a:stretch>
-            <a:fillRect/>
-          </a:stretch>
-        </p:blipFill>
-        <p:spPr bwMode="auto">
-          <a:xfrm>
-            <a:off x="27874119" y="10104437"/>
-            <a:ext cx="5048250" cy="4010025"/>
-          </a:xfrm>
-          <a:prstGeom prst="rect">
-            <a:avLst/>
-          </a:prstGeom>
-          <a:noFill/>
-          <a:ln w="9525">
-            <a:noFill/>
-            <a:miter lim="800000"/>
-            <a:headEnd/>
-            <a:tailEnd/>
-          </a:ln>
-          <a:effectLst/>
-        </p:spPr>
-      </p:pic>
       <p:sp>
         <p:nvSpPr>
           <p:cNvPr id="307" name="Rectangle 306"/>
@@ -31958,8 +31573,8 @@
         </p:nvSpPr>
         <p:spPr>
           <a:xfrm>
-            <a:off x="22844919" y="8161337"/>
-            <a:ext cx="9982200" cy="1638300"/>
+            <a:off x="21549519" y="8161337"/>
+            <a:ext cx="11277600" cy="1638300"/>
           </a:xfrm>
           <a:prstGeom prst="rect">
             <a:avLst/>
@@ -32002,7 +31617,7 @@
         </p:nvGrpSpPr>
         <p:grpSpPr>
           <a:xfrm>
-            <a:off x="22921119" y="16892067"/>
+            <a:off x="21625719" y="16892067"/>
             <a:ext cx="11201400" cy="6699770"/>
             <a:chOff x="22921119" y="16663467"/>
             <a:chExt cx="11201400" cy="6699770"/>
@@ -32017,7 +31632,7 @@
             <p:nvPr/>
           </p:nvPicPr>
           <p:blipFill>
-            <a:blip r:embed="rId6" cstate="print"/>
+            <a:blip r:embed="rId5" cstate="print"/>
             <a:srcRect/>
             <a:stretch>
               <a:fillRect/>
@@ -32743,6 +32358,7 @@
             </a:r>
           </a:p>
           <a:p>
+            <a:pPr algn="just"/>
             <a:r>
               <a:rPr lang="en-US" sz="1800" dirty="0" smtClean="0"/>
               <a:t>Das </a:t>
@@ -32898,8 +32514,8 @@
         </p:nvSpPr>
         <p:spPr>
           <a:xfrm>
-            <a:off x="22844919" y="8161336"/>
-            <a:ext cx="9982200" cy="1569660"/>
+            <a:off x="21625719" y="8161335"/>
+            <a:ext cx="11049000" cy="1292662"/>
           </a:xfrm>
           <a:prstGeom prst="rect">
             <a:avLst/>
@@ -32912,15 +32528,17 @@
           </a:bodyPr>
           <a:lstStyle/>
           <a:p>
+            <a:pPr algn="just"/>
             <a:r>
               <a:rPr lang="de-DE" sz="2400" b="1" dirty="0" smtClean="0"/>
               <a:t>Verwendete Frameworks</a:t>
             </a:r>
           </a:p>
           <a:p>
+            <a:pPr algn="just"/>
             <a:r>
               <a:rPr lang="de-DE" sz="1800" dirty="0" smtClean="0"/>
-              <a:t>Auf der Basis der Anforderungen wurde eine Evaluation bestimmter Komponenten gemacht. Aufgrund dieser ergab sich, welche Bibliotheken für die Realisierung verwendet werden: als Rich Client Framework wird </a:t>
+              <a:t>Auf der Basis der Anforderungen wurde eine Evaluation von Bibliotheken gemacht. Aufgrund dieser ergab sich, welche Bibliotheken für die Realisierung verwendet werden: als Rich Client Framework wird </a:t>
             </a:r>
             <a:r>
               <a:rPr lang="de-DE" sz="1800" dirty="0" err="1" smtClean="0"/>
@@ -32949,8 +32567,8 @@
         </p:nvSpPr>
         <p:spPr>
           <a:xfrm>
-            <a:off x="22921119" y="9894888"/>
-            <a:ext cx="5257800" cy="6019800"/>
+            <a:off x="21625719" y="9894888"/>
+            <a:ext cx="6019800" cy="5724644"/>
           </a:xfrm>
           <a:prstGeom prst="rect">
             <a:avLst/>
@@ -32969,9 +32587,10 @@
             </a:r>
           </a:p>
           <a:p>
+            <a:pPr algn="just"/>
             <a:r>
               <a:rPr lang="de-DE" sz="1800" dirty="0" smtClean="0"/>
-              <a:t>Aufgrund einer Anforderung ist die Applikation so zu konzipieren, dass auch weitere Logformate hinzugefügt werden können. Die Applikation wird deshalb </a:t>
+              <a:t>Aufgrund der Anforderungen ist die Applikation so zu konzipieren, dass auch weitere Logformate hinzugefügt werden können. Die Applikation wird deshalb </a:t>
             </a:r>
             <a:r>
               <a:rPr lang="de-DE" sz="1800" dirty="0" err="1" smtClean="0"/>
@@ -33173,30 +32792,6 @@
               <a:rPr lang="en-US" sz="1800" dirty="0" err="1" smtClean="0"/>
               <a:t>parsen</a:t>
             </a:r>
-            <a:r>
-              <a:rPr lang="en-US" sz="1800" dirty="0" smtClean="0"/>
-              <a:t>, in  </a:t>
-            </a:r>
-            <a:r>
-              <a:rPr lang="en-US" sz="1800" dirty="0" err="1" smtClean="0"/>
-              <a:t>eigenem</a:t>
-            </a:r>
-            <a:r>
-              <a:rPr lang="en-US" sz="1800" dirty="0" smtClean="0"/>
-              <a:t> </a:t>
-            </a:r>
-            <a:r>
-              <a:rPr lang="en-US" sz="1800" dirty="0" err="1" smtClean="0"/>
-              <a:t>Domänenmodell</a:t>
-            </a:r>
-            <a:r>
-              <a:rPr lang="en-US" sz="1800" dirty="0" smtClean="0"/>
-              <a:t> </a:t>
-            </a:r>
-            <a:r>
-              <a:rPr lang="en-US" sz="1800" dirty="0" err="1" smtClean="0"/>
-              <a:t>speichern</a:t>
-            </a:r>
             <a:endParaRPr lang="en-US" sz="1800" dirty="0" smtClean="0"/>
           </a:p>
           <a:p>
@@ -33205,8 +32800,47 @@
               <a:buChar char="•"/>
             </a:pPr>
             <a:r>
+              <a:rPr lang="en-US" sz="1800" dirty="0" smtClean="0"/>
+              <a:t> </a:t>
+            </a:r>
+            <a:r>
+              <a:rPr lang="en-US" sz="1800" dirty="0" err="1" smtClean="0"/>
+              <a:t>Daten</a:t>
+            </a:r>
+            <a:r>
+              <a:rPr lang="en-US" sz="1800" dirty="0" smtClean="0"/>
+              <a:t> in  </a:t>
+            </a:r>
+            <a:r>
+              <a:rPr lang="en-US" sz="1800" dirty="0" err="1" smtClean="0"/>
+              <a:t>eigenem</a:t>
+            </a:r>
+            <a:r>
+              <a:rPr lang="en-US" sz="1800" dirty="0" smtClean="0"/>
+              <a:t> </a:t>
+            </a:r>
+            <a:r>
+              <a:rPr lang="en-US" sz="1800" dirty="0" err="1" smtClean="0"/>
+              <a:t>Domänenmodell</a:t>
+            </a:r>
+            <a:r>
+              <a:rPr lang="en-US" sz="1800" dirty="0" smtClean="0"/>
+              <a:t> </a:t>
+            </a:r>
+            <a:r>
+              <a:rPr lang="en-US" sz="1800" dirty="0" err="1" smtClean="0"/>
+              <a:t>speichern</a:t>
+            </a:r>
+            <a:endParaRPr lang="en-US" sz="1800" dirty="0" smtClean="0"/>
+          </a:p>
+          <a:p>
+            <a:pPr>
+              <a:buFont typeface="Arial" pitchFamily="34" charset="0"/>
+              <a:buChar char="•"/>
+            </a:pPr>
+            <a:r>
               <a:rPr lang="de-CH" sz="1800" dirty="0" smtClean="0"/>
-              <a:t>Laden der Daten aus dem Domänenmodell</a:t>
+              <a:t> Laden der Daten aus dem Domänenmodell</a:t>
             </a:r>
             <a:endParaRPr lang="de-DE" sz="1800" dirty="0" smtClean="0"/>
           </a:p>
@@ -33237,6 +32871,7 @@
           </a:bodyPr>
           <a:lstStyle/>
           <a:p>
+            <a:pPr algn="just"/>
             <a:r>
               <a:rPr lang="de-DE" sz="2400" b="1" dirty="0" smtClean="0"/>
               <a:t>Domänenmodell</a:t>
@@ -33291,7 +32926,7 @@
           <p:nvPr/>
         </p:nvPicPr>
         <p:blipFill>
-          <a:blip r:embed="rId7" cstate="print"/>
+          <a:blip r:embed="rId6" cstate="print"/>
           <a:srcRect/>
           <a:stretch>
             <a:fillRect/>
@@ -33323,8 +32958,8 @@
         </p:nvSpPr>
         <p:spPr>
           <a:xfrm>
-            <a:off x="22739691" y="23744237"/>
-            <a:ext cx="19751040" cy="6019800"/>
+            <a:off x="21397119" y="23744237"/>
+            <a:ext cx="21093612" cy="6019800"/>
           </a:xfrm>
           <a:prstGeom prst="rect">
             <a:avLst/>
@@ -33371,8 +33006,8 @@
         </p:nvSpPr>
         <p:spPr>
           <a:xfrm>
-            <a:off x="22835394" y="24277637"/>
-            <a:ext cx="9686925" cy="5410200"/>
+            <a:off x="21625720" y="24277637"/>
+            <a:ext cx="10896600" cy="5257800"/>
           </a:xfrm>
           <a:prstGeom prst="rect">
             <a:avLst/>
@@ -33415,8 +33050,8 @@
         </p:nvSpPr>
         <p:spPr>
           <a:xfrm>
-            <a:off x="22921119" y="24430037"/>
-            <a:ext cx="9525000" cy="5570756"/>
+            <a:off x="21701919" y="24430038"/>
+            <a:ext cx="10744200" cy="5293757"/>
           </a:xfrm>
           <a:prstGeom prst="rect">
             <a:avLst/>
@@ -33457,7 +33092,7 @@
             </a:r>
             <a:r>
               <a:rPr lang="de-CH" sz="1800" dirty="0" smtClean="0"/>
-              <a:t>, dies ist allerdings in vielen Unternehmen aufgrund von blockierten Ports nicht möglich. </a:t>
+              <a:t>, dies ist in vielen Unternehmen aufgrund von blockierten Ports nicht möglich. </a:t>
             </a:r>
           </a:p>
           <a:p>
@@ -33492,11 +33127,11 @@
             </a:pPr>
             <a:r>
               <a:rPr lang="de-CH" sz="1800" dirty="0" smtClean="0"/>
-              <a:t> Initiale, durchschnittliche und maximale Kapazität von </a:t>
+              <a:t> Initiale, durchschnittliche und maximale Kapazität des </a:t>
             </a:r>
             <a:r>
               <a:rPr lang="de-CH" sz="1800" dirty="0" err="1" smtClean="0"/>
-              <a:t>Heap</a:t>
+              <a:t>Heaps</a:t>
             </a:r>
             <a:r>
               <a:rPr lang="de-CH" sz="1800" dirty="0" smtClean="0"/>
@@ -33536,9 +33171,13 @@
             </a:r>
           </a:p>
           <a:p>
+            <a:pPr>
+              <a:buFont typeface="Arial" pitchFamily="34" charset="0"/>
+              <a:buChar char="•"/>
+            </a:pPr>
             <a:r>
               <a:rPr lang="de-CH" sz="1800" dirty="0" smtClean="0"/>
-              <a:t>Zusätzlich gibt es Diagramme zur Auswertung des verwendeten Speichers auf dem </a:t>
+              <a:t> Zusätzlich gibt es ein Diagramm zur Auswertung des benutzten Speichers auf dem </a:t>
             </a:r>
             <a:r>
               <a:rPr lang="de-CH" sz="1800" dirty="0" err="1" smtClean="0"/>
@@ -33546,7 +33185,14 @@
             </a:r>
             <a:r>
               <a:rPr lang="de-CH" sz="1800" dirty="0" smtClean="0"/>
-              <a:t> und zur Dauer der einzelnen Garbage </a:t>
+              <a:t> und eines über die </a:t>
+            </a:r>
+            <a:br>
+              <a:rPr lang="de-CH" sz="1800" dirty="0" smtClean="0"/>
+            </a:br>
+            <a:r>
+              <a:rPr lang="de-CH" sz="1800" dirty="0" smtClean="0"/>
+              <a:t>  Dauer der einzelnen Garbage </a:t>
             </a:r>
             <a:r>
               <a:rPr lang="de-CH" sz="1800" dirty="0" err="1" smtClean="0"/>
@@ -33576,8 +33222,8 @@
         </p:nvSpPr>
         <p:spPr>
           <a:xfrm>
-            <a:off x="32674719" y="24277637"/>
-            <a:ext cx="9686925" cy="5410200"/>
+            <a:off x="32674720" y="24277637"/>
+            <a:ext cx="9601200" cy="5257800"/>
           </a:xfrm>
           <a:prstGeom prst="rect">
             <a:avLst/>
@@ -33620,7 +33266,7 @@
         </p:nvSpPr>
         <p:spPr>
           <a:xfrm>
-            <a:off x="22997319" y="23744237"/>
+            <a:off x="21625719" y="23744237"/>
             <a:ext cx="4800600" cy="584775"/>
           </a:xfrm>
           <a:prstGeom prst="rect">
@@ -33680,11 +33326,7 @@
             </a:pPr>
             <a:r>
               <a:rPr lang="de-CH" sz="1800" dirty="0" smtClean="0"/>
-              <a:t> Die Software kann zum jetzigen </a:t>
-            </a:r>
-            <a:r>
-              <a:rPr lang="de-CH" sz="1800" dirty="0" smtClean="0"/>
-              <a:t>Zeitpunkt nur </a:t>
+              <a:t> Die Software kann zum jetzigen Zeitpunkt nur </a:t>
             </a:r>
             <a:r>
               <a:rPr lang="de-CH" sz="1800" dirty="0" err="1" smtClean="0"/>
@@ -33723,11 +33365,7 @@
             </a:br>
             <a:r>
               <a:rPr lang="de-CH" sz="1800" dirty="0" smtClean="0"/>
-              <a:t>   verarbeiten</a:t>
-            </a:r>
-            <a:r>
-              <a:rPr lang="de-CH" sz="1800" dirty="0" smtClean="0"/>
-              <a:t>. </a:t>
+              <a:t>  verarbeiten. </a:t>
             </a:r>
           </a:p>
           <a:p>
@@ -33737,7 +33375,7 @@
             </a:pPr>
             <a:r>
               <a:rPr lang="de-CH" sz="1800" dirty="0" smtClean="0"/>
-              <a:t>  Der Einsatz der Analysesoftware für das Tuning der Garbage Collection auf der </a:t>
+              <a:t> Der Einsatz der Analysesoftware für das Tuning der Garbage Collection auf der </a:t>
             </a:r>
             <a:r>
               <a:rPr lang="de-CH" sz="1800" dirty="0" err="1" smtClean="0"/>
@@ -33760,7 +33398,7 @@
             </a:br>
             <a:r>
               <a:rPr lang="de-CH" sz="1800" dirty="0" smtClean="0"/>
-              <a:t>   </a:t>
+              <a:t>  </a:t>
             </a:r>
             <a:r>
               <a:rPr lang="de-CH" sz="1800" dirty="0" err="1" smtClean="0"/>
@@ -33768,15 +33406,7 @@
             </a:r>
             <a:r>
               <a:rPr lang="de-CH" sz="1800" dirty="0" smtClean="0"/>
-              <a:t> macht aktuell </a:t>
-            </a:r>
-            <a:r>
-              <a:rPr lang="de-CH" sz="1800" dirty="0" smtClean="0"/>
-              <a:t>dann </a:t>
-            </a:r>
-            <a:r>
-              <a:rPr lang="de-CH" sz="1800" dirty="0" smtClean="0"/>
-              <a:t>Sinn, wenn die Auswertung mittels </a:t>
+              <a:t> macht aktuell dann Sinn, wenn die Auswertung mittels </a:t>
             </a:r>
             <a:r>
               <a:rPr lang="de-CH" sz="1800" dirty="0" err="1" smtClean="0"/>
@@ -33792,36 +33422,23 @@
             </a:r>
             <a:r>
               <a:rPr lang="de-CH" sz="1800" dirty="0" smtClean="0"/>
-              <a:t> </a:t>
-            </a:r>
-            <a:r>
-              <a:rPr lang="de-CH" sz="1800" dirty="0" smtClean="0"/>
-              <a:t> oder   </a:t>
+              <a:t>  oder   </a:t>
             </a:r>
             <a:br>
               <a:rPr lang="de-CH" sz="1800" dirty="0" smtClean="0"/>
             </a:br>
             <a:r>
               <a:rPr lang="de-CH" sz="1800" dirty="0" smtClean="0"/>
-              <a:t>   anderen Werkzeugen aufgrund von Einschränkungen </a:t>
-            </a:r>
-            <a:r>
-              <a:rPr lang="de-CH" sz="1800" smtClean="0"/>
-              <a:t>(z.B. Firewall</a:t>
+              <a:t>  anderen Werkzeugen aufgrund von Einschränkungen (z.B. </a:t>
+            </a:r>
+            <a:r>
+              <a:rPr lang="de-CH" sz="1800" dirty="0" err="1" smtClean="0"/>
+              <a:t>Firewall</a:t>
             </a:r>
             <a:r>
               <a:rPr lang="de-CH" sz="1800" dirty="0" smtClean="0"/>
-              <a:t>) nicht </a:t>
-            </a:r>
-            <a:r>
-              <a:rPr lang="de-CH" sz="1800" dirty="0" smtClean="0"/>
-              <a:t>möglich </a:t>
-            </a:r>
-            <a:r>
-              <a:rPr lang="de-CH" sz="1800" dirty="0" smtClean="0"/>
-              <a:t>ist.</a:t>
-            </a:r>
-            <a:endParaRPr lang="de-CH" sz="1800" dirty="0" smtClean="0"/>
+              <a:t>) nicht möglich ist.</a:t>
+            </a:r>
           </a:p>
         </p:txBody>
       </p:sp>
@@ -34018,6 +33635,330 @@
               <a:t>Weiter Informationen</a:t>
             </a:r>
             <a:endParaRPr lang="en-US" sz="3200" dirty="0"/>
+          </a:p>
+        </p:txBody>
+      </p:sp>
+      <p:sp>
+        <p:nvSpPr>
+          <p:cNvPr id="218" name="Rounded Rectangle 217"/>
+          <p:cNvSpPr/>
+          <p:nvPr/>
+        </p:nvSpPr>
+        <p:spPr>
+          <a:xfrm>
+            <a:off x="442119" y="19019837"/>
+            <a:ext cx="9067800" cy="4035286"/>
+          </a:xfrm>
+          <a:prstGeom prst="roundRect">
+            <a:avLst>
+              <a:gd name="adj" fmla="val 8515"/>
+            </a:avLst>
+          </a:prstGeom>
+          <a:noFill/>
+          <a:ln>
+            <a:noFill/>
+          </a:ln>
+        </p:spPr>
+        <p:style>
+          <a:lnRef idx="2">
+            <a:schemeClr val="accent1">
+              <a:shade val="50000"/>
+            </a:schemeClr>
+          </a:lnRef>
+          <a:fillRef idx="1">
+            <a:schemeClr val="accent1"/>
+          </a:fillRef>
+          <a:effectRef idx="0">
+            <a:schemeClr val="accent1"/>
+          </a:effectRef>
+          <a:fontRef idx="minor">
+            <a:schemeClr val="lt1"/>
+          </a:fontRef>
+        </p:style>
+        <p:txBody>
+          <a:bodyPr rtlCol="0" anchor="t" anchorCtr="0"/>
+          <a:lstStyle/>
+          <a:p>
+            <a:pPr algn="just"/>
+            <a:r>
+              <a:rPr lang="de-CH" sz="3200" b="1" dirty="0" smtClean="0">
+                <a:solidFill>
+                  <a:schemeClr val="tx1"/>
+                </a:solidFill>
+              </a:rPr>
+              <a:t>Methodik</a:t>
+            </a:r>
+          </a:p>
+          <a:p>
+            <a:pPr algn="just"/>
+            <a:r>
+              <a:rPr lang="de-DE" sz="1800" dirty="0" smtClean="0">
+                <a:solidFill>
+                  <a:schemeClr val="tx1"/>
+                </a:solidFill>
+              </a:rPr>
+              <a:t>Die Evaluation von Rich Client Framework und </a:t>
+            </a:r>
+            <a:r>
+              <a:rPr lang="de-DE" sz="1800" dirty="0" err="1" smtClean="0">
+                <a:solidFill>
+                  <a:schemeClr val="tx1"/>
+                </a:solidFill>
+              </a:rPr>
+              <a:t>Charting</a:t>
+            </a:r>
+            <a:r>
+              <a:rPr lang="de-DE" sz="1800" dirty="0" smtClean="0">
+                <a:solidFill>
+                  <a:schemeClr val="tx1"/>
+                </a:solidFill>
+              </a:rPr>
+              <a:t>-Bibliothek sowie die Ermittlung der funktionalen Anforderungen ist getrieben durch eine methodenbasierte Anforderungsanalyse. Es standen drei Methoden zur Auswahl: Use Cases, </a:t>
+            </a:r>
+            <a:r>
+              <a:rPr lang="de-DE" sz="1800" dirty="0" err="1" smtClean="0">
+                <a:solidFill>
+                  <a:schemeClr val="tx1"/>
+                </a:solidFill>
+              </a:rPr>
+              <a:t>Requirements</a:t>
+            </a:r>
+            <a:r>
+              <a:rPr lang="de-DE" sz="1800" dirty="0" smtClean="0">
+                <a:solidFill>
+                  <a:schemeClr val="tx1"/>
+                </a:solidFill>
+              </a:rPr>
+              <a:t> Engineering nach IEEE 830 und User Stories. Auf Ebene der Customer </a:t>
+            </a:r>
+            <a:r>
+              <a:rPr lang="de-DE" sz="1800" dirty="0" err="1" smtClean="0">
+                <a:solidFill>
+                  <a:schemeClr val="tx1"/>
+                </a:solidFill>
+              </a:rPr>
+              <a:t>Requirements</a:t>
+            </a:r>
+            <a:r>
+              <a:rPr lang="de-DE" sz="1800" dirty="0" smtClean="0">
+                <a:solidFill>
+                  <a:schemeClr val="tx1"/>
+                </a:solidFill>
+              </a:rPr>
+              <a:t> wird die Methode der Use Cases eingesetzt. Sie zeichnet sich dadurch aus, dass man die Anforderungen nicht nur textuell sondern auch modellbasiert mit UML definieren kann. Für die Dokumentation der Development-</a:t>
+            </a:r>
+            <a:r>
+              <a:rPr lang="de-DE" sz="1800" dirty="0" err="1" smtClean="0">
+                <a:solidFill>
+                  <a:schemeClr val="tx1"/>
+                </a:solidFill>
+              </a:rPr>
+              <a:t>Requirements</a:t>
+            </a:r>
+            <a:r>
+              <a:rPr lang="de-DE" sz="1800" dirty="0" smtClean="0">
+                <a:solidFill>
+                  <a:schemeClr val="tx1"/>
+                </a:solidFill>
+              </a:rPr>
+              <a:t>, beinhaltet auch die Qualitätsanforderungen, wird der Standard IEEE 830 verwendet. Die damit definierten Anforderungen lassen sich gut in einzelne Entwicklungspakete verpacken. Auch die Struktur der Anforderungsanalyse wurde anhand dieser Definition aufgebaut.</a:t>
+            </a:r>
+            <a:endParaRPr lang="en-US" sz="1800" dirty="0" err="1" smtClean="0">
+              <a:solidFill>
+                <a:schemeClr val="tx1"/>
+              </a:solidFill>
+            </a:endParaRPr>
+          </a:p>
+        </p:txBody>
+      </p:sp>
+      <p:pic>
+        <p:nvPicPr>
+          <p:cNvPr id="2" name="Picture 2"/>
+          <p:cNvPicPr>
+            <a:picLocks noChangeAspect="1" noChangeArrowheads="1"/>
+          </p:cNvPicPr>
+          <p:nvPr/>
+        </p:nvPicPr>
+        <p:blipFill>
+          <a:blip r:embed="rId7" cstate="print"/>
+          <a:srcRect/>
+          <a:stretch>
+            <a:fillRect/>
+          </a:stretch>
+        </p:blipFill>
+        <p:spPr bwMode="auto">
+          <a:xfrm>
+            <a:off x="27874119" y="10790237"/>
+            <a:ext cx="4886325" cy="3457575"/>
+          </a:xfrm>
+          <a:prstGeom prst="rect">
+            <a:avLst/>
+          </a:prstGeom>
+          <a:noFill/>
+          <a:ln w="9525">
+            <a:noFill/>
+            <a:miter lim="800000"/>
+            <a:headEnd/>
+            <a:tailEnd/>
+          </a:ln>
+          <a:effectLst/>
+        </p:spPr>
+      </p:pic>
+      <p:sp>
+        <p:nvSpPr>
+          <p:cNvPr id="220" name="Rectangle 219"/>
+          <p:cNvSpPr/>
+          <p:nvPr/>
+        </p:nvSpPr>
+        <p:spPr>
+          <a:xfrm>
+            <a:off x="27874119" y="12161837"/>
+            <a:ext cx="4876800" cy="1981200"/>
+          </a:xfrm>
+          <a:prstGeom prst="rect">
+            <a:avLst/>
+          </a:prstGeom>
+          <a:noFill/>
+          <a:ln w="12700">
+            <a:solidFill>
+              <a:schemeClr val="tx1"/>
+            </a:solidFill>
+          </a:ln>
+        </p:spPr>
+        <p:style>
+          <a:lnRef idx="2">
+            <a:schemeClr val="accent1">
+              <a:shade val="50000"/>
+            </a:schemeClr>
+          </a:lnRef>
+          <a:fillRef idx="1">
+            <a:schemeClr val="accent1"/>
+          </a:fillRef>
+          <a:effectRef idx="0">
+            <a:schemeClr val="accent1"/>
+          </a:effectRef>
+          <a:fontRef idx="minor">
+            <a:schemeClr val="lt1"/>
+          </a:fontRef>
+        </p:style>
+        <p:txBody>
+          <a:bodyPr rtlCol="0" anchor="ctr"/>
+          <a:lstStyle/>
+          <a:p>
+            <a:pPr algn="ctr"/>
+            <a:endParaRPr lang="en-US"/>
+          </a:p>
+        </p:txBody>
+      </p:sp>
+      <p:sp>
+        <p:nvSpPr>
+          <p:cNvPr id="221" name="Rectangle 220"/>
+          <p:cNvSpPr/>
+          <p:nvPr/>
+        </p:nvSpPr>
+        <p:spPr>
+          <a:xfrm>
+            <a:off x="27874119" y="10100807"/>
+            <a:ext cx="4876800" cy="1981200"/>
+          </a:xfrm>
+          <a:prstGeom prst="rect">
+            <a:avLst/>
+          </a:prstGeom>
+          <a:noFill/>
+          <a:ln w="12700">
+            <a:solidFill>
+              <a:schemeClr val="tx1"/>
+            </a:solidFill>
+          </a:ln>
+        </p:spPr>
+        <p:style>
+          <a:lnRef idx="2">
+            <a:schemeClr val="accent1">
+              <a:shade val="50000"/>
+            </a:schemeClr>
+          </a:lnRef>
+          <a:fillRef idx="1">
+            <a:schemeClr val="accent1"/>
+          </a:fillRef>
+          <a:effectRef idx="0">
+            <a:schemeClr val="accent1"/>
+          </a:effectRef>
+          <a:fontRef idx="minor">
+            <a:schemeClr val="lt1"/>
+          </a:fontRef>
+        </p:style>
+        <p:txBody>
+          <a:bodyPr rtlCol="0" anchor="ctr"/>
+          <a:lstStyle/>
+          <a:p>
+            <a:pPr algn="ctr"/>
+            <a:endParaRPr lang="en-US"/>
+          </a:p>
+        </p:txBody>
+      </p:sp>
+      <p:sp>
+        <p:nvSpPr>
+          <p:cNvPr id="222" name="TextBox 221"/>
+          <p:cNvSpPr txBox="1"/>
+          <p:nvPr/>
+        </p:nvSpPr>
+        <p:spPr>
+          <a:xfrm>
+            <a:off x="27874119" y="10104437"/>
+            <a:ext cx="2895600" cy="369332"/>
+          </a:xfrm>
+          <a:prstGeom prst="rect">
+            <a:avLst/>
+          </a:prstGeom>
+          <a:noFill/>
+        </p:spPr>
+        <p:txBody>
+          <a:bodyPr wrap="square" rtlCol="0">
+            <a:spAutoFit/>
+          </a:bodyPr>
+          <a:lstStyle/>
+          <a:p>
+            <a:r>
+              <a:rPr lang="de-CH" sz="1800" dirty="0" smtClean="0"/>
+              <a:t>Feature </a:t>
+            </a:r>
+            <a:r>
+              <a:rPr lang="de-CH" sz="1800" dirty="0" err="1" smtClean="0"/>
+              <a:t>JRockit</a:t>
+            </a:r>
+            <a:r>
+              <a:rPr lang="de-CH" sz="1800" dirty="0" smtClean="0"/>
+              <a:t> Extension</a:t>
+            </a:r>
+          </a:p>
+        </p:txBody>
+      </p:sp>
+      <p:sp>
+        <p:nvSpPr>
+          <p:cNvPr id="223" name="TextBox 222"/>
+          <p:cNvSpPr txBox="1"/>
+          <p:nvPr/>
+        </p:nvSpPr>
+        <p:spPr>
+          <a:xfrm>
+            <a:off x="27874119" y="12161837"/>
+            <a:ext cx="2895600" cy="369332"/>
+          </a:xfrm>
+          <a:prstGeom prst="rect">
+            <a:avLst/>
+          </a:prstGeom>
+          <a:noFill/>
+        </p:spPr>
+        <p:txBody>
+          <a:bodyPr wrap="square" rtlCol="0">
+            <a:spAutoFit/>
+          </a:bodyPr>
+          <a:lstStyle/>
+          <a:p>
+            <a:r>
+              <a:rPr lang="de-CH" sz="1800" dirty="0" smtClean="0"/>
+              <a:t>Feature Basissoftware</a:t>
+            </a:r>
           </a:p>
         </p:txBody>
       </p:sp>

--- a/Dokumentation/Poster/bachelorthesis_rschmid_poster.pptx
+++ b/Dokumentation/Poster/bachelorthesis_rschmid_poster.pptx
@@ -33713,7 +33713,39 @@
                   <a:schemeClr val="tx1"/>
                 </a:solidFill>
               </a:rPr>
-              <a:t>-Bibliothek sowie die Ermittlung der funktionalen Anforderungen ist getrieben durch eine methodenbasierte Anforderungsanalyse. Es standen drei Methoden zur Auswahl: Use Cases, </a:t>
+              <a:t>-Bibliothek sowie die </a:t>
+            </a:r>
+            <a:r>
+              <a:rPr lang="de-DE" sz="1800" dirty="0" smtClean="0">
+                <a:solidFill>
+                  <a:schemeClr val="tx1"/>
+                </a:solidFill>
+              </a:rPr>
+              <a:t>Konzeption der </a:t>
+            </a:r>
+            <a:r>
+              <a:rPr lang="de-DE" sz="1800" smtClean="0">
+                <a:solidFill>
+                  <a:schemeClr val="tx1"/>
+                </a:solidFill>
+              </a:rPr>
+              <a:t>funktionalen </a:t>
+            </a:r>
+            <a:r>
+              <a:rPr lang="de-DE" sz="1800" smtClean="0">
+                <a:solidFill>
+                  <a:schemeClr val="tx1"/>
+                </a:solidFill>
+              </a:rPr>
+              <a:t>Aspekte ist </a:t>
+            </a:r>
+            <a:r>
+              <a:rPr lang="de-DE" sz="1800" dirty="0" smtClean="0">
+                <a:solidFill>
+                  <a:schemeClr val="tx1"/>
+                </a:solidFill>
+              </a:rPr>
+              <a:t>getrieben durch eine methodenbasierte Anforderungsanalyse. Es standen drei Methoden zur Auswahl: Use Cases, </a:t>
             </a:r>
             <a:r>
               <a:rPr lang="de-DE" sz="1800" dirty="0" err="1" smtClean="0">

--- a/Dokumentation/Poster/bachelorthesis_rschmid_poster.pptx
+++ b/Dokumentation/Poster/bachelorthesis_rschmid_poster.pptx
@@ -289,7 +289,7 @@
             <a:fld id="{C62D31E2-9E86-40CB-A2F4-FCB2575419C8}" type="datetimeFigureOut">
               <a:rPr lang="en-US" smtClean="0"/>
               <a:pPr/>
-              <a:t>12/1/2011</a:t>
+              <a:t>12/6/2011</a:t>
             </a:fld>
             <a:endParaRPr lang="en-US"/>
           </a:p>
@@ -456,7 +456,7 @@
             <a:fld id="{C62D31E2-9E86-40CB-A2F4-FCB2575419C8}" type="datetimeFigureOut">
               <a:rPr lang="en-US" smtClean="0"/>
               <a:pPr/>
-              <a:t>12/1/2011</a:t>
+              <a:t>12/6/2011</a:t>
             </a:fld>
             <a:endParaRPr lang="en-US"/>
           </a:p>
@@ -633,7 +633,7 @@
             <a:fld id="{C62D31E2-9E86-40CB-A2F4-FCB2575419C8}" type="datetimeFigureOut">
               <a:rPr lang="en-US" smtClean="0"/>
               <a:pPr/>
-              <a:t>12/1/2011</a:t>
+              <a:t>12/6/2011</a:t>
             </a:fld>
             <a:endParaRPr lang="en-US"/>
           </a:p>
@@ -800,7 +800,7 @@
             <a:fld id="{C62D31E2-9E86-40CB-A2F4-FCB2575419C8}" type="datetimeFigureOut">
               <a:rPr lang="en-US" smtClean="0"/>
               <a:pPr/>
-              <a:t>12/1/2011</a:t>
+              <a:t>12/6/2011</a:t>
             </a:fld>
             <a:endParaRPr lang="en-US"/>
           </a:p>
@@ -1043,7 +1043,7 @@
             <a:fld id="{C62D31E2-9E86-40CB-A2F4-FCB2575419C8}" type="datetimeFigureOut">
               <a:rPr lang="en-US" smtClean="0"/>
               <a:pPr/>
-              <a:t>12/1/2011</a:t>
+              <a:t>12/6/2011</a:t>
             </a:fld>
             <a:endParaRPr lang="en-US"/>
           </a:p>
@@ -1328,7 +1328,7 @@
             <a:fld id="{C62D31E2-9E86-40CB-A2F4-FCB2575419C8}" type="datetimeFigureOut">
               <a:rPr lang="en-US" smtClean="0"/>
               <a:pPr/>
-              <a:t>12/1/2011</a:t>
+              <a:t>12/6/2011</a:t>
             </a:fld>
             <a:endParaRPr lang="en-US"/>
           </a:p>
@@ -1747,7 +1747,7 @@
             <a:fld id="{C62D31E2-9E86-40CB-A2F4-FCB2575419C8}" type="datetimeFigureOut">
               <a:rPr lang="en-US" smtClean="0"/>
               <a:pPr/>
-              <a:t>12/1/2011</a:t>
+              <a:t>12/6/2011</a:t>
             </a:fld>
             <a:endParaRPr lang="en-US"/>
           </a:p>
@@ -1862,7 +1862,7 @@
             <a:fld id="{C62D31E2-9E86-40CB-A2F4-FCB2575419C8}" type="datetimeFigureOut">
               <a:rPr lang="en-US" smtClean="0"/>
               <a:pPr/>
-              <a:t>12/1/2011</a:t>
+              <a:t>12/6/2011</a:t>
             </a:fld>
             <a:endParaRPr lang="en-US"/>
           </a:p>
@@ -1954,7 +1954,7 @@
             <a:fld id="{C62D31E2-9E86-40CB-A2F4-FCB2575419C8}" type="datetimeFigureOut">
               <a:rPr lang="en-US" smtClean="0"/>
               <a:pPr/>
-              <a:t>12/1/2011</a:t>
+              <a:t>12/6/2011</a:t>
             </a:fld>
             <a:endParaRPr lang="en-US"/>
           </a:p>
@@ -2228,7 +2228,7 @@
             <a:fld id="{C62D31E2-9E86-40CB-A2F4-FCB2575419C8}" type="datetimeFigureOut">
               <a:rPr lang="en-US" smtClean="0"/>
               <a:pPr/>
-              <a:t>12/1/2011</a:t>
+              <a:t>12/6/2011</a:t>
             </a:fld>
             <a:endParaRPr lang="en-US"/>
           </a:p>
@@ -2478,7 +2478,7 @@
             <a:fld id="{C62D31E2-9E86-40CB-A2F4-FCB2575419C8}" type="datetimeFigureOut">
               <a:rPr lang="en-US" smtClean="0"/>
               <a:pPr/>
-              <a:t>12/1/2011</a:t>
+              <a:t>12/6/2011</a:t>
             </a:fld>
             <a:endParaRPr lang="en-US"/>
           </a:p>
@@ -2688,7 +2688,7 @@
             <a:fld id="{C62D31E2-9E86-40CB-A2F4-FCB2575419C8}" type="datetimeFigureOut">
               <a:rPr lang="en-US" smtClean="0"/>
               <a:pPr/>
-              <a:t>12/1/2011</a:t>
+              <a:t>12/6/2011</a:t>
             </a:fld>
             <a:endParaRPr lang="en-US"/>
           </a:p>
@@ -25079,7 +25079,23 @@
                   <a:schemeClr val="tx1"/>
                 </a:solidFill>
               </a:rPr>
-              <a:t>Für die Ermittlung von Java Performance-Problemen braucht es Wissen über die Funktionsweise der Java Virtual </a:t>
+              <a:t>Für die Ermittlung von Java Performance-Problemen braucht es Wissen über die Funktionsweise der Java </a:t>
+            </a:r>
+            <a:r>
+              <a:rPr lang="de-DE" sz="1800" dirty="0" err="1" smtClean="0">
+                <a:solidFill>
+                  <a:schemeClr val="tx1"/>
+                </a:solidFill>
+              </a:rPr>
+              <a:t>virtual</a:t>
+            </a:r>
+            <a:r>
+              <a:rPr lang="de-DE" sz="1800" dirty="0" smtClean="0">
+                <a:solidFill>
+                  <a:schemeClr val="tx1"/>
+                </a:solidFill>
+              </a:rPr>
+              <a:t> </a:t>
             </a:r>
             <a:r>
               <a:rPr lang="de-DE" sz="1800" dirty="0" err="1" smtClean="0">
@@ -25205,7 +25221,23 @@
                   <a:schemeClr val="tx1"/>
                 </a:solidFill>
               </a:rPr>
-              <a:t> ist die Virtual </a:t>
+              <a:t> ist die </a:t>
+            </a:r>
+            <a:r>
+              <a:rPr lang="de-DE" sz="1800" dirty="0" err="1" smtClean="0">
+                <a:solidFill>
+                  <a:schemeClr val="tx1"/>
+                </a:solidFill>
+              </a:rPr>
+              <a:t>virtual</a:t>
+            </a:r>
+            <a:r>
+              <a:rPr lang="de-DE" sz="1800" dirty="0" smtClean="0">
+                <a:solidFill>
+                  <a:schemeClr val="tx1"/>
+                </a:solidFill>
+              </a:rPr>
+              <a:t> </a:t>
             </a:r>
             <a:r>
               <a:rPr lang="de-DE" sz="1800" dirty="0" err="1" smtClean="0">
@@ -25385,7 +25417,7 @@
                   <a:schemeClr val="tx1"/>
                 </a:solidFill>
               </a:rPr>
-              <a:t> Virtual </a:t>
+              <a:t> </a:t>
             </a:r>
             <a:r>
               <a:rPr lang="de-DE" sz="1800" dirty="0" err="1" smtClean="0">
@@ -25393,6 +25425,22 @@
                   <a:schemeClr val="tx1"/>
                 </a:solidFill>
               </a:rPr>
+              <a:t>virtual</a:t>
+            </a:r>
+            <a:r>
+              <a:rPr lang="de-DE" sz="1800" dirty="0" smtClean="0">
+                <a:solidFill>
+                  <a:schemeClr val="tx1"/>
+                </a:solidFill>
+              </a:rPr>
+              <a:t> </a:t>
+            </a:r>
+            <a:r>
+              <a:rPr lang="de-DE" sz="1800" dirty="0" err="1" smtClean="0">
+                <a:solidFill>
+                  <a:schemeClr val="tx1"/>
+                </a:solidFill>
+              </a:rPr>
               <a:t>Machine</a:t>
             </a:r>
             <a:r>
@@ -25449,7 +25497,23 @@
                   <a:schemeClr val="tx1"/>
                 </a:solidFill>
               </a:rPr>
-              <a:t> Virtual </a:t>
+              <a:t> </a:t>
+            </a:r>
+            <a:r>
+              <a:rPr lang="de-DE" sz="1800" dirty="0" err="1" smtClean="0">
+                <a:solidFill>
+                  <a:schemeClr val="tx1"/>
+                </a:solidFill>
+              </a:rPr>
+              <a:t>virtual</a:t>
+            </a:r>
+            <a:r>
+              <a:rPr lang="de-DE" sz="1800" dirty="0" smtClean="0">
+                <a:solidFill>
+                  <a:schemeClr val="tx1"/>
+                </a:solidFill>
+              </a:rPr>
+              <a:t> </a:t>
             </a:r>
             <a:r>
               <a:rPr lang="de-DE" sz="1800" dirty="0" err="1" smtClean="0">
@@ -25598,7 +25662,23 @@
                   <a:schemeClr val="tx1"/>
                 </a:solidFill>
               </a:rPr>
-              <a:t> Virtual </a:t>
+              <a:t> </a:t>
+            </a:r>
+            <a:r>
+              <a:rPr lang="de-DE" sz="1800" dirty="0" err="1" smtClean="0">
+                <a:solidFill>
+                  <a:schemeClr val="tx1"/>
+                </a:solidFill>
+              </a:rPr>
+              <a:t>virtual</a:t>
+            </a:r>
+            <a:r>
+              <a:rPr lang="de-DE" sz="1800" dirty="0" smtClean="0">
+                <a:solidFill>
+                  <a:schemeClr val="tx1"/>
+                </a:solidFill>
+              </a:rPr>
+              <a:t> </a:t>
             </a:r>
             <a:r>
               <a:rPr lang="de-DE" sz="1800" dirty="0" err="1" smtClean="0">
@@ -25983,7 +26063,23 @@
                   <a:schemeClr val="tx1"/>
                 </a:solidFill>
               </a:rPr>
-              <a:t> Java Virtual  Machine </a:t>
+              <a:t> Java </a:t>
+            </a:r>
+            <a:r>
+              <a:rPr lang="en-US" sz="1800" dirty="0" smtClean="0">
+                <a:solidFill>
+                  <a:schemeClr val="tx1"/>
+                </a:solidFill>
+              </a:rPr>
+              <a:t>virtual  </a:t>
+            </a:r>
+            <a:r>
+              <a:rPr lang="en-US" sz="1800" dirty="0" smtClean="0">
+                <a:solidFill>
+                  <a:schemeClr val="tx1"/>
+                </a:solidFill>
+              </a:rPr>
+              <a:t>Machine </a:t>
             </a:r>
             <a:r>
               <a:rPr lang="en-US" sz="1800" dirty="0" err="1" smtClean="0">
@@ -26063,7 +26159,23 @@
                   <a:schemeClr val="tx1"/>
                 </a:solidFill>
               </a:rPr>
-              <a:t> Virtual Machine.</a:t>
+              <a:t> </a:t>
+            </a:r>
+            <a:r>
+              <a:rPr lang="en-US" sz="1800" dirty="0" smtClean="0">
+                <a:solidFill>
+                  <a:schemeClr val="tx1"/>
+                </a:solidFill>
+              </a:rPr>
+              <a:t>virtual </a:t>
+            </a:r>
+            <a:r>
+              <a:rPr lang="en-US" sz="1800" dirty="0" smtClean="0">
+                <a:solidFill>
+                  <a:schemeClr val="tx1"/>
+                </a:solidFill>
+              </a:rPr>
+              <a:t>Machine.</a:t>
             </a:r>
           </a:p>
           <a:p>
@@ -27115,7 +27227,11 @@
                 </a:r>
                 <a:r>
                   <a:rPr lang="de-CH" sz="1800" dirty="0" err="1" smtClean="0"/>
-                  <a:t>Virtual</a:t>
+                  <a:t>v</a:t>
+                </a:r>
+                <a:r>
+                  <a:rPr lang="de-CH" sz="1800" dirty="0" err="1" smtClean="0"/>
+                  <a:t>irtual</a:t>
                 </a:r>
                 <a:r>
                   <a:rPr lang="de-CH" sz="1800" dirty="0" smtClean="0"/>
@@ -27516,7 +27632,7 @@
                   <a:schemeClr val="tx1"/>
                 </a:solidFill>
               </a:rPr>
-              <a:t>Virtual</a:t>
+              <a:t>virtual</a:t>
             </a:r>
             <a:r>
               <a:rPr lang="de-CH" sz="2400" b="1" dirty="0" smtClean="0">
@@ -28018,7 +28134,15 @@
                   <a:schemeClr val="tx1"/>
                 </a:solidFill>
               </a:rPr>
-              <a:t> Generational Concurrent Mark &amp; Sweep</a:t>
+              <a:t> </a:t>
+            </a:r>
+            <a:r>
+              <a:rPr lang="en-US" sz="1800" dirty="0" smtClean="0">
+                <a:solidFill>
+                  <a:schemeClr val="tx1"/>
+                </a:solidFill>
+              </a:rPr>
+              <a:t>Generational Concurrent Mark &amp; Sweep</a:t>
             </a:r>
           </a:p>
           <a:p>
@@ -28133,7 +28257,15 @@
                   <a:schemeClr val="tx1"/>
                 </a:solidFill>
               </a:rPr>
-              <a:t>Virtual</a:t>
+              <a:t>v</a:t>
+            </a:r>
+            <a:r>
+              <a:rPr lang="de-CH" sz="1800" dirty="0" err="1" smtClean="0">
+                <a:solidFill>
+                  <a:schemeClr val="tx1"/>
+                </a:solidFill>
+              </a:rPr>
+              <a:t>irtual</a:t>
             </a:r>
             <a:r>
               <a:rPr lang="de-CH" sz="1800" dirty="0" smtClean="0">
@@ -28205,8 +28337,37 @@
                   <a:schemeClr val="tx1"/>
                 </a:solidFill>
               </a:rPr>
-              <a:t>. Das Schema ist wie folgt:</a:t>
-            </a:r>
+              <a:t>. Das </a:t>
+            </a:r>
+            <a:r>
+              <a:rPr lang="de-CH" sz="1800" dirty="0" smtClean="0">
+                <a:solidFill>
+                  <a:schemeClr val="tx1"/>
+                </a:solidFill>
+              </a:rPr>
+              <a:t>Aufbau des </a:t>
+            </a:r>
+            <a:r>
+              <a:rPr lang="de-CH" sz="1800" dirty="0" err="1" smtClean="0">
+                <a:solidFill>
+                  <a:schemeClr val="tx1"/>
+                </a:solidFill>
+              </a:rPr>
+              <a:t>Heaps</a:t>
+            </a:r>
+            <a:r>
+              <a:rPr lang="de-CH" sz="1800" dirty="0" smtClean="0">
+                <a:solidFill>
+                  <a:schemeClr val="tx1"/>
+                </a:solidFill>
+              </a:rPr>
+              <a:t> ist folgendermassen (falls Generationen verwendet werden):</a:t>
+            </a:r>
+            <a:endParaRPr lang="de-CH" sz="1800" dirty="0" smtClean="0">
+              <a:solidFill>
+                <a:schemeClr val="tx1"/>
+              </a:solidFill>
+            </a:endParaRPr>
           </a:p>
           <a:p>
             <a:pPr algn="just"/>
@@ -29002,7 +29163,7 @@
         </p:nvSpPr>
         <p:spPr>
           <a:xfrm>
-            <a:off x="18272919" y="15667037"/>
+            <a:off x="17358519" y="15209837"/>
             <a:ext cx="609600" cy="369332"/>
           </a:xfrm>
           <a:prstGeom prst="rect">
@@ -29154,7 +29315,7 @@
         </p:nvGrpSpPr>
         <p:grpSpPr>
           <a:xfrm>
-            <a:off x="10576719" y="26963687"/>
+            <a:off x="10576719" y="27173237"/>
             <a:ext cx="10058400" cy="609600"/>
             <a:chOff x="11262519" y="28087637"/>
             <a:chExt cx="10058400" cy="609600"/>
@@ -30016,15 +30177,31 @@
           <a:p>
             <a:pPr algn="just"/>
             <a:r>
-              <a:rPr lang="de-CH" sz="2000" dirty="0" smtClean="0">
-                <a:solidFill>
-                  <a:schemeClr val="tx1"/>
-                </a:solidFill>
-              </a:rPr>
-              <a:t>Sofern die relative Systemlast nicht gross ist wird überprüft, ob die CPU Auslastung insgesamt gross ist. Man prüft also, ob es eventuell </a:t>
-            </a:r>
-            <a:r>
-              <a:rPr lang="de-CH" sz="2000" b="1" dirty="0" smtClean="0">
+              <a:rPr lang="de-CH" sz="1800" dirty="0" smtClean="0">
+                <a:solidFill>
+                  <a:schemeClr val="tx1"/>
+                </a:solidFill>
+              </a:rPr>
+              <a:t>Sofern die relative Systemlast nicht gross </a:t>
+            </a:r>
+            <a:r>
+              <a:rPr lang="de-CH" sz="1800" dirty="0" smtClean="0">
+                <a:solidFill>
+                  <a:schemeClr val="tx1"/>
+                </a:solidFill>
+              </a:rPr>
+              <a:t>ist, </a:t>
+            </a:r>
+            <a:r>
+              <a:rPr lang="de-CH" sz="1800" dirty="0" smtClean="0">
+                <a:solidFill>
+                  <a:schemeClr val="tx1"/>
+                </a:solidFill>
+              </a:rPr>
+              <a:t>wird überprüft, ob die CPU Auslastung insgesamt gross ist. Man prüft also, ob es eventuell </a:t>
+            </a:r>
+            <a:r>
+              <a:rPr lang="de-CH" sz="1800" b="1" dirty="0" smtClean="0">
                 <a:solidFill>
                   <a:schemeClr val="tx1"/>
                 </a:solidFill>
@@ -30032,7 +30209,7 @@
               <a:t>keinen </a:t>
             </a:r>
             <a:r>
-              <a:rPr lang="de-CH" sz="2000" b="1" dirty="0" err="1" smtClean="0">
+              <a:rPr lang="de-CH" sz="1800" b="1" dirty="0" err="1" smtClean="0">
                 <a:solidFill>
                   <a:schemeClr val="tx1"/>
                 </a:solidFill>
@@ -30040,7 +30217,7 @@
               <a:t>Dominating</a:t>
             </a:r>
             <a:r>
-              <a:rPr lang="de-CH" sz="2000" b="1" dirty="0" smtClean="0">
+              <a:rPr lang="de-CH" sz="1800" b="1" dirty="0" smtClean="0">
                 <a:solidFill>
                   <a:schemeClr val="tx1"/>
                 </a:solidFill>
@@ -30048,7 +30225,7 @@
               <a:t> </a:t>
             </a:r>
             <a:r>
-              <a:rPr lang="de-CH" sz="2000" b="1" dirty="0" err="1" smtClean="0">
+              <a:rPr lang="de-CH" sz="1800" b="1" dirty="0" err="1" smtClean="0">
                 <a:solidFill>
                   <a:schemeClr val="tx1"/>
                 </a:solidFill>
@@ -30056,7 +30233,7 @@
               <a:t>Consumer</a:t>
             </a:r>
             <a:r>
-              <a:rPr lang="de-CH" sz="2000" b="1" dirty="0" smtClean="0">
+              <a:rPr lang="de-CH" sz="1800" b="1" dirty="0" smtClean="0">
                 <a:solidFill>
                   <a:schemeClr val="tx1"/>
                 </a:solidFill>
@@ -30064,7 +30241,7 @@
               <a:t> </a:t>
             </a:r>
             <a:r>
-              <a:rPr lang="de-CH" sz="2000" dirty="0" smtClean="0">
+              <a:rPr lang="de-CH" sz="1800" dirty="0" smtClean="0">
                 <a:solidFill>
                   <a:schemeClr val="tx1"/>
                 </a:solidFill>
@@ -30318,12 +30495,20 @@
               <a:t>Sofern die CPU-Auslastung, trotz kleiner relativer Systemlast durch die Applikation, hoch ist, muss </a:t>
             </a:r>
             <a:r>
+              <a:rPr lang="de-DE" sz="1800" dirty="0" smtClean="0">
+                <a:solidFill>
+                  <a:schemeClr val="tx1"/>
+                </a:solidFill>
+              </a:rPr>
+              <a:t>die </a:t>
+            </a:r>
+            <a:r>
               <a:rPr lang="de-DE" sz="1800" b="1" dirty="0" smtClean="0">
                 <a:solidFill>
                   <a:schemeClr val="tx1"/>
                 </a:solidFill>
               </a:rPr>
-              <a:t>Java Virtual </a:t>
+              <a:t>Java </a:t>
             </a:r>
             <a:r>
               <a:rPr lang="de-DE" sz="1800" b="1" dirty="0" err="1" smtClean="0">
@@ -30331,6 +30516,30 @@
                   <a:schemeClr val="tx1"/>
                 </a:solidFill>
               </a:rPr>
+              <a:t>v</a:t>
+            </a:r>
+            <a:r>
+              <a:rPr lang="de-DE" sz="1800" b="1" dirty="0" err="1" smtClean="0">
+                <a:solidFill>
+                  <a:schemeClr val="tx1"/>
+                </a:solidFill>
+              </a:rPr>
+              <a:t>irtual</a:t>
+            </a:r>
+            <a:r>
+              <a:rPr lang="de-DE" sz="1800" b="1" dirty="0" smtClean="0">
+                <a:solidFill>
+                  <a:schemeClr val="tx1"/>
+                </a:solidFill>
+              </a:rPr>
+              <a:t> </a:t>
+            </a:r>
+            <a:r>
+              <a:rPr lang="de-DE" sz="1800" b="1" dirty="0" err="1" smtClean="0">
+                <a:solidFill>
+                  <a:schemeClr val="tx1"/>
+                </a:solidFill>
+              </a:rPr>
               <a:t>Machine</a:t>
             </a:r>
             <a:r>
@@ -30350,20 +30559,20 @@
               <a:t>und </a:t>
             </a:r>
             <a:r>
-              <a:rPr lang="de-DE" sz="1800" dirty="0" err="1" smtClean="0">
-                <a:solidFill>
-                  <a:schemeClr val="tx1"/>
-                </a:solidFill>
-              </a:rPr>
-              <a:t>evt</a:t>
-            </a:r>
-            <a:r>
               <a:rPr lang="de-DE" sz="1800" dirty="0" smtClean="0">
                 <a:solidFill>
                   <a:schemeClr val="tx1"/>
                 </a:solidFill>
               </a:rPr>
-              <a:t>. die </a:t>
+              <a:t>im spezifischen eventuell </a:t>
+            </a:r>
+            <a:r>
+              <a:rPr lang="de-DE" sz="1800" dirty="0" smtClean="0">
+                <a:solidFill>
+                  <a:schemeClr val="tx1"/>
+                </a:solidFill>
+              </a:rPr>
+              <a:t>die </a:t>
             </a:r>
             <a:r>
               <a:rPr lang="de-DE" sz="1800" b="1" dirty="0" err="1" smtClean="0">
@@ -33080,7 +33289,11 @@
             </a:r>
             <a:r>
               <a:rPr lang="de-CH" sz="1800" dirty="0" err="1" smtClean="0"/>
-              <a:t>Virtual</a:t>
+              <a:t>v</a:t>
+            </a:r>
+            <a:r>
+              <a:rPr lang="de-CH" sz="1800" dirty="0" err="1" smtClean="0"/>
+              <a:t>irtual</a:t>
             </a:r>
             <a:r>
               <a:rPr lang="de-CH" sz="1800" dirty="0" smtClean="0"/>
@@ -33346,7 +33559,11 @@
             </a:r>
             <a:r>
               <a:rPr lang="de-CH" sz="1800" dirty="0" err="1" smtClean="0"/>
-              <a:t>Virtual</a:t>
+              <a:t>v</a:t>
+            </a:r>
+            <a:r>
+              <a:rPr lang="de-CH" sz="1800" dirty="0" err="1" smtClean="0"/>
+              <a:t>irtual</a:t>
             </a:r>
             <a:r>
               <a:rPr lang="de-CH" sz="1800" dirty="0" smtClean="0"/>
@@ -33387,11 +33604,19 @@
             </a:r>
             <a:r>
               <a:rPr lang="de-CH" sz="1800" dirty="0" err="1" smtClean="0"/>
-              <a:t>Virtual</a:t>
+              <a:t>v</a:t>
+            </a:r>
+            <a:r>
+              <a:rPr lang="de-CH" sz="1800" dirty="0" err="1" smtClean="0"/>
+              <a:t>irtual</a:t>
             </a:r>
             <a:r>
               <a:rPr lang="de-CH" sz="1800" dirty="0" smtClean="0"/>
               <a:t>  </a:t>
+            </a:r>
+            <a:r>
+              <a:rPr lang="de-CH" sz="1800" dirty="0" smtClean="0"/>
+              <a:t/>
             </a:r>
             <a:br>
               <a:rPr lang="de-CH" sz="1800" dirty="0" smtClean="0"/>
@@ -33697,7 +33922,23 @@
                   <a:schemeClr val="tx1"/>
                 </a:solidFill>
               </a:rPr>
-              <a:t>Die Evaluation von Rich Client Framework und </a:t>
+              <a:t>Die Evaluation des Basis-Frameworks, der Bibliothek zum Erstellen von </a:t>
+            </a:r>
+            <a:r>
+              <a:rPr lang="de-DE" sz="1800" dirty="0" smtClean="0">
+                <a:solidFill>
+                  <a:schemeClr val="tx1"/>
+                </a:solidFill>
+              </a:rPr>
+              <a:t>Diagrammen, </a:t>
+            </a:r>
+            <a:r>
+              <a:rPr lang="de-DE" sz="1800" dirty="0" smtClean="0">
+                <a:solidFill>
+                  <a:schemeClr val="tx1"/>
+                </a:solidFill>
+              </a:rPr>
+              <a:t>sowie die Konzeption der funktionalen Aspekte werden getrieben durch eine methodenbasierte Anforderungsanalyse. Es standen drei Methoden zur Auswahl: Use Cases, </a:t>
             </a:r>
             <a:r>
               <a:rPr lang="de-DE" sz="1800" dirty="0" err="1" smtClean="0">
@@ -33705,7 +33946,7 @@
                   <a:schemeClr val="tx1"/>
                 </a:solidFill>
               </a:rPr>
-              <a:t>Charting</a:t>
+              <a:t>Requirements</a:t>
             </a:r>
             <a:r>
               <a:rPr lang="de-DE" sz="1800" dirty="0" smtClean="0">
@@ -33713,7 +33954,15 @@
                   <a:schemeClr val="tx1"/>
                 </a:solidFill>
               </a:rPr>
-              <a:t>-Bibliothek sowie die </a:t>
+              <a:t> Engineering nach IEEE 830 und User Stories. Auf Ebene der Customer-</a:t>
+            </a:r>
+            <a:r>
+              <a:rPr lang="de-DE" sz="1800" dirty="0" err="1" smtClean="0">
+                <a:solidFill>
+                  <a:schemeClr val="tx1"/>
+                </a:solidFill>
+              </a:rPr>
+              <a:t>Requirements</a:t>
             </a:r>
             <a:r>
               <a:rPr lang="de-DE" sz="1800" dirty="0" smtClean="0">
@@ -33721,23 +33970,15 @@
                   <a:schemeClr val="tx1"/>
                 </a:solidFill>
               </a:rPr>
-              <a:t>Konzeption der </a:t>
-            </a:r>
-            <a:r>
-              <a:rPr lang="de-DE" sz="1800" smtClean="0">
-                <a:solidFill>
-                  <a:schemeClr val="tx1"/>
-                </a:solidFill>
-              </a:rPr>
-              <a:t>funktionalen </a:t>
-            </a:r>
-            <a:r>
-              <a:rPr lang="de-DE" sz="1800" smtClean="0">
-                <a:solidFill>
-                  <a:schemeClr val="tx1"/>
-                </a:solidFill>
-              </a:rPr>
-              <a:t>Aspekte ist </a:t>
+              <a:t> wird die Methode der Use Cases eingesetzt. Sie zeichnet sich dadurch aus, dass man die Anforderungen nicht nur textuell, sondern auch modellbasiert mit UML (Modellierungssprache) definieren kann. Für die Dokumentation der Development-</a:t>
+            </a:r>
+            <a:r>
+              <a:rPr lang="de-DE" sz="1800" dirty="0" err="1" smtClean="0">
+                <a:solidFill>
+                  <a:schemeClr val="tx1"/>
+                </a:solidFill>
+              </a:rPr>
+              <a:t>Requirements</a:t>
             </a:r>
             <a:r>
               <a:rPr lang="de-DE" sz="1800" dirty="0" smtClean="0">
@@ -33745,55 +33986,7 @@
                   <a:schemeClr val="tx1"/>
                 </a:solidFill>
               </a:rPr>
-              <a:t>getrieben durch eine methodenbasierte Anforderungsanalyse. Es standen drei Methoden zur Auswahl: Use Cases, </a:t>
-            </a:r>
-            <a:r>
-              <a:rPr lang="de-DE" sz="1800" dirty="0" err="1" smtClean="0">
-                <a:solidFill>
-                  <a:schemeClr val="tx1"/>
-                </a:solidFill>
-              </a:rPr>
-              <a:t>Requirements</a:t>
-            </a:r>
-            <a:r>
-              <a:rPr lang="de-DE" sz="1800" dirty="0" smtClean="0">
-                <a:solidFill>
-                  <a:schemeClr val="tx1"/>
-                </a:solidFill>
-              </a:rPr>
-              <a:t> Engineering nach IEEE 830 und User Stories. Auf Ebene der Customer </a:t>
-            </a:r>
-            <a:r>
-              <a:rPr lang="de-DE" sz="1800" dirty="0" err="1" smtClean="0">
-                <a:solidFill>
-                  <a:schemeClr val="tx1"/>
-                </a:solidFill>
-              </a:rPr>
-              <a:t>Requirements</a:t>
-            </a:r>
-            <a:r>
-              <a:rPr lang="de-DE" sz="1800" dirty="0" smtClean="0">
-                <a:solidFill>
-                  <a:schemeClr val="tx1"/>
-                </a:solidFill>
-              </a:rPr>
-              <a:t> wird die Methode der Use Cases eingesetzt. Sie zeichnet sich dadurch aus, dass man die Anforderungen nicht nur textuell sondern auch modellbasiert mit UML definieren kann. Für die Dokumentation der Development-</a:t>
-            </a:r>
-            <a:r>
-              <a:rPr lang="de-DE" sz="1800" dirty="0" err="1" smtClean="0">
-                <a:solidFill>
-                  <a:schemeClr val="tx1"/>
-                </a:solidFill>
-              </a:rPr>
-              <a:t>Requirements</a:t>
-            </a:r>
-            <a:r>
-              <a:rPr lang="de-DE" sz="1800" dirty="0" smtClean="0">
-                <a:solidFill>
-                  <a:schemeClr val="tx1"/>
-                </a:solidFill>
-              </a:rPr>
-              <a:t>, beinhaltet auch die Qualitätsanforderungen, wird der Standard IEEE 830 verwendet. Die damit definierten Anforderungen lassen sich gut in einzelne Entwicklungspakete verpacken. Auch die Struktur der Anforderungsanalyse wurde anhand dieser Definition aufgebaut.</a:t>
+              <a:t> (auch die Qualitätsanforderungen) wird der Standard IEEE 830 verwendet. Die damit definierten Anforderungen lassen sich gut in einzelne Entwicklungspakete (Features) integrieren. Auch die Struktur der Anforderungsanalyse wurde anhand dieser Definition aufgebaut.</a:t>
             </a:r>
             <a:endParaRPr lang="en-US" sz="1800" dirty="0" err="1" smtClean="0">
               <a:solidFill>
